--- a/9-svg-path-ani/svg-stroke-ani.pptx
+++ b/9-svg-path-ani/svg-stroke-ani.pptx
@@ -17,8 +17,15 @@
     <p:sldId id="394" r:id="rId11"/>
     <p:sldId id="392" r:id="rId12"/>
     <p:sldId id="393" r:id="rId13"/>
-    <p:sldId id="391" r:id="rId14"/>
-    <p:sldId id="345" r:id="rId15"/>
+    <p:sldId id="395" r:id="rId14"/>
+    <p:sldId id="396" r:id="rId15"/>
+    <p:sldId id="397" r:id="rId16"/>
+    <p:sldId id="398" r:id="rId17"/>
+    <p:sldId id="399" r:id="rId18"/>
+    <p:sldId id="391" r:id="rId19"/>
+    <p:sldId id="400" r:id="rId20"/>
+    <p:sldId id="401" r:id="rId21"/>
+    <p:sldId id="345" r:id="rId22"/>
   </p:sldIdLst>
   <p:sldSz cx="9144000" cy="6858000" type="screen4x3"/>
   <p:notesSz cx="6858000" cy="9144000"/>
@@ -119,7 +126,7 @@
   </p:defaultTextStyle>
   <p:extLst>
     <p:ext uri="{EFAFB233-063F-42B5-8137-9DF3F51BA10A}">
-      <p15:sldGuideLst xmlns:p15="http://schemas.microsoft.com/office/powerpoint/2012/main">
+      <p15:sldGuideLst xmlns:p15="http://schemas.microsoft.com/office/powerpoint/2012/main" xmlns="">
         <p15:guide id="1" orient="horz" pos="2160">
           <p15:clr>
             <a:srgbClr val="A4A3A4"/>
@@ -317,7 +324,7 @@
           <a:p>
             <a:fld id="{17C7C8FB-1C37-4023-AA22-09D5A8E13DCF}" type="datetimeFigureOut">
               <a:rPr lang="zh-CN" altLang="en-US" smtClean="0"/>
-              <a:t>2018/6/21</a:t>
+              <a:t>2018/6/22</a:t>
             </a:fld>
             <a:endParaRPr lang="zh-CN" altLang="en-US"/>
           </a:p>
@@ -487,7 +494,7 @@
           <a:p>
             <a:fld id="{17C7C8FB-1C37-4023-AA22-09D5A8E13DCF}" type="datetimeFigureOut">
               <a:rPr lang="zh-CN" altLang="en-US" smtClean="0"/>
-              <a:t>2018/6/21</a:t>
+              <a:t>2018/6/22</a:t>
             </a:fld>
             <a:endParaRPr lang="zh-CN" altLang="en-US"/>
           </a:p>
@@ -667,7 +674,7 @@
           <a:p>
             <a:fld id="{17C7C8FB-1C37-4023-AA22-09D5A8E13DCF}" type="datetimeFigureOut">
               <a:rPr lang="zh-CN" altLang="en-US" smtClean="0"/>
-              <a:t>2018/6/21</a:t>
+              <a:t>2018/6/22</a:t>
             </a:fld>
             <a:endParaRPr lang="zh-CN" altLang="en-US"/>
           </a:p>
@@ -837,7 +844,7 @@
           <a:p>
             <a:fld id="{17C7C8FB-1C37-4023-AA22-09D5A8E13DCF}" type="datetimeFigureOut">
               <a:rPr lang="zh-CN" altLang="en-US" smtClean="0"/>
-              <a:t>2018/6/21</a:t>
+              <a:t>2018/6/22</a:t>
             </a:fld>
             <a:endParaRPr lang="zh-CN" altLang="en-US"/>
           </a:p>
@@ -1083,7 +1090,7 @@
           <a:p>
             <a:fld id="{17C7C8FB-1C37-4023-AA22-09D5A8E13DCF}" type="datetimeFigureOut">
               <a:rPr lang="zh-CN" altLang="en-US" smtClean="0"/>
-              <a:t>2018/6/21</a:t>
+              <a:t>2018/6/22</a:t>
             </a:fld>
             <a:endParaRPr lang="zh-CN" altLang="en-US"/>
           </a:p>
@@ -1371,7 +1378,7 @@
           <a:p>
             <a:fld id="{17C7C8FB-1C37-4023-AA22-09D5A8E13DCF}" type="datetimeFigureOut">
               <a:rPr lang="zh-CN" altLang="en-US" smtClean="0"/>
-              <a:t>2018/6/21</a:t>
+              <a:t>2018/6/22</a:t>
             </a:fld>
             <a:endParaRPr lang="zh-CN" altLang="en-US"/>
           </a:p>
@@ -1793,7 +1800,7 @@
           <a:p>
             <a:fld id="{17C7C8FB-1C37-4023-AA22-09D5A8E13DCF}" type="datetimeFigureOut">
               <a:rPr lang="zh-CN" altLang="en-US" smtClean="0"/>
-              <a:t>2018/6/21</a:t>
+              <a:t>2018/6/22</a:t>
             </a:fld>
             <a:endParaRPr lang="zh-CN" altLang="en-US"/>
           </a:p>
@@ -1911,7 +1918,7 @@
           <a:p>
             <a:fld id="{17C7C8FB-1C37-4023-AA22-09D5A8E13DCF}" type="datetimeFigureOut">
               <a:rPr lang="zh-CN" altLang="en-US" smtClean="0"/>
-              <a:t>2018/6/21</a:t>
+              <a:t>2018/6/22</a:t>
             </a:fld>
             <a:endParaRPr lang="zh-CN" altLang="en-US"/>
           </a:p>
@@ -2006,7 +2013,7 @@
           <a:p>
             <a:fld id="{17C7C8FB-1C37-4023-AA22-09D5A8E13DCF}" type="datetimeFigureOut">
               <a:rPr lang="zh-CN" altLang="en-US" smtClean="0"/>
-              <a:t>2018/6/21</a:t>
+              <a:t>2018/6/22</a:t>
             </a:fld>
             <a:endParaRPr lang="zh-CN" altLang="en-US"/>
           </a:p>
@@ -2283,7 +2290,7 @@
           <a:p>
             <a:fld id="{17C7C8FB-1C37-4023-AA22-09D5A8E13DCF}" type="datetimeFigureOut">
               <a:rPr lang="zh-CN" altLang="en-US" smtClean="0"/>
-              <a:t>2018/6/21</a:t>
+              <a:t>2018/6/22</a:t>
             </a:fld>
             <a:endParaRPr lang="zh-CN" altLang="en-US"/>
           </a:p>
@@ -2536,7 +2543,7 @@
           <a:p>
             <a:fld id="{17C7C8FB-1C37-4023-AA22-09D5A8E13DCF}" type="datetimeFigureOut">
               <a:rPr lang="zh-CN" altLang="en-US" smtClean="0"/>
-              <a:t>2018/6/21</a:t>
+              <a:t>2018/6/22</a:t>
             </a:fld>
             <a:endParaRPr lang="zh-CN" altLang="en-US"/>
           </a:p>
@@ -2749,7 +2756,7 @@
           <a:p>
             <a:fld id="{17C7C8FB-1C37-4023-AA22-09D5A8E13DCF}" type="datetimeFigureOut">
               <a:rPr lang="zh-CN" altLang="en-US" smtClean="0"/>
-              <a:t>2018/6/21</a:t>
+              <a:t>2018/6/22</a:t>
             </a:fld>
             <a:endParaRPr lang="zh-CN" altLang="en-US"/>
           </a:p>
@@ -3439,7 +3446,7 @@
         <p:spPr>
           <a:xfrm>
             <a:off x="827584" y="438759"/>
-            <a:ext cx="7776864" cy="3970318"/>
+            <a:ext cx="7776864" cy="2308324"/>
           </a:xfrm>
           <a:prstGeom prst="rect">
             <a:avLst/>
@@ -3502,146 +3509,6 @@
               </a:rPr>
               <a:t>L</a:t>
             </a:r>
-            <a:r>
-              <a:rPr lang="zh-CN" altLang="en-US" sz="2400" dirty="0" smtClean="0">
-                <a:solidFill>
-                  <a:schemeClr val="tx1">
-                    <a:lumMod val="75000"/>
-                    <a:lumOff val="25000"/>
-                  </a:schemeClr>
-                </a:solidFill>
-                <a:latin typeface="微软雅黑" pitchFamily="34" charset="-122"/>
-                <a:ea typeface="微软雅黑" pitchFamily="34" charset="-122"/>
-              </a:rPr>
-              <a:t>就是</a:t>
-            </a:r>
-            <a:r>
-              <a:rPr lang="en-US" altLang="zh-CN" sz="2400" dirty="0" err="1" smtClean="0">
-                <a:solidFill>
-                  <a:schemeClr val="tx1">
-                    <a:lumMod val="75000"/>
-                    <a:lumOff val="25000"/>
-                  </a:schemeClr>
-                </a:solidFill>
-                <a:latin typeface="微软雅黑" pitchFamily="34" charset="-122"/>
-                <a:ea typeface="微软雅黑" pitchFamily="34" charset="-122"/>
-              </a:rPr>
-              <a:t>lineto</a:t>
-            </a:r>
-            <a:r>
-              <a:rPr lang="en-US" altLang="zh-CN" sz="2400" dirty="0" smtClean="0">
-                <a:solidFill>
-                  <a:schemeClr val="tx1">
-                    <a:lumMod val="75000"/>
-                    <a:lumOff val="25000"/>
-                  </a:schemeClr>
-                </a:solidFill>
-                <a:latin typeface="微软雅黑" pitchFamily="34" charset="-122"/>
-                <a:ea typeface="微软雅黑" pitchFamily="34" charset="-122"/>
-              </a:rPr>
-              <a:t>,</a:t>
-            </a:r>
-            <a:r>
-              <a:rPr lang="zh-CN" altLang="en-US" sz="2400" dirty="0" smtClean="0">
-                <a:solidFill>
-                  <a:schemeClr val="tx1">
-                    <a:lumMod val="75000"/>
-                    <a:lumOff val="25000"/>
-                  </a:schemeClr>
-                </a:solidFill>
-                <a:latin typeface="微软雅黑" pitchFamily="34" charset="-122"/>
-                <a:ea typeface="微软雅黑" pitchFamily="34" charset="-122"/>
-              </a:rPr>
-              <a:t>表示画一条直线，如</a:t>
-            </a:r>
-            <a:r>
-              <a:rPr lang="en-US" altLang="zh-CN" sz="2400" dirty="0" smtClean="0">
-                <a:solidFill>
-                  <a:schemeClr val="tx1">
-                    <a:lumMod val="75000"/>
-                    <a:lumOff val="25000"/>
-                  </a:schemeClr>
-                </a:solidFill>
-                <a:latin typeface="微软雅黑" pitchFamily="34" charset="-122"/>
-                <a:ea typeface="微软雅黑" pitchFamily="34" charset="-122"/>
-              </a:rPr>
-              <a:t>L10 20 </a:t>
-            </a:r>
-            <a:r>
-              <a:rPr lang="zh-CN" altLang="en-US" sz="2400" dirty="0" smtClean="0">
-                <a:solidFill>
-                  <a:schemeClr val="tx1">
-                    <a:lumMod val="75000"/>
-                    <a:lumOff val="25000"/>
-                  </a:schemeClr>
-                </a:solidFill>
-                <a:latin typeface="微软雅黑" pitchFamily="34" charset="-122"/>
-                <a:ea typeface="微软雅黑" pitchFamily="34" charset="-122"/>
-              </a:rPr>
-              <a:t>，表示从当前位置（</a:t>
-            </a:r>
-            <a:r>
-              <a:rPr lang="en-US" altLang="zh-CN" sz="2400" dirty="0" smtClean="0">
-                <a:solidFill>
-                  <a:schemeClr val="tx1">
-                    <a:lumMod val="75000"/>
-                    <a:lumOff val="25000"/>
-                  </a:schemeClr>
-                </a:solidFill>
-                <a:latin typeface="微软雅黑" pitchFamily="34" charset="-122"/>
-                <a:ea typeface="微软雅黑" pitchFamily="34" charset="-122"/>
-              </a:rPr>
-              <a:t>M</a:t>
-            </a:r>
-            <a:r>
-              <a:rPr lang="zh-CN" altLang="en-US" sz="2400" dirty="0" smtClean="0">
-                <a:solidFill>
-                  <a:schemeClr val="tx1">
-                    <a:lumMod val="75000"/>
-                    <a:lumOff val="25000"/>
-                  </a:schemeClr>
-                </a:solidFill>
-                <a:latin typeface="微软雅黑" pitchFamily="34" charset="-122"/>
-                <a:ea typeface="微软雅黑" pitchFamily="34" charset="-122"/>
-              </a:rPr>
-              <a:t>指令设置的，或者上一个绘图指令截至的位置），到</a:t>
-            </a:r>
-            <a:r>
-              <a:rPr lang="en-US" altLang="zh-CN" sz="2400" dirty="0" smtClean="0">
-                <a:solidFill>
-                  <a:schemeClr val="tx1">
-                    <a:lumMod val="75000"/>
-                    <a:lumOff val="25000"/>
-                  </a:schemeClr>
-                </a:solidFill>
-                <a:latin typeface="微软雅黑" pitchFamily="34" charset="-122"/>
-                <a:ea typeface="微软雅黑" pitchFamily="34" charset="-122"/>
-              </a:rPr>
-              <a:t>x=10,y=20</a:t>
-            </a:r>
-            <a:r>
-              <a:rPr lang="zh-CN" altLang="en-US" sz="2400" dirty="0" smtClean="0">
-                <a:solidFill>
-                  <a:schemeClr val="tx1">
-                    <a:lumMod val="75000"/>
-                    <a:lumOff val="25000"/>
-                  </a:schemeClr>
-                </a:solidFill>
-                <a:latin typeface="微软雅黑" pitchFamily="34" charset="-122"/>
-                <a:ea typeface="微软雅黑" pitchFamily="34" charset="-122"/>
-              </a:rPr>
-              <a:t>的地方绘制一条直线。</a:t>
-            </a:r>
-            <a:endParaRPr lang="en-US" altLang="zh-CN" sz="2400" dirty="0" smtClean="0">
-              <a:solidFill>
-                <a:schemeClr val="tx1">
-                  <a:lumMod val="75000"/>
-                  <a:lumOff val="25000"/>
-                </a:schemeClr>
-              </a:solidFill>
-              <a:latin typeface="微软雅黑" pitchFamily="34" charset="-122"/>
-              <a:ea typeface="微软雅黑" pitchFamily="34" charset="-122"/>
-            </a:endParaRPr>
           </a:p>
           <a:p>
             <a:pPr>
@@ -3650,7 +3517,7 @@
               </a:lnSpc>
             </a:pPr>
             <a:r>
-              <a:rPr lang="en-US" altLang="zh-CN" sz="2400" b="1" dirty="0">
+              <a:rPr lang="en-US" altLang="zh-CN" sz="2400" b="1" dirty="0" smtClean="0">
                 <a:solidFill>
                   <a:schemeClr val="tx1">
                     <a:lumMod val="75000"/>
@@ -3693,7 +3560,7 @@
                 <a:latin typeface="微软雅黑" pitchFamily="34" charset="-122"/>
                 <a:ea typeface="微软雅黑" pitchFamily="34" charset="-122"/>
               </a:rPr>
-              <a:t>表示闭合路径，后面没有参数。路径可以是开放的，也可以是闭合的，闭合的意思就是路径的首位相连。</a:t>
+              <a:t>表示</a:t>
             </a:r>
             <a:endParaRPr lang="en-US" altLang="zh-CN" sz="2400" dirty="0" smtClean="0">
               <a:solidFill>
@@ -3954,7 +3821,7 @@
         <p:spPr>
           <a:xfrm>
             <a:off x="827584" y="438759"/>
-            <a:ext cx="7776864" cy="1135054"/>
+            <a:ext cx="7776864" cy="581057"/>
           </a:xfrm>
           <a:prstGeom prst="rect">
             <a:avLst/>
@@ -4024,36 +3891,6 @@
               <a:t>文档</a:t>
             </a:r>
             <a:endParaRPr lang="en-US" altLang="zh-CN" sz="2400" b="1" dirty="0" smtClean="0">
-              <a:solidFill>
-                <a:schemeClr val="tx1">
-                  <a:lumMod val="75000"/>
-                  <a:lumOff val="25000"/>
-                </a:schemeClr>
-              </a:solidFill>
-              <a:latin typeface="微软雅黑" pitchFamily="34" charset="-122"/>
-              <a:ea typeface="微软雅黑" pitchFamily="34" charset="-122"/>
-            </a:endParaRPr>
-          </a:p>
-          <a:p>
-            <a:pPr>
-              <a:lnSpc>
-                <a:spcPct val="150000"/>
-              </a:lnSpc>
-            </a:pPr>
-            <a:r>
-              <a:rPr lang="zh-CN" altLang="en-US" sz="2400" dirty="0">
-                <a:solidFill>
-                  <a:schemeClr val="tx1">
-                    <a:lumMod val="75000"/>
-                    <a:lumOff val="25000"/>
-                  </a:schemeClr>
-                </a:solidFill>
-                <a:latin typeface="微软雅黑" pitchFamily="34" charset="-122"/>
-                <a:ea typeface="微软雅黑" pitchFamily="34" charset="-122"/>
-              </a:rPr>
-              <a:t>阿斯蒂芬</a:t>
-            </a:r>
-            <a:endParaRPr lang="en-US" altLang="zh-CN" sz="2400" dirty="0" smtClean="0">
               <a:solidFill>
                 <a:schemeClr val="tx1">
                   <a:lumMod val="75000"/>
@@ -4268,10 +4105,361 @@
           <a:chExt cx="0" cy="0"/>
         </a:xfrm>
       </p:grpSpPr>
+      <p:sp>
+        <p:nvSpPr>
+          <p:cNvPr id="2" name="矩形 1"/>
+          <p:cNvSpPr/>
+          <p:nvPr/>
+        </p:nvSpPr>
+        <p:spPr>
+          <a:xfrm>
+            <a:off x="827584" y="438759"/>
+            <a:ext cx="7776864" cy="3416320"/>
+          </a:xfrm>
+          <a:prstGeom prst="rect">
+            <a:avLst/>
+          </a:prstGeom>
+        </p:spPr>
+        <p:txBody>
+          <a:bodyPr wrap="square">
+            <a:spAutoFit/>
+          </a:bodyPr>
+          <a:lstStyle/>
+          <a:p>
+            <a:pPr>
+              <a:lnSpc>
+                <a:spcPct val="150000"/>
+              </a:lnSpc>
+            </a:pPr>
+            <a:r>
+              <a:rPr lang="zh-CN" altLang="en-US" sz="2400" dirty="0" smtClean="0">
+                <a:solidFill>
+                  <a:schemeClr val="tx1">
+                    <a:lumMod val="75000"/>
+                    <a:lumOff val="25000"/>
+                  </a:schemeClr>
+                </a:solidFill>
+                <a:latin typeface="微软雅黑" pitchFamily="34" charset="-122"/>
+                <a:ea typeface="微软雅黑" pitchFamily="34" charset="-122"/>
+              </a:rPr>
+              <a:t>我们把路径放在</a:t>
+            </a:r>
+            <a:r>
+              <a:rPr lang="en-US" altLang="zh-CN" sz="2400" dirty="0" smtClean="0">
+                <a:solidFill>
+                  <a:schemeClr val="tx1">
+                    <a:lumMod val="75000"/>
+                    <a:lumOff val="25000"/>
+                  </a:schemeClr>
+                </a:solidFill>
+                <a:latin typeface="微软雅黑" pitchFamily="34" charset="-122"/>
+                <a:ea typeface="微软雅黑" pitchFamily="34" charset="-122"/>
+              </a:rPr>
+              <a:t>&lt;</a:t>
+            </a:r>
+            <a:r>
+              <a:rPr lang="en-US" altLang="zh-CN" sz="2400" dirty="0" err="1" smtClean="0">
+                <a:solidFill>
+                  <a:schemeClr val="tx1">
+                    <a:lumMod val="75000"/>
+                    <a:lumOff val="25000"/>
+                  </a:schemeClr>
+                </a:solidFill>
+                <a:latin typeface="微软雅黑" pitchFamily="34" charset="-122"/>
+                <a:ea typeface="微软雅黑" pitchFamily="34" charset="-122"/>
+              </a:rPr>
+              <a:t>defs</a:t>
+            </a:r>
+            <a:r>
+              <a:rPr lang="en-US" altLang="zh-CN" sz="2400" dirty="0" smtClean="0">
+                <a:solidFill>
+                  <a:schemeClr val="tx1">
+                    <a:lumMod val="75000"/>
+                    <a:lumOff val="25000"/>
+                  </a:schemeClr>
+                </a:solidFill>
+                <a:latin typeface="微软雅黑" pitchFamily="34" charset="-122"/>
+                <a:ea typeface="微软雅黑" pitchFamily="34" charset="-122"/>
+              </a:rPr>
+              <a:t>&gt;</a:t>
+            </a:r>
+            <a:r>
+              <a:rPr lang="zh-CN" altLang="en-US" sz="2400" dirty="0" smtClean="0">
+                <a:solidFill>
+                  <a:schemeClr val="tx1">
+                    <a:lumMod val="75000"/>
+                    <a:lumOff val="25000"/>
+                  </a:schemeClr>
+                </a:solidFill>
+                <a:latin typeface="微软雅黑" pitchFamily="34" charset="-122"/>
+                <a:ea typeface="微软雅黑" pitchFamily="34" charset="-122"/>
+              </a:rPr>
+              <a:t>标签中，这样就不会直接显示了，在</a:t>
+            </a:r>
+            <a:r>
+              <a:rPr lang="en-US" altLang="zh-CN" sz="2400" dirty="0" smtClean="0">
+                <a:solidFill>
+                  <a:schemeClr val="tx1">
+                    <a:lumMod val="75000"/>
+                    <a:lumOff val="25000"/>
+                  </a:schemeClr>
+                </a:solidFill>
+                <a:latin typeface="微软雅黑" pitchFamily="34" charset="-122"/>
+                <a:ea typeface="微软雅黑" pitchFamily="34" charset="-122"/>
+              </a:rPr>
+              <a:t>&lt;</a:t>
+            </a:r>
+            <a:r>
+              <a:rPr lang="en-US" altLang="zh-CN" sz="2400" dirty="0" err="1" smtClean="0">
+                <a:solidFill>
+                  <a:schemeClr val="tx1">
+                    <a:lumMod val="75000"/>
+                    <a:lumOff val="25000"/>
+                  </a:schemeClr>
+                </a:solidFill>
+                <a:latin typeface="微软雅黑" pitchFamily="34" charset="-122"/>
+                <a:ea typeface="微软雅黑" pitchFamily="34" charset="-122"/>
+              </a:rPr>
+              <a:t>defs</a:t>
+            </a:r>
+            <a:r>
+              <a:rPr lang="en-US" altLang="zh-CN" sz="2400" dirty="0" smtClean="0">
+                <a:solidFill>
+                  <a:schemeClr val="tx1">
+                    <a:lumMod val="75000"/>
+                    <a:lumOff val="25000"/>
+                  </a:schemeClr>
+                </a:solidFill>
+                <a:latin typeface="微软雅黑" pitchFamily="34" charset="-122"/>
+                <a:ea typeface="微软雅黑" pitchFamily="34" charset="-122"/>
+              </a:rPr>
+              <a:t>&gt;</a:t>
+            </a:r>
+            <a:r>
+              <a:rPr lang="zh-CN" altLang="en-US" sz="2400" dirty="0" smtClean="0">
+                <a:solidFill>
+                  <a:schemeClr val="tx1">
+                    <a:lumMod val="75000"/>
+                    <a:lumOff val="25000"/>
+                  </a:schemeClr>
+                </a:solidFill>
+                <a:latin typeface="微软雅黑" pitchFamily="34" charset="-122"/>
+                <a:ea typeface="微软雅黑" pitchFamily="34" charset="-122"/>
+              </a:rPr>
+              <a:t>标签中使用</a:t>
+            </a:r>
+            <a:r>
+              <a:rPr lang="en-US" altLang="zh-CN" sz="2400" dirty="0" smtClean="0">
+                <a:solidFill>
+                  <a:schemeClr val="tx1">
+                    <a:lumMod val="75000"/>
+                    <a:lumOff val="25000"/>
+                  </a:schemeClr>
+                </a:solidFill>
+                <a:latin typeface="微软雅黑" pitchFamily="34" charset="-122"/>
+                <a:ea typeface="微软雅黑" pitchFamily="34" charset="-122"/>
+              </a:rPr>
+              <a:t>&lt;g&gt;</a:t>
+            </a:r>
+            <a:r>
+              <a:rPr lang="zh-CN" altLang="en-US" sz="2400" dirty="0" smtClean="0">
+                <a:solidFill>
+                  <a:schemeClr val="tx1">
+                    <a:lumMod val="75000"/>
+                    <a:lumOff val="25000"/>
+                  </a:schemeClr>
+                </a:solidFill>
+                <a:latin typeface="微软雅黑" pitchFamily="34" charset="-122"/>
+                <a:ea typeface="微软雅黑" pitchFamily="34" charset="-122"/>
+              </a:rPr>
+              <a:t>标签包裹所有的</a:t>
+            </a:r>
+            <a:r>
+              <a:rPr lang="en-US" altLang="zh-CN" sz="2400" dirty="0" smtClean="0">
+                <a:solidFill>
+                  <a:schemeClr val="tx1">
+                    <a:lumMod val="75000"/>
+                    <a:lumOff val="25000"/>
+                  </a:schemeClr>
+                </a:solidFill>
+                <a:latin typeface="微软雅黑" pitchFamily="34" charset="-122"/>
+                <a:ea typeface="微软雅黑" pitchFamily="34" charset="-122"/>
+              </a:rPr>
+              <a:t>&lt;path/&gt;</a:t>
+            </a:r>
+            <a:r>
+              <a:rPr lang="zh-CN" altLang="en-US" sz="2400" dirty="0" smtClean="0">
+                <a:solidFill>
+                  <a:schemeClr val="tx1">
+                    <a:lumMod val="75000"/>
+                    <a:lumOff val="25000"/>
+                  </a:schemeClr>
+                </a:solidFill>
+                <a:latin typeface="微软雅黑" pitchFamily="34" charset="-122"/>
+                <a:ea typeface="微软雅黑" pitchFamily="34" charset="-122"/>
+              </a:rPr>
+              <a:t>路径。然后使用</a:t>
+            </a:r>
+            <a:r>
+              <a:rPr lang="en-US" altLang="zh-CN" sz="2400" dirty="0" smtClean="0">
+                <a:solidFill>
+                  <a:schemeClr val="tx1">
+                    <a:lumMod val="75000"/>
+                    <a:lumOff val="25000"/>
+                  </a:schemeClr>
+                </a:solidFill>
+                <a:latin typeface="微软雅黑" pitchFamily="34" charset="-122"/>
+                <a:ea typeface="微软雅黑" pitchFamily="34" charset="-122"/>
+              </a:rPr>
+              <a:t>&lt;use&gt;</a:t>
+            </a:r>
+            <a:r>
+              <a:rPr lang="zh-CN" altLang="en-US" sz="2400" dirty="0" smtClean="0">
+                <a:solidFill>
+                  <a:schemeClr val="tx1">
+                    <a:lumMod val="75000"/>
+                    <a:lumOff val="25000"/>
+                  </a:schemeClr>
+                </a:solidFill>
+                <a:latin typeface="微软雅黑" pitchFamily="34" charset="-122"/>
+                <a:ea typeface="微软雅黑" pitchFamily="34" charset="-122"/>
+              </a:rPr>
+              <a:t>标签复用</a:t>
+            </a:r>
+            <a:r>
+              <a:rPr lang="en-US" altLang="zh-CN" sz="2400" dirty="0" smtClean="0">
+                <a:solidFill>
+                  <a:schemeClr val="tx1">
+                    <a:lumMod val="75000"/>
+                    <a:lumOff val="25000"/>
+                  </a:schemeClr>
+                </a:solidFill>
+                <a:latin typeface="微软雅黑" pitchFamily="34" charset="-122"/>
+                <a:ea typeface="微软雅黑" pitchFamily="34" charset="-122"/>
+              </a:rPr>
+              <a:t>&lt;g&gt;</a:t>
+            </a:r>
+            <a:r>
+              <a:rPr lang="zh-CN" altLang="en-US" sz="2400" dirty="0" smtClean="0">
+                <a:solidFill>
+                  <a:schemeClr val="tx1">
+                    <a:lumMod val="75000"/>
+                    <a:lumOff val="25000"/>
+                  </a:schemeClr>
+                </a:solidFill>
+                <a:latin typeface="微软雅黑" pitchFamily="34" charset="-122"/>
+                <a:ea typeface="微软雅黑" pitchFamily="34" charset="-122"/>
+              </a:rPr>
+              <a:t>标签包含的所有路径，因为我们想要制作</a:t>
+            </a:r>
+            <a:r>
+              <a:rPr lang="en-US" altLang="zh-CN" sz="2400" b="1" dirty="0" smtClean="0">
+                <a:solidFill>
+                  <a:schemeClr val="tx1">
+                    <a:lumMod val="75000"/>
+                    <a:lumOff val="25000"/>
+                  </a:schemeClr>
+                </a:solidFill>
+                <a:latin typeface="微软雅黑" pitchFamily="34" charset="-122"/>
+                <a:ea typeface="微软雅黑" pitchFamily="34" charset="-122"/>
+              </a:rPr>
+              <a:t>3</a:t>
+            </a:r>
+            <a:r>
+              <a:rPr lang="zh-CN" altLang="en-US" sz="2400" b="1" dirty="0" smtClean="0">
+                <a:solidFill>
+                  <a:schemeClr val="tx1">
+                    <a:lumMod val="75000"/>
+                    <a:lumOff val="25000"/>
+                  </a:schemeClr>
+                </a:solidFill>
+                <a:latin typeface="微软雅黑" pitchFamily="34" charset="-122"/>
+                <a:ea typeface="微软雅黑" pitchFamily="34" charset="-122"/>
+              </a:rPr>
+              <a:t>重描边</a:t>
+            </a:r>
+            <a:r>
+              <a:rPr lang="zh-CN" altLang="en-US" sz="2400" dirty="0" smtClean="0">
+                <a:solidFill>
+                  <a:schemeClr val="tx1">
+                    <a:lumMod val="75000"/>
+                    <a:lumOff val="25000"/>
+                  </a:schemeClr>
+                </a:solidFill>
+                <a:latin typeface="微软雅黑" pitchFamily="34" charset="-122"/>
+                <a:ea typeface="微软雅黑" pitchFamily="34" charset="-122"/>
+              </a:rPr>
+              <a:t>，先后绘制的效果，所以需要将所有路径引用</a:t>
+            </a:r>
+            <a:r>
+              <a:rPr lang="en-US" altLang="zh-CN" sz="2400" dirty="0" smtClean="0">
+                <a:solidFill>
+                  <a:schemeClr val="tx1">
+                    <a:lumMod val="75000"/>
+                    <a:lumOff val="25000"/>
+                  </a:schemeClr>
+                </a:solidFill>
+                <a:latin typeface="微软雅黑" pitchFamily="34" charset="-122"/>
+                <a:ea typeface="微软雅黑" pitchFamily="34" charset="-122"/>
+              </a:rPr>
+              <a:t>3</a:t>
+            </a:r>
+            <a:r>
+              <a:rPr lang="zh-CN" altLang="en-US" sz="2400" dirty="0" smtClean="0">
+                <a:solidFill>
+                  <a:schemeClr val="tx1">
+                    <a:lumMod val="75000"/>
+                    <a:lumOff val="25000"/>
+                  </a:schemeClr>
+                </a:solidFill>
+                <a:latin typeface="微软雅黑" pitchFamily="34" charset="-122"/>
+                <a:ea typeface="微软雅黑" pitchFamily="34" charset="-122"/>
+              </a:rPr>
+              <a:t>次。另外需要注意的是</a:t>
+            </a:r>
+            <a:r>
+              <a:rPr lang="zh-CN" altLang="en-US" sz="2400" b="1" dirty="0" smtClean="0">
+                <a:solidFill>
+                  <a:schemeClr val="tx1">
+                    <a:lumMod val="75000"/>
+                    <a:lumOff val="25000"/>
+                  </a:schemeClr>
+                </a:solidFill>
+                <a:latin typeface="微软雅黑" pitchFamily="34" charset="-122"/>
+                <a:ea typeface="微软雅黑" pitchFamily="34" charset="-122"/>
+              </a:rPr>
+              <a:t>先后顺序</a:t>
+            </a:r>
+            <a:r>
+              <a:rPr lang="zh-CN" altLang="en-US" sz="2400" dirty="0" smtClean="0">
+                <a:solidFill>
+                  <a:schemeClr val="tx1">
+                    <a:lumMod val="75000"/>
+                    <a:lumOff val="25000"/>
+                  </a:schemeClr>
+                </a:solidFill>
+                <a:latin typeface="微软雅黑" pitchFamily="34" charset="-122"/>
+                <a:ea typeface="微软雅黑" pitchFamily="34" charset="-122"/>
+              </a:rPr>
+              <a:t>，写在后面的路径描边后会遮挡前面的。</a:t>
+            </a:r>
+            <a:endParaRPr lang="en-US" altLang="zh-CN" sz="2400" dirty="0" smtClean="0">
+              <a:solidFill>
+                <a:schemeClr val="tx1">
+                  <a:lumMod val="75000"/>
+                  <a:lumOff val="25000"/>
+                </a:schemeClr>
+              </a:solidFill>
+              <a:latin typeface="微软雅黑" pitchFamily="34" charset="-122"/>
+              <a:ea typeface="微软雅黑" pitchFamily="34" charset="-122"/>
+            </a:endParaRPr>
+          </a:p>
+        </p:txBody>
+      </p:sp>
     </p:spTree>
     <p:extLst>
       <p:ext uri="{BB962C8B-B14F-4D97-AF65-F5344CB8AC3E}">
-        <p14:creationId xmlns:p14="http://schemas.microsoft.com/office/powerpoint/2010/main" val="779776397"/>
+        <p14:creationId xmlns:p14="http://schemas.microsoft.com/office/powerpoint/2010/main" val="1554264438"/>
       </p:ext>
     </p:extLst>
   </p:cSld>
@@ -4300,66 +4488,70 @@
       </p:grpSpPr>
       <p:sp>
         <p:nvSpPr>
-          <p:cNvPr id="4" name="TextBox 3"/>
-          <p:cNvSpPr txBox="1"/>
+          <p:cNvPr id="2" name="矩形 1"/>
+          <p:cNvSpPr/>
           <p:nvPr/>
         </p:nvSpPr>
         <p:spPr>
           <a:xfrm>
-            <a:off x="467544" y="476672"/>
-            <a:ext cx="7776864" cy="523220"/>
+            <a:off x="827584" y="438759"/>
+            <a:ext cx="7776864" cy="5632311"/>
           </a:xfrm>
           <a:prstGeom prst="rect">
             <a:avLst/>
           </a:prstGeom>
-          <a:noFill/>
         </p:spPr>
         <p:txBody>
-          <a:bodyPr wrap="square" rtlCol="0">
+          <a:bodyPr wrap="square">
             <a:spAutoFit/>
           </a:bodyPr>
           <a:lstStyle/>
           <a:p>
-            <a:r>
-              <a:rPr lang="en-US" altLang="zh-CN" sz="2800" b="1" dirty="0">
-                <a:solidFill>
-                  <a:schemeClr val="tx1">
-                    <a:lumMod val="75000"/>
-                    <a:lumOff val="25000"/>
-                  </a:schemeClr>
-                </a:solidFill>
-                <a:latin typeface="微软雅黑" pitchFamily="34" charset="-122"/>
-                <a:ea typeface="微软雅黑" pitchFamily="34" charset="-122"/>
-              </a:rPr>
-              <a:t>6</a:t>
-            </a:r>
-            <a:r>
-              <a:rPr lang="en-US" altLang="zh-CN" sz="2800" b="1" dirty="0" smtClean="0">
-                <a:solidFill>
-                  <a:schemeClr val="tx1">
-                    <a:lumMod val="75000"/>
-                    <a:lumOff val="25000"/>
-                  </a:schemeClr>
-                </a:solidFill>
-                <a:latin typeface="微软雅黑" pitchFamily="34" charset="-122"/>
-                <a:ea typeface="微软雅黑" pitchFamily="34" charset="-122"/>
-              </a:rPr>
-              <a:t>.</a:t>
-            </a:r>
-            <a:r>
-              <a:rPr lang="zh-CN" altLang="en-US" sz="2800" b="1" dirty="0" smtClean="0">
-                <a:solidFill>
-                  <a:schemeClr val="tx1">
-                    <a:lumMod val="75000"/>
-                    <a:lumOff val="25000"/>
-                  </a:schemeClr>
-                </a:solidFill>
-                <a:latin typeface="微软雅黑" pitchFamily="34" charset="-122"/>
-                <a:ea typeface="微软雅黑" pitchFamily="34" charset="-122"/>
-              </a:rPr>
-              <a:t>更多思考</a:t>
-            </a:r>
-            <a:endParaRPr lang="zh-CN" altLang="en-US" sz="2800" b="1" dirty="0">
+            <a:pPr>
+              <a:lnSpc>
+                <a:spcPct val="150000"/>
+              </a:lnSpc>
+            </a:pPr>
+            <a:r>
+              <a:rPr lang="en-US" altLang="zh-CN" sz="2400" b="1" dirty="0">
+                <a:solidFill>
+                  <a:schemeClr val="tx1">
+                    <a:lumMod val="75000"/>
+                    <a:lumOff val="25000"/>
+                  </a:schemeClr>
+                </a:solidFill>
+                <a:latin typeface="微软雅黑" pitchFamily="34" charset="-122"/>
+                <a:ea typeface="微软雅黑" pitchFamily="34" charset="-122"/>
+              </a:rPr>
+              <a:t>4</a:t>
+            </a:r>
+            <a:r>
+              <a:rPr lang="en-US" altLang="zh-CN" sz="2400" b="1" dirty="0" smtClean="0">
+                <a:solidFill>
+                  <a:schemeClr val="tx1">
+                    <a:lumMod val="75000"/>
+                    <a:lumOff val="25000"/>
+                  </a:schemeClr>
+                </a:solidFill>
+                <a:latin typeface="微软雅黑" pitchFamily="34" charset="-122"/>
+                <a:ea typeface="微软雅黑" pitchFamily="34" charset="-122"/>
+              </a:rPr>
+              <a:t> </a:t>
+            </a:r>
+            <a:r>
+              <a:rPr lang="zh-CN" altLang="en-US" sz="2400" b="1" dirty="0" smtClean="0">
+                <a:solidFill>
+                  <a:schemeClr val="tx1">
+                    <a:lumMod val="75000"/>
+                    <a:lumOff val="25000"/>
+                  </a:schemeClr>
+                </a:solidFill>
+                <a:latin typeface="微软雅黑" pitchFamily="34" charset="-122"/>
+                <a:ea typeface="微软雅黑" pitchFamily="34" charset="-122"/>
+              </a:rPr>
+              <a:t>逐步描边的实现</a:t>
+            </a:r>
+            <a:endParaRPr lang="en-US" altLang="zh-CN" sz="2400" b="1" dirty="0" smtClean="0">
               <a:solidFill>
                 <a:schemeClr val="tx1">
                   <a:lumMod val="75000"/>
@@ -4370,57 +4562,39 @@
               <a:ea typeface="微软雅黑" pitchFamily="34" charset="-122"/>
             </a:endParaRPr>
           </a:p>
-        </p:txBody>
-      </p:sp>
-      <p:sp>
-        <p:nvSpPr>
-          <p:cNvPr id="9" name="TextBox 8"/>
-          <p:cNvSpPr txBox="1"/>
-          <p:nvPr/>
-        </p:nvSpPr>
-        <p:spPr>
-          <a:xfrm>
-            <a:off x="467544" y="4924325"/>
-            <a:ext cx="7776864" cy="1384995"/>
-          </a:xfrm>
-          <a:prstGeom prst="rect">
-            <a:avLst/>
-          </a:prstGeom>
-          <a:noFill/>
-        </p:spPr>
-        <p:txBody>
-          <a:bodyPr wrap="square" rtlCol="0">
-            <a:spAutoFit/>
-          </a:bodyPr>
-          <a:lstStyle/>
-          <a:p>
-            <a:r>
-              <a:rPr lang="en-US" altLang="zh-CN" sz="2800" b="1" dirty="0" smtClean="0">
-                <a:solidFill>
-                  <a:schemeClr val="tx1">
-                    <a:lumMod val="75000"/>
-                    <a:lumOff val="25000"/>
-                  </a:schemeClr>
-                </a:solidFill>
-                <a:latin typeface="微软雅黑" pitchFamily="34" charset="-122"/>
-                <a:ea typeface="微软雅黑" pitchFamily="34" charset="-122"/>
-              </a:rPr>
-              <a:t>	</a:t>
-            </a:r>
-            <a:r>
-              <a:rPr lang="zh-CN" altLang="en-US" sz="2800" b="1" dirty="0" smtClean="0">
-                <a:solidFill>
-                  <a:schemeClr val="tx1">
-                    <a:lumMod val="75000"/>
-                    <a:lumOff val="25000"/>
-                  </a:schemeClr>
-                </a:solidFill>
-                <a:latin typeface="微软雅黑" pitchFamily="34" charset="-122"/>
-                <a:ea typeface="微软雅黑" pitchFamily="34" charset="-122"/>
-              </a:rPr>
-              <a:t>本期内容就讲到这里，谢谢大家！</a:t>
-            </a:r>
-            <a:endParaRPr lang="en-US" altLang="zh-CN" sz="2800" b="1" dirty="0" smtClean="0">
+          <a:p>
+            <a:pPr>
+              <a:lnSpc>
+                <a:spcPct val="150000"/>
+              </a:lnSpc>
+            </a:pPr>
+            <a:r>
+              <a:rPr lang="en-US" altLang="zh-CN" sz="2400" b="1" dirty="0">
+                <a:solidFill>
+                  <a:schemeClr val="tx1">
+                    <a:lumMod val="75000"/>
+                    <a:lumOff val="25000"/>
+                  </a:schemeClr>
+                </a:solidFill>
+                <a:latin typeface="微软雅黑" pitchFamily="34" charset="-122"/>
+                <a:ea typeface="微软雅黑" pitchFamily="34" charset="-122"/>
+              </a:rPr>
+              <a:t>4-a stroke-</a:t>
+            </a:r>
+            <a:r>
+              <a:rPr lang="en-US" altLang="zh-CN" sz="2400" b="1" dirty="0" err="1">
+                <a:solidFill>
+                  <a:schemeClr val="tx1">
+                    <a:lumMod val="75000"/>
+                    <a:lumOff val="25000"/>
+                  </a:schemeClr>
+                </a:solidFill>
+                <a:latin typeface="微软雅黑" pitchFamily="34" charset="-122"/>
+                <a:ea typeface="微软雅黑" pitchFamily="34" charset="-122"/>
+              </a:rPr>
+              <a:t>dasharray</a:t>
+            </a:r>
+            <a:endParaRPr lang="en-US" altLang="zh-CN" sz="2400" b="1" dirty="0" smtClean="0">
               <a:solidFill>
                 <a:schemeClr val="tx1">
                   <a:lumMod val="75000"/>
@@ -4432,87 +4606,25 @@
             </a:endParaRPr>
           </a:p>
           <a:p>
-            <a:endParaRPr lang="en-US" altLang="zh-CN" sz="2800" b="1" dirty="0" smtClean="0">
-              <a:solidFill>
-                <a:schemeClr val="tx1">
-                  <a:lumMod val="75000"/>
-                  <a:lumOff val="25000"/>
-                </a:schemeClr>
-              </a:solidFill>
-              <a:latin typeface="微软雅黑" pitchFamily="34" charset="-122"/>
-              <a:ea typeface="微软雅黑" pitchFamily="34" charset="-122"/>
-            </a:endParaRPr>
-          </a:p>
-          <a:p>
-            <a:r>
-              <a:rPr lang="en-US" altLang="zh-CN" sz="2800" b="1" dirty="0">
-                <a:solidFill>
-                  <a:schemeClr val="tx1">
-                    <a:lumMod val="75000"/>
-                    <a:lumOff val="25000"/>
-                  </a:schemeClr>
-                </a:solidFill>
-                <a:latin typeface="微软雅黑" pitchFamily="34" charset="-122"/>
-                <a:ea typeface="微软雅黑" pitchFamily="34" charset="-122"/>
-              </a:rPr>
-              <a:t>	</a:t>
-            </a:r>
-            <a:r>
-              <a:rPr lang="en-US" altLang="zh-CN" sz="2800" b="1" dirty="0" smtClean="0">
-                <a:solidFill>
-                  <a:schemeClr val="tx1">
-                    <a:lumMod val="75000"/>
-                    <a:lumOff val="25000"/>
-                  </a:schemeClr>
-                </a:solidFill>
-                <a:latin typeface="微软雅黑" pitchFamily="34" charset="-122"/>
-                <a:ea typeface="微软雅黑" pitchFamily="34" charset="-122"/>
-              </a:rPr>
-              <a:t>	</a:t>
-            </a:r>
-            <a:endParaRPr lang="zh-CN" altLang="en-US" sz="2800" b="1" dirty="0">
-              <a:solidFill>
-                <a:schemeClr val="tx1">
-                  <a:lumMod val="75000"/>
-                  <a:lumOff val="25000"/>
-                </a:schemeClr>
-              </a:solidFill>
-              <a:latin typeface="微软雅黑" pitchFamily="34" charset="-122"/>
-              <a:ea typeface="微软雅黑" pitchFamily="34" charset="-122"/>
-            </a:endParaRPr>
-          </a:p>
-        </p:txBody>
-      </p:sp>
-      <p:sp>
-        <p:nvSpPr>
-          <p:cNvPr id="5" name="TextBox 4"/>
-          <p:cNvSpPr txBox="1"/>
-          <p:nvPr/>
-        </p:nvSpPr>
-        <p:spPr>
-          <a:xfrm>
-            <a:off x="467544" y="1268760"/>
-            <a:ext cx="7632848" cy="2862322"/>
-          </a:xfrm>
-          <a:prstGeom prst="rect">
-            <a:avLst/>
-          </a:prstGeom>
-          <a:noFill/>
-        </p:spPr>
-        <p:txBody>
-          <a:bodyPr wrap="square" rtlCol="0">
-            <a:spAutoFit/>
-          </a:bodyPr>
-          <a:lstStyle/>
-          <a:p>
-            <a:pPr marL="342900" indent="-342900">
+            <a:pPr>
               <a:lnSpc>
                 <a:spcPct val="150000"/>
               </a:lnSpc>
-              <a:buFont typeface="Arial" pitchFamily="34" charset="0"/>
-              <a:buChar char="•"/>
             </a:pPr>
             <a:r>
+              <a:rPr lang="zh-CN" altLang="en-US" sz="2400" dirty="0">
+                <a:solidFill>
+                  <a:schemeClr val="tx1">
+                    <a:lumMod val="75000"/>
+                    <a:lumOff val="25000"/>
+                  </a:schemeClr>
+                </a:solidFill>
+                <a:latin typeface="微软雅黑" pitchFamily="34" charset="-122"/>
+                <a:ea typeface="微软雅黑" pitchFamily="34" charset="-122"/>
+              </a:rPr>
+              <a:t>该</a:t>
+            </a:r>
+            <a:r>
               <a:rPr lang="zh-CN" altLang="en-US" sz="2400" dirty="0" smtClean="0">
                 <a:solidFill>
                   <a:schemeClr val="tx1">
@@ -4523,85 +4635,7 @@
                 <a:latin typeface="微软雅黑" pitchFamily="34" charset="-122"/>
                 <a:ea typeface="微软雅黑" pitchFamily="34" charset="-122"/>
               </a:rPr>
-              <a:t>使用</a:t>
-            </a:r>
-            <a:r>
-              <a:rPr lang="en-US" altLang="zh-CN" sz="2400" dirty="0" err="1" smtClean="0">
-                <a:solidFill>
-                  <a:schemeClr val="tx1">
-                    <a:lumMod val="75000"/>
-                    <a:lumOff val="25000"/>
-                  </a:schemeClr>
-                </a:solidFill>
-                <a:latin typeface="微软雅黑" pitchFamily="34" charset="-122"/>
-                <a:ea typeface="微软雅黑" pitchFamily="34" charset="-122"/>
-              </a:rPr>
-              <a:t>css</a:t>
-            </a:r>
-            <a:r>
-              <a:rPr lang="zh-CN" altLang="en-US" sz="2400" dirty="0" smtClean="0">
-                <a:solidFill>
-                  <a:schemeClr val="tx1">
-                    <a:lumMod val="75000"/>
-                    <a:lumOff val="25000"/>
-                  </a:schemeClr>
-                </a:solidFill>
-                <a:latin typeface="微软雅黑" pitchFamily="34" charset="-122"/>
-                <a:ea typeface="微软雅黑" pitchFamily="34" charset="-122"/>
-              </a:rPr>
-              <a:t>的属性</a:t>
-            </a:r>
-            <a:r>
-              <a:rPr lang="en-US" altLang="zh-CN" sz="2400" dirty="0" smtClean="0">
-                <a:solidFill>
-                  <a:schemeClr val="tx1">
-                    <a:lumMod val="75000"/>
-                    <a:lumOff val="25000"/>
-                  </a:schemeClr>
-                </a:solidFill>
-                <a:latin typeface="微软雅黑" pitchFamily="34" charset="-122"/>
-                <a:ea typeface="微软雅黑" pitchFamily="34" charset="-122"/>
-              </a:rPr>
-              <a:t>-</a:t>
-            </a:r>
-            <a:r>
-              <a:rPr lang="en-US" altLang="zh-CN" sz="2400" dirty="0" err="1" smtClean="0">
-                <a:solidFill>
-                  <a:schemeClr val="tx1">
-                    <a:lumMod val="75000"/>
-                    <a:lumOff val="25000"/>
-                  </a:schemeClr>
-                </a:solidFill>
-                <a:latin typeface="微软雅黑" pitchFamily="34" charset="-122"/>
-                <a:ea typeface="微软雅黑" pitchFamily="34" charset="-122"/>
-              </a:rPr>
-              <a:t>webkit</a:t>
-            </a:r>
-            <a:r>
-              <a:rPr lang="en-US" altLang="zh-CN" sz="2400" dirty="0" smtClean="0">
-                <a:solidFill>
-                  <a:schemeClr val="tx1">
-                    <a:lumMod val="75000"/>
-                    <a:lumOff val="25000"/>
-                  </a:schemeClr>
-                </a:solidFill>
-                <a:latin typeface="微软雅黑" pitchFamily="34" charset="-122"/>
-                <a:ea typeface="微软雅黑" pitchFamily="34" charset="-122"/>
-              </a:rPr>
-              <a:t>-background-clip</a:t>
-            </a:r>
-            <a:r>
-              <a:rPr lang="zh-CN" altLang="en-US" sz="2400" dirty="0" smtClean="0">
-                <a:solidFill>
-                  <a:schemeClr val="tx1">
-                    <a:lumMod val="75000"/>
-                    <a:lumOff val="25000"/>
-                  </a:schemeClr>
-                </a:solidFill>
-                <a:latin typeface="微软雅黑" pitchFamily="34" charset="-122"/>
-                <a:ea typeface="微软雅黑" pitchFamily="34" charset="-122"/>
-              </a:rPr>
-              <a:t>，可以否实现同样的效果？</a:t>
+              <a:t>属性表示使用虚线进行描边，属性值可以一列数字。依次表示线的宽度和空隙的宽度，用逗号或者空格分隔。如果是奇数个，会自动重复一次，凑成偶数。</a:t>
             </a:r>
             <a:endParaRPr lang="en-US" altLang="zh-CN" sz="2400" dirty="0" smtClean="0">
               <a:solidFill>
@@ -4615,14 +4649,38 @@
             </a:endParaRPr>
           </a:p>
           <a:p>
-            <a:pPr marL="342900" indent="-342900">
+            <a:pPr>
               <a:lnSpc>
                 <a:spcPct val="150000"/>
               </a:lnSpc>
-              <a:buFont typeface="Arial" pitchFamily="34" charset="0"/>
-              <a:buChar char="•"/>
             </a:pPr>
             <a:r>
+              <a:rPr lang="en-US" altLang="zh-CN" sz="2400" dirty="0" smtClean="0">
+                <a:solidFill>
+                  <a:schemeClr val="tx1">
+                    <a:lumMod val="75000"/>
+                    <a:lumOff val="25000"/>
+                  </a:schemeClr>
+                </a:solidFill>
+                <a:latin typeface="微软雅黑" pitchFamily="34" charset="-122"/>
+                <a:ea typeface="微软雅黑" pitchFamily="34" charset="-122"/>
+              </a:rPr>
+              <a:t>stroke-</a:t>
+            </a:r>
+            <a:r>
+              <a:rPr lang="en-US" altLang="zh-CN" sz="2400" dirty="0" err="1" smtClean="0">
+                <a:solidFill>
+                  <a:schemeClr val="tx1">
+                    <a:lumMod val="75000"/>
+                    <a:lumOff val="25000"/>
+                  </a:schemeClr>
+                </a:solidFill>
+                <a:latin typeface="微软雅黑" pitchFamily="34" charset="-122"/>
+                <a:ea typeface="微软雅黑" pitchFamily="34" charset="-122"/>
+              </a:rPr>
+              <a:t>dasharray</a:t>
+            </a:r>
+            <a:r>
               <a:rPr lang="zh-CN" altLang="en-US" sz="2400" dirty="0" smtClean="0">
                 <a:solidFill>
                   <a:schemeClr val="tx1">
@@ -4633,20 +4691,20 @@
                 <a:latin typeface="微软雅黑" pitchFamily="34" charset="-122"/>
                 <a:ea typeface="微软雅黑" pitchFamily="34" charset="-122"/>
               </a:rPr>
-              <a:t>使用</a:t>
-            </a:r>
-            <a:r>
-              <a:rPr lang="en-US" altLang="zh-CN" sz="2400" dirty="0" err="1" smtClean="0">
-                <a:solidFill>
-                  <a:schemeClr val="tx1">
-                    <a:lumMod val="75000"/>
-                    <a:lumOff val="25000"/>
-                  </a:schemeClr>
-                </a:solidFill>
-                <a:latin typeface="微软雅黑" pitchFamily="34" charset="-122"/>
-                <a:ea typeface="微软雅黑" pitchFamily="34" charset="-122"/>
-              </a:rPr>
-              <a:t>svg</a:t>
+              <a:t>：</a:t>
+            </a:r>
+            <a:r>
+              <a:rPr lang="en-US" altLang="zh-CN" sz="2400" dirty="0" smtClean="0">
+                <a:solidFill>
+                  <a:schemeClr val="tx1">
+                    <a:lumMod val="75000"/>
+                    <a:lumOff val="25000"/>
+                  </a:schemeClr>
+                </a:solidFill>
+                <a:latin typeface="微软雅黑" pitchFamily="34" charset="-122"/>
+                <a:ea typeface="微软雅黑" pitchFamily="34" charset="-122"/>
+              </a:rPr>
+              <a:t>10</a:t>
             </a:r>
             <a:r>
               <a:rPr lang="zh-CN" altLang="en-US" sz="2400" dirty="0" smtClean="0">
@@ -4659,33 +4717,7 @@
                 <a:latin typeface="微软雅黑" pitchFamily="34" charset="-122"/>
                 <a:ea typeface="微软雅黑" pitchFamily="34" charset="-122"/>
               </a:rPr>
-              <a:t>的</a:t>
-            </a:r>
-            <a:r>
-              <a:rPr lang="en-US" altLang="zh-CN" sz="2400" dirty="0" smtClean="0">
-                <a:solidFill>
-                  <a:schemeClr val="tx1">
-                    <a:lumMod val="75000"/>
-                    <a:lumOff val="25000"/>
-                  </a:schemeClr>
-                </a:solidFill>
-                <a:latin typeface="微软雅黑" pitchFamily="34" charset="-122"/>
-                <a:ea typeface="微软雅黑" pitchFamily="34" charset="-122"/>
-              </a:rPr>
-              <a:t>clip-path,</a:t>
-            </a:r>
-            <a:r>
-              <a:rPr lang="zh-CN" altLang="en-US" sz="2400" dirty="0" smtClean="0">
-                <a:solidFill>
-                  <a:schemeClr val="tx1">
-                    <a:lumMod val="75000"/>
-                    <a:lumOff val="25000"/>
-                  </a:schemeClr>
-                </a:solidFill>
-                <a:latin typeface="微软雅黑" pitchFamily="34" charset="-122"/>
-                <a:ea typeface="微软雅黑" pitchFamily="34" charset="-122"/>
-              </a:rPr>
-              <a:t>方式，能否实现同样的效果？</a:t>
+              <a:t>；</a:t>
             </a:r>
             <a:endParaRPr lang="en-US" altLang="zh-CN" sz="2400" dirty="0" smtClean="0">
               <a:solidFill>
@@ -4699,12 +4731,10 @@
             </a:endParaRPr>
           </a:p>
           <a:p>
-            <a:pPr marL="342900" indent="-342900">
+            <a:pPr>
               <a:lnSpc>
                 <a:spcPct val="150000"/>
               </a:lnSpc>
-              <a:buFont typeface="Arial" pitchFamily="34" charset="0"/>
-              <a:buChar char="•"/>
             </a:pPr>
             <a:r>
               <a:rPr lang="zh-CN" altLang="en-US" sz="2400" dirty="0" smtClean="0">
@@ -4717,20 +4747,20 @@
                 <a:latin typeface="微软雅黑" pitchFamily="34" charset="-122"/>
                 <a:ea typeface="微软雅黑" pitchFamily="34" charset="-122"/>
               </a:rPr>
-              <a:t>使用</a:t>
-            </a:r>
-            <a:r>
-              <a:rPr lang="en-US" altLang="zh-CN" sz="2400" dirty="0" err="1" smtClean="0">
-                <a:solidFill>
-                  <a:schemeClr val="tx1">
-                    <a:lumMod val="75000"/>
-                    <a:lumOff val="25000"/>
-                  </a:schemeClr>
-                </a:solidFill>
-                <a:latin typeface="微软雅黑" pitchFamily="34" charset="-122"/>
-                <a:ea typeface="微软雅黑" pitchFamily="34" charset="-122"/>
-              </a:rPr>
-              <a:t>css</a:t>
+              <a:t>表示线长</a:t>
+            </a:r>
+            <a:r>
+              <a:rPr lang="en-US" altLang="zh-CN" sz="2400" dirty="0" smtClean="0">
+                <a:solidFill>
+                  <a:schemeClr val="tx1">
+                    <a:lumMod val="75000"/>
+                    <a:lumOff val="25000"/>
+                  </a:schemeClr>
+                </a:solidFill>
+                <a:latin typeface="微软雅黑" pitchFamily="34" charset="-122"/>
+                <a:ea typeface="微软雅黑" pitchFamily="34" charset="-122"/>
+              </a:rPr>
+              <a:t>10</a:t>
             </a:r>
             <a:r>
               <a:rPr lang="zh-CN" altLang="en-US" sz="2400" dirty="0" smtClean="0">
@@ -4743,7 +4773,7 @@
                 <a:latin typeface="微软雅黑" pitchFamily="34" charset="-122"/>
                 <a:ea typeface="微软雅黑" pitchFamily="34" charset="-122"/>
               </a:rPr>
-              <a:t>的属性</a:t>
+              <a:t>，空隙</a:t>
             </a:r>
             <a:r>
               <a:rPr lang="en-US" altLang="zh-CN" sz="2400" dirty="0" smtClean="0">
@@ -4756,8 +4786,345 @@
                 <a:latin typeface="微软雅黑" pitchFamily="34" charset="-122"/>
                 <a:ea typeface="微软雅黑" pitchFamily="34" charset="-122"/>
               </a:rPr>
-              <a:t>mix-blend-mode</a:t>
-            </a:r>
+              <a:t>10</a:t>
+            </a:r>
+          </a:p>
+          <a:p>
+            <a:pPr>
+              <a:lnSpc>
+                <a:spcPct val="150000"/>
+              </a:lnSpc>
+            </a:pPr>
+            <a:r>
+              <a:rPr lang="en-US" altLang="zh-CN" sz="2400" dirty="0">
+                <a:solidFill>
+                  <a:schemeClr val="tx1">
+                    <a:lumMod val="75000"/>
+                    <a:lumOff val="25000"/>
+                  </a:schemeClr>
+                </a:solidFill>
+                <a:latin typeface="微软雅黑" pitchFamily="34" charset="-122"/>
+                <a:ea typeface="微软雅黑" pitchFamily="34" charset="-122"/>
+              </a:rPr>
+              <a:t>stroke-dasharray:20,30,90;</a:t>
+            </a:r>
+          </a:p>
+          <a:p>
+            <a:pPr>
+              <a:lnSpc>
+                <a:spcPct val="150000"/>
+              </a:lnSpc>
+            </a:pPr>
+            <a:r>
+              <a:rPr lang="zh-CN" altLang="en-US" sz="2400" dirty="0">
+                <a:solidFill>
+                  <a:schemeClr val="tx1">
+                    <a:lumMod val="75000"/>
+                    <a:lumOff val="25000"/>
+                  </a:schemeClr>
+                </a:solidFill>
+                <a:latin typeface="微软雅黑" pitchFamily="34" charset="-122"/>
+                <a:ea typeface="微软雅黑" pitchFamily="34" charset="-122"/>
+              </a:rPr>
+              <a:t>表示线长</a:t>
+            </a:r>
+            <a:r>
+              <a:rPr lang="en-US" altLang="zh-CN" sz="2400" dirty="0">
+                <a:solidFill>
+                  <a:schemeClr val="tx1">
+                    <a:lumMod val="75000"/>
+                    <a:lumOff val="25000"/>
+                  </a:schemeClr>
+                </a:solidFill>
+                <a:latin typeface="微软雅黑" pitchFamily="34" charset="-122"/>
+                <a:ea typeface="微软雅黑" pitchFamily="34" charset="-122"/>
+              </a:rPr>
+              <a:t>20</a:t>
+            </a:r>
+            <a:r>
+              <a:rPr lang="zh-CN" altLang="en-US" sz="2400" dirty="0">
+                <a:solidFill>
+                  <a:schemeClr val="tx1">
+                    <a:lumMod val="75000"/>
+                    <a:lumOff val="25000"/>
+                  </a:schemeClr>
+                </a:solidFill>
+                <a:latin typeface="微软雅黑" pitchFamily="34" charset="-122"/>
+                <a:ea typeface="微软雅黑" pitchFamily="34" charset="-122"/>
+              </a:rPr>
+              <a:t>，空隙</a:t>
+            </a:r>
+            <a:r>
+              <a:rPr lang="en-US" altLang="zh-CN" sz="2400" dirty="0">
+                <a:solidFill>
+                  <a:schemeClr val="tx1">
+                    <a:lumMod val="75000"/>
+                    <a:lumOff val="25000"/>
+                  </a:schemeClr>
+                </a:solidFill>
+                <a:latin typeface="微软雅黑" pitchFamily="34" charset="-122"/>
+                <a:ea typeface="微软雅黑" pitchFamily="34" charset="-122"/>
+              </a:rPr>
+              <a:t>30</a:t>
+            </a:r>
+            <a:r>
+              <a:rPr lang="zh-CN" altLang="en-US" sz="2400" dirty="0">
+                <a:solidFill>
+                  <a:schemeClr val="tx1">
+                    <a:lumMod val="75000"/>
+                    <a:lumOff val="25000"/>
+                  </a:schemeClr>
+                </a:solidFill>
+                <a:latin typeface="微软雅黑" pitchFamily="34" charset="-122"/>
+                <a:ea typeface="微软雅黑" pitchFamily="34" charset="-122"/>
+              </a:rPr>
+              <a:t>，线长</a:t>
+            </a:r>
+            <a:r>
+              <a:rPr lang="en-US" altLang="zh-CN" sz="2400" dirty="0">
+                <a:solidFill>
+                  <a:schemeClr val="tx1">
+                    <a:lumMod val="75000"/>
+                    <a:lumOff val="25000"/>
+                  </a:schemeClr>
+                </a:solidFill>
+                <a:latin typeface="微软雅黑" pitchFamily="34" charset="-122"/>
+                <a:ea typeface="微软雅黑" pitchFamily="34" charset="-122"/>
+              </a:rPr>
+              <a:t>90</a:t>
+            </a:r>
+            <a:r>
+              <a:rPr lang="zh-CN" altLang="en-US" sz="2400" dirty="0">
+                <a:solidFill>
+                  <a:schemeClr val="tx1">
+                    <a:lumMod val="75000"/>
+                    <a:lumOff val="25000"/>
+                  </a:schemeClr>
+                </a:solidFill>
+                <a:latin typeface="微软雅黑" pitchFamily="34" charset="-122"/>
+                <a:ea typeface="微软雅黑" pitchFamily="34" charset="-122"/>
+              </a:rPr>
+              <a:t>，空隙</a:t>
+            </a:r>
+            <a:r>
+              <a:rPr lang="en-US" altLang="zh-CN" sz="2400" dirty="0">
+                <a:solidFill>
+                  <a:schemeClr val="tx1">
+                    <a:lumMod val="75000"/>
+                    <a:lumOff val="25000"/>
+                  </a:schemeClr>
+                </a:solidFill>
+                <a:latin typeface="微软雅黑" pitchFamily="34" charset="-122"/>
+                <a:ea typeface="微软雅黑" pitchFamily="34" charset="-122"/>
+              </a:rPr>
+              <a:t>20</a:t>
+            </a:r>
+            <a:r>
+              <a:rPr lang="zh-CN" altLang="en-US" sz="2400" dirty="0">
+                <a:solidFill>
+                  <a:schemeClr val="tx1">
+                    <a:lumMod val="75000"/>
+                    <a:lumOff val="25000"/>
+                  </a:schemeClr>
+                </a:solidFill>
+                <a:latin typeface="微软雅黑" pitchFamily="34" charset="-122"/>
+                <a:ea typeface="微软雅黑" pitchFamily="34" charset="-122"/>
+              </a:rPr>
+              <a:t>，线长</a:t>
+            </a:r>
+            <a:r>
+              <a:rPr lang="en-US" altLang="zh-CN" sz="2400" dirty="0">
+                <a:solidFill>
+                  <a:schemeClr val="tx1">
+                    <a:lumMod val="75000"/>
+                    <a:lumOff val="25000"/>
+                  </a:schemeClr>
+                </a:solidFill>
+                <a:latin typeface="微软雅黑" pitchFamily="34" charset="-122"/>
+                <a:ea typeface="微软雅黑" pitchFamily="34" charset="-122"/>
+              </a:rPr>
+              <a:t>30</a:t>
+            </a:r>
+            <a:r>
+              <a:rPr lang="zh-CN" altLang="en-US" sz="2400" dirty="0">
+                <a:solidFill>
+                  <a:schemeClr val="tx1">
+                    <a:lumMod val="75000"/>
+                    <a:lumOff val="25000"/>
+                  </a:schemeClr>
+                </a:solidFill>
+                <a:latin typeface="微软雅黑" pitchFamily="34" charset="-122"/>
+                <a:ea typeface="微软雅黑" pitchFamily="34" charset="-122"/>
+              </a:rPr>
+              <a:t>，空隙</a:t>
+            </a:r>
+            <a:r>
+              <a:rPr lang="en-US" altLang="zh-CN" sz="2400" dirty="0">
+                <a:solidFill>
+                  <a:schemeClr val="tx1">
+                    <a:lumMod val="75000"/>
+                    <a:lumOff val="25000"/>
+                  </a:schemeClr>
+                </a:solidFill>
+                <a:latin typeface="微软雅黑" pitchFamily="34" charset="-122"/>
+                <a:ea typeface="微软雅黑" pitchFamily="34" charset="-122"/>
+              </a:rPr>
+              <a:t>90…</a:t>
+            </a:r>
+          </a:p>
+        </p:txBody>
+      </p:sp>
+      <p:pic>
+        <p:nvPicPr>
+          <p:cNvPr id="3" name="图片 2" descr="屏幕剪辑"/>
+          <p:cNvPicPr>
+            <a:picLocks noChangeAspect="1"/>
+          </p:cNvPicPr>
+          <p:nvPr/>
+        </p:nvPicPr>
+        <p:blipFill rotWithShape="1">
+          <a:blip r:embed="rId2">
+            <a:extLst>
+              <a:ext uri="{28A0092B-C50C-407E-A947-70E740481C1C}">
+                <a14:useLocalDpi xmlns:a14="http://schemas.microsoft.com/office/drawing/2010/main" val="0"/>
+              </a:ext>
+            </a:extLst>
+          </a:blip>
+          <a:srcRect l="7849" r="5720"/>
+          <a:stretch/>
+        </p:blipFill>
+        <p:spPr>
+          <a:xfrm>
+            <a:off x="2843808" y="5517072"/>
+            <a:ext cx="1193883" cy="1228896"/>
+          </a:xfrm>
+          <a:prstGeom prst="rect">
+            <a:avLst/>
+          </a:prstGeom>
+          <a:ln>
+            <a:noFill/>
+          </a:ln>
+          <a:effectLst>
+            <a:outerShdw blurRad="292100" dist="139700" dir="2700000" algn="tl" rotWithShape="0">
+              <a:srgbClr val="333333">
+                <a:alpha val="65000"/>
+              </a:srgbClr>
+            </a:outerShdw>
+          </a:effectLst>
+        </p:spPr>
+      </p:pic>
+    </p:spTree>
+    <p:extLst>
+      <p:ext uri="{BB962C8B-B14F-4D97-AF65-F5344CB8AC3E}">
+        <p14:creationId xmlns:p14="http://schemas.microsoft.com/office/powerpoint/2010/main" val="4039516599"/>
+      </p:ext>
+    </p:extLst>
+  </p:cSld>
+  <p:clrMapOvr>
+    <a:masterClrMapping/>
+  </p:clrMapOvr>
+</p:sld>
+</file>
+
+<file path=ppt/slides/slide15.xml><?xml version="1.0" encoding="utf-8"?>
+<p:sld xmlns:a="http://schemas.openxmlformats.org/drawingml/2006/main" xmlns:r="http://schemas.openxmlformats.org/officeDocument/2006/relationships" xmlns:p="http://schemas.openxmlformats.org/presentationml/2006/main">
+  <p:cSld>
+    <p:spTree>
+      <p:nvGrpSpPr>
+        <p:cNvPr id="1" name=""/>
+        <p:cNvGrpSpPr/>
+        <p:nvPr/>
+      </p:nvGrpSpPr>
+      <p:grpSpPr>
+        <a:xfrm>
+          <a:off x="0" y="0"/>
+          <a:ext cx="0" cy="0"/>
+          <a:chOff x="0" y="0"/>
+          <a:chExt cx="0" cy="0"/>
+        </a:xfrm>
+      </p:grpSpPr>
+      <p:sp>
+        <p:nvSpPr>
+          <p:cNvPr id="2" name="矩形 1"/>
+          <p:cNvSpPr/>
+          <p:nvPr/>
+        </p:nvSpPr>
+        <p:spPr>
+          <a:xfrm>
+            <a:off x="827584" y="438759"/>
+            <a:ext cx="7776864" cy="1754326"/>
+          </a:xfrm>
+          <a:prstGeom prst="rect">
+            <a:avLst/>
+          </a:prstGeom>
+        </p:spPr>
+        <p:txBody>
+          <a:bodyPr wrap="square">
+            <a:spAutoFit/>
+          </a:bodyPr>
+          <a:lstStyle/>
+          <a:p>
+            <a:pPr>
+              <a:lnSpc>
+                <a:spcPct val="150000"/>
+              </a:lnSpc>
+            </a:pPr>
+            <a:r>
+              <a:rPr lang="en-US" altLang="zh-CN" sz="2400" b="1" dirty="0">
+                <a:solidFill>
+                  <a:schemeClr val="tx1">
+                    <a:lumMod val="75000"/>
+                    <a:lumOff val="25000"/>
+                  </a:schemeClr>
+                </a:solidFill>
+                <a:latin typeface="微软雅黑" pitchFamily="34" charset="-122"/>
+                <a:ea typeface="微软雅黑" pitchFamily="34" charset="-122"/>
+              </a:rPr>
+              <a:t>4-b </a:t>
+            </a:r>
+            <a:r>
+              <a:rPr lang="en-US" altLang="zh-CN" sz="2400" b="1" dirty="0" smtClean="0">
+                <a:solidFill>
+                  <a:schemeClr val="tx1">
+                    <a:lumMod val="75000"/>
+                    <a:lumOff val="25000"/>
+                  </a:schemeClr>
+                </a:solidFill>
+                <a:latin typeface="微软雅黑" pitchFamily="34" charset="-122"/>
+                <a:ea typeface="微软雅黑" pitchFamily="34" charset="-122"/>
+              </a:rPr>
+              <a:t>stroke-</a:t>
+            </a:r>
+            <a:r>
+              <a:rPr lang="en-US" altLang="zh-CN" sz="2400" b="1" dirty="0" err="1" smtClean="0">
+                <a:solidFill>
+                  <a:schemeClr val="tx1">
+                    <a:lumMod val="75000"/>
+                    <a:lumOff val="25000"/>
+                  </a:schemeClr>
+                </a:solidFill>
+                <a:latin typeface="微软雅黑" pitchFamily="34" charset="-122"/>
+                <a:ea typeface="微软雅黑" pitchFamily="34" charset="-122"/>
+              </a:rPr>
+              <a:t>dashoffset</a:t>
+            </a:r>
+            <a:endParaRPr lang="en-US" altLang="zh-CN" sz="2400" dirty="0">
+              <a:solidFill>
+                <a:schemeClr val="tx1">
+                  <a:lumMod val="75000"/>
+                  <a:lumOff val="25000"/>
+                </a:schemeClr>
+              </a:solidFill>
+              <a:latin typeface="微软雅黑" pitchFamily="34" charset="-122"/>
+              <a:ea typeface="微软雅黑" pitchFamily="34" charset="-122"/>
+            </a:endParaRPr>
+          </a:p>
+          <a:p>
+            <a:pPr>
+              <a:lnSpc>
+                <a:spcPct val="150000"/>
+              </a:lnSpc>
+            </a:pPr>
             <a:r>
               <a:rPr lang="zh-CN" altLang="en-US" sz="2400" dirty="0" smtClean="0">
                 <a:solidFill>
@@ -4769,7 +5136,33 @@
                 <a:latin typeface="微软雅黑" pitchFamily="34" charset="-122"/>
                 <a:ea typeface="微软雅黑" pitchFamily="34" charset="-122"/>
               </a:rPr>
-              <a:t>，能否实现同样的效果？</a:t>
+              <a:t>表示描边的偏移，可以有正负，当然也可以是</a:t>
+            </a:r>
+            <a:r>
+              <a:rPr lang="en-US" altLang="zh-CN" sz="2400" dirty="0" smtClean="0">
+                <a:solidFill>
+                  <a:schemeClr val="tx1">
+                    <a:lumMod val="75000"/>
+                    <a:lumOff val="25000"/>
+                  </a:schemeClr>
+                </a:solidFill>
+                <a:latin typeface="微软雅黑" pitchFamily="34" charset="-122"/>
+                <a:ea typeface="微软雅黑" pitchFamily="34" charset="-122"/>
+              </a:rPr>
+              <a:t>0</a:t>
+            </a:r>
+            <a:r>
+              <a:rPr lang="zh-CN" altLang="en-US" sz="2400" dirty="0" smtClean="0">
+                <a:solidFill>
+                  <a:schemeClr val="tx1">
+                    <a:lumMod val="75000"/>
+                    <a:lumOff val="25000"/>
+                  </a:schemeClr>
+                </a:solidFill>
+                <a:latin typeface="微软雅黑" pitchFamily="34" charset="-122"/>
+                <a:ea typeface="微软雅黑" pitchFamily="34" charset="-122"/>
+              </a:rPr>
+              <a:t>，就是不偏移。</a:t>
             </a:r>
             <a:endParaRPr lang="en-US" altLang="zh-CN" sz="2400" dirty="0" smtClean="0">
               <a:solidFill>
@@ -4784,10 +5177,2143 @@
           </a:p>
         </p:txBody>
       </p:sp>
+      <p:sp>
+        <p:nvSpPr>
+          <p:cNvPr id="5" name="圆角矩形标注 4"/>
+          <p:cNvSpPr/>
+          <p:nvPr/>
+        </p:nvSpPr>
+        <p:spPr>
+          <a:xfrm>
+            <a:off x="1403648" y="4221088"/>
+            <a:ext cx="3168352" cy="864096"/>
+          </a:xfrm>
+          <a:prstGeom prst="wedgeRoundRectCallout">
+            <a:avLst>
+              <a:gd name="adj1" fmla="val -29990"/>
+              <a:gd name="adj2" fmla="val -80812"/>
+              <a:gd name="adj3" fmla="val 16667"/>
+            </a:avLst>
+          </a:prstGeom>
+        </p:spPr>
+        <p:style>
+          <a:lnRef idx="2">
+            <a:schemeClr val="accent5"/>
+          </a:lnRef>
+          <a:fillRef idx="1">
+            <a:schemeClr val="lt1"/>
+          </a:fillRef>
+          <a:effectRef idx="0">
+            <a:schemeClr val="accent5"/>
+          </a:effectRef>
+          <a:fontRef idx="minor">
+            <a:schemeClr val="dk1"/>
+          </a:fontRef>
+        </p:style>
+        <p:txBody>
+          <a:bodyPr rtlCol="0" anchor="ctr"/>
+          <a:lstStyle/>
+          <a:p>
+            <a:pPr algn="ctr">
+              <a:lnSpc>
+                <a:spcPct val="150000"/>
+              </a:lnSpc>
+            </a:pPr>
+            <a:r>
+              <a:rPr lang="en-US" altLang="zh-CN" sz="2000" dirty="0">
+                <a:solidFill>
+                  <a:schemeClr val="tx1">
+                    <a:lumMod val="75000"/>
+                    <a:lumOff val="25000"/>
+                  </a:schemeClr>
+                </a:solidFill>
+                <a:latin typeface="微软雅黑" pitchFamily="34" charset="-122"/>
+                <a:ea typeface="微软雅黑" pitchFamily="34" charset="-122"/>
+              </a:rPr>
+              <a:t>stroke-dasharray:200;</a:t>
+            </a:r>
+          </a:p>
+          <a:p>
+            <a:pPr algn="ctr">
+              <a:lnSpc>
+                <a:spcPct val="150000"/>
+              </a:lnSpc>
+            </a:pPr>
+            <a:r>
+              <a:rPr lang="en-US" altLang="zh-CN" sz="2000" dirty="0">
+                <a:solidFill>
+                  <a:schemeClr val="tx1">
+                    <a:lumMod val="75000"/>
+                    <a:lumOff val="25000"/>
+                  </a:schemeClr>
+                </a:solidFill>
+                <a:latin typeface="微软雅黑" pitchFamily="34" charset="-122"/>
+                <a:ea typeface="微软雅黑" pitchFamily="34" charset="-122"/>
+              </a:rPr>
+              <a:t>  stroke-dashoffset:0;</a:t>
+            </a:r>
+          </a:p>
+        </p:txBody>
+      </p:sp>
+      <p:sp>
+        <p:nvSpPr>
+          <p:cNvPr id="6" name="圆角矩形标注 5"/>
+          <p:cNvSpPr/>
+          <p:nvPr/>
+        </p:nvSpPr>
+        <p:spPr>
+          <a:xfrm>
+            <a:off x="4932040" y="4149080"/>
+            <a:ext cx="3312368" cy="864096"/>
+          </a:xfrm>
+          <a:prstGeom prst="wedgeRoundRectCallout">
+            <a:avLst>
+              <a:gd name="adj1" fmla="val -29272"/>
+              <a:gd name="adj2" fmla="val -81870"/>
+              <a:gd name="adj3" fmla="val 16667"/>
+            </a:avLst>
+          </a:prstGeom>
+        </p:spPr>
+        <p:style>
+          <a:lnRef idx="2">
+            <a:schemeClr val="accent5"/>
+          </a:lnRef>
+          <a:fillRef idx="1">
+            <a:schemeClr val="lt1"/>
+          </a:fillRef>
+          <a:effectRef idx="0">
+            <a:schemeClr val="accent5"/>
+          </a:effectRef>
+          <a:fontRef idx="minor">
+            <a:schemeClr val="dk1"/>
+          </a:fontRef>
+        </p:style>
+        <p:txBody>
+          <a:bodyPr rtlCol="0" anchor="ctr"/>
+          <a:lstStyle/>
+          <a:p>
+            <a:pPr algn="ctr">
+              <a:lnSpc>
+                <a:spcPct val="150000"/>
+              </a:lnSpc>
+            </a:pPr>
+            <a:r>
+              <a:rPr lang="en-US" altLang="zh-CN" sz="2000" dirty="0">
+                <a:solidFill>
+                  <a:schemeClr val="tx1">
+                    <a:lumMod val="75000"/>
+                    <a:lumOff val="25000"/>
+                  </a:schemeClr>
+                </a:solidFill>
+                <a:latin typeface="微软雅黑" pitchFamily="34" charset="-122"/>
+                <a:ea typeface="微软雅黑" pitchFamily="34" charset="-122"/>
+              </a:rPr>
+              <a:t>stroke-dasharray:200;</a:t>
+            </a:r>
+          </a:p>
+          <a:p>
+            <a:pPr algn="ctr">
+              <a:lnSpc>
+                <a:spcPct val="150000"/>
+              </a:lnSpc>
+            </a:pPr>
+            <a:r>
+              <a:rPr lang="en-US" altLang="zh-CN" sz="2000" dirty="0">
+                <a:solidFill>
+                  <a:schemeClr val="tx1">
+                    <a:lumMod val="75000"/>
+                    <a:lumOff val="25000"/>
+                  </a:schemeClr>
+                </a:solidFill>
+                <a:latin typeface="微软雅黑" pitchFamily="34" charset="-122"/>
+                <a:ea typeface="微软雅黑" pitchFamily="34" charset="-122"/>
+              </a:rPr>
+              <a:t>  stroke-</a:t>
+            </a:r>
+            <a:r>
+              <a:rPr lang="en-US" altLang="zh-CN" sz="2000" dirty="0" err="1">
+                <a:solidFill>
+                  <a:schemeClr val="tx1">
+                    <a:lumMod val="75000"/>
+                    <a:lumOff val="25000"/>
+                  </a:schemeClr>
+                </a:solidFill>
+                <a:latin typeface="微软雅黑" pitchFamily="34" charset="-122"/>
+                <a:ea typeface="微软雅黑" pitchFamily="34" charset="-122"/>
+              </a:rPr>
+              <a:t>dashoffset</a:t>
+            </a:r>
+            <a:r>
+              <a:rPr lang="en-US" altLang="zh-CN" sz="2000" dirty="0" smtClean="0">
+                <a:solidFill>
+                  <a:schemeClr val="tx1">
+                    <a:lumMod val="75000"/>
+                    <a:lumOff val="25000"/>
+                  </a:schemeClr>
+                </a:solidFill>
+                <a:latin typeface="微软雅黑" pitchFamily="34" charset="-122"/>
+                <a:ea typeface="微软雅黑" pitchFamily="34" charset="-122"/>
+              </a:rPr>
+              <a:t>:-100;</a:t>
+            </a:r>
+            <a:endParaRPr lang="en-US" altLang="zh-CN" sz="2000" dirty="0">
+              <a:solidFill>
+                <a:schemeClr val="tx1">
+                  <a:lumMod val="75000"/>
+                  <a:lumOff val="25000"/>
+                </a:schemeClr>
+              </a:solidFill>
+              <a:latin typeface="微软雅黑" pitchFamily="34" charset="-122"/>
+              <a:ea typeface="微软雅黑" pitchFamily="34" charset="-122"/>
+            </a:endParaRPr>
+          </a:p>
+        </p:txBody>
+      </p:sp>
+      <p:pic>
+        <p:nvPicPr>
+          <p:cNvPr id="8" name="图片 7" descr="屏幕剪辑"/>
+          <p:cNvPicPr>
+            <a:picLocks noChangeAspect="1"/>
+          </p:cNvPicPr>
+          <p:nvPr/>
+        </p:nvPicPr>
+        <p:blipFill>
+          <a:blip r:embed="rId2">
+            <a:extLst>
+              <a:ext uri="{28A0092B-C50C-407E-A947-70E740481C1C}">
+                <a14:useLocalDpi xmlns:a14="http://schemas.microsoft.com/office/drawing/2010/main" val="0"/>
+              </a:ext>
+            </a:extLst>
+          </a:blip>
+          <a:stretch>
+            <a:fillRect/>
+          </a:stretch>
+        </p:blipFill>
+        <p:spPr>
+          <a:xfrm>
+            <a:off x="1763688" y="2492896"/>
+            <a:ext cx="1133633" cy="1200318"/>
+          </a:xfrm>
+          <a:prstGeom prst="rect">
+            <a:avLst/>
+          </a:prstGeom>
+          <a:ln>
+            <a:noFill/>
+          </a:ln>
+          <a:effectLst>
+            <a:outerShdw blurRad="292100" dist="139700" dir="2700000" algn="tl" rotWithShape="0">
+              <a:srgbClr val="333333">
+                <a:alpha val="65000"/>
+              </a:srgbClr>
+            </a:outerShdw>
+          </a:effectLst>
+        </p:spPr>
+      </p:pic>
+      <p:pic>
+        <p:nvPicPr>
+          <p:cNvPr id="9" name="图片 8" descr="屏幕剪辑"/>
+          <p:cNvPicPr>
+            <a:picLocks noChangeAspect="1"/>
+          </p:cNvPicPr>
+          <p:nvPr/>
+        </p:nvPicPr>
+        <p:blipFill>
+          <a:blip r:embed="rId3">
+            <a:extLst>
+              <a:ext uri="{28A0092B-C50C-407E-A947-70E740481C1C}">
+                <a14:useLocalDpi xmlns:a14="http://schemas.microsoft.com/office/drawing/2010/main" val="0"/>
+              </a:ext>
+            </a:extLst>
+          </a:blip>
+          <a:stretch>
+            <a:fillRect/>
+          </a:stretch>
+        </p:blipFill>
+        <p:spPr>
+          <a:xfrm>
+            <a:off x="5119328" y="2492896"/>
+            <a:ext cx="1181265" cy="1190791"/>
+          </a:xfrm>
+          <a:prstGeom prst="rect">
+            <a:avLst/>
+          </a:prstGeom>
+          <a:ln>
+            <a:noFill/>
+          </a:ln>
+          <a:effectLst>
+            <a:outerShdw blurRad="292100" dist="139700" dir="2700000" algn="tl" rotWithShape="0">
+              <a:srgbClr val="333333">
+                <a:alpha val="65000"/>
+              </a:srgbClr>
+            </a:outerShdw>
+          </a:effectLst>
+        </p:spPr>
+      </p:pic>
     </p:spTree>
     <p:extLst>
       <p:ext uri="{BB962C8B-B14F-4D97-AF65-F5344CB8AC3E}">
-        <p14:creationId xmlns:p14="http://schemas.microsoft.com/office/powerpoint/2010/main" val="2328121375"/>
+        <p14:creationId xmlns:p14="http://schemas.microsoft.com/office/powerpoint/2010/main" val="2193809965"/>
+      </p:ext>
+    </p:extLst>
+  </p:cSld>
+  <p:clrMapOvr>
+    <a:masterClrMapping/>
+  </p:clrMapOvr>
+</p:sld>
+</file>
+
+<file path=ppt/slides/slide16.xml><?xml version="1.0" encoding="utf-8"?>
+<p:sld xmlns:a="http://schemas.openxmlformats.org/drawingml/2006/main" xmlns:r="http://schemas.openxmlformats.org/officeDocument/2006/relationships" xmlns:p="http://schemas.openxmlformats.org/presentationml/2006/main">
+  <p:cSld>
+    <p:spTree>
+      <p:nvGrpSpPr>
+        <p:cNvPr id="1" name=""/>
+        <p:cNvGrpSpPr/>
+        <p:nvPr/>
+      </p:nvGrpSpPr>
+      <p:grpSpPr>
+        <a:xfrm>
+          <a:off x="0" y="0"/>
+          <a:ext cx="0" cy="0"/>
+          <a:chOff x="0" y="0"/>
+          <a:chExt cx="0" cy="0"/>
+        </a:xfrm>
+      </p:grpSpPr>
+      <p:sp>
+        <p:nvSpPr>
+          <p:cNvPr id="2" name="矩形 1"/>
+          <p:cNvSpPr/>
+          <p:nvPr/>
+        </p:nvSpPr>
+        <p:spPr>
+          <a:xfrm>
+            <a:off x="827584" y="438759"/>
+            <a:ext cx="7776864" cy="1135054"/>
+          </a:xfrm>
+          <a:prstGeom prst="rect">
+            <a:avLst/>
+          </a:prstGeom>
+        </p:spPr>
+        <p:txBody>
+          <a:bodyPr wrap="square">
+            <a:spAutoFit/>
+          </a:bodyPr>
+          <a:lstStyle/>
+          <a:p>
+            <a:pPr>
+              <a:lnSpc>
+                <a:spcPct val="150000"/>
+              </a:lnSpc>
+            </a:pPr>
+            <a:r>
+              <a:rPr lang="en-US" altLang="zh-CN" sz="2400" b="1" dirty="0" smtClean="0">
+                <a:solidFill>
+                  <a:schemeClr val="tx1">
+                    <a:lumMod val="75000"/>
+                    <a:lumOff val="25000"/>
+                  </a:schemeClr>
+                </a:solidFill>
+                <a:latin typeface="微软雅黑" pitchFamily="34" charset="-122"/>
+                <a:ea typeface="微软雅黑" pitchFamily="34" charset="-122"/>
+              </a:rPr>
+              <a:t>4-c </a:t>
+            </a:r>
+            <a:r>
+              <a:rPr lang="zh-CN" altLang="en-US" sz="2400" b="1" dirty="0" smtClean="0">
+                <a:solidFill>
+                  <a:schemeClr val="tx1">
+                    <a:lumMod val="75000"/>
+                    <a:lumOff val="25000"/>
+                  </a:schemeClr>
+                </a:solidFill>
+                <a:latin typeface="微软雅黑" pitchFamily="34" charset="-122"/>
+                <a:ea typeface="微软雅黑" pitchFamily="34" charset="-122"/>
+              </a:rPr>
+              <a:t>描边原理</a:t>
+            </a:r>
+            <a:endParaRPr lang="en-US" altLang="zh-CN" sz="2400" b="1" dirty="0" smtClean="0">
+              <a:solidFill>
+                <a:schemeClr val="tx1">
+                  <a:lumMod val="75000"/>
+                  <a:lumOff val="25000"/>
+                </a:schemeClr>
+              </a:solidFill>
+              <a:latin typeface="微软雅黑" pitchFamily="34" charset="-122"/>
+              <a:ea typeface="微软雅黑" pitchFamily="34" charset="-122"/>
+            </a:endParaRPr>
+          </a:p>
+          <a:p>
+            <a:pPr>
+              <a:lnSpc>
+                <a:spcPct val="150000"/>
+              </a:lnSpc>
+            </a:pPr>
+            <a:endParaRPr lang="en-US" altLang="zh-CN" sz="2400" dirty="0" smtClean="0">
+              <a:solidFill>
+                <a:schemeClr val="tx1">
+                  <a:lumMod val="75000"/>
+                  <a:lumOff val="25000"/>
+                </a:schemeClr>
+              </a:solidFill>
+              <a:latin typeface="微软雅黑" pitchFamily="34" charset="-122"/>
+              <a:ea typeface="微软雅黑" pitchFamily="34" charset="-122"/>
+            </a:endParaRPr>
+          </a:p>
+        </p:txBody>
+      </p:sp>
+      <p:sp>
+        <p:nvSpPr>
+          <p:cNvPr id="4" name="矩形 3"/>
+          <p:cNvSpPr/>
+          <p:nvPr/>
+        </p:nvSpPr>
+        <p:spPr>
+          <a:xfrm>
+            <a:off x="899592" y="1196752"/>
+            <a:ext cx="7776864" cy="646331"/>
+          </a:xfrm>
+          <a:prstGeom prst="rect">
+            <a:avLst/>
+          </a:prstGeom>
+        </p:spPr>
+        <p:txBody>
+          <a:bodyPr wrap="square">
+            <a:spAutoFit/>
+          </a:bodyPr>
+          <a:lstStyle/>
+          <a:p>
+            <a:pPr>
+              <a:lnSpc>
+                <a:spcPct val="150000"/>
+              </a:lnSpc>
+            </a:pPr>
+            <a:r>
+              <a:rPr lang="zh-CN" altLang="en-US" sz="2400" dirty="0" smtClean="0">
+                <a:solidFill>
+                  <a:schemeClr val="tx1">
+                    <a:lumMod val="75000"/>
+                    <a:lumOff val="25000"/>
+                  </a:schemeClr>
+                </a:solidFill>
+                <a:latin typeface="微软雅黑" pitchFamily="34" charset="-122"/>
+                <a:ea typeface="微软雅黑" pitchFamily="34" charset="-122"/>
+              </a:rPr>
+              <a:t>假设我们有一个正方形路径，边长</a:t>
+            </a:r>
+            <a:r>
+              <a:rPr lang="en-US" altLang="zh-CN" sz="2400" b="1" dirty="0" smtClean="0">
+                <a:solidFill>
+                  <a:srgbClr val="FF0000"/>
+                </a:solidFill>
+                <a:latin typeface="微软雅黑" pitchFamily="34" charset="-122"/>
+                <a:ea typeface="微软雅黑" pitchFamily="34" charset="-122"/>
+              </a:rPr>
+              <a:t>200</a:t>
+            </a:r>
+            <a:r>
+              <a:rPr lang="en-US" altLang="zh-CN" sz="2400" dirty="0" smtClean="0">
+                <a:solidFill>
+                  <a:schemeClr val="tx1">
+                    <a:lumMod val="75000"/>
+                    <a:lumOff val="25000"/>
+                  </a:schemeClr>
+                </a:solidFill>
+                <a:latin typeface="微软雅黑" pitchFamily="34" charset="-122"/>
+                <a:ea typeface="微软雅黑" pitchFamily="34" charset="-122"/>
+              </a:rPr>
+              <a:t>.</a:t>
+            </a:r>
+            <a:r>
+              <a:rPr lang="zh-CN" altLang="en-US" sz="2400" dirty="0" smtClean="0">
+                <a:solidFill>
+                  <a:schemeClr val="tx1">
+                    <a:lumMod val="75000"/>
+                    <a:lumOff val="25000"/>
+                  </a:schemeClr>
+                </a:solidFill>
+                <a:latin typeface="微软雅黑" pitchFamily="34" charset="-122"/>
+                <a:ea typeface="微软雅黑" pitchFamily="34" charset="-122"/>
+              </a:rPr>
+              <a:t> 描边如下：</a:t>
+            </a:r>
+            <a:endParaRPr lang="en-US" altLang="zh-CN" sz="2400" dirty="0" smtClean="0">
+              <a:solidFill>
+                <a:schemeClr val="tx1">
+                  <a:lumMod val="75000"/>
+                  <a:lumOff val="25000"/>
+                </a:schemeClr>
+              </a:solidFill>
+              <a:latin typeface="微软雅黑" pitchFamily="34" charset="-122"/>
+              <a:ea typeface="微软雅黑" pitchFamily="34" charset="-122"/>
+            </a:endParaRPr>
+          </a:p>
+        </p:txBody>
+      </p:sp>
+      <p:pic>
+        <p:nvPicPr>
+          <p:cNvPr id="5" name="图片 4" descr="屏幕剪辑"/>
+          <p:cNvPicPr>
+            <a:picLocks noChangeAspect="1"/>
+          </p:cNvPicPr>
+          <p:nvPr/>
+        </p:nvPicPr>
+        <p:blipFill>
+          <a:blip r:embed="rId2">
+            <a:extLst>
+              <a:ext uri="{28A0092B-C50C-407E-A947-70E740481C1C}">
+                <a14:useLocalDpi xmlns:a14="http://schemas.microsoft.com/office/drawing/2010/main" val="0"/>
+              </a:ext>
+            </a:extLst>
+          </a:blip>
+          <a:stretch>
+            <a:fillRect/>
+          </a:stretch>
+        </p:blipFill>
+        <p:spPr>
+          <a:xfrm>
+            <a:off x="1475656" y="2181050"/>
+            <a:ext cx="1238423" cy="1247949"/>
+          </a:xfrm>
+          <a:prstGeom prst="rect">
+            <a:avLst/>
+          </a:prstGeom>
+        </p:spPr>
+      </p:pic>
+      <p:sp>
+        <p:nvSpPr>
+          <p:cNvPr id="6" name="圆角矩形标注 5"/>
+          <p:cNvSpPr/>
+          <p:nvPr/>
+        </p:nvSpPr>
+        <p:spPr>
+          <a:xfrm>
+            <a:off x="3131840" y="2372976"/>
+            <a:ext cx="2664296" cy="864096"/>
+          </a:xfrm>
+          <a:prstGeom prst="wedgeRoundRectCallout">
+            <a:avLst>
+              <a:gd name="adj1" fmla="val -58561"/>
+              <a:gd name="adj2" fmla="val 20080"/>
+              <a:gd name="adj3" fmla="val 16667"/>
+            </a:avLst>
+          </a:prstGeom>
+        </p:spPr>
+        <p:style>
+          <a:lnRef idx="2">
+            <a:schemeClr val="accent5"/>
+          </a:lnRef>
+          <a:fillRef idx="1">
+            <a:schemeClr val="lt1"/>
+          </a:fillRef>
+          <a:effectRef idx="0">
+            <a:schemeClr val="accent5"/>
+          </a:effectRef>
+          <a:fontRef idx="minor">
+            <a:schemeClr val="dk1"/>
+          </a:fontRef>
+        </p:style>
+        <p:txBody>
+          <a:bodyPr rtlCol="0" anchor="ctr"/>
+          <a:lstStyle/>
+          <a:p>
+            <a:pPr>
+              <a:lnSpc>
+                <a:spcPct val="150000"/>
+              </a:lnSpc>
+            </a:pPr>
+            <a:r>
+              <a:rPr lang="en-US" altLang="zh-CN" sz="2000" dirty="0">
+                <a:solidFill>
+                  <a:schemeClr val="tx1">
+                    <a:lumMod val="75000"/>
+                    <a:lumOff val="25000"/>
+                  </a:schemeClr>
+                </a:solidFill>
+                <a:latin typeface="微软雅黑" pitchFamily="34" charset="-122"/>
+                <a:ea typeface="微软雅黑" pitchFamily="34" charset="-122"/>
+              </a:rPr>
+              <a:t> </a:t>
+            </a:r>
+            <a:r>
+              <a:rPr lang="en-US" altLang="zh-CN" sz="2000" dirty="0" err="1">
+                <a:solidFill>
+                  <a:schemeClr val="tx1">
+                    <a:lumMod val="75000"/>
+                    <a:lumOff val="25000"/>
+                  </a:schemeClr>
+                </a:solidFill>
+                <a:latin typeface="微软雅黑" pitchFamily="34" charset="-122"/>
+                <a:ea typeface="微软雅黑" pitchFamily="34" charset="-122"/>
+              </a:rPr>
+              <a:t>stroke:red</a:t>
+            </a:r>
+            <a:r>
+              <a:rPr lang="en-US" altLang="zh-CN" sz="2000" dirty="0">
+                <a:solidFill>
+                  <a:schemeClr val="tx1">
+                    <a:lumMod val="75000"/>
+                    <a:lumOff val="25000"/>
+                  </a:schemeClr>
+                </a:solidFill>
+                <a:latin typeface="微软雅黑" pitchFamily="34" charset="-122"/>
+                <a:ea typeface="微软雅黑" pitchFamily="34" charset="-122"/>
+              </a:rPr>
+              <a:t>;</a:t>
+            </a:r>
+          </a:p>
+          <a:p>
+            <a:pPr>
+              <a:lnSpc>
+                <a:spcPct val="150000"/>
+              </a:lnSpc>
+            </a:pPr>
+            <a:r>
+              <a:rPr lang="en-US" altLang="zh-CN" sz="2000" dirty="0">
+                <a:solidFill>
+                  <a:schemeClr val="tx1">
+                    <a:lumMod val="75000"/>
+                    <a:lumOff val="25000"/>
+                  </a:schemeClr>
+                </a:solidFill>
+                <a:latin typeface="微软雅黑" pitchFamily="34" charset="-122"/>
+                <a:ea typeface="微软雅黑" pitchFamily="34" charset="-122"/>
+              </a:rPr>
+              <a:t>  stroke-width:10px;</a:t>
+            </a:r>
+          </a:p>
+        </p:txBody>
+      </p:sp>
+      <p:sp>
+        <p:nvSpPr>
+          <p:cNvPr id="7" name="矩形 6"/>
+          <p:cNvSpPr/>
+          <p:nvPr/>
+        </p:nvSpPr>
+        <p:spPr>
+          <a:xfrm>
+            <a:off x="918589" y="3645023"/>
+            <a:ext cx="7200800" cy="581057"/>
+          </a:xfrm>
+          <a:prstGeom prst="rect">
+            <a:avLst/>
+          </a:prstGeom>
+        </p:spPr>
+        <p:txBody>
+          <a:bodyPr wrap="square">
+            <a:spAutoFit/>
+          </a:bodyPr>
+          <a:lstStyle/>
+          <a:p>
+            <a:pPr>
+              <a:lnSpc>
+                <a:spcPct val="150000"/>
+              </a:lnSpc>
+            </a:pPr>
+            <a:r>
+              <a:rPr lang="zh-CN" altLang="en-US" sz="2400" dirty="0" smtClean="0">
+                <a:solidFill>
+                  <a:schemeClr val="tx1">
+                    <a:lumMod val="75000"/>
+                    <a:lumOff val="25000"/>
+                  </a:schemeClr>
+                </a:solidFill>
+                <a:latin typeface="微软雅黑" pitchFamily="34" charset="-122"/>
+                <a:ea typeface="微软雅黑" pitchFamily="34" charset="-122"/>
+              </a:rPr>
+              <a:t>使用虚线描边后</a:t>
+            </a:r>
+            <a:endParaRPr lang="en-US" altLang="zh-CN" sz="2400" dirty="0" smtClean="0">
+              <a:solidFill>
+                <a:schemeClr val="tx1">
+                  <a:lumMod val="75000"/>
+                  <a:lumOff val="25000"/>
+                </a:schemeClr>
+              </a:solidFill>
+              <a:latin typeface="微软雅黑" pitchFamily="34" charset="-122"/>
+              <a:ea typeface="微软雅黑" pitchFamily="34" charset="-122"/>
+            </a:endParaRPr>
+          </a:p>
+        </p:txBody>
+      </p:sp>
+      <p:pic>
+        <p:nvPicPr>
+          <p:cNvPr id="8" name="图片 7" descr="屏幕剪辑"/>
+          <p:cNvPicPr>
+            <a:picLocks noChangeAspect="1"/>
+          </p:cNvPicPr>
+          <p:nvPr/>
+        </p:nvPicPr>
+        <p:blipFill>
+          <a:blip r:embed="rId3">
+            <a:extLst>
+              <a:ext uri="{28A0092B-C50C-407E-A947-70E740481C1C}">
+                <a14:useLocalDpi xmlns:a14="http://schemas.microsoft.com/office/drawing/2010/main" val="0"/>
+              </a:ext>
+            </a:extLst>
+          </a:blip>
+          <a:stretch>
+            <a:fillRect/>
+          </a:stretch>
+        </p:blipFill>
+        <p:spPr>
+          <a:xfrm>
+            <a:off x="1523287" y="4581128"/>
+            <a:ext cx="1143160" cy="1190791"/>
+          </a:xfrm>
+          <a:prstGeom prst="rect">
+            <a:avLst/>
+          </a:prstGeom>
+        </p:spPr>
+      </p:pic>
+      <p:sp>
+        <p:nvSpPr>
+          <p:cNvPr id="9" name="圆角矩形标注 8"/>
+          <p:cNvSpPr/>
+          <p:nvPr/>
+        </p:nvSpPr>
+        <p:spPr>
+          <a:xfrm>
+            <a:off x="3131840" y="4869160"/>
+            <a:ext cx="3024336" cy="576064"/>
+          </a:xfrm>
+          <a:prstGeom prst="wedgeRoundRectCallout">
+            <a:avLst>
+              <a:gd name="adj1" fmla="val -58561"/>
+              <a:gd name="adj2" fmla="val 20080"/>
+              <a:gd name="adj3" fmla="val 16667"/>
+            </a:avLst>
+          </a:prstGeom>
+        </p:spPr>
+        <p:style>
+          <a:lnRef idx="2">
+            <a:schemeClr val="accent5"/>
+          </a:lnRef>
+          <a:fillRef idx="1">
+            <a:schemeClr val="lt1"/>
+          </a:fillRef>
+          <a:effectRef idx="0">
+            <a:schemeClr val="accent5"/>
+          </a:effectRef>
+          <a:fontRef idx="minor">
+            <a:schemeClr val="dk1"/>
+          </a:fontRef>
+        </p:style>
+        <p:txBody>
+          <a:bodyPr rtlCol="0" anchor="ctr"/>
+          <a:lstStyle/>
+          <a:p>
+            <a:pPr>
+              <a:lnSpc>
+                <a:spcPct val="150000"/>
+              </a:lnSpc>
+            </a:pPr>
+            <a:r>
+              <a:rPr lang="en-US" altLang="zh-CN" sz="2000" dirty="0">
+                <a:solidFill>
+                  <a:schemeClr val="tx1">
+                    <a:lumMod val="75000"/>
+                    <a:lumOff val="25000"/>
+                  </a:schemeClr>
+                </a:solidFill>
+                <a:latin typeface="微软雅黑" pitchFamily="34" charset="-122"/>
+                <a:ea typeface="微软雅黑" pitchFamily="34" charset="-122"/>
+              </a:rPr>
+              <a:t> stroke-dasharray:50</a:t>
+            </a:r>
+            <a:r>
+              <a:rPr lang="en-US" altLang="zh-CN" sz="2000" dirty="0" smtClean="0">
+                <a:solidFill>
+                  <a:schemeClr val="tx1">
+                    <a:lumMod val="75000"/>
+                    <a:lumOff val="25000"/>
+                  </a:schemeClr>
+                </a:solidFill>
+                <a:latin typeface="微软雅黑" pitchFamily="34" charset="-122"/>
+                <a:ea typeface="微软雅黑" pitchFamily="34" charset="-122"/>
+              </a:rPr>
+              <a:t>;</a:t>
+            </a:r>
+            <a:endParaRPr lang="en-US" altLang="zh-CN" sz="2000" dirty="0">
+              <a:solidFill>
+                <a:schemeClr val="tx1">
+                  <a:lumMod val="75000"/>
+                  <a:lumOff val="25000"/>
+                </a:schemeClr>
+              </a:solidFill>
+              <a:latin typeface="微软雅黑" pitchFamily="34" charset="-122"/>
+              <a:ea typeface="微软雅黑" pitchFamily="34" charset="-122"/>
+            </a:endParaRPr>
+          </a:p>
+        </p:txBody>
+      </p:sp>
+    </p:spTree>
+    <p:extLst>
+      <p:ext uri="{BB962C8B-B14F-4D97-AF65-F5344CB8AC3E}">
+        <p14:creationId xmlns:p14="http://schemas.microsoft.com/office/powerpoint/2010/main" val="162481982"/>
+      </p:ext>
+    </p:extLst>
+  </p:cSld>
+  <p:clrMapOvr>
+    <a:masterClrMapping/>
+  </p:clrMapOvr>
+</p:sld>
+</file>
+
+<file path=ppt/slides/slide17.xml><?xml version="1.0" encoding="utf-8"?>
+<p:sld xmlns:a="http://schemas.openxmlformats.org/drawingml/2006/main" xmlns:r="http://schemas.openxmlformats.org/officeDocument/2006/relationships" xmlns:p="http://schemas.openxmlformats.org/presentationml/2006/main">
+  <p:cSld>
+    <p:spTree>
+      <p:nvGrpSpPr>
+        <p:cNvPr id="1" name=""/>
+        <p:cNvGrpSpPr/>
+        <p:nvPr/>
+      </p:nvGrpSpPr>
+      <p:grpSpPr>
+        <a:xfrm>
+          <a:off x="0" y="0"/>
+          <a:ext cx="0" cy="0"/>
+          <a:chOff x="0" y="0"/>
+          <a:chExt cx="0" cy="0"/>
+        </a:xfrm>
+      </p:grpSpPr>
+      <p:sp>
+        <p:nvSpPr>
+          <p:cNvPr id="6" name="圆角矩形标注 5"/>
+          <p:cNvSpPr/>
+          <p:nvPr/>
+        </p:nvSpPr>
+        <p:spPr>
+          <a:xfrm>
+            <a:off x="2843105" y="1556792"/>
+            <a:ext cx="3024336" cy="479958"/>
+          </a:xfrm>
+          <a:prstGeom prst="wedgeRoundRectCallout">
+            <a:avLst>
+              <a:gd name="adj1" fmla="val -58561"/>
+              <a:gd name="adj2" fmla="val 20080"/>
+              <a:gd name="adj3" fmla="val 16667"/>
+            </a:avLst>
+          </a:prstGeom>
+        </p:spPr>
+        <p:style>
+          <a:lnRef idx="2">
+            <a:schemeClr val="accent5"/>
+          </a:lnRef>
+          <a:fillRef idx="1">
+            <a:schemeClr val="lt1"/>
+          </a:fillRef>
+          <a:effectRef idx="0">
+            <a:schemeClr val="accent5"/>
+          </a:effectRef>
+          <a:fontRef idx="minor">
+            <a:schemeClr val="dk1"/>
+          </a:fontRef>
+        </p:style>
+        <p:txBody>
+          <a:bodyPr rtlCol="0" anchor="ctr"/>
+          <a:lstStyle/>
+          <a:p>
+            <a:pPr>
+              <a:lnSpc>
+                <a:spcPct val="150000"/>
+              </a:lnSpc>
+            </a:pPr>
+            <a:r>
+              <a:rPr lang="en-US" altLang="zh-CN" sz="2000" dirty="0">
+                <a:solidFill>
+                  <a:schemeClr val="tx1">
+                    <a:lumMod val="75000"/>
+                    <a:lumOff val="25000"/>
+                  </a:schemeClr>
+                </a:solidFill>
+                <a:latin typeface="微软雅黑" pitchFamily="34" charset="-122"/>
+                <a:ea typeface="微软雅黑" pitchFamily="34" charset="-122"/>
+              </a:rPr>
+              <a:t> stroke-dasharray:</a:t>
+            </a:r>
+            <a:r>
+              <a:rPr lang="en-US" altLang="zh-CN" sz="2000" b="1" dirty="0">
+                <a:solidFill>
+                  <a:srgbClr val="C00000"/>
+                </a:solidFill>
+                <a:latin typeface="微软雅黑" pitchFamily="34" charset="-122"/>
+                <a:ea typeface="微软雅黑" pitchFamily="34" charset="-122"/>
+              </a:rPr>
+              <a:t>100</a:t>
+            </a:r>
+            <a:r>
+              <a:rPr lang="en-US" altLang="zh-CN" sz="2000" dirty="0">
+                <a:solidFill>
+                  <a:schemeClr val="tx1">
+                    <a:lumMod val="75000"/>
+                    <a:lumOff val="25000"/>
+                  </a:schemeClr>
+                </a:solidFill>
+                <a:latin typeface="微软雅黑" pitchFamily="34" charset="-122"/>
+                <a:ea typeface="微软雅黑" pitchFamily="34" charset="-122"/>
+              </a:rPr>
+              <a:t>;</a:t>
+            </a:r>
+          </a:p>
+        </p:txBody>
+      </p:sp>
+      <p:sp>
+        <p:nvSpPr>
+          <p:cNvPr id="4" name="矩形 3"/>
+          <p:cNvSpPr/>
+          <p:nvPr/>
+        </p:nvSpPr>
+        <p:spPr>
+          <a:xfrm>
+            <a:off x="899592" y="188640"/>
+            <a:ext cx="7776864" cy="581057"/>
+          </a:xfrm>
+          <a:prstGeom prst="rect">
+            <a:avLst/>
+          </a:prstGeom>
+        </p:spPr>
+        <p:txBody>
+          <a:bodyPr wrap="square">
+            <a:spAutoFit/>
+          </a:bodyPr>
+          <a:lstStyle/>
+          <a:p>
+            <a:pPr>
+              <a:lnSpc>
+                <a:spcPct val="150000"/>
+              </a:lnSpc>
+            </a:pPr>
+            <a:r>
+              <a:rPr lang="zh-CN" altLang="en-US" sz="2400" dirty="0" smtClean="0">
+                <a:solidFill>
+                  <a:schemeClr val="tx1">
+                    <a:lumMod val="75000"/>
+                    <a:lumOff val="25000"/>
+                  </a:schemeClr>
+                </a:solidFill>
+                <a:latin typeface="微软雅黑" pitchFamily="34" charset="-122"/>
+                <a:ea typeface="微软雅黑" pitchFamily="34" charset="-122"/>
+              </a:rPr>
+              <a:t>我们可以把虚线设置的很长</a:t>
+            </a:r>
+            <a:endParaRPr lang="en-US" altLang="zh-CN" sz="2400" dirty="0" smtClean="0">
+              <a:solidFill>
+                <a:schemeClr val="tx1">
+                  <a:lumMod val="75000"/>
+                  <a:lumOff val="25000"/>
+                </a:schemeClr>
+              </a:solidFill>
+              <a:latin typeface="微软雅黑" pitchFamily="34" charset="-122"/>
+              <a:ea typeface="微软雅黑" pitchFamily="34" charset="-122"/>
+            </a:endParaRPr>
+          </a:p>
+        </p:txBody>
+      </p:sp>
+      <p:sp>
+        <p:nvSpPr>
+          <p:cNvPr id="9" name="圆角矩形标注 8"/>
+          <p:cNvSpPr/>
+          <p:nvPr/>
+        </p:nvSpPr>
+        <p:spPr>
+          <a:xfrm>
+            <a:off x="2843808" y="2808628"/>
+            <a:ext cx="3024336" cy="576064"/>
+          </a:xfrm>
+          <a:prstGeom prst="wedgeRoundRectCallout">
+            <a:avLst>
+              <a:gd name="adj1" fmla="val -58561"/>
+              <a:gd name="adj2" fmla="val 20080"/>
+              <a:gd name="adj3" fmla="val 16667"/>
+            </a:avLst>
+          </a:prstGeom>
+        </p:spPr>
+        <p:style>
+          <a:lnRef idx="2">
+            <a:schemeClr val="accent5"/>
+          </a:lnRef>
+          <a:fillRef idx="1">
+            <a:schemeClr val="lt1"/>
+          </a:fillRef>
+          <a:effectRef idx="0">
+            <a:schemeClr val="accent5"/>
+          </a:effectRef>
+          <a:fontRef idx="minor">
+            <a:schemeClr val="dk1"/>
+          </a:fontRef>
+        </p:style>
+        <p:txBody>
+          <a:bodyPr rtlCol="0" anchor="ctr"/>
+          <a:lstStyle/>
+          <a:p>
+            <a:pPr>
+              <a:lnSpc>
+                <a:spcPct val="150000"/>
+              </a:lnSpc>
+            </a:pPr>
+            <a:r>
+              <a:rPr lang="en-US" altLang="zh-CN" sz="2000" dirty="0">
+                <a:solidFill>
+                  <a:schemeClr val="tx1">
+                    <a:lumMod val="75000"/>
+                    <a:lumOff val="25000"/>
+                  </a:schemeClr>
+                </a:solidFill>
+                <a:latin typeface="微软雅黑" pitchFamily="34" charset="-122"/>
+                <a:ea typeface="微软雅黑" pitchFamily="34" charset="-122"/>
+              </a:rPr>
+              <a:t> </a:t>
+            </a:r>
+            <a:r>
+              <a:rPr lang="en-US" altLang="zh-CN" sz="2000" dirty="0" smtClean="0">
+                <a:solidFill>
+                  <a:schemeClr val="tx1">
+                    <a:lumMod val="75000"/>
+                    <a:lumOff val="25000"/>
+                  </a:schemeClr>
+                </a:solidFill>
+                <a:latin typeface="微软雅黑" pitchFamily="34" charset="-122"/>
+                <a:ea typeface="微软雅黑" pitchFamily="34" charset="-122"/>
+              </a:rPr>
+              <a:t>stroke-dasharray:</a:t>
+            </a:r>
+            <a:r>
+              <a:rPr lang="en-US" altLang="zh-CN" sz="2000" b="1" dirty="0" smtClean="0">
+                <a:solidFill>
+                  <a:srgbClr val="C00000"/>
+                </a:solidFill>
+                <a:latin typeface="微软雅黑" pitchFamily="34" charset="-122"/>
+                <a:ea typeface="微软雅黑" pitchFamily="34" charset="-122"/>
+              </a:rPr>
+              <a:t>400</a:t>
+            </a:r>
+            <a:r>
+              <a:rPr lang="en-US" altLang="zh-CN" sz="2000" dirty="0" smtClean="0">
+                <a:solidFill>
+                  <a:schemeClr val="tx1">
+                    <a:lumMod val="75000"/>
+                    <a:lumOff val="25000"/>
+                  </a:schemeClr>
+                </a:solidFill>
+                <a:latin typeface="微软雅黑" pitchFamily="34" charset="-122"/>
+                <a:ea typeface="微软雅黑" pitchFamily="34" charset="-122"/>
+              </a:rPr>
+              <a:t>;</a:t>
+            </a:r>
+            <a:endParaRPr lang="en-US" altLang="zh-CN" sz="2000" dirty="0">
+              <a:solidFill>
+                <a:schemeClr val="tx1">
+                  <a:lumMod val="75000"/>
+                  <a:lumOff val="25000"/>
+                </a:schemeClr>
+              </a:solidFill>
+              <a:latin typeface="微软雅黑" pitchFamily="34" charset="-122"/>
+              <a:ea typeface="微软雅黑" pitchFamily="34" charset="-122"/>
+            </a:endParaRPr>
+          </a:p>
+        </p:txBody>
+      </p:sp>
+      <p:pic>
+        <p:nvPicPr>
+          <p:cNvPr id="3" name="图片 2" descr="屏幕剪辑"/>
+          <p:cNvPicPr>
+            <a:picLocks noChangeAspect="1"/>
+          </p:cNvPicPr>
+          <p:nvPr/>
+        </p:nvPicPr>
+        <p:blipFill>
+          <a:blip r:embed="rId2">
+            <a:extLst>
+              <a:ext uri="{28A0092B-C50C-407E-A947-70E740481C1C}">
+                <a14:useLocalDpi xmlns:a14="http://schemas.microsoft.com/office/drawing/2010/main" val="0"/>
+              </a:ext>
+            </a:extLst>
+          </a:blip>
+          <a:stretch>
+            <a:fillRect/>
+          </a:stretch>
+        </p:blipFill>
+        <p:spPr>
+          <a:xfrm>
+            <a:off x="1259632" y="1145726"/>
+            <a:ext cx="1181265" cy="1228896"/>
+          </a:xfrm>
+          <a:prstGeom prst="rect">
+            <a:avLst/>
+          </a:prstGeom>
+          <a:ln>
+            <a:noFill/>
+          </a:ln>
+          <a:effectLst>
+            <a:outerShdw blurRad="292100" dist="139700" dir="2700000" algn="tl" rotWithShape="0">
+              <a:srgbClr val="333333">
+                <a:alpha val="65000"/>
+              </a:srgbClr>
+            </a:outerShdw>
+          </a:effectLst>
+        </p:spPr>
+      </p:pic>
+      <p:pic>
+        <p:nvPicPr>
+          <p:cNvPr id="10" name="图片 9" descr="屏幕剪辑"/>
+          <p:cNvPicPr>
+            <a:picLocks noChangeAspect="1"/>
+          </p:cNvPicPr>
+          <p:nvPr/>
+        </p:nvPicPr>
+        <p:blipFill>
+          <a:blip r:embed="rId3">
+            <a:extLst>
+              <a:ext uri="{28A0092B-C50C-407E-A947-70E740481C1C}">
+                <a14:useLocalDpi xmlns:a14="http://schemas.microsoft.com/office/drawing/2010/main" val="0"/>
+              </a:ext>
+            </a:extLst>
+          </a:blip>
+          <a:stretch>
+            <a:fillRect/>
+          </a:stretch>
+        </p:blipFill>
+        <p:spPr>
+          <a:xfrm>
+            <a:off x="1259632" y="2708920"/>
+            <a:ext cx="1181265" cy="1171255"/>
+          </a:xfrm>
+          <a:prstGeom prst="rect">
+            <a:avLst/>
+          </a:prstGeom>
+          <a:ln>
+            <a:noFill/>
+          </a:ln>
+          <a:effectLst>
+            <a:outerShdw blurRad="292100" dist="139700" dir="2700000" algn="tl" rotWithShape="0">
+              <a:srgbClr val="333333">
+                <a:alpha val="65000"/>
+              </a:srgbClr>
+            </a:outerShdw>
+          </a:effectLst>
+        </p:spPr>
+      </p:pic>
+    </p:spTree>
+    <p:extLst>
+      <p:ext uri="{BB962C8B-B14F-4D97-AF65-F5344CB8AC3E}">
+        <p14:creationId xmlns:p14="http://schemas.microsoft.com/office/powerpoint/2010/main" val="278574104"/>
+      </p:ext>
+    </p:extLst>
+  </p:cSld>
+  <p:clrMapOvr>
+    <a:masterClrMapping/>
+  </p:clrMapOvr>
+</p:sld>
+</file>
+
+<file path=ppt/slides/slide18.xml><?xml version="1.0" encoding="utf-8"?>
+<p:sld xmlns:a="http://schemas.openxmlformats.org/drawingml/2006/main" xmlns:r="http://schemas.openxmlformats.org/officeDocument/2006/relationships" xmlns:p="http://schemas.openxmlformats.org/presentationml/2006/main">
+  <p:cSld>
+    <p:spTree>
+      <p:nvGrpSpPr>
+        <p:cNvPr id="1" name=""/>
+        <p:cNvGrpSpPr/>
+        <p:nvPr/>
+      </p:nvGrpSpPr>
+      <p:grpSpPr>
+        <a:xfrm>
+          <a:off x="0" y="0"/>
+          <a:ext cx="0" cy="0"/>
+          <a:chOff x="0" y="0"/>
+          <a:chExt cx="0" cy="0"/>
+        </a:xfrm>
+      </p:grpSpPr>
+      <p:sp>
+        <p:nvSpPr>
+          <p:cNvPr id="2" name="矩形 1"/>
+          <p:cNvSpPr/>
+          <p:nvPr/>
+        </p:nvSpPr>
+        <p:spPr>
+          <a:xfrm>
+            <a:off x="827584" y="332656"/>
+            <a:ext cx="7200800" cy="581057"/>
+          </a:xfrm>
+          <a:prstGeom prst="rect">
+            <a:avLst/>
+          </a:prstGeom>
+        </p:spPr>
+        <p:txBody>
+          <a:bodyPr wrap="square">
+            <a:spAutoFit/>
+          </a:bodyPr>
+          <a:lstStyle/>
+          <a:p>
+            <a:pPr>
+              <a:lnSpc>
+                <a:spcPct val="150000"/>
+              </a:lnSpc>
+            </a:pPr>
+            <a:r>
+              <a:rPr lang="zh-CN" altLang="en-US" sz="2400" dirty="0" smtClean="0">
+                <a:solidFill>
+                  <a:schemeClr val="tx1">
+                    <a:lumMod val="75000"/>
+                    <a:lumOff val="25000"/>
+                  </a:schemeClr>
+                </a:solidFill>
+                <a:latin typeface="微软雅黑" pitchFamily="34" charset="-122"/>
+                <a:ea typeface="微软雅黑" pitchFamily="34" charset="-122"/>
+              </a:rPr>
+              <a:t>我们可以同时偏移虚线描边</a:t>
+            </a:r>
+            <a:endParaRPr lang="en-US" altLang="zh-CN" sz="2400" dirty="0" smtClean="0">
+              <a:solidFill>
+                <a:schemeClr val="tx1">
+                  <a:lumMod val="75000"/>
+                  <a:lumOff val="25000"/>
+                </a:schemeClr>
+              </a:solidFill>
+              <a:latin typeface="微软雅黑" pitchFamily="34" charset="-122"/>
+              <a:ea typeface="微软雅黑" pitchFamily="34" charset="-122"/>
+            </a:endParaRPr>
+          </a:p>
+        </p:txBody>
+      </p:sp>
+      <p:sp>
+        <p:nvSpPr>
+          <p:cNvPr id="3" name="圆角矩形标注 2"/>
+          <p:cNvSpPr/>
+          <p:nvPr/>
+        </p:nvSpPr>
+        <p:spPr>
+          <a:xfrm>
+            <a:off x="794239" y="2642127"/>
+            <a:ext cx="2841657" cy="479958"/>
+          </a:xfrm>
+          <a:prstGeom prst="wedgeRoundRectCallout">
+            <a:avLst>
+              <a:gd name="adj1" fmla="val -29801"/>
+              <a:gd name="adj2" fmla="val -96089"/>
+              <a:gd name="adj3" fmla="val 16667"/>
+            </a:avLst>
+          </a:prstGeom>
+        </p:spPr>
+        <p:style>
+          <a:lnRef idx="2">
+            <a:schemeClr val="accent5"/>
+          </a:lnRef>
+          <a:fillRef idx="1">
+            <a:schemeClr val="lt1"/>
+          </a:fillRef>
+          <a:effectRef idx="0">
+            <a:schemeClr val="accent5"/>
+          </a:effectRef>
+          <a:fontRef idx="minor">
+            <a:schemeClr val="dk1"/>
+          </a:fontRef>
+        </p:style>
+        <p:txBody>
+          <a:bodyPr rtlCol="0" anchor="ctr"/>
+          <a:lstStyle/>
+          <a:p>
+            <a:pPr>
+              <a:lnSpc>
+                <a:spcPct val="150000"/>
+              </a:lnSpc>
+            </a:pPr>
+            <a:r>
+              <a:rPr lang="en-US" altLang="zh-CN" sz="2000" dirty="0">
+                <a:solidFill>
+                  <a:schemeClr val="tx1">
+                    <a:lumMod val="75000"/>
+                    <a:lumOff val="25000"/>
+                  </a:schemeClr>
+                </a:solidFill>
+                <a:latin typeface="微软雅黑" pitchFamily="34" charset="-122"/>
+                <a:ea typeface="微软雅黑" pitchFamily="34" charset="-122"/>
+              </a:rPr>
+              <a:t> </a:t>
+            </a:r>
+            <a:r>
+              <a:rPr lang="en-US" altLang="zh-CN" sz="2000" dirty="0" smtClean="0">
+                <a:solidFill>
+                  <a:schemeClr val="tx1">
+                    <a:lumMod val="75000"/>
+                    <a:lumOff val="25000"/>
+                  </a:schemeClr>
+                </a:solidFill>
+                <a:latin typeface="微软雅黑" pitchFamily="34" charset="-122"/>
+                <a:ea typeface="微软雅黑" pitchFamily="34" charset="-122"/>
+              </a:rPr>
+              <a:t>stroke-dasharray:</a:t>
+            </a:r>
+            <a:r>
+              <a:rPr lang="en-US" altLang="zh-CN" sz="2000" b="1" dirty="0">
+                <a:solidFill>
+                  <a:srgbClr val="C00000"/>
+                </a:solidFill>
+                <a:latin typeface="微软雅黑" pitchFamily="34" charset="-122"/>
+                <a:ea typeface="微软雅黑" pitchFamily="34" charset="-122"/>
+              </a:rPr>
+              <a:t>5</a:t>
+            </a:r>
+            <a:r>
+              <a:rPr lang="en-US" altLang="zh-CN" sz="2000" b="1" dirty="0" smtClean="0">
+                <a:solidFill>
+                  <a:srgbClr val="C00000"/>
+                </a:solidFill>
+                <a:latin typeface="微软雅黑" pitchFamily="34" charset="-122"/>
+                <a:ea typeface="微软雅黑" pitchFamily="34" charset="-122"/>
+              </a:rPr>
+              <a:t>0</a:t>
+            </a:r>
+            <a:r>
+              <a:rPr lang="en-US" altLang="zh-CN" sz="2000" dirty="0">
+                <a:solidFill>
+                  <a:schemeClr val="tx1">
+                    <a:lumMod val="75000"/>
+                    <a:lumOff val="25000"/>
+                  </a:schemeClr>
+                </a:solidFill>
+                <a:latin typeface="微软雅黑" pitchFamily="34" charset="-122"/>
+                <a:ea typeface="微软雅黑" pitchFamily="34" charset="-122"/>
+              </a:rPr>
+              <a:t>;</a:t>
+            </a:r>
+          </a:p>
+        </p:txBody>
+      </p:sp>
+      <p:pic>
+        <p:nvPicPr>
+          <p:cNvPr id="4" name="图片 3" descr="屏幕剪辑"/>
+          <p:cNvPicPr>
+            <a:picLocks noChangeAspect="1"/>
+          </p:cNvPicPr>
+          <p:nvPr/>
+        </p:nvPicPr>
+        <p:blipFill>
+          <a:blip r:embed="rId2">
+            <a:extLst>
+              <a:ext uri="{28A0092B-C50C-407E-A947-70E740481C1C}">
+                <a14:useLocalDpi xmlns:a14="http://schemas.microsoft.com/office/drawing/2010/main" val="0"/>
+              </a:ext>
+            </a:extLst>
+          </a:blip>
+          <a:stretch>
+            <a:fillRect/>
+          </a:stretch>
+        </p:blipFill>
+        <p:spPr>
+          <a:xfrm>
+            <a:off x="1115616" y="1081906"/>
+            <a:ext cx="1190791" cy="1171739"/>
+          </a:xfrm>
+          <a:prstGeom prst="rect">
+            <a:avLst/>
+          </a:prstGeom>
+        </p:spPr>
+      </p:pic>
+      <p:pic>
+        <p:nvPicPr>
+          <p:cNvPr id="5" name="图片 4" descr="屏幕剪辑"/>
+          <p:cNvPicPr>
+            <a:picLocks noChangeAspect="1"/>
+          </p:cNvPicPr>
+          <p:nvPr/>
+        </p:nvPicPr>
+        <p:blipFill rotWithShape="1">
+          <a:blip r:embed="rId3">
+            <a:extLst>
+              <a:ext uri="{28A0092B-C50C-407E-A947-70E740481C1C}">
+                <a14:useLocalDpi xmlns:a14="http://schemas.microsoft.com/office/drawing/2010/main" val="0"/>
+              </a:ext>
+            </a:extLst>
+          </a:blip>
+          <a:srcRect b="3053"/>
+          <a:stretch/>
+        </p:blipFill>
+        <p:spPr>
+          <a:xfrm>
+            <a:off x="2915817" y="1062043"/>
+            <a:ext cx="1173599" cy="1173600"/>
+          </a:xfrm>
+          <a:prstGeom prst="rect">
+            <a:avLst/>
+          </a:prstGeom>
+        </p:spPr>
+      </p:pic>
+      <p:pic>
+        <p:nvPicPr>
+          <p:cNvPr id="6" name="图片 5" descr="屏幕剪辑"/>
+          <p:cNvPicPr>
+            <a:picLocks noChangeAspect="1"/>
+          </p:cNvPicPr>
+          <p:nvPr/>
+        </p:nvPicPr>
+        <p:blipFill>
+          <a:blip r:embed="rId4">
+            <a:extLst>
+              <a:ext uri="{28A0092B-C50C-407E-A947-70E740481C1C}">
+                <a14:useLocalDpi xmlns:a14="http://schemas.microsoft.com/office/drawing/2010/main" val="0"/>
+              </a:ext>
+            </a:extLst>
+          </a:blip>
+          <a:stretch>
+            <a:fillRect/>
+          </a:stretch>
+        </p:blipFill>
+        <p:spPr>
+          <a:xfrm>
+            <a:off x="4644008" y="1062043"/>
+            <a:ext cx="1146094" cy="1173600"/>
+          </a:xfrm>
+          <a:prstGeom prst="rect">
+            <a:avLst/>
+          </a:prstGeom>
+        </p:spPr>
+      </p:pic>
+      <p:pic>
+        <p:nvPicPr>
+          <p:cNvPr id="7" name="图片 6" descr="屏幕剪辑"/>
+          <p:cNvPicPr>
+            <a:picLocks noChangeAspect="1"/>
+          </p:cNvPicPr>
+          <p:nvPr/>
+        </p:nvPicPr>
+        <p:blipFill>
+          <a:blip r:embed="rId5">
+            <a:extLst>
+              <a:ext uri="{28A0092B-C50C-407E-A947-70E740481C1C}">
+                <a14:useLocalDpi xmlns:a14="http://schemas.microsoft.com/office/drawing/2010/main" val="0"/>
+              </a:ext>
+            </a:extLst>
+          </a:blip>
+          <a:stretch>
+            <a:fillRect/>
+          </a:stretch>
+        </p:blipFill>
+        <p:spPr>
+          <a:xfrm>
+            <a:off x="6300192" y="1052736"/>
+            <a:ext cx="1191600" cy="1200909"/>
+          </a:xfrm>
+          <a:prstGeom prst="rect">
+            <a:avLst/>
+          </a:prstGeom>
+        </p:spPr>
+      </p:pic>
+      <p:sp>
+        <p:nvSpPr>
+          <p:cNvPr id="8" name="圆角矩形标注 7"/>
+          <p:cNvSpPr/>
+          <p:nvPr/>
+        </p:nvSpPr>
+        <p:spPr>
+          <a:xfrm>
+            <a:off x="3796227" y="2632648"/>
+            <a:ext cx="847782" cy="479958"/>
+          </a:xfrm>
+          <a:prstGeom prst="wedgeRoundRectCallout">
+            <a:avLst>
+              <a:gd name="adj1" fmla="val -29801"/>
+              <a:gd name="adj2" fmla="val -96089"/>
+              <a:gd name="adj3" fmla="val 16667"/>
+            </a:avLst>
+          </a:prstGeom>
+        </p:spPr>
+        <p:style>
+          <a:lnRef idx="2">
+            <a:schemeClr val="accent5"/>
+          </a:lnRef>
+          <a:fillRef idx="1">
+            <a:schemeClr val="lt1"/>
+          </a:fillRef>
+          <a:effectRef idx="0">
+            <a:schemeClr val="accent5"/>
+          </a:effectRef>
+          <a:fontRef idx="minor">
+            <a:schemeClr val="dk1"/>
+          </a:fontRef>
+        </p:style>
+        <p:txBody>
+          <a:bodyPr rtlCol="0" anchor="ctr"/>
+          <a:lstStyle/>
+          <a:p>
+            <a:pPr>
+              <a:lnSpc>
+                <a:spcPct val="150000"/>
+              </a:lnSpc>
+            </a:pPr>
+            <a:r>
+              <a:rPr lang="en-US" altLang="zh-CN" sz="2000" b="1" dirty="0" smtClean="0">
+                <a:solidFill>
+                  <a:srgbClr val="C00000"/>
+                </a:solidFill>
+                <a:latin typeface="微软雅黑" pitchFamily="34" charset="-122"/>
+                <a:ea typeface="微软雅黑" pitchFamily="34" charset="-122"/>
+              </a:rPr>
+              <a:t>100</a:t>
+            </a:r>
+            <a:endParaRPr lang="en-US" altLang="zh-CN" sz="2000" b="1" dirty="0">
+              <a:solidFill>
+                <a:srgbClr val="C00000"/>
+              </a:solidFill>
+              <a:latin typeface="微软雅黑" pitchFamily="34" charset="-122"/>
+              <a:ea typeface="微软雅黑" pitchFamily="34" charset="-122"/>
+            </a:endParaRPr>
+          </a:p>
+        </p:txBody>
+      </p:sp>
+      <p:sp>
+        <p:nvSpPr>
+          <p:cNvPr id="9" name="圆角矩形标注 8"/>
+          <p:cNvSpPr/>
+          <p:nvPr/>
+        </p:nvSpPr>
+        <p:spPr>
+          <a:xfrm>
+            <a:off x="5164378" y="2623169"/>
+            <a:ext cx="847782" cy="479958"/>
+          </a:xfrm>
+          <a:prstGeom prst="wedgeRoundRectCallout">
+            <a:avLst>
+              <a:gd name="adj1" fmla="val -29801"/>
+              <a:gd name="adj2" fmla="val -96089"/>
+              <a:gd name="adj3" fmla="val 16667"/>
+            </a:avLst>
+          </a:prstGeom>
+        </p:spPr>
+        <p:style>
+          <a:lnRef idx="2">
+            <a:schemeClr val="accent5"/>
+          </a:lnRef>
+          <a:fillRef idx="1">
+            <a:schemeClr val="lt1"/>
+          </a:fillRef>
+          <a:effectRef idx="0">
+            <a:schemeClr val="accent5"/>
+          </a:effectRef>
+          <a:fontRef idx="minor">
+            <a:schemeClr val="dk1"/>
+          </a:fontRef>
+        </p:style>
+        <p:txBody>
+          <a:bodyPr rtlCol="0" anchor="ctr"/>
+          <a:lstStyle/>
+          <a:p>
+            <a:pPr>
+              <a:lnSpc>
+                <a:spcPct val="150000"/>
+              </a:lnSpc>
+            </a:pPr>
+            <a:r>
+              <a:rPr lang="en-US" altLang="zh-CN" sz="2000" b="1" dirty="0" smtClean="0">
+                <a:solidFill>
+                  <a:srgbClr val="C00000"/>
+                </a:solidFill>
+                <a:latin typeface="微软雅黑" pitchFamily="34" charset="-122"/>
+                <a:ea typeface="微软雅黑" pitchFamily="34" charset="-122"/>
+              </a:rPr>
+              <a:t>150</a:t>
+            </a:r>
+            <a:endParaRPr lang="en-US" altLang="zh-CN" sz="2000" b="1" dirty="0">
+              <a:solidFill>
+                <a:srgbClr val="C00000"/>
+              </a:solidFill>
+              <a:latin typeface="微软雅黑" pitchFamily="34" charset="-122"/>
+              <a:ea typeface="微软雅黑" pitchFamily="34" charset="-122"/>
+            </a:endParaRPr>
+          </a:p>
+        </p:txBody>
+      </p:sp>
+      <p:sp>
+        <p:nvSpPr>
+          <p:cNvPr id="10" name="圆角矩形标注 9"/>
+          <p:cNvSpPr/>
+          <p:nvPr/>
+        </p:nvSpPr>
+        <p:spPr>
+          <a:xfrm>
+            <a:off x="6620159" y="2618172"/>
+            <a:ext cx="847782" cy="479958"/>
+          </a:xfrm>
+          <a:prstGeom prst="wedgeRoundRectCallout">
+            <a:avLst>
+              <a:gd name="adj1" fmla="val -29801"/>
+              <a:gd name="adj2" fmla="val -96089"/>
+              <a:gd name="adj3" fmla="val 16667"/>
+            </a:avLst>
+          </a:prstGeom>
+        </p:spPr>
+        <p:style>
+          <a:lnRef idx="2">
+            <a:schemeClr val="accent5"/>
+          </a:lnRef>
+          <a:fillRef idx="1">
+            <a:schemeClr val="lt1"/>
+          </a:fillRef>
+          <a:effectRef idx="0">
+            <a:schemeClr val="accent5"/>
+          </a:effectRef>
+          <a:fontRef idx="minor">
+            <a:schemeClr val="dk1"/>
+          </a:fontRef>
+        </p:style>
+        <p:txBody>
+          <a:bodyPr rtlCol="0" anchor="ctr"/>
+          <a:lstStyle/>
+          <a:p>
+            <a:pPr>
+              <a:lnSpc>
+                <a:spcPct val="150000"/>
+              </a:lnSpc>
+            </a:pPr>
+            <a:r>
+              <a:rPr lang="en-US" altLang="zh-CN" sz="2000" b="1" dirty="0" smtClean="0">
+                <a:solidFill>
+                  <a:srgbClr val="C00000"/>
+                </a:solidFill>
+                <a:latin typeface="微软雅黑" pitchFamily="34" charset="-122"/>
+                <a:ea typeface="微软雅黑" pitchFamily="34" charset="-122"/>
+              </a:rPr>
+              <a:t>200</a:t>
+            </a:r>
+            <a:endParaRPr lang="en-US" altLang="zh-CN" sz="2000" b="1" dirty="0">
+              <a:solidFill>
+                <a:srgbClr val="C00000"/>
+              </a:solidFill>
+              <a:latin typeface="微软雅黑" pitchFamily="34" charset="-122"/>
+              <a:ea typeface="微软雅黑" pitchFamily="34" charset="-122"/>
+            </a:endParaRPr>
+          </a:p>
+        </p:txBody>
+      </p:sp>
+      <p:sp>
+        <p:nvSpPr>
+          <p:cNvPr id="11" name="矩形 10"/>
+          <p:cNvSpPr/>
+          <p:nvPr/>
+        </p:nvSpPr>
+        <p:spPr>
+          <a:xfrm>
+            <a:off x="794239" y="3279991"/>
+            <a:ext cx="7200800" cy="581057"/>
+          </a:xfrm>
+          <a:prstGeom prst="rect">
+            <a:avLst/>
+          </a:prstGeom>
+        </p:spPr>
+        <p:txBody>
+          <a:bodyPr wrap="square">
+            <a:spAutoFit/>
+          </a:bodyPr>
+          <a:lstStyle/>
+          <a:p>
+            <a:pPr>
+              <a:lnSpc>
+                <a:spcPct val="150000"/>
+              </a:lnSpc>
+            </a:pPr>
+            <a:r>
+              <a:rPr lang="zh-CN" altLang="en-US" sz="2400" dirty="0">
+                <a:solidFill>
+                  <a:schemeClr val="tx1">
+                    <a:lumMod val="75000"/>
+                    <a:lumOff val="25000"/>
+                  </a:schemeClr>
+                </a:solidFill>
+                <a:latin typeface="微软雅黑" pitchFamily="34" charset="-122"/>
+                <a:ea typeface="微软雅黑" pitchFamily="34" charset="-122"/>
+              </a:rPr>
+              <a:t>想</a:t>
+            </a:r>
+            <a:r>
+              <a:rPr lang="zh-CN" altLang="en-US" sz="2400" dirty="0" smtClean="0">
+                <a:solidFill>
+                  <a:schemeClr val="tx1">
+                    <a:lumMod val="75000"/>
+                    <a:lumOff val="25000"/>
+                  </a:schemeClr>
+                </a:solidFill>
+                <a:latin typeface="微软雅黑" pitchFamily="34" charset="-122"/>
+                <a:ea typeface="微软雅黑" pitchFamily="34" charset="-122"/>
+              </a:rPr>
+              <a:t>要变成动画只需要添加</a:t>
+            </a:r>
+            <a:r>
+              <a:rPr lang="en-US" altLang="zh-CN" sz="2400" dirty="0" smtClean="0">
+                <a:solidFill>
+                  <a:schemeClr val="tx1">
+                    <a:lumMod val="75000"/>
+                    <a:lumOff val="25000"/>
+                  </a:schemeClr>
+                </a:solidFill>
+                <a:latin typeface="微软雅黑" pitchFamily="34" charset="-122"/>
+                <a:ea typeface="微软雅黑" pitchFamily="34" charset="-122"/>
+              </a:rPr>
+              <a:t>animation</a:t>
+            </a:r>
+            <a:endParaRPr lang="en-US" altLang="zh-CN" sz="2400" dirty="0" smtClean="0">
+              <a:solidFill>
+                <a:schemeClr val="tx1">
+                  <a:lumMod val="75000"/>
+                  <a:lumOff val="25000"/>
+                </a:schemeClr>
+              </a:solidFill>
+              <a:latin typeface="微软雅黑" pitchFamily="34" charset="-122"/>
+              <a:ea typeface="微软雅黑" pitchFamily="34" charset="-122"/>
+            </a:endParaRPr>
+          </a:p>
+        </p:txBody>
+      </p:sp>
+      <p:pic>
+        <p:nvPicPr>
+          <p:cNvPr id="12" name="图片 11" descr="屏幕剪辑"/>
+          <p:cNvPicPr>
+            <a:picLocks noChangeAspect="1"/>
+          </p:cNvPicPr>
+          <p:nvPr/>
+        </p:nvPicPr>
+        <p:blipFill>
+          <a:blip r:embed="rId6">
+            <a:extLst>
+              <a:ext uri="{28A0092B-C50C-407E-A947-70E740481C1C}">
+                <a14:useLocalDpi xmlns:a14="http://schemas.microsoft.com/office/drawing/2010/main" val="0"/>
+              </a:ext>
+            </a:extLst>
+          </a:blip>
+          <a:stretch>
+            <a:fillRect/>
+          </a:stretch>
+        </p:blipFill>
+        <p:spPr>
+          <a:xfrm>
+            <a:off x="1320002" y="3933056"/>
+            <a:ext cx="5334744" cy="2772162"/>
+          </a:xfrm>
+          <a:prstGeom prst="rect">
+            <a:avLst/>
+          </a:prstGeom>
+          <a:ln>
+            <a:noFill/>
+          </a:ln>
+          <a:effectLst>
+            <a:outerShdw blurRad="292100" dist="139700" dir="2700000" algn="tl" rotWithShape="0">
+              <a:srgbClr val="333333">
+                <a:alpha val="65000"/>
+              </a:srgbClr>
+            </a:outerShdw>
+          </a:effectLst>
+        </p:spPr>
+      </p:pic>
+      <p:sp>
+        <p:nvSpPr>
+          <p:cNvPr id="13" name="矩形 12"/>
+          <p:cNvSpPr/>
+          <p:nvPr/>
+        </p:nvSpPr>
+        <p:spPr>
+          <a:xfrm>
+            <a:off x="1763688" y="5661248"/>
+            <a:ext cx="3168352" cy="360040"/>
+          </a:xfrm>
+          <a:prstGeom prst="rect">
+            <a:avLst/>
+          </a:prstGeom>
+          <a:noFill/>
+          <a:ln>
+            <a:solidFill>
+              <a:srgbClr val="FFFF00"/>
+            </a:solidFill>
+          </a:ln>
+        </p:spPr>
+        <p:style>
+          <a:lnRef idx="2">
+            <a:schemeClr val="accent1">
+              <a:shade val="50000"/>
+            </a:schemeClr>
+          </a:lnRef>
+          <a:fillRef idx="1">
+            <a:schemeClr val="accent1"/>
+          </a:fillRef>
+          <a:effectRef idx="0">
+            <a:schemeClr val="accent1"/>
+          </a:effectRef>
+          <a:fontRef idx="minor">
+            <a:schemeClr val="lt1"/>
+          </a:fontRef>
+        </p:style>
+        <p:txBody>
+          <a:bodyPr rtlCol="0" anchor="ctr"/>
+          <a:lstStyle/>
+          <a:p>
+            <a:pPr algn="ctr"/>
+            <a:endParaRPr lang="zh-CN" altLang="en-US"/>
+          </a:p>
+        </p:txBody>
+      </p:sp>
+    </p:spTree>
+    <p:extLst>
+      <p:ext uri="{BB962C8B-B14F-4D97-AF65-F5344CB8AC3E}">
+        <p14:creationId xmlns:p14="http://schemas.microsoft.com/office/powerpoint/2010/main" val="779776397"/>
+      </p:ext>
+    </p:extLst>
+  </p:cSld>
+  <p:clrMapOvr>
+    <a:masterClrMapping/>
+  </p:clrMapOvr>
+</p:sld>
+</file>
+
+<file path=ppt/slides/slide19.xml><?xml version="1.0" encoding="utf-8"?>
+<p:sld xmlns:a="http://schemas.openxmlformats.org/drawingml/2006/main" xmlns:r="http://schemas.openxmlformats.org/officeDocument/2006/relationships" xmlns:p="http://schemas.openxmlformats.org/presentationml/2006/main">
+  <p:cSld>
+    <p:spTree>
+      <p:nvGrpSpPr>
+        <p:cNvPr id="1" name=""/>
+        <p:cNvGrpSpPr/>
+        <p:nvPr/>
+      </p:nvGrpSpPr>
+      <p:grpSpPr>
+        <a:xfrm>
+          <a:off x="0" y="0"/>
+          <a:ext cx="0" cy="0"/>
+          <a:chOff x="0" y="0"/>
+          <a:chExt cx="0" cy="0"/>
+        </a:xfrm>
+      </p:grpSpPr>
+      <p:pic>
+        <p:nvPicPr>
+          <p:cNvPr id="2" name="图片 1" descr="屏幕剪辑"/>
+          <p:cNvPicPr>
+            <a:picLocks noChangeAspect="1"/>
+          </p:cNvPicPr>
+          <p:nvPr/>
+        </p:nvPicPr>
+        <p:blipFill>
+          <a:blip r:embed="rId2">
+            <a:extLst>
+              <a:ext uri="{28A0092B-C50C-407E-A947-70E740481C1C}">
+                <a14:useLocalDpi xmlns:a14="http://schemas.microsoft.com/office/drawing/2010/main" val="0"/>
+              </a:ext>
+            </a:extLst>
+          </a:blip>
+          <a:stretch>
+            <a:fillRect/>
+          </a:stretch>
+        </p:blipFill>
+        <p:spPr>
+          <a:xfrm>
+            <a:off x="845454" y="2053312"/>
+            <a:ext cx="5477639" cy="3153215"/>
+          </a:xfrm>
+          <a:prstGeom prst="rect">
+            <a:avLst/>
+          </a:prstGeom>
+          <a:ln>
+            <a:noFill/>
+          </a:ln>
+          <a:effectLst>
+            <a:outerShdw blurRad="292100" dist="139700" dir="2700000" algn="tl" rotWithShape="0">
+              <a:srgbClr val="333333">
+                <a:alpha val="65000"/>
+              </a:srgbClr>
+            </a:outerShdw>
+          </a:effectLst>
+        </p:spPr>
+      </p:pic>
+      <p:sp>
+        <p:nvSpPr>
+          <p:cNvPr id="6" name="圆角矩形标注 5"/>
+          <p:cNvSpPr/>
+          <p:nvPr/>
+        </p:nvSpPr>
+        <p:spPr>
+          <a:xfrm>
+            <a:off x="4283968" y="2276872"/>
+            <a:ext cx="1728192" cy="479958"/>
+          </a:xfrm>
+          <a:prstGeom prst="wedgeRoundRectCallout">
+            <a:avLst>
+              <a:gd name="adj1" fmla="val -58561"/>
+              <a:gd name="adj2" fmla="val 20080"/>
+              <a:gd name="adj3" fmla="val 16667"/>
+            </a:avLst>
+          </a:prstGeom>
+        </p:spPr>
+        <p:style>
+          <a:lnRef idx="2">
+            <a:schemeClr val="accent5"/>
+          </a:lnRef>
+          <a:fillRef idx="1">
+            <a:schemeClr val="lt1"/>
+          </a:fillRef>
+          <a:effectRef idx="0">
+            <a:schemeClr val="accent5"/>
+          </a:effectRef>
+          <a:fontRef idx="minor">
+            <a:schemeClr val="dk1"/>
+          </a:fontRef>
+        </p:style>
+        <p:txBody>
+          <a:bodyPr rtlCol="0" anchor="ctr"/>
+          <a:lstStyle/>
+          <a:p>
+            <a:pPr>
+              <a:lnSpc>
+                <a:spcPct val="150000"/>
+              </a:lnSpc>
+            </a:pPr>
+            <a:r>
+              <a:rPr lang="en-US" altLang="zh-CN" sz="2000" dirty="0">
+                <a:solidFill>
+                  <a:schemeClr val="tx1">
+                    <a:lumMod val="75000"/>
+                    <a:lumOff val="25000"/>
+                  </a:schemeClr>
+                </a:solidFill>
+                <a:latin typeface="微软雅黑" pitchFamily="34" charset="-122"/>
+                <a:ea typeface="微软雅黑" pitchFamily="34" charset="-122"/>
+              </a:rPr>
+              <a:t> </a:t>
+            </a:r>
+            <a:r>
+              <a:rPr lang="zh-CN" altLang="en-US" sz="2000" dirty="0" smtClean="0">
+                <a:solidFill>
+                  <a:schemeClr val="tx1">
+                    <a:lumMod val="75000"/>
+                    <a:lumOff val="25000"/>
+                  </a:schemeClr>
+                </a:solidFill>
+                <a:latin typeface="微软雅黑" pitchFamily="34" charset="-122"/>
+                <a:ea typeface="微软雅黑" pitchFamily="34" charset="-122"/>
+              </a:rPr>
+              <a:t>完全是空隙</a:t>
+            </a:r>
+            <a:endParaRPr lang="en-US" altLang="zh-CN" sz="2000" dirty="0">
+              <a:solidFill>
+                <a:schemeClr val="tx1">
+                  <a:lumMod val="75000"/>
+                  <a:lumOff val="25000"/>
+                </a:schemeClr>
+              </a:solidFill>
+              <a:latin typeface="微软雅黑" pitchFamily="34" charset="-122"/>
+              <a:ea typeface="微软雅黑" pitchFamily="34" charset="-122"/>
+            </a:endParaRPr>
+          </a:p>
+        </p:txBody>
+      </p:sp>
+      <p:sp>
+        <p:nvSpPr>
+          <p:cNvPr id="4" name="矩形 3"/>
+          <p:cNvSpPr/>
+          <p:nvPr/>
+        </p:nvSpPr>
+        <p:spPr>
+          <a:xfrm>
+            <a:off x="755576" y="198860"/>
+            <a:ext cx="7776864" cy="1754326"/>
+          </a:xfrm>
+          <a:prstGeom prst="rect">
+            <a:avLst/>
+          </a:prstGeom>
+        </p:spPr>
+        <p:txBody>
+          <a:bodyPr wrap="square">
+            <a:spAutoFit/>
+          </a:bodyPr>
+          <a:lstStyle/>
+          <a:p>
+            <a:pPr>
+              <a:lnSpc>
+                <a:spcPct val="150000"/>
+              </a:lnSpc>
+            </a:pPr>
+            <a:r>
+              <a:rPr lang="zh-CN" altLang="en-US" sz="2400" dirty="0" smtClean="0">
+                <a:solidFill>
+                  <a:schemeClr val="tx1">
+                    <a:lumMod val="75000"/>
+                    <a:lumOff val="25000"/>
+                  </a:schemeClr>
+                </a:solidFill>
+                <a:latin typeface="微软雅黑" pitchFamily="34" charset="-122"/>
+                <a:ea typeface="微软雅黑" pitchFamily="34" charset="-122"/>
+              </a:rPr>
+              <a:t>当虚线的线长足够长，</a:t>
+            </a:r>
+            <a:r>
+              <a:rPr lang="zh-CN" altLang="en-US" sz="2400" b="1" dirty="0" smtClean="0">
+                <a:solidFill>
+                  <a:schemeClr val="tx1">
+                    <a:lumMod val="75000"/>
+                    <a:lumOff val="25000"/>
+                  </a:schemeClr>
+                </a:solidFill>
+                <a:latin typeface="微软雅黑" pitchFamily="34" charset="-122"/>
+                <a:ea typeface="微软雅黑" pitchFamily="34" charset="-122"/>
+              </a:rPr>
+              <a:t>和路径一样长</a:t>
+            </a:r>
+            <a:r>
+              <a:rPr lang="zh-CN" altLang="en-US" sz="2400" dirty="0" smtClean="0">
+                <a:solidFill>
+                  <a:schemeClr val="tx1">
+                    <a:lumMod val="75000"/>
+                    <a:lumOff val="25000"/>
+                  </a:schemeClr>
+                </a:solidFill>
+                <a:latin typeface="微软雅黑" pitchFamily="34" charset="-122"/>
+                <a:ea typeface="微软雅黑" pitchFamily="34" charset="-122"/>
+              </a:rPr>
+              <a:t>，那么它可以覆盖整个路径，同时空隙也很长，那么从</a:t>
+            </a:r>
+            <a:r>
+              <a:rPr lang="zh-CN" altLang="en-US" sz="2400" b="1" dirty="0" smtClean="0">
+                <a:solidFill>
+                  <a:schemeClr val="tx1">
+                    <a:lumMod val="75000"/>
+                    <a:lumOff val="25000"/>
+                  </a:schemeClr>
+                </a:solidFill>
+                <a:latin typeface="微软雅黑" pitchFamily="34" charset="-122"/>
+                <a:ea typeface="微软雅黑" pitchFamily="34" charset="-122"/>
+              </a:rPr>
+              <a:t>完全空隙</a:t>
+            </a:r>
+            <a:r>
+              <a:rPr lang="zh-CN" altLang="en-US" sz="2400" dirty="0" smtClean="0">
+                <a:solidFill>
+                  <a:schemeClr val="tx1">
+                    <a:lumMod val="75000"/>
+                    <a:lumOff val="25000"/>
+                  </a:schemeClr>
+                </a:solidFill>
+                <a:latin typeface="微软雅黑" pitchFamily="34" charset="-122"/>
+                <a:ea typeface="微软雅黑" pitchFamily="34" charset="-122"/>
+              </a:rPr>
+              <a:t>到</a:t>
+            </a:r>
+            <a:r>
+              <a:rPr lang="zh-CN" altLang="en-US" sz="2400" b="1" dirty="0" smtClean="0">
+                <a:solidFill>
+                  <a:schemeClr val="tx1">
+                    <a:lumMod val="75000"/>
+                    <a:lumOff val="25000"/>
+                  </a:schemeClr>
+                </a:solidFill>
+                <a:latin typeface="微软雅黑" pitchFamily="34" charset="-122"/>
+                <a:ea typeface="微软雅黑" pitchFamily="34" charset="-122"/>
+              </a:rPr>
+              <a:t>描边覆盖整个路径</a:t>
+            </a:r>
+            <a:r>
+              <a:rPr lang="zh-CN" altLang="en-US" sz="2400" dirty="0" smtClean="0">
+                <a:solidFill>
+                  <a:schemeClr val="tx1">
+                    <a:lumMod val="75000"/>
+                    <a:lumOff val="25000"/>
+                  </a:schemeClr>
+                </a:solidFill>
+                <a:latin typeface="微软雅黑" pitchFamily="34" charset="-122"/>
+                <a:ea typeface="微软雅黑" pitchFamily="34" charset="-122"/>
+              </a:rPr>
+              <a:t>，看上去，就像是从无到有的描边动画。</a:t>
+            </a:r>
+            <a:endParaRPr lang="en-US" altLang="zh-CN" sz="2400" dirty="0" smtClean="0">
+              <a:solidFill>
+                <a:schemeClr val="tx1">
+                  <a:lumMod val="75000"/>
+                  <a:lumOff val="25000"/>
+                </a:schemeClr>
+              </a:solidFill>
+              <a:latin typeface="微软雅黑" pitchFamily="34" charset="-122"/>
+              <a:ea typeface="微软雅黑" pitchFamily="34" charset="-122"/>
+            </a:endParaRPr>
+          </a:p>
+        </p:txBody>
+      </p:sp>
+      <p:sp>
+        <p:nvSpPr>
+          <p:cNvPr id="9" name="圆角矩形标注 8"/>
+          <p:cNvSpPr/>
+          <p:nvPr/>
+        </p:nvSpPr>
+        <p:spPr>
+          <a:xfrm>
+            <a:off x="2123728" y="4754675"/>
+            <a:ext cx="1656184" cy="576064"/>
+          </a:xfrm>
+          <a:prstGeom prst="wedgeRoundRectCallout">
+            <a:avLst>
+              <a:gd name="adj1" fmla="val -30907"/>
+              <a:gd name="adj2" fmla="val -96066"/>
+              <a:gd name="adj3" fmla="val 16667"/>
+            </a:avLst>
+          </a:prstGeom>
+        </p:spPr>
+        <p:style>
+          <a:lnRef idx="2">
+            <a:schemeClr val="accent5"/>
+          </a:lnRef>
+          <a:fillRef idx="1">
+            <a:schemeClr val="lt1"/>
+          </a:fillRef>
+          <a:effectRef idx="0">
+            <a:schemeClr val="accent5"/>
+          </a:effectRef>
+          <a:fontRef idx="minor">
+            <a:schemeClr val="dk1"/>
+          </a:fontRef>
+        </p:style>
+        <p:txBody>
+          <a:bodyPr rtlCol="0" anchor="ctr"/>
+          <a:lstStyle/>
+          <a:p>
+            <a:pPr>
+              <a:lnSpc>
+                <a:spcPct val="150000"/>
+              </a:lnSpc>
+            </a:pPr>
+            <a:r>
+              <a:rPr lang="en-US" altLang="zh-CN" sz="2000" dirty="0">
+                <a:solidFill>
+                  <a:schemeClr val="tx1">
+                    <a:lumMod val="75000"/>
+                    <a:lumOff val="25000"/>
+                  </a:schemeClr>
+                </a:solidFill>
+                <a:latin typeface="微软雅黑" pitchFamily="34" charset="-122"/>
+                <a:ea typeface="微软雅黑" pitchFamily="34" charset="-122"/>
+              </a:rPr>
+              <a:t> </a:t>
+            </a:r>
+            <a:r>
+              <a:rPr lang="zh-CN" altLang="en-US" sz="2000" dirty="0" smtClean="0">
+                <a:solidFill>
+                  <a:schemeClr val="tx1">
+                    <a:lumMod val="75000"/>
+                    <a:lumOff val="25000"/>
+                  </a:schemeClr>
+                </a:solidFill>
+                <a:latin typeface="微软雅黑" pitchFamily="34" charset="-122"/>
+                <a:ea typeface="微软雅黑" pitchFamily="34" charset="-122"/>
+              </a:rPr>
+              <a:t>完全是描边</a:t>
+            </a:r>
+            <a:endParaRPr lang="en-US" altLang="zh-CN" sz="2000" dirty="0">
+              <a:solidFill>
+                <a:schemeClr val="tx1">
+                  <a:lumMod val="75000"/>
+                  <a:lumOff val="25000"/>
+                </a:schemeClr>
+              </a:solidFill>
+              <a:latin typeface="微软雅黑" pitchFamily="34" charset="-122"/>
+              <a:ea typeface="微软雅黑" pitchFamily="34" charset="-122"/>
+            </a:endParaRPr>
+          </a:p>
+        </p:txBody>
+      </p:sp>
+    </p:spTree>
+    <p:extLst>
+      <p:ext uri="{BB962C8B-B14F-4D97-AF65-F5344CB8AC3E}">
+        <p14:creationId xmlns:p14="http://schemas.microsoft.com/office/powerpoint/2010/main" val="3859724802"/>
       </p:ext>
     </p:extLst>
   </p:cSld>
@@ -4873,20 +7399,7 @@
                 <a:latin typeface="微软雅黑" pitchFamily="34" charset="-122"/>
                 <a:ea typeface="微软雅黑" pitchFamily="34" charset="-122"/>
               </a:rPr>
-              <a:t>——</a:t>
-            </a:r>
-            <a:r>
-              <a:rPr lang="en-US" altLang="zh-CN" sz="2800" b="1" dirty="0" smtClean="0">
-                <a:solidFill>
-                  <a:schemeClr val="tx1">
-                    <a:lumMod val="75000"/>
-                    <a:lumOff val="25000"/>
-                  </a:schemeClr>
-                </a:solidFill>
-                <a:latin typeface="微软雅黑" pitchFamily="34" charset="-122"/>
-                <a:ea typeface="微软雅黑" pitchFamily="34" charset="-122"/>
-              </a:rPr>
-              <a:t>SVG</a:t>
+              <a:t>——SVG</a:t>
             </a:r>
             <a:r>
               <a:rPr lang="zh-CN" altLang="en-US" sz="2800" b="1" dirty="0">
@@ -4912,20 +7425,7 @@
                 <a:latin typeface="微软雅黑" pitchFamily="34" charset="-122"/>
                 <a:ea typeface="微软雅黑" pitchFamily="34" charset="-122"/>
               </a:rPr>
-              <a:t>动画</a:t>
-            </a:r>
-            <a:r>
-              <a:rPr lang="zh-CN" altLang="en-US" sz="2800" b="1" dirty="0" smtClean="0">
-                <a:solidFill>
-                  <a:schemeClr val="tx1">
-                    <a:lumMod val="75000"/>
-                    <a:lumOff val="25000"/>
-                  </a:schemeClr>
-                </a:solidFill>
-                <a:latin typeface="微软雅黑" pitchFamily="34" charset="-122"/>
-                <a:ea typeface="微软雅黑" pitchFamily="34" charset="-122"/>
-              </a:rPr>
-              <a:t>（难度：</a:t>
+              <a:t>动画（难度：</a:t>
             </a:r>
             <a:r>
               <a:rPr lang="en-US" altLang="zh-CN" sz="2800" b="1" dirty="0" smtClean="0">
@@ -5030,7 +7530,20 @@
                 <a:latin typeface="微软雅黑" pitchFamily="34" charset="-122"/>
                 <a:ea typeface="微软雅黑" pitchFamily="34" charset="-122"/>
               </a:rPr>
-              <a:t>路径技术</a:t>
+              <a:t>路径技术，实现文本的</a:t>
+            </a:r>
+            <a:r>
+              <a:rPr lang="zh-CN" altLang="en-US" sz="2400" dirty="0">
+                <a:solidFill>
+                  <a:schemeClr val="tx1">
+                    <a:lumMod val="75000"/>
+                    <a:lumOff val="25000"/>
+                  </a:schemeClr>
+                </a:solidFill>
+                <a:latin typeface="微软雅黑" pitchFamily="34" charset="-122"/>
+                <a:ea typeface="微软雅黑" pitchFamily="34" charset="-122"/>
+              </a:rPr>
+              <a:t>路径</a:t>
             </a:r>
             <a:r>
               <a:rPr lang="zh-CN" altLang="en-US" sz="2400" dirty="0" smtClean="0">
@@ -5043,72 +7556,7 @@
                 <a:latin typeface="微软雅黑" pitchFamily="34" charset="-122"/>
                 <a:ea typeface="微软雅黑" pitchFamily="34" charset="-122"/>
               </a:rPr>
-              <a:t>，实现文本</a:t>
-            </a:r>
-            <a:r>
-              <a:rPr lang="zh-CN" altLang="en-US" sz="2400" dirty="0" smtClean="0">
-                <a:solidFill>
-                  <a:schemeClr val="tx1">
-                    <a:lumMod val="75000"/>
-                    <a:lumOff val="25000"/>
-                  </a:schemeClr>
-                </a:solidFill>
-                <a:latin typeface="微软雅黑" pitchFamily="34" charset="-122"/>
-                <a:ea typeface="微软雅黑" pitchFamily="34" charset="-122"/>
-              </a:rPr>
-              <a:t>的</a:t>
-            </a:r>
-            <a:r>
-              <a:rPr lang="zh-CN" altLang="en-US" sz="2400" dirty="0">
-                <a:solidFill>
-                  <a:schemeClr val="tx1">
-                    <a:lumMod val="75000"/>
-                    <a:lumOff val="25000"/>
-                  </a:schemeClr>
-                </a:solidFill>
-                <a:latin typeface="微软雅黑" pitchFamily="34" charset="-122"/>
-                <a:ea typeface="微软雅黑" pitchFamily="34" charset="-122"/>
-              </a:rPr>
-              <a:t>路径</a:t>
-            </a:r>
-            <a:r>
-              <a:rPr lang="zh-CN" altLang="en-US" sz="2400" dirty="0" smtClean="0">
-                <a:solidFill>
-                  <a:schemeClr val="tx1">
-                    <a:lumMod val="75000"/>
-                    <a:lumOff val="25000"/>
-                  </a:schemeClr>
-                </a:solidFill>
-                <a:latin typeface="微软雅黑" pitchFamily="34" charset="-122"/>
-                <a:ea typeface="微软雅黑" pitchFamily="34" charset="-122"/>
-              </a:rPr>
-              <a:t>动画</a:t>
-            </a:r>
-            <a:r>
-              <a:rPr lang="zh-CN" altLang="en-US" sz="2400" dirty="0" smtClean="0">
-                <a:solidFill>
-                  <a:schemeClr val="tx1">
-                    <a:lumMod val="75000"/>
-                    <a:lumOff val="25000"/>
-                  </a:schemeClr>
-                </a:solidFill>
-                <a:latin typeface="微软雅黑" pitchFamily="34" charset="-122"/>
-                <a:ea typeface="微软雅黑" pitchFamily="34" charset="-122"/>
-              </a:rPr>
-              <a:t>，好像文本是手写出来的感觉</a:t>
-            </a:r>
-            <a:r>
-              <a:rPr lang="zh-CN" altLang="en-US" sz="2400" dirty="0" smtClean="0">
-                <a:solidFill>
-                  <a:schemeClr val="tx1">
-                    <a:lumMod val="75000"/>
-                    <a:lumOff val="25000"/>
-                  </a:schemeClr>
-                </a:solidFill>
-                <a:latin typeface="微软雅黑" pitchFamily="34" charset="-122"/>
-                <a:ea typeface="微软雅黑" pitchFamily="34" charset="-122"/>
-              </a:rPr>
-              <a:t>！同时此技术还可以应用于其他</a:t>
+              <a:t>动画，好像文本是手写出来的感觉！同时此技术还可以应用于其他</a:t>
             </a:r>
             <a:r>
               <a:rPr lang="en-US" altLang="zh-CN" sz="2400" dirty="0" err="1" smtClean="0">
@@ -5237,6 +7685,686 @@
       </p:par>
     </p:tnLst>
   </p:timing>
+</p:sld>
+</file>
+
+<file path=ppt/slides/slide20.xml><?xml version="1.0" encoding="utf-8"?>
+<p:sld xmlns:a="http://schemas.openxmlformats.org/drawingml/2006/main" xmlns:r="http://schemas.openxmlformats.org/officeDocument/2006/relationships" xmlns:p="http://schemas.openxmlformats.org/presentationml/2006/main">
+  <p:cSld>
+    <p:spTree>
+      <p:nvGrpSpPr>
+        <p:cNvPr id="1" name=""/>
+        <p:cNvGrpSpPr/>
+        <p:nvPr/>
+      </p:nvGrpSpPr>
+      <p:grpSpPr>
+        <a:xfrm>
+          <a:off x="0" y="0"/>
+          <a:ext cx="0" cy="0"/>
+          <a:chOff x="0" y="0"/>
+          <a:chExt cx="0" cy="0"/>
+        </a:xfrm>
+      </p:grpSpPr>
+      <p:sp>
+        <p:nvSpPr>
+          <p:cNvPr id="2" name="矩形 1"/>
+          <p:cNvSpPr/>
+          <p:nvPr/>
+        </p:nvSpPr>
+        <p:spPr>
+          <a:xfrm>
+            <a:off x="827584" y="438759"/>
+            <a:ext cx="7776864" cy="1200329"/>
+          </a:xfrm>
+          <a:prstGeom prst="rect">
+            <a:avLst/>
+          </a:prstGeom>
+        </p:spPr>
+        <p:txBody>
+          <a:bodyPr wrap="square">
+            <a:spAutoFit/>
+          </a:bodyPr>
+          <a:lstStyle/>
+          <a:p>
+            <a:pPr>
+              <a:lnSpc>
+                <a:spcPct val="150000"/>
+              </a:lnSpc>
+            </a:pPr>
+            <a:r>
+              <a:rPr lang="en-US" altLang="zh-CN" sz="2400" b="1" dirty="0" smtClean="0">
+                <a:solidFill>
+                  <a:schemeClr val="tx1">
+                    <a:lumMod val="75000"/>
+                    <a:lumOff val="25000"/>
+                  </a:schemeClr>
+                </a:solidFill>
+                <a:latin typeface="微软雅黑" pitchFamily="34" charset="-122"/>
+                <a:ea typeface="微软雅黑" pitchFamily="34" charset="-122"/>
+              </a:rPr>
+              <a:t>5 </a:t>
+            </a:r>
+            <a:r>
+              <a:rPr lang="zh-CN" altLang="en-US" sz="2400" b="1" dirty="0" smtClean="0">
+                <a:solidFill>
+                  <a:schemeClr val="tx1">
+                    <a:lumMod val="75000"/>
+                    <a:lumOff val="25000"/>
+                  </a:schemeClr>
+                </a:solidFill>
+                <a:latin typeface="微软雅黑" pitchFamily="34" charset="-122"/>
+                <a:ea typeface="微软雅黑" pitchFamily="34" charset="-122"/>
+              </a:rPr>
+              <a:t>文字描边</a:t>
+            </a:r>
+            <a:endParaRPr lang="en-US" altLang="zh-CN" sz="2400" b="1" dirty="0" smtClean="0">
+              <a:solidFill>
+                <a:schemeClr val="tx1">
+                  <a:lumMod val="75000"/>
+                  <a:lumOff val="25000"/>
+                </a:schemeClr>
+              </a:solidFill>
+              <a:latin typeface="微软雅黑" pitchFamily="34" charset="-122"/>
+              <a:ea typeface="微软雅黑" pitchFamily="34" charset="-122"/>
+            </a:endParaRPr>
+          </a:p>
+          <a:p>
+            <a:pPr>
+              <a:lnSpc>
+                <a:spcPct val="150000"/>
+              </a:lnSpc>
+            </a:pPr>
+            <a:r>
+              <a:rPr lang="en-US" altLang="zh-CN" sz="2400" dirty="0" smtClean="0">
+                <a:solidFill>
+                  <a:schemeClr val="tx1">
+                    <a:lumMod val="75000"/>
+                    <a:lumOff val="25000"/>
+                  </a:schemeClr>
+                </a:solidFill>
+                <a:latin typeface="微软雅黑" pitchFamily="34" charset="-122"/>
+                <a:ea typeface="微软雅黑" pitchFamily="34" charset="-122"/>
+              </a:rPr>
+              <a:t>5-a </a:t>
+            </a:r>
+            <a:endParaRPr lang="en-US" altLang="zh-CN" sz="2400" dirty="0">
+              <a:solidFill>
+                <a:schemeClr val="tx1">
+                  <a:lumMod val="75000"/>
+                  <a:lumOff val="25000"/>
+                </a:schemeClr>
+              </a:solidFill>
+              <a:latin typeface="微软雅黑" pitchFamily="34" charset="-122"/>
+              <a:ea typeface="微软雅黑" pitchFamily="34" charset="-122"/>
+            </a:endParaRPr>
+          </a:p>
+        </p:txBody>
+      </p:sp>
+      <p:pic>
+        <p:nvPicPr>
+          <p:cNvPr id="3" name="图片 2" descr="屏幕剪辑"/>
+          <p:cNvPicPr>
+            <a:picLocks noChangeAspect="1"/>
+          </p:cNvPicPr>
+          <p:nvPr/>
+        </p:nvPicPr>
+        <p:blipFill rotWithShape="1">
+          <a:blip r:embed="rId2">
+            <a:extLst>
+              <a:ext uri="{28A0092B-C50C-407E-A947-70E740481C1C}">
+                <a14:useLocalDpi xmlns:a14="http://schemas.microsoft.com/office/drawing/2010/main" val="0"/>
+              </a:ext>
+            </a:extLst>
+          </a:blip>
+          <a:srcRect l="7849" r="5720"/>
+          <a:stretch/>
+        </p:blipFill>
+        <p:spPr>
+          <a:xfrm>
+            <a:off x="2843808" y="5517072"/>
+            <a:ext cx="1193883" cy="1228896"/>
+          </a:xfrm>
+          <a:prstGeom prst="rect">
+            <a:avLst/>
+          </a:prstGeom>
+          <a:ln>
+            <a:noFill/>
+          </a:ln>
+          <a:effectLst>
+            <a:outerShdw blurRad="292100" dist="139700" dir="2700000" algn="tl" rotWithShape="0">
+              <a:srgbClr val="333333">
+                <a:alpha val="65000"/>
+              </a:srgbClr>
+            </a:outerShdw>
+          </a:effectLst>
+        </p:spPr>
+      </p:pic>
+    </p:spTree>
+    <p:extLst>
+      <p:ext uri="{BB962C8B-B14F-4D97-AF65-F5344CB8AC3E}">
+        <p14:creationId xmlns:p14="http://schemas.microsoft.com/office/powerpoint/2010/main" val="4190199133"/>
+      </p:ext>
+    </p:extLst>
+  </p:cSld>
+  <p:clrMapOvr>
+    <a:masterClrMapping/>
+  </p:clrMapOvr>
+</p:sld>
+</file>
+
+<file path=ppt/slides/slide21.xml><?xml version="1.0" encoding="utf-8"?>
+<p:sld xmlns:a="http://schemas.openxmlformats.org/drawingml/2006/main" xmlns:r="http://schemas.openxmlformats.org/officeDocument/2006/relationships" xmlns:p="http://schemas.openxmlformats.org/presentationml/2006/main">
+  <p:cSld>
+    <p:spTree>
+      <p:nvGrpSpPr>
+        <p:cNvPr id="1" name=""/>
+        <p:cNvGrpSpPr/>
+        <p:nvPr/>
+      </p:nvGrpSpPr>
+      <p:grpSpPr>
+        <a:xfrm>
+          <a:off x="0" y="0"/>
+          <a:ext cx="0" cy="0"/>
+          <a:chOff x="0" y="0"/>
+          <a:chExt cx="0" cy="0"/>
+        </a:xfrm>
+      </p:grpSpPr>
+      <p:sp>
+        <p:nvSpPr>
+          <p:cNvPr id="4" name="TextBox 3"/>
+          <p:cNvSpPr txBox="1"/>
+          <p:nvPr/>
+        </p:nvSpPr>
+        <p:spPr>
+          <a:xfrm>
+            <a:off x="467544" y="476672"/>
+            <a:ext cx="7776864" cy="523220"/>
+          </a:xfrm>
+          <a:prstGeom prst="rect">
+            <a:avLst/>
+          </a:prstGeom>
+          <a:noFill/>
+        </p:spPr>
+        <p:txBody>
+          <a:bodyPr wrap="square" rtlCol="0">
+            <a:spAutoFit/>
+          </a:bodyPr>
+          <a:lstStyle/>
+          <a:p>
+            <a:r>
+              <a:rPr lang="en-US" altLang="zh-CN" sz="2800" b="1" dirty="0">
+                <a:solidFill>
+                  <a:schemeClr val="tx1">
+                    <a:lumMod val="75000"/>
+                    <a:lumOff val="25000"/>
+                  </a:schemeClr>
+                </a:solidFill>
+                <a:latin typeface="微软雅黑" pitchFamily="34" charset="-122"/>
+                <a:ea typeface="微软雅黑" pitchFamily="34" charset="-122"/>
+              </a:rPr>
+              <a:t>6</a:t>
+            </a:r>
+            <a:r>
+              <a:rPr lang="en-US" altLang="zh-CN" sz="2800" b="1" dirty="0" smtClean="0">
+                <a:solidFill>
+                  <a:schemeClr val="tx1">
+                    <a:lumMod val="75000"/>
+                    <a:lumOff val="25000"/>
+                  </a:schemeClr>
+                </a:solidFill>
+                <a:latin typeface="微软雅黑" pitchFamily="34" charset="-122"/>
+                <a:ea typeface="微软雅黑" pitchFamily="34" charset="-122"/>
+              </a:rPr>
+              <a:t>.</a:t>
+            </a:r>
+            <a:r>
+              <a:rPr lang="zh-CN" altLang="en-US" sz="2800" b="1" dirty="0" smtClean="0">
+                <a:solidFill>
+                  <a:schemeClr val="tx1">
+                    <a:lumMod val="75000"/>
+                    <a:lumOff val="25000"/>
+                  </a:schemeClr>
+                </a:solidFill>
+                <a:latin typeface="微软雅黑" pitchFamily="34" charset="-122"/>
+                <a:ea typeface="微软雅黑" pitchFamily="34" charset="-122"/>
+              </a:rPr>
+              <a:t>更多思考</a:t>
+            </a:r>
+            <a:endParaRPr lang="zh-CN" altLang="en-US" sz="2800" b="1" dirty="0">
+              <a:solidFill>
+                <a:schemeClr val="tx1">
+                  <a:lumMod val="75000"/>
+                  <a:lumOff val="25000"/>
+                </a:schemeClr>
+              </a:solidFill>
+              <a:latin typeface="微软雅黑" pitchFamily="34" charset="-122"/>
+              <a:ea typeface="微软雅黑" pitchFamily="34" charset="-122"/>
+            </a:endParaRPr>
+          </a:p>
+        </p:txBody>
+      </p:sp>
+      <p:sp>
+        <p:nvSpPr>
+          <p:cNvPr id="9" name="TextBox 8"/>
+          <p:cNvSpPr txBox="1"/>
+          <p:nvPr/>
+        </p:nvSpPr>
+        <p:spPr>
+          <a:xfrm>
+            <a:off x="467544" y="4924325"/>
+            <a:ext cx="7776864" cy="1384995"/>
+          </a:xfrm>
+          <a:prstGeom prst="rect">
+            <a:avLst/>
+          </a:prstGeom>
+          <a:noFill/>
+        </p:spPr>
+        <p:txBody>
+          <a:bodyPr wrap="square" rtlCol="0">
+            <a:spAutoFit/>
+          </a:bodyPr>
+          <a:lstStyle/>
+          <a:p>
+            <a:r>
+              <a:rPr lang="en-US" altLang="zh-CN" sz="2800" b="1" dirty="0" smtClean="0">
+                <a:solidFill>
+                  <a:schemeClr val="tx1">
+                    <a:lumMod val="75000"/>
+                    <a:lumOff val="25000"/>
+                  </a:schemeClr>
+                </a:solidFill>
+                <a:latin typeface="微软雅黑" pitchFamily="34" charset="-122"/>
+                <a:ea typeface="微软雅黑" pitchFamily="34" charset="-122"/>
+              </a:rPr>
+              <a:t>	</a:t>
+            </a:r>
+            <a:r>
+              <a:rPr lang="zh-CN" altLang="en-US" sz="2800" b="1" dirty="0" smtClean="0">
+                <a:solidFill>
+                  <a:schemeClr val="tx1">
+                    <a:lumMod val="75000"/>
+                    <a:lumOff val="25000"/>
+                  </a:schemeClr>
+                </a:solidFill>
+                <a:latin typeface="微软雅黑" pitchFamily="34" charset="-122"/>
+                <a:ea typeface="微软雅黑" pitchFamily="34" charset="-122"/>
+              </a:rPr>
+              <a:t>本期内容就讲到这里，谢谢大家！</a:t>
+            </a:r>
+            <a:endParaRPr lang="en-US" altLang="zh-CN" sz="2800" b="1" dirty="0" smtClean="0">
+              <a:solidFill>
+                <a:schemeClr val="tx1">
+                  <a:lumMod val="75000"/>
+                  <a:lumOff val="25000"/>
+                </a:schemeClr>
+              </a:solidFill>
+              <a:latin typeface="微软雅黑" pitchFamily="34" charset="-122"/>
+              <a:ea typeface="微软雅黑" pitchFamily="34" charset="-122"/>
+            </a:endParaRPr>
+          </a:p>
+          <a:p>
+            <a:endParaRPr lang="en-US" altLang="zh-CN" sz="2800" b="1" dirty="0" smtClean="0">
+              <a:solidFill>
+                <a:schemeClr val="tx1">
+                  <a:lumMod val="75000"/>
+                  <a:lumOff val="25000"/>
+                </a:schemeClr>
+              </a:solidFill>
+              <a:latin typeface="微软雅黑" pitchFamily="34" charset="-122"/>
+              <a:ea typeface="微软雅黑" pitchFamily="34" charset="-122"/>
+            </a:endParaRPr>
+          </a:p>
+          <a:p>
+            <a:r>
+              <a:rPr lang="en-US" altLang="zh-CN" sz="2800" b="1" dirty="0">
+                <a:solidFill>
+                  <a:schemeClr val="tx1">
+                    <a:lumMod val="75000"/>
+                    <a:lumOff val="25000"/>
+                  </a:schemeClr>
+                </a:solidFill>
+                <a:latin typeface="微软雅黑" pitchFamily="34" charset="-122"/>
+                <a:ea typeface="微软雅黑" pitchFamily="34" charset="-122"/>
+              </a:rPr>
+              <a:t>	</a:t>
+            </a:r>
+            <a:r>
+              <a:rPr lang="en-US" altLang="zh-CN" sz="2800" b="1" dirty="0" smtClean="0">
+                <a:solidFill>
+                  <a:schemeClr val="tx1">
+                    <a:lumMod val="75000"/>
+                    <a:lumOff val="25000"/>
+                  </a:schemeClr>
+                </a:solidFill>
+                <a:latin typeface="微软雅黑" pitchFamily="34" charset="-122"/>
+                <a:ea typeface="微软雅黑" pitchFamily="34" charset="-122"/>
+              </a:rPr>
+              <a:t>	</a:t>
+            </a:r>
+            <a:endParaRPr lang="zh-CN" altLang="en-US" sz="2800" b="1" dirty="0">
+              <a:solidFill>
+                <a:schemeClr val="tx1">
+                  <a:lumMod val="75000"/>
+                  <a:lumOff val="25000"/>
+                </a:schemeClr>
+              </a:solidFill>
+              <a:latin typeface="微软雅黑" pitchFamily="34" charset="-122"/>
+              <a:ea typeface="微软雅黑" pitchFamily="34" charset="-122"/>
+            </a:endParaRPr>
+          </a:p>
+        </p:txBody>
+      </p:sp>
+      <p:sp>
+        <p:nvSpPr>
+          <p:cNvPr id="5" name="TextBox 4"/>
+          <p:cNvSpPr txBox="1"/>
+          <p:nvPr/>
+        </p:nvSpPr>
+        <p:spPr>
+          <a:xfrm>
+            <a:off x="467544" y="1268760"/>
+            <a:ext cx="7632848" cy="2862322"/>
+          </a:xfrm>
+          <a:prstGeom prst="rect">
+            <a:avLst/>
+          </a:prstGeom>
+          <a:noFill/>
+        </p:spPr>
+        <p:txBody>
+          <a:bodyPr wrap="square" rtlCol="0">
+            <a:spAutoFit/>
+          </a:bodyPr>
+          <a:lstStyle/>
+          <a:p>
+            <a:pPr marL="342900" indent="-342900">
+              <a:lnSpc>
+                <a:spcPct val="150000"/>
+              </a:lnSpc>
+              <a:buFont typeface="Arial" pitchFamily="34" charset="0"/>
+              <a:buChar char="•"/>
+            </a:pPr>
+            <a:r>
+              <a:rPr lang="zh-CN" altLang="en-US" sz="2400" dirty="0" smtClean="0">
+                <a:solidFill>
+                  <a:schemeClr val="tx1">
+                    <a:lumMod val="75000"/>
+                    <a:lumOff val="25000"/>
+                  </a:schemeClr>
+                </a:solidFill>
+                <a:latin typeface="微软雅黑" pitchFamily="34" charset="-122"/>
+                <a:ea typeface="微软雅黑" pitchFamily="34" charset="-122"/>
+              </a:rPr>
+              <a:t>使用</a:t>
+            </a:r>
+            <a:r>
+              <a:rPr lang="en-US" altLang="zh-CN" sz="2400" dirty="0" err="1" smtClean="0">
+                <a:solidFill>
+                  <a:schemeClr val="tx1">
+                    <a:lumMod val="75000"/>
+                    <a:lumOff val="25000"/>
+                  </a:schemeClr>
+                </a:solidFill>
+                <a:latin typeface="微软雅黑" pitchFamily="34" charset="-122"/>
+                <a:ea typeface="微软雅黑" pitchFamily="34" charset="-122"/>
+              </a:rPr>
+              <a:t>css</a:t>
+            </a:r>
+            <a:r>
+              <a:rPr lang="zh-CN" altLang="en-US" sz="2400" dirty="0" smtClean="0">
+                <a:solidFill>
+                  <a:schemeClr val="tx1">
+                    <a:lumMod val="75000"/>
+                    <a:lumOff val="25000"/>
+                  </a:schemeClr>
+                </a:solidFill>
+                <a:latin typeface="微软雅黑" pitchFamily="34" charset="-122"/>
+                <a:ea typeface="微软雅黑" pitchFamily="34" charset="-122"/>
+              </a:rPr>
+              <a:t>的属性</a:t>
+            </a:r>
+            <a:r>
+              <a:rPr lang="en-US" altLang="zh-CN" sz="2400" dirty="0" smtClean="0">
+                <a:solidFill>
+                  <a:schemeClr val="tx1">
+                    <a:lumMod val="75000"/>
+                    <a:lumOff val="25000"/>
+                  </a:schemeClr>
+                </a:solidFill>
+                <a:latin typeface="微软雅黑" pitchFamily="34" charset="-122"/>
+                <a:ea typeface="微软雅黑" pitchFamily="34" charset="-122"/>
+              </a:rPr>
+              <a:t>-</a:t>
+            </a:r>
+            <a:r>
+              <a:rPr lang="en-US" altLang="zh-CN" sz="2400" dirty="0" err="1" smtClean="0">
+                <a:solidFill>
+                  <a:schemeClr val="tx1">
+                    <a:lumMod val="75000"/>
+                    <a:lumOff val="25000"/>
+                  </a:schemeClr>
+                </a:solidFill>
+                <a:latin typeface="微软雅黑" pitchFamily="34" charset="-122"/>
+                <a:ea typeface="微软雅黑" pitchFamily="34" charset="-122"/>
+              </a:rPr>
+              <a:t>webkit</a:t>
+            </a:r>
+            <a:r>
+              <a:rPr lang="en-US" altLang="zh-CN" sz="2400" dirty="0" smtClean="0">
+                <a:solidFill>
+                  <a:schemeClr val="tx1">
+                    <a:lumMod val="75000"/>
+                    <a:lumOff val="25000"/>
+                  </a:schemeClr>
+                </a:solidFill>
+                <a:latin typeface="微软雅黑" pitchFamily="34" charset="-122"/>
+                <a:ea typeface="微软雅黑" pitchFamily="34" charset="-122"/>
+              </a:rPr>
+              <a:t>-background-clip</a:t>
+            </a:r>
+            <a:r>
+              <a:rPr lang="zh-CN" altLang="en-US" sz="2400" dirty="0" smtClean="0">
+                <a:solidFill>
+                  <a:schemeClr val="tx1">
+                    <a:lumMod val="75000"/>
+                    <a:lumOff val="25000"/>
+                  </a:schemeClr>
+                </a:solidFill>
+                <a:latin typeface="微软雅黑" pitchFamily="34" charset="-122"/>
+                <a:ea typeface="微软雅黑" pitchFamily="34" charset="-122"/>
+              </a:rPr>
+              <a:t>，可以否实现同样的效果？</a:t>
+            </a:r>
+            <a:endParaRPr lang="en-US" altLang="zh-CN" sz="2400" dirty="0" smtClean="0">
+              <a:solidFill>
+                <a:schemeClr val="tx1">
+                  <a:lumMod val="75000"/>
+                  <a:lumOff val="25000"/>
+                </a:schemeClr>
+              </a:solidFill>
+              <a:latin typeface="微软雅黑" pitchFamily="34" charset="-122"/>
+              <a:ea typeface="微软雅黑" pitchFamily="34" charset="-122"/>
+            </a:endParaRPr>
+          </a:p>
+          <a:p>
+            <a:pPr marL="342900" indent="-342900">
+              <a:lnSpc>
+                <a:spcPct val="150000"/>
+              </a:lnSpc>
+              <a:buFont typeface="Arial" pitchFamily="34" charset="0"/>
+              <a:buChar char="•"/>
+            </a:pPr>
+            <a:r>
+              <a:rPr lang="zh-CN" altLang="en-US" sz="2400" dirty="0" smtClean="0">
+                <a:solidFill>
+                  <a:schemeClr val="tx1">
+                    <a:lumMod val="75000"/>
+                    <a:lumOff val="25000"/>
+                  </a:schemeClr>
+                </a:solidFill>
+                <a:latin typeface="微软雅黑" pitchFamily="34" charset="-122"/>
+                <a:ea typeface="微软雅黑" pitchFamily="34" charset="-122"/>
+              </a:rPr>
+              <a:t>使用</a:t>
+            </a:r>
+            <a:r>
+              <a:rPr lang="en-US" altLang="zh-CN" sz="2400" dirty="0" err="1" smtClean="0">
+                <a:solidFill>
+                  <a:schemeClr val="tx1">
+                    <a:lumMod val="75000"/>
+                    <a:lumOff val="25000"/>
+                  </a:schemeClr>
+                </a:solidFill>
+                <a:latin typeface="微软雅黑" pitchFamily="34" charset="-122"/>
+                <a:ea typeface="微软雅黑" pitchFamily="34" charset="-122"/>
+              </a:rPr>
+              <a:t>svg</a:t>
+            </a:r>
+            <a:r>
+              <a:rPr lang="zh-CN" altLang="en-US" sz="2400" dirty="0" smtClean="0">
+                <a:solidFill>
+                  <a:schemeClr val="tx1">
+                    <a:lumMod val="75000"/>
+                    <a:lumOff val="25000"/>
+                  </a:schemeClr>
+                </a:solidFill>
+                <a:latin typeface="微软雅黑" pitchFamily="34" charset="-122"/>
+                <a:ea typeface="微软雅黑" pitchFamily="34" charset="-122"/>
+              </a:rPr>
+              <a:t>的</a:t>
+            </a:r>
+            <a:r>
+              <a:rPr lang="en-US" altLang="zh-CN" sz="2400" dirty="0" smtClean="0">
+                <a:solidFill>
+                  <a:schemeClr val="tx1">
+                    <a:lumMod val="75000"/>
+                    <a:lumOff val="25000"/>
+                  </a:schemeClr>
+                </a:solidFill>
+                <a:latin typeface="微软雅黑" pitchFamily="34" charset="-122"/>
+                <a:ea typeface="微软雅黑" pitchFamily="34" charset="-122"/>
+              </a:rPr>
+              <a:t>clip-path,</a:t>
+            </a:r>
+            <a:r>
+              <a:rPr lang="zh-CN" altLang="en-US" sz="2400" dirty="0" smtClean="0">
+                <a:solidFill>
+                  <a:schemeClr val="tx1">
+                    <a:lumMod val="75000"/>
+                    <a:lumOff val="25000"/>
+                  </a:schemeClr>
+                </a:solidFill>
+                <a:latin typeface="微软雅黑" pitchFamily="34" charset="-122"/>
+                <a:ea typeface="微软雅黑" pitchFamily="34" charset="-122"/>
+              </a:rPr>
+              <a:t>方式，能否实现同样的效果？</a:t>
+            </a:r>
+            <a:endParaRPr lang="en-US" altLang="zh-CN" sz="2400" dirty="0" smtClean="0">
+              <a:solidFill>
+                <a:schemeClr val="tx1">
+                  <a:lumMod val="75000"/>
+                  <a:lumOff val="25000"/>
+                </a:schemeClr>
+              </a:solidFill>
+              <a:latin typeface="微软雅黑" pitchFamily="34" charset="-122"/>
+              <a:ea typeface="微软雅黑" pitchFamily="34" charset="-122"/>
+            </a:endParaRPr>
+          </a:p>
+          <a:p>
+            <a:pPr marL="342900" indent="-342900">
+              <a:lnSpc>
+                <a:spcPct val="150000"/>
+              </a:lnSpc>
+              <a:buFont typeface="Arial" pitchFamily="34" charset="0"/>
+              <a:buChar char="•"/>
+            </a:pPr>
+            <a:r>
+              <a:rPr lang="zh-CN" altLang="en-US" sz="2400" dirty="0" smtClean="0">
+                <a:solidFill>
+                  <a:schemeClr val="tx1">
+                    <a:lumMod val="75000"/>
+                    <a:lumOff val="25000"/>
+                  </a:schemeClr>
+                </a:solidFill>
+                <a:latin typeface="微软雅黑" pitchFamily="34" charset="-122"/>
+                <a:ea typeface="微软雅黑" pitchFamily="34" charset="-122"/>
+              </a:rPr>
+              <a:t>使用</a:t>
+            </a:r>
+            <a:r>
+              <a:rPr lang="en-US" altLang="zh-CN" sz="2400" dirty="0" err="1" smtClean="0">
+                <a:solidFill>
+                  <a:schemeClr val="tx1">
+                    <a:lumMod val="75000"/>
+                    <a:lumOff val="25000"/>
+                  </a:schemeClr>
+                </a:solidFill>
+                <a:latin typeface="微软雅黑" pitchFamily="34" charset="-122"/>
+                <a:ea typeface="微软雅黑" pitchFamily="34" charset="-122"/>
+              </a:rPr>
+              <a:t>css</a:t>
+            </a:r>
+            <a:r>
+              <a:rPr lang="zh-CN" altLang="en-US" sz="2400" dirty="0" smtClean="0">
+                <a:solidFill>
+                  <a:schemeClr val="tx1">
+                    <a:lumMod val="75000"/>
+                    <a:lumOff val="25000"/>
+                  </a:schemeClr>
+                </a:solidFill>
+                <a:latin typeface="微软雅黑" pitchFamily="34" charset="-122"/>
+                <a:ea typeface="微软雅黑" pitchFamily="34" charset="-122"/>
+              </a:rPr>
+              <a:t>的属性</a:t>
+            </a:r>
+            <a:r>
+              <a:rPr lang="en-US" altLang="zh-CN" sz="2400" dirty="0" smtClean="0">
+                <a:solidFill>
+                  <a:schemeClr val="tx1">
+                    <a:lumMod val="75000"/>
+                    <a:lumOff val="25000"/>
+                  </a:schemeClr>
+                </a:solidFill>
+                <a:latin typeface="微软雅黑" pitchFamily="34" charset="-122"/>
+                <a:ea typeface="微软雅黑" pitchFamily="34" charset="-122"/>
+              </a:rPr>
+              <a:t>mix-blend-mode</a:t>
+            </a:r>
+            <a:r>
+              <a:rPr lang="zh-CN" altLang="en-US" sz="2400" dirty="0" smtClean="0">
+                <a:solidFill>
+                  <a:schemeClr val="tx1">
+                    <a:lumMod val="75000"/>
+                    <a:lumOff val="25000"/>
+                  </a:schemeClr>
+                </a:solidFill>
+                <a:latin typeface="微软雅黑" pitchFamily="34" charset="-122"/>
+                <a:ea typeface="微软雅黑" pitchFamily="34" charset="-122"/>
+              </a:rPr>
+              <a:t>，能否实现同样的效果？</a:t>
+            </a:r>
+            <a:endParaRPr lang="en-US" altLang="zh-CN" sz="2400" dirty="0" smtClean="0">
+              <a:solidFill>
+                <a:schemeClr val="tx1">
+                  <a:lumMod val="75000"/>
+                  <a:lumOff val="25000"/>
+                </a:schemeClr>
+              </a:solidFill>
+              <a:latin typeface="微软雅黑" pitchFamily="34" charset="-122"/>
+              <a:ea typeface="微软雅黑" pitchFamily="34" charset="-122"/>
+            </a:endParaRPr>
+          </a:p>
+        </p:txBody>
+      </p:sp>
+    </p:spTree>
+    <p:extLst>
+      <p:ext uri="{BB962C8B-B14F-4D97-AF65-F5344CB8AC3E}">
+        <p14:creationId xmlns:p14="http://schemas.microsoft.com/office/powerpoint/2010/main" val="2328121375"/>
+      </p:ext>
+    </p:extLst>
+  </p:cSld>
+  <p:clrMapOvr>
+    <a:masterClrMapping/>
+  </p:clrMapOvr>
 </p:sld>
 </file>
 
@@ -6358,16 +9486,6 @@
               </a:rPr>
               <a:t>路径</a:t>
             </a:r>
-            <a:endParaRPr lang="zh-CN" altLang="en-US" sz="2000" dirty="0">
-              <a:solidFill>
-                <a:schemeClr val="tx1">
-                  <a:lumMod val="75000"/>
-                  <a:lumOff val="25000"/>
-                </a:schemeClr>
-              </a:solidFill>
-              <a:latin typeface="微软雅黑" panose="020B0503020204020204" pitchFamily="34" charset="-122"/>
-              <a:ea typeface="微软雅黑" panose="020B0503020204020204" pitchFamily="34" charset="-122"/>
-            </a:endParaRPr>
           </a:p>
         </p:txBody>
       </p:sp>
@@ -7470,16 +10588,6 @@
               </a:rPr>
               <a:t>”/&gt;</a:t>
             </a:r>
-            <a:endParaRPr lang="en-US" altLang="zh-CN" sz="2400" dirty="0">
-              <a:solidFill>
-                <a:schemeClr val="tx1">
-                  <a:lumMod val="75000"/>
-                  <a:lumOff val="25000"/>
-                </a:schemeClr>
-              </a:solidFill>
-              <a:latin typeface="微软雅黑" pitchFamily="34" charset="-122"/>
-              <a:ea typeface="微软雅黑" pitchFamily="34" charset="-122"/>
-            </a:endParaRPr>
           </a:p>
         </p:txBody>
       </p:sp>

--- a/9-svg-path-ani/svg-stroke-ani.pptx
+++ b/9-svg-path-ani/svg-stroke-ani.pptx
@@ -16,16 +16,22 @@
     <p:sldId id="388" r:id="rId10"/>
     <p:sldId id="394" r:id="rId11"/>
     <p:sldId id="392" r:id="rId12"/>
-    <p:sldId id="393" r:id="rId13"/>
-    <p:sldId id="395" r:id="rId14"/>
-    <p:sldId id="396" r:id="rId15"/>
-    <p:sldId id="397" r:id="rId16"/>
-    <p:sldId id="398" r:id="rId17"/>
-    <p:sldId id="399" r:id="rId18"/>
-    <p:sldId id="391" r:id="rId19"/>
-    <p:sldId id="400" r:id="rId20"/>
-    <p:sldId id="401" r:id="rId21"/>
-    <p:sldId id="345" r:id="rId22"/>
+    <p:sldId id="407" r:id="rId13"/>
+    <p:sldId id="393" r:id="rId14"/>
+    <p:sldId id="395" r:id="rId15"/>
+    <p:sldId id="396" r:id="rId16"/>
+    <p:sldId id="397" r:id="rId17"/>
+    <p:sldId id="398" r:id="rId18"/>
+    <p:sldId id="399" r:id="rId19"/>
+    <p:sldId id="391" r:id="rId20"/>
+    <p:sldId id="400" r:id="rId21"/>
+    <p:sldId id="401" r:id="rId22"/>
+    <p:sldId id="402" r:id="rId23"/>
+    <p:sldId id="403" r:id="rId24"/>
+    <p:sldId id="404" r:id="rId25"/>
+    <p:sldId id="405" r:id="rId26"/>
+    <p:sldId id="406" r:id="rId27"/>
+    <p:sldId id="345" r:id="rId28"/>
   </p:sldIdLst>
   <p:sldSz cx="9144000" cy="6858000" type="screen4x3"/>
   <p:notesSz cx="6858000" cy="9144000"/>
@@ -126,7 +132,7 @@
   </p:defaultTextStyle>
   <p:extLst>
     <p:ext uri="{EFAFB233-063F-42B5-8137-9DF3F51BA10A}">
-      <p15:sldGuideLst xmlns:p15="http://schemas.microsoft.com/office/powerpoint/2012/main" xmlns="">
+      <p15:sldGuideLst xmlns:p15="http://schemas.microsoft.com/office/powerpoint/2012/main">
         <p15:guide id="1" orient="horz" pos="2160">
           <p15:clr>
             <a:srgbClr val="A4A3A4"/>
@@ -324,7 +330,7 @@
           <a:p>
             <a:fld id="{17C7C8FB-1C37-4023-AA22-09D5A8E13DCF}" type="datetimeFigureOut">
               <a:rPr lang="zh-CN" altLang="en-US" smtClean="0"/>
-              <a:t>2018/6/22</a:t>
+              <a:t>2018/6/24</a:t>
             </a:fld>
             <a:endParaRPr lang="zh-CN" altLang="en-US"/>
           </a:p>
@@ -494,7 +500,7 @@
           <a:p>
             <a:fld id="{17C7C8FB-1C37-4023-AA22-09D5A8E13DCF}" type="datetimeFigureOut">
               <a:rPr lang="zh-CN" altLang="en-US" smtClean="0"/>
-              <a:t>2018/6/22</a:t>
+              <a:t>2018/6/24</a:t>
             </a:fld>
             <a:endParaRPr lang="zh-CN" altLang="en-US"/>
           </a:p>
@@ -674,7 +680,7 @@
           <a:p>
             <a:fld id="{17C7C8FB-1C37-4023-AA22-09D5A8E13DCF}" type="datetimeFigureOut">
               <a:rPr lang="zh-CN" altLang="en-US" smtClean="0"/>
-              <a:t>2018/6/22</a:t>
+              <a:t>2018/6/24</a:t>
             </a:fld>
             <a:endParaRPr lang="zh-CN" altLang="en-US"/>
           </a:p>
@@ -844,7 +850,7 @@
           <a:p>
             <a:fld id="{17C7C8FB-1C37-4023-AA22-09D5A8E13DCF}" type="datetimeFigureOut">
               <a:rPr lang="zh-CN" altLang="en-US" smtClean="0"/>
-              <a:t>2018/6/22</a:t>
+              <a:t>2018/6/24</a:t>
             </a:fld>
             <a:endParaRPr lang="zh-CN" altLang="en-US"/>
           </a:p>
@@ -1090,7 +1096,7 @@
           <a:p>
             <a:fld id="{17C7C8FB-1C37-4023-AA22-09D5A8E13DCF}" type="datetimeFigureOut">
               <a:rPr lang="zh-CN" altLang="en-US" smtClean="0"/>
-              <a:t>2018/6/22</a:t>
+              <a:t>2018/6/24</a:t>
             </a:fld>
             <a:endParaRPr lang="zh-CN" altLang="en-US"/>
           </a:p>
@@ -1378,7 +1384,7 @@
           <a:p>
             <a:fld id="{17C7C8FB-1C37-4023-AA22-09D5A8E13DCF}" type="datetimeFigureOut">
               <a:rPr lang="zh-CN" altLang="en-US" smtClean="0"/>
-              <a:t>2018/6/22</a:t>
+              <a:t>2018/6/24</a:t>
             </a:fld>
             <a:endParaRPr lang="zh-CN" altLang="en-US"/>
           </a:p>
@@ -1800,7 +1806,7 @@
           <a:p>
             <a:fld id="{17C7C8FB-1C37-4023-AA22-09D5A8E13DCF}" type="datetimeFigureOut">
               <a:rPr lang="zh-CN" altLang="en-US" smtClean="0"/>
-              <a:t>2018/6/22</a:t>
+              <a:t>2018/6/24</a:t>
             </a:fld>
             <a:endParaRPr lang="zh-CN" altLang="en-US"/>
           </a:p>
@@ -1918,7 +1924,7 @@
           <a:p>
             <a:fld id="{17C7C8FB-1C37-4023-AA22-09D5A8E13DCF}" type="datetimeFigureOut">
               <a:rPr lang="zh-CN" altLang="en-US" smtClean="0"/>
-              <a:t>2018/6/22</a:t>
+              <a:t>2018/6/24</a:t>
             </a:fld>
             <a:endParaRPr lang="zh-CN" altLang="en-US"/>
           </a:p>
@@ -2013,7 +2019,7 @@
           <a:p>
             <a:fld id="{17C7C8FB-1C37-4023-AA22-09D5A8E13DCF}" type="datetimeFigureOut">
               <a:rPr lang="zh-CN" altLang="en-US" smtClean="0"/>
-              <a:t>2018/6/22</a:t>
+              <a:t>2018/6/24</a:t>
             </a:fld>
             <a:endParaRPr lang="zh-CN" altLang="en-US"/>
           </a:p>
@@ -2290,7 +2296,7 @@
           <a:p>
             <a:fld id="{17C7C8FB-1C37-4023-AA22-09D5A8E13DCF}" type="datetimeFigureOut">
               <a:rPr lang="zh-CN" altLang="en-US" smtClean="0"/>
-              <a:t>2018/6/22</a:t>
+              <a:t>2018/6/24</a:t>
             </a:fld>
             <a:endParaRPr lang="zh-CN" altLang="en-US"/>
           </a:p>
@@ -2543,7 +2549,7 @@
           <a:p>
             <a:fld id="{17C7C8FB-1C37-4023-AA22-09D5A8E13DCF}" type="datetimeFigureOut">
               <a:rPr lang="zh-CN" altLang="en-US" smtClean="0"/>
-              <a:t>2018/6/22</a:t>
+              <a:t>2018/6/24</a:t>
             </a:fld>
             <a:endParaRPr lang="zh-CN" altLang="en-US"/>
           </a:p>
@@ -2756,7 +2762,7 @@
           <a:p>
             <a:fld id="{17C7C8FB-1C37-4023-AA22-09D5A8E13DCF}" type="datetimeFigureOut">
               <a:rPr lang="zh-CN" altLang="en-US" smtClean="0"/>
-              <a:t>2018/6/22</a:t>
+              <a:t>2018/6/24</a:t>
             </a:fld>
             <a:endParaRPr lang="zh-CN" altLang="en-US"/>
           </a:p>
@@ -3445,8 +3451,8 @@
         </p:nvSpPr>
         <p:spPr>
           <a:xfrm>
-            <a:off x="827584" y="438759"/>
-            <a:ext cx="7776864" cy="2308324"/>
+            <a:off x="827584" y="116632"/>
+            <a:ext cx="7776864" cy="4524315"/>
           </a:xfrm>
           <a:prstGeom prst="rect">
             <a:avLst/>
@@ -3464,19 +3470,6 @@
               </a:lnSpc>
             </a:pPr>
             <a:r>
-              <a:rPr lang="en-US" altLang="zh-CN" sz="2400" b="1" dirty="0">
-                <a:solidFill>
-                  <a:schemeClr val="tx1">
-                    <a:lumMod val="75000"/>
-                    <a:lumOff val="25000"/>
-                  </a:schemeClr>
-                </a:solidFill>
-                <a:latin typeface="微软雅黑" pitchFamily="34" charset="-122"/>
-                <a:ea typeface="微软雅黑" pitchFamily="34" charset="-122"/>
-              </a:rPr>
-              <a:t>C</a:t>
-            </a:r>
-            <a:r>
               <a:rPr lang="en-US" altLang="zh-CN" sz="2400" b="1" dirty="0" smtClean="0">
                 <a:solidFill>
                   <a:schemeClr val="tx1">
@@ -3487,7 +3480,7 @@
                 <a:latin typeface="微软雅黑" pitchFamily="34" charset="-122"/>
                 <a:ea typeface="微软雅黑" pitchFamily="34" charset="-122"/>
               </a:rPr>
-              <a:t>:</a:t>
+              <a:t>C x1 y1 x2 y2 x y:</a:t>
             </a:r>
           </a:p>
           <a:p>
@@ -3497,6 +3490,19 @@
               </a:lnSpc>
             </a:pPr>
             <a:r>
+              <a:rPr lang="zh-CN" altLang="en-US" sz="2400" dirty="0" smtClean="0">
+                <a:solidFill>
+                  <a:schemeClr val="tx1">
+                    <a:lumMod val="75000"/>
+                    <a:lumOff val="25000"/>
+                  </a:schemeClr>
+                </a:solidFill>
+                <a:latin typeface="微软雅黑" pitchFamily="34" charset="-122"/>
+                <a:ea typeface="微软雅黑" pitchFamily="34" charset="-122"/>
+              </a:rPr>
+              <a:t>绘制一条从当前点到</a:t>
+            </a:r>
+            <a:r>
               <a:rPr lang="en-US" altLang="zh-CN" sz="2400" dirty="0" smtClean="0">
                 <a:solidFill>
                   <a:schemeClr val="tx1">
@@ -3507,48 +3513,34 @@
                 <a:latin typeface="微软雅黑" pitchFamily="34" charset="-122"/>
                 <a:ea typeface="微软雅黑" pitchFamily="34" charset="-122"/>
               </a:rPr>
-              <a:t>L</a:t>
-            </a:r>
-          </a:p>
-          <a:p>
-            <a:pPr>
-              <a:lnSpc>
-                <a:spcPct val="150000"/>
-              </a:lnSpc>
-            </a:pPr>
-            <a:r>
-              <a:rPr lang="en-US" altLang="zh-CN" sz="2400" b="1" dirty="0" smtClean="0">
-                <a:solidFill>
-                  <a:schemeClr val="tx1">
-                    <a:lumMod val="75000"/>
-                    <a:lumOff val="25000"/>
-                  </a:schemeClr>
-                </a:solidFill>
-                <a:latin typeface="微软雅黑" pitchFamily="34" charset="-122"/>
-                <a:ea typeface="微软雅黑" pitchFamily="34" charset="-122"/>
-              </a:rPr>
-              <a:t>S</a:t>
-            </a:r>
-            <a:r>
-              <a:rPr lang="en-US" altLang="zh-CN" sz="2400" b="1" dirty="0" smtClean="0">
-                <a:solidFill>
-                  <a:schemeClr val="tx1">
-                    <a:lumMod val="75000"/>
-                    <a:lumOff val="25000"/>
-                  </a:schemeClr>
-                </a:solidFill>
-                <a:latin typeface="微软雅黑" pitchFamily="34" charset="-122"/>
-                <a:ea typeface="微软雅黑" pitchFamily="34" charset="-122"/>
-              </a:rPr>
-              <a:t>:</a:t>
-            </a:r>
-          </a:p>
-          <a:p>
-            <a:pPr>
-              <a:lnSpc>
-                <a:spcPct val="150000"/>
-              </a:lnSpc>
-            </a:pPr>
+              <a:t>(</a:t>
+            </a:r>
+            <a:r>
+              <a:rPr lang="en-US" altLang="zh-CN" sz="2400" dirty="0" err="1" smtClean="0">
+                <a:solidFill>
+                  <a:schemeClr val="tx1">
+                    <a:lumMod val="75000"/>
+                    <a:lumOff val="25000"/>
+                  </a:schemeClr>
+                </a:solidFill>
+                <a:latin typeface="微软雅黑" pitchFamily="34" charset="-122"/>
+                <a:ea typeface="微软雅黑" pitchFamily="34" charset="-122"/>
+              </a:rPr>
+              <a:t>x,y</a:t>
+            </a:r>
+            <a:r>
+              <a:rPr lang="en-US" altLang="zh-CN" sz="2400" dirty="0" smtClean="0">
+                <a:solidFill>
+                  <a:schemeClr val="tx1">
+                    <a:lumMod val="75000"/>
+                    <a:lumOff val="25000"/>
+                  </a:schemeClr>
+                </a:solidFill>
+                <a:latin typeface="微软雅黑" pitchFamily="34" charset="-122"/>
+                <a:ea typeface="微软雅黑" pitchFamily="34" charset="-122"/>
+              </a:rPr>
+              <a:t>)</a:t>
+            </a:r>
             <a:r>
               <a:rPr lang="zh-CN" altLang="en-US" sz="2400" dirty="0" smtClean="0">
                 <a:solidFill>
@@ -3560,7 +3552,59 @@
                 <a:latin typeface="微软雅黑" pitchFamily="34" charset="-122"/>
                 <a:ea typeface="微软雅黑" pitchFamily="34" charset="-122"/>
               </a:rPr>
-              <a:t>表示</a:t>
+              <a:t>的三次贝瑟尔曲线，</a:t>
+            </a:r>
+            <a:r>
+              <a:rPr lang="en-US" altLang="zh-CN" sz="2400" dirty="0" smtClean="0">
+                <a:solidFill>
+                  <a:schemeClr val="tx1">
+                    <a:lumMod val="75000"/>
+                    <a:lumOff val="25000"/>
+                  </a:schemeClr>
+                </a:solidFill>
+                <a:latin typeface="微软雅黑" pitchFamily="34" charset="-122"/>
+                <a:ea typeface="微软雅黑" pitchFamily="34" charset="-122"/>
+              </a:rPr>
+              <a:t>(x1,y1)</a:t>
+            </a:r>
+            <a:r>
+              <a:rPr lang="zh-CN" altLang="en-US" sz="2400" dirty="0" smtClean="0">
+                <a:solidFill>
+                  <a:schemeClr val="tx1">
+                    <a:lumMod val="75000"/>
+                    <a:lumOff val="25000"/>
+                  </a:schemeClr>
+                </a:solidFill>
+                <a:latin typeface="微软雅黑" pitchFamily="34" charset="-122"/>
+                <a:ea typeface="微软雅黑" pitchFamily="34" charset="-122"/>
+              </a:rPr>
+              <a:t>为曲线的开始控制点，</a:t>
+            </a:r>
+            <a:r>
+              <a:rPr lang="en-US" altLang="zh-CN" sz="2400" dirty="0" smtClean="0">
+                <a:solidFill>
+                  <a:schemeClr val="tx1">
+                    <a:lumMod val="75000"/>
+                    <a:lumOff val="25000"/>
+                  </a:schemeClr>
+                </a:solidFill>
+                <a:latin typeface="微软雅黑" pitchFamily="34" charset="-122"/>
+                <a:ea typeface="微软雅黑" pitchFamily="34" charset="-122"/>
+              </a:rPr>
+              <a:t>(x2,y2)</a:t>
+            </a:r>
+            <a:r>
+              <a:rPr lang="zh-CN" altLang="en-US" sz="2400" dirty="0" smtClean="0">
+                <a:solidFill>
+                  <a:schemeClr val="tx1">
+                    <a:lumMod val="75000"/>
+                    <a:lumOff val="25000"/>
+                  </a:schemeClr>
+                </a:solidFill>
+                <a:latin typeface="微软雅黑" pitchFamily="34" charset="-122"/>
+                <a:ea typeface="微软雅黑" pitchFamily="34" charset="-122"/>
+              </a:rPr>
+              <a:t>为曲线的终点控制点</a:t>
             </a:r>
             <a:endParaRPr lang="en-US" altLang="zh-CN" sz="2400" dirty="0" smtClean="0">
               <a:solidFill>
@@ -3572,6 +3616,570 @@
               <a:latin typeface="微软雅黑" pitchFamily="34" charset="-122"/>
               <a:ea typeface="微软雅黑" pitchFamily="34" charset="-122"/>
             </a:endParaRPr>
+          </a:p>
+          <a:p>
+            <a:pPr>
+              <a:lnSpc>
+                <a:spcPct val="150000"/>
+              </a:lnSpc>
+            </a:pPr>
+            <a:r>
+              <a:rPr lang="en-US" altLang="zh-CN" sz="2400" b="1" dirty="0" smtClean="0">
+                <a:solidFill>
+                  <a:schemeClr val="tx1">
+                    <a:lumMod val="75000"/>
+                    <a:lumOff val="25000"/>
+                  </a:schemeClr>
+                </a:solidFill>
+                <a:latin typeface="微软雅黑" pitchFamily="34" charset="-122"/>
+                <a:ea typeface="微软雅黑" pitchFamily="34" charset="-122"/>
+              </a:rPr>
+              <a:t>S</a:t>
+            </a:r>
+            <a:r>
+              <a:rPr lang="en-US" altLang="zh-CN" sz="2400" b="1" dirty="0">
+                <a:solidFill>
+                  <a:schemeClr val="tx1">
+                    <a:lumMod val="75000"/>
+                    <a:lumOff val="25000"/>
+                  </a:schemeClr>
+                </a:solidFill>
+                <a:latin typeface="微软雅黑" pitchFamily="34" charset="-122"/>
+                <a:ea typeface="微软雅黑" pitchFamily="34" charset="-122"/>
+              </a:rPr>
+              <a:t> </a:t>
+            </a:r>
+            <a:r>
+              <a:rPr lang="en-US" altLang="zh-CN" sz="2400" b="1" dirty="0" smtClean="0">
+                <a:solidFill>
+                  <a:schemeClr val="tx1">
+                    <a:lumMod val="75000"/>
+                    <a:lumOff val="25000"/>
+                  </a:schemeClr>
+                </a:solidFill>
+                <a:latin typeface="微软雅黑" pitchFamily="34" charset="-122"/>
+                <a:ea typeface="微软雅黑" pitchFamily="34" charset="-122"/>
+              </a:rPr>
+              <a:t>x2 y2 x y</a:t>
+            </a:r>
+          </a:p>
+          <a:p>
+            <a:pPr>
+              <a:lnSpc>
+                <a:spcPct val="150000"/>
+              </a:lnSpc>
+            </a:pPr>
+            <a:r>
+              <a:rPr lang="zh-CN" altLang="en-US" sz="2400" dirty="0" smtClean="0">
+                <a:solidFill>
+                  <a:schemeClr val="tx1">
+                    <a:lumMod val="75000"/>
+                    <a:lumOff val="25000"/>
+                  </a:schemeClr>
+                </a:solidFill>
+                <a:latin typeface="微软雅黑" pitchFamily="34" charset="-122"/>
+                <a:ea typeface="微软雅黑" pitchFamily="34" charset="-122"/>
+              </a:rPr>
+              <a:t>绘制一条从当前点</a:t>
+            </a:r>
+            <a:r>
+              <a:rPr lang="zh-CN" altLang="en-US" sz="2400" dirty="0">
+                <a:solidFill>
+                  <a:schemeClr val="tx1">
+                    <a:lumMod val="75000"/>
+                    <a:lumOff val="25000"/>
+                  </a:schemeClr>
+                </a:solidFill>
+                <a:latin typeface="微软雅黑" pitchFamily="34" charset="-122"/>
+                <a:ea typeface="微软雅黑" pitchFamily="34" charset="-122"/>
+              </a:rPr>
+              <a:t>到</a:t>
+            </a:r>
+            <a:r>
+              <a:rPr lang="en-US" altLang="zh-CN" sz="2400" dirty="0" smtClean="0">
+                <a:solidFill>
+                  <a:schemeClr val="tx1">
+                    <a:lumMod val="75000"/>
+                    <a:lumOff val="25000"/>
+                  </a:schemeClr>
+                </a:solidFill>
+                <a:latin typeface="微软雅黑" pitchFamily="34" charset="-122"/>
+                <a:ea typeface="微软雅黑" pitchFamily="34" charset="-122"/>
+              </a:rPr>
+              <a:t>(</a:t>
+            </a:r>
+            <a:r>
+              <a:rPr lang="en-US" altLang="zh-CN" sz="2400" dirty="0" err="1" smtClean="0">
+                <a:solidFill>
+                  <a:schemeClr val="tx1">
+                    <a:lumMod val="75000"/>
+                    <a:lumOff val="25000"/>
+                  </a:schemeClr>
+                </a:solidFill>
+                <a:latin typeface="微软雅黑" pitchFamily="34" charset="-122"/>
+                <a:ea typeface="微软雅黑" pitchFamily="34" charset="-122"/>
+              </a:rPr>
+              <a:t>x,y</a:t>
+            </a:r>
+            <a:r>
+              <a:rPr lang="en-US" altLang="zh-CN" sz="2400" dirty="0" smtClean="0">
+                <a:solidFill>
+                  <a:schemeClr val="tx1">
+                    <a:lumMod val="75000"/>
+                    <a:lumOff val="25000"/>
+                  </a:schemeClr>
+                </a:solidFill>
+                <a:latin typeface="微软雅黑" pitchFamily="34" charset="-122"/>
+                <a:ea typeface="微软雅黑" pitchFamily="34" charset="-122"/>
+              </a:rPr>
+              <a:t>)</a:t>
+            </a:r>
+            <a:r>
+              <a:rPr lang="zh-CN" altLang="en-US" sz="2400" dirty="0" smtClean="0">
+                <a:solidFill>
+                  <a:schemeClr val="tx1">
+                    <a:lumMod val="75000"/>
+                    <a:lumOff val="25000"/>
+                  </a:schemeClr>
+                </a:solidFill>
+                <a:latin typeface="微软雅黑" pitchFamily="34" charset="-122"/>
+                <a:ea typeface="微软雅黑" pitchFamily="34" charset="-122"/>
+              </a:rPr>
+              <a:t>的三次贝瑟尔曲线，</a:t>
+            </a:r>
+            <a:r>
+              <a:rPr lang="en-US" altLang="zh-CN" sz="2400" dirty="0" smtClean="0">
+                <a:solidFill>
+                  <a:schemeClr val="tx1">
+                    <a:lumMod val="75000"/>
+                    <a:lumOff val="25000"/>
+                  </a:schemeClr>
+                </a:solidFill>
+                <a:latin typeface="微软雅黑" pitchFamily="34" charset="-122"/>
+                <a:ea typeface="微软雅黑" pitchFamily="34" charset="-122"/>
+              </a:rPr>
+              <a:t>(x2,y2)</a:t>
+            </a:r>
+            <a:r>
+              <a:rPr lang="zh-CN" altLang="en-US" sz="2400" dirty="0" smtClean="0">
+                <a:solidFill>
+                  <a:schemeClr val="tx1">
+                    <a:lumMod val="75000"/>
+                    <a:lumOff val="25000"/>
+                  </a:schemeClr>
+                </a:solidFill>
+                <a:latin typeface="微软雅黑" pitchFamily="34" charset="-122"/>
+                <a:ea typeface="微软雅黑" pitchFamily="34" charset="-122"/>
+              </a:rPr>
+              <a:t>为新端点的控制点。第一个控制点是前一个</a:t>
+            </a:r>
+            <a:r>
+              <a:rPr lang="en-US" altLang="zh-CN" sz="2400" dirty="0" smtClean="0">
+                <a:solidFill>
+                  <a:schemeClr val="tx1">
+                    <a:lumMod val="75000"/>
+                    <a:lumOff val="25000"/>
+                  </a:schemeClr>
+                </a:solidFill>
+                <a:latin typeface="微软雅黑" pitchFamily="34" charset="-122"/>
+                <a:ea typeface="微软雅黑" pitchFamily="34" charset="-122"/>
+              </a:rPr>
+              <a:t>C</a:t>
+            </a:r>
+            <a:r>
+              <a:rPr lang="zh-CN" altLang="en-US" sz="2400" dirty="0" smtClean="0">
+                <a:solidFill>
+                  <a:schemeClr val="tx1">
+                    <a:lumMod val="75000"/>
+                    <a:lumOff val="25000"/>
+                  </a:schemeClr>
+                </a:solidFill>
+                <a:latin typeface="微软雅黑" pitchFamily="34" charset="-122"/>
+                <a:ea typeface="微软雅黑" pitchFamily="34" charset="-122"/>
+              </a:rPr>
+              <a:t>命令的终点控制点的中心对称点。如果前一个曲线不存在，当前点会被用作第一个控制点。</a:t>
+            </a:r>
+            <a:endParaRPr lang="en-US" altLang="zh-CN" sz="2400" dirty="0" smtClean="0">
+              <a:solidFill>
+                <a:schemeClr val="tx1">
+                  <a:lumMod val="75000"/>
+                  <a:lumOff val="25000"/>
+                </a:schemeClr>
+              </a:solidFill>
+              <a:latin typeface="微软雅黑" pitchFamily="34" charset="-122"/>
+              <a:ea typeface="微软雅黑" pitchFamily="34" charset="-122"/>
+            </a:endParaRPr>
+          </a:p>
+        </p:txBody>
+      </p:sp>
+      <p:pic>
+        <p:nvPicPr>
+          <p:cNvPr id="4" name="图片 3" descr="屏幕剪辑"/>
+          <p:cNvPicPr>
+            <a:picLocks noChangeAspect="1"/>
+          </p:cNvPicPr>
+          <p:nvPr/>
+        </p:nvPicPr>
+        <p:blipFill>
+          <a:blip r:embed="rId2">
+            <a:extLst>
+              <a:ext uri="{28A0092B-C50C-407E-A947-70E740481C1C}">
+                <a14:useLocalDpi xmlns:a14="http://schemas.microsoft.com/office/drawing/2010/main" val="0"/>
+              </a:ext>
+            </a:extLst>
+          </a:blip>
+          <a:stretch>
+            <a:fillRect/>
+          </a:stretch>
+        </p:blipFill>
+        <p:spPr>
+          <a:xfrm>
+            <a:off x="4875452" y="5107042"/>
+            <a:ext cx="2381582" cy="1562318"/>
+          </a:xfrm>
+          <a:prstGeom prst="rect">
+            <a:avLst/>
+          </a:prstGeom>
+        </p:spPr>
+      </p:pic>
+      <p:sp>
+        <p:nvSpPr>
+          <p:cNvPr id="5" name="矩形 4"/>
+          <p:cNvSpPr/>
+          <p:nvPr/>
+        </p:nvSpPr>
+        <p:spPr>
+          <a:xfrm>
+            <a:off x="996001" y="5247728"/>
+            <a:ext cx="3959738" cy="461665"/>
+          </a:xfrm>
+          <a:prstGeom prst="rect">
+            <a:avLst/>
+          </a:prstGeom>
+        </p:spPr>
+        <p:txBody>
+          <a:bodyPr wrap="none">
+            <a:spAutoFit/>
+          </a:bodyPr>
+          <a:lstStyle/>
+          <a:p>
+            <a:r>
+              <a:rPr lang="en-US" altLang="zh-CN" sz="2400" dirty="0">
+                <a:solidFill>
+                  <a:schemeClr val="tx1">
+                    <a:lumMod val="75000"/>
+                    <a:lumOff val="25000"/>
+                  </a:schemeClr>
+                </a:solidFill>
+              </a:rPr>
+              <a:t>M 40 50 </a:t>
+            </a:r>
+            <a:r>
+              <a:rPr lang="en-US" altLang="zh-CN" sz="2400" dirty="0" smtClean="0">
+                <a:solidFill>
+                  <a:schemeClr val="tx1">
+                    <a:lumMod val="75000"/>
+                    <a:lumOff val="25000"/>
+                  </a:schemeClr>
+                </a:solidFill>
+              </a:rPr>
+              <a:t>C 60 </a:t>
+            </a:r>
+            <a:r>
+              <a:rPr lang="en-US" altLang="zh-CN" sz="2400" dirty="0">
+                <a:solidFill>
+                  <a:schemeClr val="tx1">
+                    <a:lumMod val="75000"/>
+                    <a:lumOff val="25000"/>
+                  </a:schemeClr>
+                </a:solidFill>
+              </a:rPr>
+              <a:t>10,90 10, 110 50</a:t>
+            </a:r>
+            <a:endParaRPr lang="zh-CN" altLang="en-US" sz="2400" dirty="0">
+              <a:solidFill>
+                <a:schemeClr val="tx1">
+                  <a:lumMod val="75000"/>
+                  <a:lumOff val="25000"/>
+                </a:schemeClr>
+              </a:solidFill>
+            </a:endParaRPr>
+          </a:p>
+        </p:txBody>
+      </p:sp>
+      <p:sp>
+        <p:nvSpPr>
+          <p:cNvPr id="6" name="文本框 5"/>
+          <p:cNvSpPr txBox="1"/>
+          <p:nvPr/>
+        </p:nvSpPr>
+        <p:spPr>
+          <a:xfrm>
+            <a:off x="4173168" y="5976862"/>
+            <a:ext cx="972520" cy="461665"/>
+          </a:xfrm>
+          <a:prstGeom prst="rect">
+            <a:avLst/>
+          </a:prstGeom>
+          <a:noFill/>
+        </p:spPr>
+        <p:txBody>
+          <a:bodyPr wrap="square" rtlCol="0">
+            <a:spAutoFit/>
+          </a:bodyPr>
+          <a:lstStyle/>
+          <a:p>
+            <a:r>
+              <a:rPr lang="en-US" altLang="zh-CN" sz="2400" dirty="0" smtClean="0"/>
+              <a:t>(40,50)</a:t>
+            </a:r>
+            <a:endParaRPr lang="zh-CN" altLang="en-US" sz="2400" dirty="0"/>
+          </a:p>
+        </p:txBody>
+      </p:sp>
+      <p:sp>
+        <p:nvSpPr>
+          <p:cNvPr id="7" name="文本框 6"/>
+          <p:cNvSpPr txBox="1"/>
+          <p:nvPr/>
+        </p:nvSpPr>
+        <p:spPr>
+          <a:xfrm>
+            <a:off x="7107699" y="5944140"/>
+            <a:ext cx="1928797" cy="461665"/>
+          </a:xfrm>
+          <a:prstGeom prst="rect">
+            <a:avLst/>
+          </a:prstGeom>
+          <a:noFill/>
+        </p:spPr>
+        <p:txBody>
+          <a:bodyPr wrap="square" rtlCol="0">
+            <a:spAutoFit/>
+          </a:bodyPr>
+          <a:lstStyle/>
+          <a:p>
+            <a:r>
+              <a:rPr lang="en-US" altLang="zh-CN" sz="2400" dirty="0" smtClean="0"/>
+              <a:t>(110,50)</a:t>
+            </a:r>
+            <a:endParaRPr lang="zh-CN" altLang="en-US" sz="2400" dirty="0"/>
+          </a:p>
+        </p:txBody>
+      </p:sp>
+      <p:cxnSp>
+        <p:nvCxnSpPr>
+          <p:cNvPr id="9" name="直接连接符 8"/>
+          <p:cNvCxnSpPr/>
+          <p:nvPr/>
+        </p:nvCxnSpPr>
+        <p:spPr>
+          <a:xfrm flipV="1">
+            <a:off x="5235492" y="5107042"/>
+            <a:ext cx="576064" cy="1080120"/>
+          </a:xfrm>
+          <a:prstGeom prst="line">
+            <a:avLst/>
+          </a:prstGeom>
+          <a:ln w="38100">
+            <a:solidFill>
+              <a:srgbClr val="7030A0"/>
+            </a:solidFill>
+          </a:ln>
+        </p:spPr>
+        <p:style>
+          <a:lnRef idx="1">
+            <a:schemeClr val="accent1"/>
+          </a:lnRef>
+          <a:fillRef idx="0">
+            <a:schemeClr val="accent1"/>
+          </a:fillRef>
+          <a:effectRef idx="0">
+            <a:schemeClr val="accent1"/>
+          </a:effectRef>
+          <a:fontRef idx="minor">
+            <a:schemeClr val="tx1"/>
+          </a:fontRef>
+        </p:style>
+      </p:cxnSp>
+      <p:sp>
+        <p:nvSpPr>
+          <p:cNvPr id="10" name="椭圆 9"/>
+          <p:cNvSpPr/>
+          <p:nvPr/>
+        </p:nvSpPr>
+        <p:spPr>
+          <a:xfrm>
+            <a:off x="5766445" y="4963026"/>
+            <a:ext cx="144016" cy="144016"/>
+          </a:xfrm>
+          <a:prstGeom prst="ellipse">
+            <a:avLst/>
+          </a:prstGeom>
+          <a:solidFill>
+            <a:srgbClr val="00B0F0"/>
+          </a:solidFill>
+        </p:spPr>
+        <p:style>
+          <a:lnRef idx="2">
+            <a:schemeClr val="accent1">
+              <a:shade val="50000"/>
+            </a:schemeClr>
+          </a:lnRef>
+          <a:fillRef idx="1">
+            <a:schemeClr val="accent1"/>
+          </a:fillRef>
+          <a:effectRef idx="0">
+            <a:schemeClr val="accent1"/>
+          </a:effectRef>
+          <a:fontRef idx="minor">
+            <a:schemeClr val="lt1"/>
+          </a:fontRef>
+        </p:style>
+        <p:txBody>
+          <a:bodyPr rtlCol="0" anchor="ctr"/>
+          <a:lstStyle/>
+          <a:p>
+            <a:pPr algn="ctr"/>
+            <a:endParaRPr lang="zh-CN" altLang="en-US"/>
+          </a:p>
+        </p:txBody>
+      </p:sp>
+      <p:cxnSp>
+        <p:nvCxnSpPr>
+          <p:cNvPr id="11" name="直接连接符 10"/>
+          <p:cNvCxnSpPr/>
+          <p:nvPr/>
+        </p:nvCxnSpPr>
+        <p:spPr>
+          <a:xfrm flipH="1" flipV="1">
+            <a:off x="6393660" y="5085951"/>
+            <a:ext cx="570024" cy="1156729"/>
+          </a:xfrm>
+          <a:prstGeom prst="line">
+            <a:avLst/>
+          </a:prstGeom>
+          <a:ln w="38100">
+            <a:solidFill>
+              <a:srgbClr val="7030A0"/>
+            </a:solidFill>
+          </a:ln>
+        </p:spPr>
+        <p:style>
+          <a:lnRef idx="1">
+            <a:schemeClr val="accent1"/>
+          </a:lnRef>
+          <a:fillRef idx="0">
+            <a:schemeClr val="accent1"/>
+          </a:fillRef>
+          <a:effectRef idx="0">
+            <a:schemeClr val="accent1"/>
+          </a:effectRef>
+          <a:fontRef idx="minor">
+            <a:schemeClr val="tx1"/>
+          </a:fontRef>
+        </p:style>
+      </p:cxnSp>
+      <p:sp>
+        <p:nvSpPr>
+          <p:cNvPr id="14" name="椭圆 13"/>
+          <p:cNvSpPr/>
+          <p:nvPr/>
+        </p:nvSpPr>
+        <p:spPr>
+          <a:xfrm>
+            <a:off x="6315612" y="4963026"/>
+            <a:ext cx="144016" cy="144016"/>
+          </a:xfrm>
+          <a:prstGeom prst="ellipse">
+            <a:avLst/>
+          </a:prstGeom>
+          <a:solidFill>
+            <a:srgbClr val="00B0F0"/>
+          </a:solidFill>
+        </p:spPr>
+        <p:style>
+          <a:lnRef idx="2">
+            <a:schemeClr val="accent1">
+              <a:shade val="50000"/>
+            </a:schemeClr>
+          </a:lnRef>
+          <a:fillRef idx="1">
+            <a:schemeClr val="accent1"/>
+          </a:fillRef>
+          <a:effectRef idx="0">
+            <a:schemeClr val="accent1"/>
+          </a:effectRef>
+          <a:fontRef idx="minor">
+            <a:schemeClr val="lt1"/>
+          </a:fontRef>
+        </p:style>
+        <p:txBody>
+          <a:bodyPr rtlCol="0" anchor="ctr"/>
+          <a:lstStyle/>
+          <a:p>
+            <a:pPr algn="ctr"/>
+            <a:endParaRPr lang="zh-CN" altLang="en-US"/>
+          </a:p>
+        </p:txBody>
+      </p:sp>
+      <p:sp>
+        <p:nvSpPr>
+          <p:cNvPr id="16" name="文本框 15"/>
+          <p:cNvSpPr txBox="1"/>
+          <p:nvPr/>
+        </p:nvSpPr>
+        <p:spPr>
+          <a:xfrm>
+            <a:off x="6403039" y="4717385"/>
+            <a:ext cx="1928797" cy="461665"/>
+          </a:xfrm>
+          <a:prstGeom prst="rect">
+            <a:avLst/>
+          </a:prstGeom>
+          <a:noFill/>
+        </p:spPr>
+        <p:txBody>
+          <a:bodyPr wrap="square" rtlCol="0">
+            <a:spAutoFit/>
+          </a:bodyPr>
+          <a:lstStyle/>
+          <a:p>
+            <a:r>
+              <a:rPr lang="en-US" altLang="zh-CN" sz="2400" dirty="0" smtClean="0"/>
+              <a:t>(90,10)</a:t>
+            </a:r>
+            <a:endParaRPr lang="zh-CN" altLang="en-US" sz="2400" dirty="0"/>
+          </a:p>
+        </p:txBody>
+      </p:sp>
+      <p:sp>
+        <p:nvSpPr>
+          <p:cNvPr id="17" name="文本框 16"/>
+          <p:cNvSpPr txBox="1"/>
+          <p:nvPr/>
+        </p:nvSpPr>
+        <p:spPr>
+          <a:xfrm>
+            <a:off x="4746855" y="4717385"/>
+            <a:ext cx="1928797" cy="461665"/>
+          </a:xfrm>
+          <a:prstGeom prst="rect">
+            <a:avLst/>
+          </a:prstGeom>
+          <a:noFill/>
+        </p:spPr>
+        <p:txBody>
+          <a:bodyPr wrap="square" rtlCol="0">
+            <a:spAutoFit/>
+          </a:bodyPr>
+          <a:lstStyle/>
+          <a:p>
+            <a:r>
+              <a:rPr lang="en-US" altLang="zh-CN" sz="2400" dirty="0" smtClean="0"/>
+              <a:t>(60,10)</a:t>
+            </a:r>
+            <a:endParaRPr lang="zh-CN" altLang="en-US" sz="2400" dirty="0"/>
           </a:p>
         </p:txBody>
       </p:sp>
@@ -3614,7 +4222,7 @@
         <p:spPr>
           <a:xfrm>
             <a:off x="827584" y="438759"/>
-            <a:ext cx="7776864" cy="2308324"/>
+            <a:ext cx="7776864" cy="4524315"/>
           </a:xfrm>
           <a:prstGeom prst="rect">
             <a:avLst/>
@@ -3675,69 +4283,17 @@
               </a:lnSpc>
             </a:pPr>
             <a:r>
-              <a:rPr lang="en-US" altLang="zh-CN" sz="2400" dirty="0" smtClean="0">
-                <a:solidFill>
-                  <a:schemeClr val="tx1">
-                    <a:lumMod val="75000"/>
-                    <a:lumOff val="25000"/>
-                  </a:schemeClr>
-                </a:solidFill>
-                <a:latin typeface="微软雅黑" pitchFamily="34" charset="-122"/>
-                <a:ea typeface="微软雅黑" pitchFamily="34" charset="-122"/>
-              </a:rPr>
-              <a:t>&lt;</a:t>
-            </a:r>
-            <a:r>
-              <a:rPr lang="en-US" altLang="zh-CN" sz="2400" dirty="0" err="1" smtClean="0">
-                <a:solidFill>
-                  <a:schemeClr val="tx1">
-                    <a:lumMod val="75000"/>
-                    <a:lumOff val="25000"/>
-                  </a:schemeClr>
-                </a:solidFill>
-                <a:latin typeface="微软雅黑" pitchFamily="34" charset="-122"/>
-                <a:ea typeface="微软雅黑" pitchFamily="34" charset="-122"/>
-              </a:rPr>
-              <a:t>defs</a:t>
-            </a:r>
-            <a:r>
-              <a:rPr lang="en-US" altLang="zh-CN" sz="2400" dirty="0" smtClean="0">
-                <a:solidFill>
-                  <a:schemeClr val="tx1">
-                    <a:lumMod val="75000"/>
-                    <a:lumOff val="25000"/>
-                  </a:schemeClr>
-                </a:solidFill>
-                <a:latin typeface="微软雅黑" pitchFamily="34" charset="-122"/>
-                <a:ea typeface="微软雅黑" pitchFamily="34" charset="-122"/>
-              </a:rPr>
-              <a:t>&gt;&lt;/</a:t>
-            </a:r>
-            <a:r>
-              <a:rPr lang="en-US" altLang="zh-CN" sz="2400" dirty="0" err="1" smtClean="0">
-                <a:solidFill>
-                  <a:schemeClr val="tx1">
-                    <a:lumMod val="75000"/>
-                    <a:lumOff val="25000"/>
-                  </a:schemeClr>
-                </a:solidFill>
-                <a:latin typeface="微软雅黑" pitchFamily="34" charset="-122"/>
-                <a:ea typeface="微软雅黑" pitchFamily="34" charset="-122"/>
-              </a:rPr>
-              <a:t>defs</a:t>
-            </a:r>
-            <a:r>
-              <a:rPr lang="en-US" altLang="zh-CN" sz="2400" dirty="0" smtClean="0">
-                <a:solidFill>
-                  <a:schemeClr val="tx1">
-                    <a:lumMod val="75000"/>
-                    <a:lumOff val="25000"/>
-                  </a:schemeClr>
-                </a:solidFill>
-                <a:latin typeface="微软雅黑" pitchFamily="34" charset="-122"/>
-                <a:ea typeface="微软雅黑" pitchFamily="34" charset="-122"/>
-              </a:rPr>
-              <a:t>&gt;</a:t>
+              <a:rPr lang="en-US" altLang="zh-CN" sz="2400" b="1" dirty="0" smtClean="0">
+                <a:solidFill>
+                  <a:schemeClr val="tx1">
+                    <a:lumMod val="75000"/>
+                    <a:lumOff val="25000"/>
+                  </a:schemeClr>
+                </a:solidFill>
+                <a:latin typeface="微软雅黑" pitchFamily="34" charset="-122"/>
+                <a:ea typeface="微软雅黑" pitchFamily="34" charset="-122"/>
+              </a:rPr>
+              <a:t>&lt;g&gt;&lt;/g&gt;</a:t>
             </a:r>
           </a:p>
           <a:p>
@@ -3757,8 +4313,109 @@
                 <a:latin typeface="微软雅黑" pitchFamily="34" charset="-122"/>
                 <a:ea typeface="微软雅黑" pitchFamily="34" charset="-122"/>
               </a:rPr>
-              <a:t>&lt;g&gt;&lt;/g&gt;</a:t>
-            </a:r>
+              <a:t>&lt;g&gt;</a:t>
+            </a:r>
+            <a:r>
+              <a:rPr lang="zh-CN" altLang="en-US" sz="2400" dirty="0" smtClean="0">
+                <a:solidFill>
+                  <a:schemeClr val="tx1">
+                    <a:lumMod val="75000"/>
+                    <a:lumOff val="25000"/>
+                  </a:schemeClr>
+                </a:solidFill>
+                <a:latin typeface="微软雅黑" pitchFamily="34" charset="-122"/>
+                <a:ea typeface="微软雅黑" pitchFamily="34" charset="-122"/>
+              </a:rPr>
+              <a:t>元素会将所有子元素作为一个组合，通常还会有一个</a:t>
+            </a:r>
+            <a:r>
+              <a:rPr lang="en-US" altLang="zh-CN" sz="2400" dirty="0" smtClean="0">
+                <a:solidFill>
+                  <a:schemeClr val="tx1">
+                    <a:lumMod val="75000"/>
+                    <a:lumOff val="25000"/>
+                  </a:schemeClr>
+                </a:solidFill>
+                <a:latin typeface="微软雅黑" pitchFamily="34" charset="-122"/>
+                <a:ea typeface="微软雅黑" pitchFamily="34" charset="-122"/>
+              </a:rPr>
+              <a:t>id</a:t>
+            </a:r>
+            <a:r>
+              <a:rPr lang="zh-CN" altLang="en-US" sz="2400" dirty="0" smtClean="0">
+                <a:solidFill>
+                  <a:schemeClr val="tx1">
+                    <a:lumMod val="75000"/>
+                    <a:lumOff val="25000"/>
+                  </a:schemeClr>
+                </a:solidFill>
+                <a:latin typeface="微软雅黑" pitchFamily="34" charset="-122"/>
+                <a:ea typeface="微软雅黑" pitchFamily="34" charset="-122"/>
+              </a:rPr>
+              <a:t>用于标识。同时在</a:t>
+            </a:r>
+            <a:r>
+              <a:rPr lang="en-US" altLang="zh-CN" sz="2400" dirty="0" smtClean="0">
+                <a:solidFill>
+                  <a:schemeClr val="tx1">
+                    <a:lumMod val="75000"/>
+                    <a:lumOff val="25000"/>
+                  </a:schemeClr>
+                </a:solidFill>
+                <a:latin typeface="微软雅黑" pitchFamily="34" charset="-122"/>
+                <a:ea typeface="微软雅黑" pitchFamily="34" charset="-122"/>
+              </a:rPr>
+              <a:t>&lt;g&gt;</a:t>
+            </a:r>
+            <a:r>
+              <a:rPr lang="zh-CN" altLang="en-US" sz="2400" dirty="0" smtClean="0">
+                <a:solidFill>
+                  <a:schemeClr val="tx1">
+                    <a:lumMod val="75000"/>
+                    <a:lumOff val="25000"/>
+                  </a:schemeClr>
+                </a:solidFill>
+                <a:latin typeface="微软雅黑" pitchFamily="34" charset="-122"/>
+                <a:ea typeface="微软雅黑" pitchFamily="34" charset="-122"/>
+              </a:rPr>
+              <a:t>标签中设置的所有样式，会应用于组合内的所有子元素。</a:t>
+            </a:r>
+            <a:r>
+              <a:rPr lang="en-US" altLang="zh-CN" sz="2400" dirty="0" smtClean="0">
+                <a:solidFill>
+                  <a:schemeClr val="tx1">
+                    <a:lumMod val="75000"/>
+                    <a:lumOff val="25000"/>
+                  </a:schemeClr>
+                </a:solidFill>
+                <a:latin typeface="微软雅黑" pitchFamily="34" charset="-122"/>
+                <a:ea typeface="微软雅黑" pitchFamily="34" charset="-122"/>
+              </a:rPr>
+              <a:t>&lt;g&gt;</a:t>
+            </a:r>
+            <a:r>
+              <a:rPr lang="zh-CN" altLang="en-US" sz="2400" dirty="0" smtClean="0">
+                <a:solidFill>
+                  <a:schemeClr val="tx1">
+                    <a:lumMod val="75000"/>
+                    <a:lumOff val="25000"/>
+                  </a:schemeClr>
+                </a:solidFill>
+                <a:latin typeface="微软雅黑" pitchFamily="34" charset="-122"/>
+                <a:ea typeface="微软雅黑" pitchFamily="34" charset="-122"/>
+              </a:rPr>
+              <a:t>元素是可以嵌套的。</a:t>
+            </a:r>
+            <a:endParaRPr lang="en-US" altLang="zh-CN" sz="2400" dirty="0" smtClean="0">
+              <a:solidFill>
+                <a:schemeClr val="tx1">
+                  <a:lumMod val="75000"/>
+                  <a:lumOff val="25000"/>
+                </a:schemeClr>
+              </a:solidFill>
+              <a:latin typeface="微软雅黑" pitchFamily="34" charset="-122"/>
+              <a:ea typeface="微软雅黑" pitchFamily="34" charset="-122"/>
+            </a:endParaRPr>
           </a:p>
           <a:p>
             <a:pPr>
@@ -3777,8 +4434,135 @@
                 <a:latin typeface="微软雅黑" pitchFamily="34" charset="-122"/>
                 <a:ea typeface="微软雅黑" pitchFamily="34" charset="-122"/>
               </a:rPr>
-              <a:t>&lt;use/&gt;</a:t>
-            </a:r>
+              <a:t>&lt;g&gt;</a:t>
+            </a:r>
+            <a:r>
+              <a:rPr lang="zh-CN" altLang="en-US" sz="2400" dirty="0" smtClean="0">
+                <a:solidFill>
+                  <a:schemeClr val="tx1">
+                    <a:lumMod val="75000"/>
+                    <a:lumOff val="25000"/>
+                  </a:schemeClr>
+                </a:solidFill>
+                <a:latin typeface="微软雅黑" pitchFamily="34" charset="-122"/>
+                <a:ea typeface="微软雅黑" pitchFamily="34" charset="-122"/>
+              </a:rPr>
+              <a:t>元素中可以添加</a:t>
+            </a:r>
+            <a:r>
+              <a:rPr lang="en-US" altLang="zh-CN" sz="2400" dirty="0" smtClean="0">
+                <a:solidFill>
+                  <a:schemeClr val="tx1">
+                    <a:lumMod val="75000"/>
+                    <a:lumOff val="25000"/>
+                  </a:schemeClr>
+                </a:solidFill>
+                <a:latin typeface="微软雅黑" pitchFamily="34" charset="-122"/>
+                <a:ea typeface="微软雅黑" pitchFamily="34" charset="-122"/>
+              </a:rPr>
+              <a:t>&lt;title&gt;</a:t>
+            </a:r>
+            <a:r>
+              <a:rPr lang="zh-CN" altLang="en-US" sz="2400" dirty="0" smtClean="0">
+                <a:solidFill>
+                  <a:schemeClr val="tx1">
+                    <a:lumMod val="75000"/>
+                    <a:lumOff val="25000"/>
+                  </a:schemeClr>
+                </a:solidFill>
+                <a:latin typeface="微软雅黑" pitchFamily="34" charset="-122"/>
+                <a:ea typeface="微软雅黑" pitchFamily="34" charset="-122"/>
+              </a:rPr>
+              <a:t>和</a:t>
+            </a:r>
+            <a:r>
+              <a:rPr lang="en-US" altLang="zh-CN" sz="2400" dirty="0">
+                <a:solidFill>
+                  <a:schemeClr val="tx1">
+                    <a:lumMod val="75000"/>
+                    <a:lumOff val="25000"/>
+                  </a:schemeClr>
+                </a:solidFill>
+                <a:latin typeface="微软雅黑" pitchFamily="34" charset="-122"/>
+                <a:ea typeface="微软雅黑" pitchFamily="34" charset="-122"/>
+              </a:rPr>
+              <a:t>&lt;</a:t>
+            </a:r>
+            <a:r>
+              <a:rPr lang="en-US" altLang="zh-CN" sz="2400" dirty="0" err="1" smtClean="0">
+                <a:solidFill>
+                  <a:schemeClr val="tx1">
+                    <a:lumMod val="75000"/>
+                    <a:lumOff val="25000"/>
+                  </a:schemeClr>
+                </a:solidFill>
+                <a:latin typeface="微软雅黑" pitchFamily="34" charset="-122"/>
+                <a:ea typeface="微软雅黑" pitchFamily="34" charset="-122"/>
+              </a:rPr>
+              <a:t>desc</a:t>
+            </a:r>
+            <a:r>
+              <a:rPr lang="en-US" altLang="zh-CN" sz="2400" dirty="0" smtClean="0">
+                <a:solidFill>
+                  <a:schemeClr val="tx1">
+                    <a:lumMod val="75000"/>
+                    <a:lumOff val="25000"/>
+                  </a:schemeClr>
+                </a:solidFill>
+                <a:latin typeface="微软雅黑" pitchFamily="34" charset="-122"/>
+                <a:ea typeface="微软雅黑" pitchFamily="34" charset="-122"/>
+              </a:rPr>
+              <a:t>&gt;</a:t>
+            </a:r>
+            <a:r>
+              <a:rPr lang="zh-CN" altLang="en-US" sz="2400" dirty="0" smtClean="0">
+                <a:solidFill>
+                  <a:schemeClr val="tx1">
+                    <a:lumMod val="75000"/>
+                    <a:lumOff val="25000"/>
+                  </a:schemeClr>
+                </a:solidFill>
+                <a:latin typeface="微软雅黑" pitchFamily="34" charset="-122"/>
+                <a:ea typeface="微软雅黑" pitchFamily="34" charset="-122"/>
+              </a:rPr>
+              <a:t>标签用于基于</a:t>
+            </a:r>
+            <a:r>
+              <a:rPr lang="en-US" altLang="zh-CN" sz="2400" dirty="0" smtClean="0">
+                <a:solidFill>
+                  <a:schemeClr val="tx1">
+                    <a:lumMod val="75000"/>
+                    <a:lumOff val="25000"/>
+                  </a:schemeClr>
+                </a:solidFill>
+                <a:latin typeface="微软雅黑" pitchFamily="34" charset="-122"/>
+                <a:ea typeface="微软雅黑" pitchFamily="34" charset="-122"/>
+              </a:rPr>
+              <a:t>XML</a:t>
+            </a:r>
+            <a:r>
+              <a:rPr lang="zh-CN" altLang="en-US" sz="2400" dirty="0" smtClean="0">
+                <a:solidFill>
+                  <a:schemeClr val="tx1">
+                    <a:lumMod val="75000"/>
+                    <a:lumOff val="25000"/>
+                  </a:schemeClr>
+                </a:solidFill>
+                <a:latin typeface="微软雅黑" pitchFamily="34" charset="-122"/>
+                <a:ea typeface="微软雅黑" pitchFamily="34" charset="-122"/>
+              </a:rPr>
+              <a:t>的应用程序识别，或为有视觉障碍的用户提供可访问性。</a:t>
+            </a:r>
+            <a:endParaRPr lang="en-US" altLang="zh-CN" sz="2400" dirty="0" smtClean="0">
+              <a:solidFill>
+                <a:schemeClr val="tx1">
+                  <a:lumMod val="75000"/>
+                  <a:lumOff val="25000"/>
+                </a:schemeClr>
+              </a:solidFill>
+              <a:latin typeface="微软雅黑" pitchFamily="34" charset="-122"/>
+              <a:ea typeface="微软雅黑" pitchFamily="34" charset="-122"/>
+            </a:endParaRPr>
           </a:p>
         </p:txBody>
       </p:sp>
@@ -3796,6 +4580,588 @@
 </file>
 
 <file path=ppt/slides/slide12.xml><?xml version="1.0" encoding="utf-8"?>
+<p:sld xmlns:a="http://schemas.openxmlformats.org/drawingml/2006/main" xmlns:r="http://schemas.openxmlformats.org/officeDocument/2006/relationships" xmlns:p="http://schemas.openxmlformats.org/presentationml/2006/main">
+  <p:cSld>
+    <p:spTree>
+      <p:nvGrpSpPr>
+        <p:cNvPr id="1" name=""/>
+        <p:cNvGrpSpPr/>
+        <p:nvPr/>
+      </p:nvGrpSpPr>
+      <p:grpSpPr>
+        <a:xfrm>
+          <a:off x="0" y="0"/>
+          <a:ext cx="0" cy="0"/>
+          <a:chOff x="0" y="0"/>
+          <a:chExt cx="0" cy="0"/>
+        </a:xfrm>
+      </p:grpSpPr>
+      <p:sp>
+        <p:nvSpPr>
+          <p:cNvPr id="2" name="矩形 1"/>
+          <p:cNvSpPr/>
+          <p:nvPr/>
+        </p:nvSpPr>
+        <p:spPr>
+          <a:xfrm>
+            <a:off x="827584" y="438759"/>
+            <a:ext cx="7776864" cy="5632311"/>
+          </a:xfrm>
+          <a:prstGeom prst="rect">
+            <a:avLst/>
+          </a:prstGeom>
+        </p:spPr>
+        <p:txBody>
+          <a:bodyPr wrap="square">
+            <a:spAutoFit/>
+          </a:bodyPr>
+          <a:lstStyle/>
+          <a:p>
+            <a:pPr>
+              <a:lnSpc>
+                <a:spcPct val="150000"/>
+              </a:lnSpc>
+            </a:pPr>
+            <a:r>
+              <a:rPr lang="en-US" altLang="zh-CN" sz="2400" b="1" dirty="0" smtClean="0">
+                <a:solidFill>
+                  <a:schemeClr val="tx1">
+                    <a:lumMod val="75000"/>
+                    <a:lumOff val="25000"/>
+                  </a:schemeClr>
+                </a:solidFill>
+                <a:latin typeface="微软雅黑" pitchFamily="34" charset="-122"/>
+                <a:ea typeface="微软雅黑" pitchFamily="34" charset="-122"/>
+              </a:rPr>
+              <a:t>&lt;</a:t>
+            </a:r>
+            <a:r>
+              <a:rPr lang="en-US" altLang="zh-CN" sz="2400" b="1" dirty="0" err="1">
+                <a:solidFill>
+                  <a:schemeClr val="tx1">
+                    <a:lumMod val="75000"/>
+                    <a:lumOff val="25000"/>
+                  </a:schemeClr>
+                </a:solidFill>
+                <a:latin typeface="微软雅黑" pitchFamily="34" charset="-122"/>
+                <a:ea typeface="微软雅黑" pitchFamily="34" charset="-122"/>
+              </a:rPr>
+              <a:t>defs</a:t>
+            </a:r>
+            <a:r>
+              <a:rPr lang="en-US" altLang="zh-CN" sz="2400" b="1" dirty="0">
+                <a:solidFill>
+                  <a:schemeClr val="tx1">
+                    <a:lumMod val="75000"/>
+                    <a:lumOff val="25000"/>
+                  </a:schemeClr>
+                </a:solidFill>
+                <a:latin typeface="微软雅黑" pitchFamily="34" charset="-122"/>
+                <a:ea typeface="微软雅黑" pitchFamily="34" charset="-122"/>
+              </a:rPr>
+              <a:t>&gt;&lt;/</a:t>
+            </a:r>
+            <a:r>
+              <a:rPr lang="en-US" altLang="zh-CN" sz="2400" b="1" dirty="0" err="1">
+                <a:solidFill>
+                  <a:schemeClr val="tx1">
+                    <a:lumMod val="75000"/>
+                    <a:lumOff val="25000"/>
+                  </a:schemeClr>
+                </a:solidFill>
+                <a:latin typeface="微软雅黑" pitchFamily="34" charset="-122"/>
+                <a:ea typeface="微软雅黑" pitchFamily="34" charset="-122"/>
+              </a:rPr>
+              <a:t>defs</a:t>
+            </a:r>
+            <a:r>
+              <a:rPr lang="en-US" altLang="zh-CN" sz="2400" b="1" dirty="0">
+                <a:solidFill>
+                  <a:schemeClr val="tx1">
+                    <a:lumMod val="75000"/>
+                    <a:lumOff val="25000"/>
+                  </a:schemeClr>
+                </a:solidFill>
+                <a:latin typeface="微软雅黑" pitchFamily="34" charset="-122"/>
+                <a:ea typeface="微软雅黑" pitchFamily="34" charset="-122"/>
+              </a:rPr>
+              <a:t>&gt;</a:t>
+            </a:r>
+          </a:p>
+          <a:p>
+            <a:pPr>
+              <a:lnSpc>
+                <a:spcPct val="150000"/>
+              </a:lnSpc>
+            </a:pPr>
+            <a:r>
+              <a:rPr lang="zh-CN" altLang="en-US" sz="2400" dirty="0" smtClean="0">
+                <a:solidFill>
+                  <a:schemeClr val="tx1">
+                    <a:lumMod val="75000"/>
+                    <a:lumOff val="25000"/>
+                  </a:schemeClr>
+                </a:solidFill>
+                <a:latin typeface="微软雅黑" pitchFamily="34" charset="-122"/>
+                <a:ea typeface="微软雅黑" pitchFamily="34" charset="-122"/>
+              </a:rPr>
+              <a:t>标签之间定义</a:t>
+            </a:r>
+            <a:r>
+              <a:rPr lang="en-US" altLang="zh-CN" sz="2400" dirty="0" smtClean="0">
+                <a:solidFill>
+                  <a:schemeClr val="tx1">
+                    <a:lumMod val="75000"/>
+                    <a:lumOff val="25000"/>
+                  </a:schemeClr>
+                </a:solidFill>
+                <a:latin typeface="微软雅黑" pitchFamily="34" charset="-122"/>
+                <a:ea typeface="微软雅黑" pitchFamily="34" charset="-122"/>
+              </a:rPr>
+              <a:t>SVG</a:t>
+            </a:r>
+            <a:r>
+              <a:rPr lang="zh-CN" altLang="en-US" sz="2400" dirty="0" smtClean="0">
+                <a:solidFill>
+                  <a:schemeClr val="tx1">
+                    <a:lumMod val="75000"/>
+                    <a:lumOff val="25000"/>
+                  </a:schemeClr>
+                </a:solidFill>
+                <a:latin typeface="微软雅黑" pitchFamily="34" charset="-122"/>
+                <a:ea typeface="微软雅黑" pitchFamily="34" charset="-122"/>
+              </a:rPr>
+              <a:t>的元素，并且告诉</a:t>
+            </a:r>
+            <a:r>
+              <a:rPr lang="en-US" altLang="zh-CN" sz="2400" dirty="0" smtClean="0">
+                <a:solidFill>
+                  <a:schemeClr val="tx1">
+                    <a:lumMod val="75000"/>
+                    <a:lumOff val="25000"/>
+                  </a:schemeClr>
+                </a:solidFill>
+                <a:latin typeface="微软雅黑" pitchFamily="34" charset="-122"/>
+                <a:ea typeface="微软雅黑" pitchFamily="34" charset="-122"/>
+              </a:rPr>
+              <a:t>SVG</a:t>
+            </a:r>
+            <a:r>
+              <a:rPr lang="zh-CN" altLang="en-US" sz="2400" dirty="0" smtClean="0">
+                <a:solidFill>
+                  <a:schemeClr val="tx1">
+                    <a:lumMod val="75000"/>
+                    <a:lumOff val="25000"/>
+                  </a:schemeClr>
+                </a:solidFill>
+                <a:latin typeface="微软雅黑" pitchFamily="34" charset="-122"/>
+                <a:ea typeface="微软雅黑" pitchFamily="34" charset="-122"/>
+              </a:rPr>
+              <a:t>只定义，不显示，一般想要复用的元素都会定义在</a:t>
+            </a:r>
+            <a:r>
+              <a:rPr lang="en-US" altLang="zh-CN" sz="2400" dirty="0" err="1" smtClean="0">
+                <a:solidFill>
+                  <a:schemeClr val="tx1">
+                    <a:lumMod val="75000"/>
+                    <a:lumOff val="25000"/>
+                  </a:schemeClr>
+                </a:solidFill>
+                <a:latin typeface="微软雅黑" pitchFamily="34" charset="-122"/>
+                <a:ea typeface="微软雅黑" pitchFamily="34" charset="-122"/>
+              </a:rPr>
+              <a:t>svg</a:t>
+            </a:r>
+            <a:r>
+              <a:rPr lang="zh-CN" altLang="en-US" sz="2400" dirty="0" smtClean="0">
+                <a:solidFill>
+                  <a:schemeClr val="tx1">
+                    <a:lumMod val="75000"/>
+                    <a:lumOff val="25000"/>
+                  </a:schemeClr>
+                </a:solidFill>
+                <a:latin typeface="微软雅黑" pitchFamily="34" charset="-122"/>
+                <a:ea typeface="微软雅黑" pitchFamily="34" charset="-122"/>
+              </a:rPr>
+              <a:t>中，</a:t>
+            </a:r>
+            <a:r>
+              <a:rPr lang="en-US" altLang="zh-CN" sz="2400" dirty="0" smtClean="0">
+                <a:solidFill>
+                  <a:schemeClr val="tx1">
+                    <a:lumMod val="75000"/>
+                    <a:lumOff val="25000"/>
+                  </a:schemeClr>
+                </a:solidFill>
+                <a:latin typeface="微软雅黑" pitchFamily="34" charset="-122"/>
+                <a:ea typeface="微软雅黑" pitchFamily="34" charset="-122"/>
+              </a:rPr>
+              <a:t>&lt;</a:t>
+            </a:r>
+            <a:r>
+              <a:rPr lang="en-US" altLang="zh-CN" sz="2400" dirty="0" err="1" smtClean="0">
+                <a:solidFill>
+                  <a:schemeClr val="tx1">
+                    <a:lumMod val="75000"/>
+                    <a:lumOff val="25000"/>
+                  </a:schemeClr>
+                </a:solidFill>
+                <a:latin typeface="微软雅黑" pitchFamily="34" charset="-122"/>
+                <a:ea typeface="微软雅黑" pitchFamily="34" charset="-122"/>
+              </a:rPr>
+              <a:t>defs</a:t>
+            </a:r>
+            <a:r>
+              <a:rPr lang="en-US" altLang="zh-CN" sz="2400" dirty="0" smtClean="0">
+                <a:solidFill>
+                  <a:schemeClr val="tx1">
+                    <a:lumMod val="75000"/>
+                    <a:lumOff val="25000"/>
+                  </a:schemeClr>
+                </a:solidFill>
+                <a:latin typeface="微软雅黑" pitchFamily="34" charset="-122"/>
+                <a:ea typeface="微软雅黑" pitchFamily="34" charset="-122"/>
+              </a:rPr>
+              <a:t>&gt;</a:t>
+            </a:r>
+            <a:r>
+              <a:rPr lang="zh-CN" altLang="en-US" sz="2400" dirty="0" smtClean="0">
+                <a:solidFill>
+                  <a:schemeClr val="tx1">
+                    <a:lumMod val="75000"/>
+                    <a:lumOff val="25000"/>
+                  </a:schemeClr>
+                </a:solidFill>
+                <a:latin typeface="微软雅黑" pitchFamily="34" charset="-122"/>
+                <a:ea typeface="微软雅黑" pitchFamily="34" charset="-122"/>
+              </a:rPr>
+              <a:t>标签中的元素会作为模板供其他地方使用。</a:t>
+            </a:r>
+            <a:endParaRPr lang="en-US" altLang="zh-CN" sz="2400" dirty="0" smtClean="0">
+              <a:solidFill>
+                <a:schemeClr val="tx1">
+                  <a:lumMod val="75000"/>
+                  <a:lumOff val="25000"/>
+                </a:schemeClr>
+              </a:solidFill>
+              <a:latin typeface="微软雅黑" pitchFamily="34" charset="-122"/>
+              <a:ea typeface="微软雅黑" pitchFamily="34" charset="-122"/>
+            </a:endParaRPr>
+          </a:p>
+          <a:p>
+            <a:pPr>
+              <a:lnSpc>
+                <a:spcPct val="150000"/>
+              </a:lnSpc>
+            </a:pPr>
+            <a:r>
+              <a:rPr lang="en-US" altLang="zh-CN" sz="2400" b="1" dirty="0" smtClean="0">
+                <a:solidFill>
+                  <a:schemeClr val="tx1">
+                    <a:lumMod val="75000"/>
+                    <a:lumOff val="25000"/>
+                  </a:schemeClr>
+                </a:solidFill>
+                <a:latin typeface="微软雅黑" pitchFamily="34" charset="-122"/>
+                <a:ea typeface="微软雅黑" pitchFamily="34" charset="-122"/>
+              </a:rPr>
+              <a:t>&lt;use/&gt;</a:t>
+            </a:r>
+          </a:p>
+          <a:p>
+            <a:pPr>
+              <a:lnSpc>
+                <a:spcPct val="150000"/>
+              </a:lnSpc>
+            </a:pPr>
+            <a:r>
+              <a:rPr lang="en-US" altLang="zh-CN" sz="2400" dirty="0" smtClean="0">
+                <a:solidFill>
+                  <a:schemeClr val="tx1">
+                    <a:lumMod val="75000"/>
+                    <a:lumOff val="25000"/>
+                  </a:schemeClr>
+                </a:solidFill>
+                <a:latin typeface="微软雅黑" pitchFamily="34" charset="-122"/>
+                <a:ea typeface="微软雅黑" pitchFamily="34" charset="-122"/>
+              </a:rPr>
+              <a:t>&lt;use/&gt;</a:t>
+            </a:r>
+            <a:r>
+              <a:rPr lang="zh-CN" altLang="en-US" sz="2400" dirty="0" smtClean="0">
+                <a:solidFill>
+                  <a:schemeClr val="tx1">
+                    <a:lumMod val="75000"/>
+                    <a:lumOff val="25000"/>
+                  </a:schemeClr>
+                </a:solidFill>
+                <a:latin typeface="微软雅黑" pitchFamily="34" charset="-122"/>
+                <a:ea typeface="微软雅黑" pitchFamily="34" charset="-122"/>
+              </a:rPr>
+              <a:t>元素可以复用提前定义好的元素，或者元素组合，给</a:t>
+            </a:r>
+            <a:r>
+              <a:rPr lang="en-US" altLang="zh-CN" sz="2400" dirty="0" smtClean="0">
+                <a:solidFill>
+                  <a:schemeClr val="tx1">
+                    <a:lumMod val="75000"/>
+                    <a:lumOff val="25000"/>
+                  </a:schemeClr>
+                </a:solidFill>
+                <a:latin typeface="微软雅黑" pitchFamily="34" charset="-122"/>
+                <a:ea typeface="微软雅黑" pitchFamily="34" charset="-122"/>
+              </a:rPr>
+              <a:t>use</a:t>
+            </a:r>
+            <a:r>
+              <a:rPr lang="zh-CN" altLang="en-US" sz="2400" dirty="0" smtClean="0">
+                <a:solidFill>
+                  <a:schemeClr val="tx1">
+                    <a:lumMod val="75000"/>
+                    <a:lumOff val="25000"/>
+                  </a:schemeClr>
+                </a:solidFill>
+                <a:latin typeface="微软雅黑" pitchFamily="34" charset="-122"/>
+                <a:ea typeface="微软雅黑" pitchFamily="34" charset="-122"/>
+              </a:rPr>
+              <a:t>元素的属性 </a:t>
+            </a:r>
+            <a:r>
+              <a:rPr lang="en-US" altLang="zh-CN" sz="2400" dirty="0" err="1" smtClean="0">
+                <a:solidFill>
+                  <a:schemeClr val="tx1">
+                    <a:lumMod val="75000"/>
+                    <a:lumOff val="25000"/>
+                  </a:schemeClr>
+                </a:solidFill>
+                <a:latin typeface="微软雅黑" pitchFamily="34" charset="-122"/>
+                <a:ea typeface="微软雅黑" pitchFamily="34" charset="-122"/>
+              </a:rPr>
+              <a:t>xlink:href</a:t>
+            </a:r>
+            <a:r>
+              <a:rPr lang="en-US" altLang="zh-CN" sz="2400" dirty="0" smtClean="0">
+                <a:solidFill>
+                  <a:schemeClr val="tx1">
+                    <a:lumMod val="75000"/>
+                    <a:lumOff val="25000"/>
+                  </a:schemeClr>
+                </a:solidFill>
+                <a:latin typeface="微软雅黑" pitchFamily="34" charset="-122"/>
+                <a:ea typeface="微软雅黑" pitchFamily="34" charset="-122"/>
+              </a:rPr>
+              <a:t> </a:t>
+            </a:r>
+            <a:r>
+              <a:rPr lang="zh-CN" altLang="en-US" sz="2400" dirty="0" smtClean="0">
+                <a:solidFill>
+                  <a:schemeClr val="tx1">
+                    <a:lumMod val="75000"/>
+                    <a:lumOff val="25000"/>
+                  </a:schemeClr>
+                </a:solidFill>
+                <a:latin typeface="微软雅黑" pitchFamily="34" charset="-122"/>
+                <a:ea typeface="微软雅黑" pitchFamily="34" charset="-122"/>
+              </a:rPr>
+              <a:t>指定</a:t>
+            </a:r>
+            <a:r>
+              <a:rPr lang="en-US" altLang="zh-CN" sz="2400" dirty="0" smtClean="0">
+                <a:solidFill>
+                  <a:schemeClr val="tx1">
+                    <a:lumMod val="75000"/>
+                    <a:lumOff val="25000"/>
+                  </a:schemeClr>
+                </a:solidFill>
+                <a:latin typeface="微软雅黑" pitchFamily="34" charset="-122"/>
+                <a:ea typeface="微软雅黑" pitchFamily="34" charset="-122"/>
+              </a:rPr>
+              <a:t>URI</a:t>
+            </a:r>
+            <a:r>
+              <a:rPr lang="zh-CN" altLang="en-US" sz="2400" dirty="0" smtClean="0">
+                <a:solidFill>
+                  <a:schemeClr val="tx1">
+                    <a:lumMod val="75000"/>
+                    <a:lumOff val="25000"/>
+                  </a:schemeClr>
+                </a:solidFill>
+                <a:latin typeface="微软雅黑" pitchFamily="34" charset="-122"/>
+                <a:ea typeface="微软雅黑" pitchFamily="34" charset="-122"/>
+              </a:rPr>
+              <a:t>，可以是之前定义好的元素</a:t>
+            </a:r>
+            <a:r>
+              <a:rPr lang="en-US" altLang="zh-CN" sz="2400" dirty="0" smtClean="0">
+                <a:solidFill>
+                  <a:schemeClr val="tx1">
+                    <a:lumMod val="75000"/>
+                    <a:lumOff val="25000"/>
+                  </a:schemeClr>
+                </a:solidFill>
+                <a:latin typeface="微软雅黑" pitchFamily="34" charset="-122"/>
+                <a:ea typeface="微软雅黑" pitchFamily="34" charset="-122"/>
+              </a:rPr>
+              <a:t>ID</a:t>
+            </a:r>
+            <a:r>
+              <a:rPr lang="zh-CN" altLang="en-US" sz="2400" dirty="0" smtClean="0">
+                <a:solidFill>
+                  <a:schemeClr val="tx1">
+                    <a:lumMod val="75000"/>
+                    <a:lumOff val="25000"/>
+                  </a:schemeClr>
+                </a:solidFill>
+                <a:latin typeface="微软雅黑" pitchFamily="34" charset="-122"/>
+                <a:ea typeface="微软雅黑" pitchFamily="34" charset="-122"/>
+              </a:rPr>
+              <a:t>。</a:t>
+            </a:r>
+            <a:endParaRPr lang="en-US" altLang="zh-CN" sz="2400" dirty="0" smtClean="0">
+              <a:solidFill>
+                <a:schemeClr val="tx1">
+                  <a:lumMod val="75000"/>
+                  <a:lumOff val="25000"/>
+                </a:schemeClr>
+              </a:solidFill>
+              <a:latin typeface="微软雅黑" pitchFamily="34" charset="-122"/>
+              <a:ea typeface="微软雅黑" pitchFamily="34" charset="-122"/>
+            </a:endParaRPr>
+          </a:p>
+          <a:p>
+            <a:pPr>
+              <a:lnSpc>
+                <a:spcPct val="150000"/>
+              </a:lnSpc>
+            </a:pPr>
+            <a:r>
+              <a:rPr lang="en-US" altLang="zh-CN" sz="2400" dirty="0" smtClean="0">
+                <a:solidFill>
+                  <a:schemeClr val="tx1">
+                    <a:lumMod val="75000"/>
+                    <a:lumOff val="25000"/>
+                  </a:schemeClr>
+                </a:solidFill>
+                <a:latin typeface="微软雅黑" pitchFamily="34" charset="-122"/>
+                <a:ea typeface="微软雅黑" pitchFamily="34" charset="-122"/>
+              </a:rPr>
+              <a:t>&lt;use </a:t>
+            </a:r>
+            <a:r>
+              <a:rPr lang="en-US" altLang="zh-CN" sz="2400" dirty="0" err="1" smtClean="0">
+                <a:solidFill>
+                  <a:schemeClr val="tx1">
+                    <a:lumMod val="75000"/>
+                    <a:lumOff val="25000"/>
+                  </a:schemeClr>
+                </a:solidFill>
+                <a:latin typeface="微软雅黑" pitchFamily="34" charset="-122"/>
+                <a:ea typeface="微软雅黑" pitchFamily="34" charset="-122"/>
+              </a:rPr>
+              <a:t>xlink:href</a:t>
+            </a:r>
+            <a:r>
+              <a:rPr lang="en-US" altLang="zh-CN" sz="2400" dirty="0" smtClean="0">
+                <a:solidFill>
+                  <a:schemeClr val="tx1">
+                    <a:lumMod val="75000"/>
+                    <a:lumOff val="25000"/>
+                  </a:schemeClr>
+                </a:solidFill>
+                <a:latin typeface="微软雅黑" pitchFamily="34" charset="-122"/>
+                <a:ea typeface="微软雅黑" pitchFamily="34" charset="-122"/>
+              </a:rPr>
+              <a:t>=“#apple” x=“90” y=“100”/&gt;</a:t>
+            </a:r>
+          </a:p>
+          <a:p>
+            <a:pPr>
+              <a:lnSpc>
+                <a:spcPct val="150000"/>
+              </a:lnSpc>
+            </a:pPr>
+            <a:r>
+              <a:rPr lang="en-US" altLang="zh-CN" sz="2400" dirty="0" smtClean="0">
+                <a:solidFill>
+                  <a:schemeClr val="tx1">
+                    <a:lumMod val="75000"/>
+                    <a:lumOff val="25000"/>
+                  </a:schemeClr>
+                </a:solidFill>
+                <a:latin typeface="微软雅黑" pitchFamily="34" charset="-122"/>
+                <a:ea typeface="微软雅黑" pitchFamily="34" charset="-122"/>
+              </a:rPr>
+              <a:t>&lt;use </a:t>
+            </a:r>
+            <a:r>
+              <a:rPr lang="en-US" altLang="zh-CN" sz="2400" dirty="0" err="1" smtClean="0">
+                <a:solidFill>
+                  <a:schemeClr val="tx1">
+                    <a:lumMod val="75000"/>
+                    <a:lumOff val="25000"/>
+                  </a:schemeClr>
+                </a:solidFill>
+                <a:latin typeface="微软雅黑" pitchFamily="34" charset="-122"/>
+                <a:ea typeface="微软雅黑" pitchFamily="34" charset="-122"/>
+              </a:rPr>
+              <a:t>xlink:href</a:t>
+            </a:r>
+            <a:r>
+              <a:rPr lang="en-US" altLang="zh-CN" sz="2400" dirty="0" smtClean="0">
+                <a:solidFill>
+                  <a:schemeClr val="tx1">
+                    <a:lumMod val="75000"/>
+                    <a:lumOff val="25000"/>
+                  </a:schemeClr>
+                </a:solidFill>
+                <a:latin typeface="微软雅黑" pitchFamily="34" charset="-122"/>
+                <a:ea typeface="微软雅黑" pitchFamily="34" charset="-122"/>
+              </a:rPr>
+              <a:t>=“</a:t>
+            </a:r>
+            <a:r>
+              <a:rPr lang="en-US" altLang="zh-CN" sz="2400" dirty="0" err="1" smtClean="0">
+                <a:solidFill>
+                  <a:schemeClr val="tx1">
+                    <a:lumMod val="75000"/>
+                    <a:lumOff val="25000"/>
+                  </a:schemeClr>
+                </a:solidFill>
+                <a:latin typeface="微软雅黑" pitchFamily="34" charset="-122"/>
+                <a:ea typeface="微软雅黑" pitchFamily="34" charset="-122"/>
+              </a:rPr>
+              <a:t>animal.svg#tiger</a:t>
+            </a:r>
+            <a:r>
+              <a:rPr lang="en-US" altLang="zh-CN" sz="2400" dirty="0" smtClean="0">
+                <a:solidFill>
+                  <a:schemeClr val="tx1">
+                    <a:lumMod val="75000"/>
+                    <a:lumOff val="25000"/>
+                  </a:schemeClr>
+                </a:solidFill>
+                <a:latin typeface="微软雅黑" pitchFamily="34" charset="-122"/>
+                <a:ea typeface="微软雅黑" pitchFamily="34" charset="-122"/>
+              </a:rPr>
+              <a:t>”/&gt;</a:t>
+            </a:r>
+          </a:p>
+        </p:txBody>
+      </p:sp>
+    </p:spTree>
+    <p:extLst>
+      <p:ext uri="{BB962C8B-B14F-4D97-AF65-F5344CB8AC3E}">
+        <p14:creationId xmlns:p14="http://schemas.microsoft.com/office/powerpoint/2010/main" val="299365289"/>
+      </p:ext>
+    </p:extLst>
+  </p:cSld>
+  <p:clrMapOvr>
+    <a:masterClrMapping/>
+  </p:clrMapOvr>
+</p:sld>
+</file>
+
+<file path=ppt/slides/slide13.xml><?xml version="1.0" encoding="utf-8"?>
 <p:sld xmlns:a="http://schemas.openxmlformats.org/drawingml/2006/main" xmlns:r="http://schemas.openxmlformats.org/officeDocument/2006/relationships" xmlns:p="http://schemas.openxmlformats.org/presentationml/2006/main">
   <p:cSld>
     <p:spTree>
@@ -4088,7 +5454,7 @@
 </p:sld>
 </file>
 
-<file path=ppt/slides/slide13.xml><?xml version="1.0" encoding="utf-8"?>
+<file path=ppt/slides/slide14.xml><?xml version="1.0" encoding="utf-8"?>
 <p:sld xmlns:a="http://schemas.openxmlformats.org/drawingml/2006/main" xmlns:r="http://schemas.openxmlformats.org/officeDocument/2006/relationships" xmlns:p="http://schemas.openxmlformats.org/presentationml/2006/main">
   <p:cSld>
     <p:spTree>
@@ -4114,7 +5480,7 @@
         <p:spPr>
           <a:xfrm>
             <a:off x="827584" y="438759"/>
-            <a:ext cx="7776864" cy="3416320"/>
+            <a:ext cx="7776864" cy="3970318"/>
           </a:xfrm>
           <a:prstGeom prst="rect">
             <a:avLst/>
@@ -4142,7 +5508,7 @@
                 <a:latin typeface="微软雅黑" pitchFamily="34" charset="-122"/>
                 <a:ea typeface="微软雅黑" pitchFamily="34" charset="-122"/>
               </a:rPr>
-              <a:t>我们把路径放在</a:t>
+              <a:t>在</a:t>
             </a:r>
             <a:r>
               <a:rPr lang="en-US" altLang="zh-CN" sz="2400" dirty="0" smtClean="0">
@@ -4155,6 +5521,136 @@
                 <a:latin typeface="微软雅黑" pitchFamily="34" charset="-122"/>
                 <a:ea typeface="微软雅黑" pitchFamily="34" charset="-122"/>
               </a:rPr>
+              <a:t>AI</a:t>
+            </a:r>
+            <a:r>
+              <a:rPr lang="zh-CN" altLang="en-US" sz="2400" dirty="0" smtClean="0">
+                <a:solidFill>
+                  <a:schemeClr val="tx1">
+                    <a:lumMod val="75000"/>
+                    <a:lumOff val="25000"/>
+                  </a:schemeClr>
+                </a:solidFill>
+                <a:latin typeface="微软雅黑" pitchFamily="34" charset="-122"/>
+                <a:ea typeface="微软雅黑" pitchFamily="34" charset="-122"/>
+              </a:rPr>
+              <a:t>保存的</a:t>
+            </a:r>
+            <a:r>
+              <a:rPr lang="en-US" altLang="zh-CN" sz="2400" dirty="0" smtClean="0">
+                <a:solidFill>
+                  <a:schemeClr val="tx1">
+                    <a:lumMod val="75000"/>
+                    <a:lumOff val="25000"/>
+                  </a:schemeClr>
+                </a:solidFill>
+                <a:latin typeface="微软雅黑" pitchFamily="34" charset="-122"/>
+                <a:ea typeface="微软雅黑" pitchFamily="34" charset="-122"/>
+              </a:rPr>
+              <a:t>SVG</a:t>
+            </a:r>
+            <a:r>
+              <a:rPr lang="zh-CN" altLang="en-US" sz="2400" dirty="0" smtClean="0">
+                <a:solidFill>
+                  <a:schemeClr val="tx1">
+                    <a:lumMod val="75000"/>
+                    <a:lumOff val="25000"/>
+                  </a:schemeClr>
+                </a:solidFill>
+                <a:latin typeface="微软雅黑" pitchFamily="34" charset="-122"/>
+                <a:ea typeface="微软雅黑" pitchFamily="34" charset="-122"/>
+              </a:rPr>
+              <a:t>图中，有些并不</a:t>
+            </a:r>
+            <a:r>
+              <a:rPr lang="zh-CN" altLang="en-US" sz="2400" dirty="0">
+                <a:solidFill>
+                  <a:schemeClr val="tx1">
+                    <a:lumMod val="75000"/>
+                    <a:lumOff val="25000"/>
+                  </a:schemeClr>
+                </a:solidFill>
+                <a:latin typeface="微软雅黑" pitchFamily="34" charset="-122"/>
+                <a:ea typeface="微软雅黑" pitchFamily="34" charset="-122"/>
+              </a:rPr>
+              <a:t>需要的</a:t>
+            </a:r>
+            <a:r>
+              <a:rPr lang="en-US" altLang="zh-CN" sz="2400" dirty="0">
+                <a:solidFill>
+                  <a:schemeClr val="tx1">
+                    <a:lumMod val="75000"/>
+                    <a:lumOff val="25000"/>
+                  </a:schemeClr>
+                </a:solidFill>
+                <a:latin typeface="微软雅黑" pitchFamily="34" charset="-122"/>
+                <a:ea typeface="微软雅黑" pitchFamily="34" charset="-122"/>
+              </a:rPr>
+              <a:t>&lt;g&gt;</a:t>
+            </a:r>
+            <a:r>
+              <a:rPr lang="zh-CN" altLang="en-US" sz="2400" dirty="0">
+                <a:solidFill>
+                  <a:schemeClr val="tx1">
+                    <a:lumMod val="75000"/>
+                    <a:lumOff val="25000"/>
+                  </a:schemeClr>
+                </a:solidFill>
+                <a:latin typeface="微软雅黑" pitchFamily="34" charset="-122"/>
+                <a:ea typeface="微软雅黑" pitchFamily="34" charset="-122"/>
+              </a:rPr>
+              <a:t>标签</a:t>
+            </a:r>
+            <a:r>
+              <a:rPr lang="zh-CN" altLang="en-US" sz="2400" dirty="0" smtClean="0">
+                <a:solidFill>
+                  <a:schemeClr val="tx1">
+                    <a:lumMod val="75000"/>
+                    <a:lumOff val="25000"/>
+                  </a:schemeClr>
+                </a:solidFill>
+                <a:latin typeface="微软雅黑" pitchFamily="34" charset="-122"/>
+                <a:ea typeface="微软雅黑" pitchFamily="34" charset="-122"/>
+              </a:rPr>
+              <a:t>或其他</a:t>
+            </a:r>
+            <a:r>
+              <a:rPr lang="zh-CN" altLang="en-US" sz="2400" dirty="0">
+                <a:solidFill>
+                  <a:schemeClr val="tx1">
+                    <a:lumMod val="75000"/>
+                    <a:lumOff val="25000"/>
+                  </a:schemeClr>
+                </a:solidFill>
+                <a:latin typeface="微软雅黑" pitchFamily="34" charset="-122"/>
+                <a:ea typeface="微软雅黑" pitchFamily="34" charset="-122"/>
+              </a:rPr>
+              <a:t>标签</a:t>
+            </a:r>
+            <a:r>
+              <a:rPr lang="zh-CN" altLang="en-US" sz="2400" dirty="0" smtClean="0">
+                <a:solidFill>
+                  <a:schemeClr val="tx1">
+                    <a:lumMod val="75000"/>
+                    <a:lumOff val="25000"/>
+                  </a:schemeClr>
+                </a:solidFill>
+                <a:latin typeface="微软雅黑" pitchFamily="34" charset="-122"/>
+                <a:ea typeface="微软雅黑" pitchFamily="34" charset="-122"/>
+              </a:rPr>
+              <a:t>，保留必要的路径标签，放在</a:t>
+            </a:r>
+            <a:r>
+              <a:rPr lang="en-US" altLang="zh-CN" sz="2400" dirty="0" smtClean="0">
+                <a:solidFill>
+                  <a:schemeClr val="tx1">
+                    <a:lumMod val="75000"/>
+                    <a:lumOff val="25000"/>
+                  </a:schemeClr>
+                </a:solidFill>
+                <a:latin typeface="微软雅黑" pitchFamily="34" charset="-122"/>
+                <a:ea typeface="微软雅黑" pitchFamily="34" charset="-122"/>
+              </a:rPr>
               <a:t>&lt;</a:t>
             </a:r>
             <a:r>
@@ -4194,7 +5690,7 @@
                 <a:latin typeface="微软雅黑" pitchFamily="34" charset="-122"/>
                 <a:ea typeface="微软雅黑" pitchFamily="34" charset="-122"/>
               </a:rPr>
-              <a:t>标签中，这样就不会直接显示了，在</a:t>
+              <a:t>标签中，这样就不会直接显示了。在</a:t>
             </a:r>
             <a:r>
               <a:rPr lang="en-US" altLang="zh-CN" sz="2400" dirty="0" smtClean="0">
@@ -4389,7 +5885,7 @@
                 <a:latin typeface="微软雅黑" pitchFamily="34" charset="-122"/>
                 <a:ea typeface="微软雅黑" pitchFamily="34" charset="-122"/>
               </a:rPr>
-              <a:t>，先后绘制的效果，所以需要将所有路径引用</a:t>
+              <a:t>，展示先后绘制</a:t>
             </a:r>
             <a:r>
               <a:rPr lang="en-US" altLang="zh-CN" sz="2400" dirty="0" smtClean="0">
@@ -4415,7 +5911,33 @@
                 <a:latin typeface="微软雅黑" pitchFamily="34" charset="-122"/>
                 <a:ea typeface="微软雅黑" pitchFamily="34" charset="-122"/>
               </a:rPr>
-              <a:t>次。另外需要注意的是</a:t>
+              <a:t>次的效果，所以需要将所有路径引用</a:t>
+            </a:r>
+            <a:r>
+              <a:rPr lang="en-US" altLang="zh-CN" sz="2400" dirty="0" smtClean="0">
+                <a:solidFill>
+                  <a:schemeClr val="tx1">
+                    <a:lumMod val="75000"/>
+                    <a:lumOff val="25000"/>
+                  </a:schemeClr>
+                </a:solidFill>
+                <a:latin typeface="微软雅黑" pitchFamily="34" charset="-122"/>
+                <a:ea typeface="微软雅黑" pitchFamily="34" charset="-122"/>
+              </a:rPr>
+              <a:t>3</a:t>
+            </a:r>
+            <a:r>
+              <a:rPr lang="zh-CN" altLang="en-US" sz="2400" dirty="0" smtClean="0">
+                <a:solidFill>
+                  <a:schemeClr val="tx1">
+                    <a:lumMod val="75000"/>
+                    <a:lumOff val="25000"/>
+                  </a:schemeClr>
+                </a:solidFill>
+                <a:latin typeface="微软雅黑" pitchFamily="34" charset="-122"/>
+                <a:ea typeface="微软雅黑" pitchFamily="34" charset="-122"/>
+              </a:rPr>
+              <a:t>次。另外注意</a:t>
             </a:r>
             <a:r>
               <a:rPr lang="zh-CN" altLang="en-US" sz="2400" b="1" dirty="0" smtClean="0">
@@ -4469,7 +5991,7 @@
 </p:sld>
 </file>
 
-<file path=ppt/slides/slide14.xml><?xml version="1.0" encoding="utf-8"?>
+<file path=ppt/slides/slide15.xml><?xml version="1.0" encoding="utf-8"?>
 <p:sld xmlns:a="http://schemas.openxmlformats.org/drawingml/2006/main" xmlns:r="http://schemas.openxmlformats.org/officeDocument/2006/relationships" xmlns:p="http://schemas.openxmlformats.org/presentationml/2006/main">
   <p:cSld>
     <p:spTree>
@@ -4635,7 +6157,7 @@
                 <a:latin typeface="微软雅黑" pitchFamily="34" charset="-122"/>
                 <a:ea typeface="微软雅黑" pitchFamily="34" charset="-122"/>
               </a:rPr>
-              <a:t>属性表示使用虚线进行描边，属性值可以一列数字。依次表示线的宽度和空隙的宽度，用逗号或者空格分隔。如果是奇数个，会自动重复一次，凑成偶数。</a:t>
+              <a:t>属性表示使用虚线进行描边，属性值可以是一列数字。依次表示线的宽度和空隙的宽度，用逗号或者空格分隔。如果是奇数个，会自动重复一次，凑成偶数。</a:t>
             </a:r>
             <a:endParaRPr lang="en-US" altLang="zh-CN" sz="2400" dirty="0" smtClean="0">
               <a:solidFill>
@@ -5026,7 +6548,7 @@
 </p:sld>
 </file>
 
-<file path=ppt/slides/slide15.xml><?xml version="1.0" encoding="utf-8"?>
+<file path=ppt/slides/slide16.xml><?xml version="1.0" encoding="utf-8"?>
 <p:sld xmlns:a="http://schemas.openxmlformats.org/drawingml/2006/main" xmlns:r="http://schemas.openxmlformats.org/officeDocument/2006/relationships" xmlns:p="http://schemas.openxmlformats.org/presentationml/2006/main">
   <p:cSld>
     <p:spTree>
@@ -5462,7 +6984,7 @@
 </p:sld>
 </file>
 
-<file path=ppt/slides/slide16.xml><?xml version="1.0" encoding="utf-8"?>
+<file path=ppt/slides/slide17.xml><?xml version="1.0" encoding="utf-8"?>
 <p:sld xmlns:a="http://schemas.openxmlformats.org/drawingml/2006/main" xmlns:r="http://schemas.openxmlformats.org/officeDocument/2006/relationships" xmlns:p="http://schemas.openxmlformats.org/presentationml/2006/main">
   <p:cSld>
     <p:spTree>
@@ -5959,7 +7481,7 @@
 </p:sld>
 </file>
 
-<file path=ppt/slides/slide17.xml><?xml version="1.0" encoding="utf-8"?>
+<file path=ppt/slides/slide18.xml><?xml version="1.0" encoding="utf-8"?>
 <p:sld xmlns:a="http://schemas.openxmlformats.org/drawingml/2006/main" xmlns:r="http://schemas.openxmlformats.org/officeDocument/2006/relationships" xmlns:p="http://schemas.openxmlformats.org/presentationml/2006/main">
   <p:cSld>
     <p:spTree>
@@ -6306,7 +7828,7 @@
 </p:sld>
 </file>
 
-<file path=ppt/slides/slide18.xml><?xml version="1.0" encoding="utf-8"?>
+<file path=ppt/slides/slide19.xml><?xml version="1.0" encoding="utf-8"?>
 <p:sld xmlns:a="http://schemas.openxmlformats.org/drawingml/2006/main" xmlns:r="http://schemas.openxmlformats.org/officeDocument/2006/relationships" xmlns:p="http://schemas.openxmlformats.org/presentationml/2006/main">
   <p:cSld>
     <p:spTree>
@@ -6849,16 +8371,6 @@
               </a:rPr>
               <a:t>animation</a:t>
             </a:r>
-            <a:endParaRPr lang="en-US" altLang="zh-CN" sz="2400" dirty="0" smtClean="0">
-              <a:solidFill>
-                <a:schemeClr val="tx1">
-                  <a:lumMod val="75000"/>
-                  <a:lumOff val="25000"/>
-                </a:schemeClr>
-              </a:solidFill>
-              <a:latin typeface="微软雅黑" pitchFamily="34" charset="-122"/>
-              <a:ea typeface="微软雅黑" pitchFamily="34" charset="-122"/>
-            </a:endParaRPr>
           </a:p>
         </p:txBody>
       </p:sp>
@@ -6952,368 +8464,6 @@
     <p:extLst>
       <p:ext uri="{BB962C8B-B14F-4D97-AF65-F5344CB8AC3E}">
         <p14:creationId xmlns:p14="http://schemas.microsoft.com/office/powerpoint/2010/main" val="779776397"/>
-      </p:ext>
-    </p:extLst>
-  </p:cSld>
-  <p:clrMapOvr>
-    <a:masterClrMapping/>
-  </p:clrMapOvr>
-</p:sld>
-</file>
-
-<file path=ppt/slides/slide19.xml><?xml version="1.0" encoding="utf-8"?>
-<p:sld xmlns:a="http://schemas.openxmlformats.org/drawingml/2006/main" xmlns:r="http://schemas.openxmlformats.org/officeDocument/2006/relationships" xmlns:p="http://schemas.openxmlformats.org/presentationml/2006/main">
-  <p:cSld>
-    <p:spTree>
-      <p:nvGrpSpPr>
-        <p:cNvPr id="1" name=""/>
-        <p:cNvGrpSpPr/>
-        <p:nvPr/>
-      </p:nvGrpSpPr>
-      <p:grpSpPr>
-        <a:xfrm>
-          <a:off x="0" y="0"/>
-          <a:ext cx="0" cy="0"/>
-          <a:chOff x="0" y="0"/>
-          <a:chExt cx="0" cy="0"/>
-        </a:xfrm>
-      </p:grpSpPr>
-      <p:pic>
-        <p:nvPicPr>
-          <p:cNvPr id="2" name="图片 1" descr="屏幕剪辑"/>
-          <p:cNvPicPr>
-            <a:picLocks noChangeAspect="1"/>
-          </p:cNvPicPr>
-          <p:nvPr/>
-        </p:nvPicPr>
-        <p:blipFill>
-          <a:blip r:embed="rId2">
-            <a:extLst>
-              <a:ext uri="{28A0092B-C50C-407E-A947-70E740481C1C}">
-                <a14:useLocalDpi xmlns:a14="http://schemas.microsoft.com/office/drawing/2010/main" val="0"/>
-              </a:ext>
-            </a:extLst>
-          </a:blip>
-          <a:stretch>
-            <a:fillRect/>
-          </a:stretch>
-        </p:blipFill>
-        <p:spPr>
-          <a:xfrm>
-            <a:off x="845454" y="2053312"/>
-            <a:ext cx="5477639" cy="3153215"/>
-          </a:xfrm>
-          <a:prstGeom prst="rect">
-            <a:avLst/>
-          </a:prstGeom>
-          <a:ln>
-            <a:noFill/>
-          </a:ln>
-          <a:effectLst>
-            <a:outerShdw blurRad="292100" dist="139700" dir="2700000" algn="tl" rotWithShape="0">
-              <a:srgbClr val="333333">
-                <a:alpha val="65000"/>
-              </a:srgbClr>
-            </a:outerShdw>
-          </a:effectLst>
-        </p:spPr>
-      </p:pic>
-      <p:sp>
-        <p:nvSpPr>
-          <p:cNvPr id="6" name="圆角矩形标注 5"/>
-          <p:cNvSpPr/>
-          <p:nvPr/>
-        </p:nvSpPr>
-        <p:spPr>
-          <a:xfrm>
-            <a:off x="4283968" y="2276872"/>
-            <a:ext cx="1728192" cy="479958"/>
-          </a:xfrm>
-          <a:prstGeom prst="wedgeRoundRectCallout">
-            <a:avLst>
-              <a:gd name="adj1" fmla="val -58561"/>
-              <a:gd name="adj2" fmla="val 20080"/>
-              <a:gd name="adj3" fmla="val 16667"/>
-            </a:avLst>
-          </a:prstGeom>
-        </p:spPr>
-        <p:style>
-          <a:lnRef idx="2">
-            <a:schemeClr val="accent5"/>
-          </a:lnRef>
-          <a:fillRef idx="1">
-            <a:schemeClr val="lt1"/>
-          </a:fillRef>
-          <a:effectRef idx="0">
-            <a:schemeClr val="accent5"/>
-          </a:effectRef>
-          <a:fontRef idx="minor">
-            <a:schemeClr val="dk1"/>
-          </a:fontRef>
-        </p:style>
-        <p:txBody>
-          <a:bodyPr rtlCol="0" anchor="ctr"/>
-          <a:lstStyle/>
-          <a:p>
-            <a:pPr>
-              <a:lnSpc>
-                <a:spcPct val="150000"/>
-              </a:lnSpc>
-            </a:pPr>
-            <a:r>
-              <a:rPr lang="en-US" altLang="zh-CN" sz="2000" dirty="0">
-                <a:solidFill>
-                  <a:schemeClr val="tx1">
-                    <a:lumMod val="75000"/>
-                    <a:lumOff val="25000"/>
-                  </a:schemeClr>
-                </a:solidFill>
-                <a:latin typeface="微软雅黑" pitchFamily="34" charset="-122"/>
-                <a:ea typeface="微软雅黑" pitchFamily="34" charset="-122"/>
-              </a:rPr>
-              <a:t> </a:t>
-            </a:r>
-            <a:r>
-              <a:rPr lang="zh-CN" altLang="en-US" sz="2000" dirty="0" smtClean="0">
-                <a:solidFill>
-                  <a:schemeClr val="tx1">
-                    <a:lumMod val="75000"/>
-                    <a:lumOff val="25000"/>
-                  </a:schemeClr>
-                </a:solidFill>
-                <a:latin typeface="微软雅黑" pitchFamily="34" charset="-122"/>
-                <a:ea typeface="微软雅黑" pitchFamily="34" charset="-122"/>
-              </a:rPr>
-              <a:t>完全是空隙</a:t>
-            </a:r>
-            <a:endParaRPr lang="en-US" altLang="zh-CN" sz="2000" dirty="0">
-              <a:solidFill>
-                <a:schemeClr val="tx1">
-                  <a:lumMod val="75000"/>
-                  <a:lumOff val="25000"/>
-                </a:schemeClr>
-              </a:solidFill>
-              <a:latin typeface="微软雅黑" pitchFamily="34" charset="-122"/>
-              <a:ea typeface="微软雅黑" pitchFamily="34" charset="-122"/>
-            </a:endParaRPr>
-          </a:p>
-        </p:txBody>
-      </p:sp>
-      <p:sp>
-        <p:nvSpPr>
-          <p:cNvPr id="4" name="矩形 3"/>
-          <p:cNvSpPr/>
-          <p:nvPr/>
-        </p:nvSpPr>
-        <p:spPr>
-          <a:xfrm>
-            <a:off x="755576" y="198860"/>
-            <a:ext cx="7776864" cy="1754326"/>
-          </a:xfrm>
-          <a:prstGeom prst="rect">
-            <a:avLst/>
-          </a:prstGeom>
-        </p:spPr>
-        <p:txBody>
-          <a:bodyPr wrap="square">
-            <a:spAutoFit/>
-          </a:bodyPr>
-          <a:lstStyle/>
-          <a:p>
-            <a:pPr>
-              <a:lnSpc>
-                <a:spcPct val="150000"/>
-              </a:lnSpc>
-            </a:pPr>
-            <a:r>
-              <a:rPr lang="zh-CN" altLang="en-US" sz="2400" dirty="0" smtClean="0">
-                <a:solidFill>
-                  <a:schemeClr val="tx1">
-                    <a:lumMod val="75000"/>
-                    <a:lumOff val="25000"/>
-                  </a:schemeClr>
-                </a:solidFill>
-                <a:latin typeface="微软雅黑" pitchFamily="34" charset="-122"/>
-                <a:ea typeface="微软雅黑" pitchFamily="34" charset="-122"/>
-              </a:rPr>
-              <a:t>当虚线的线长足够长，</a:t>
-            </a:r>
-            <a:r>
-              <a:rPr lang="zh-CN" altLang="en-US" sz="2400" b="1" dirty="0" smtClean="0">
-                <a:solidFill>
-                  <a:schemeClr val="tx1">
-                    <a:lumMod val="75000"/>
-                    <a:lumOff val="25000"/>
-                  </a:schemeClr>
-                </a:solidFill>
-                <a:latin typeface="微软雅黑" pitchFamily="34" charset="-122"/>
-                <a:ea typeface="微软雅黑" pitchFamily="34" charset="-122"/>
-              </a:rPr>
-              <a:t>和路径一样长</a:t>
-            </a:r>
-            <a:r>
-              <a:rPr lang="zh-CN" altLang="en-US" sz="2400" dirty="0" smtClean="0">
-                <a:solidFill>
-                  <a:schemeClr val="tx1">
-                    <a:lumMod val="75000"/>
-                    <a:lumOff val="25000"/>
-                  </a:schemeClr>
-                </a:solidFill>
-                <a:latin typeface="微软雅黑" pitchFamily="34" charset="-122"/>
-                <a:ea typeface="微软雅黑" pitchFamily="34" charset="-122"/>
-              </a:rPr>
-              <a:t>，那么它可以覆盖整个路径，同时空隙也很长，那么从</a:t>
-            </a:r>
-            <a:r>
-              <a:rPr lang="zh-CN" altLang="en-US" sz="2400" b="1" dirty="0" smtClean="0">
-                <a:solidFill>
-                  <a:schemeClr val="tx1">
-                    <a:lumMod val="75000"/>
-                    <a:lumOff val="25000"/>
-                  </a:schemeClr>
-                </a:solidFill>
-                <a:latin typeface="微软雅黑" pitchFamily="34" charset="-122"/>
-                <a:ea typeface="微软雅黑" pitchFamily="34" charset="-122"/>
-              </a:rPr>
-              <a:t>完全空隙</a:t>
-            </a:r>
-            <a:r>
-              <a:rPr lang="zh-CN" altLang="en-US" sz="2400" dirty="0" smtClean="0">
-                <a:solidFill>
-                  <a:schemeClr val="tx1">
-                    <a:lumMod val="75000"/>
-                    <a:lumOff val="25000"/>
-                  </a:schemeClr>
-                </a:solidFill>
-                <a:latin typeface="微软雅黑" pitchFamily="34" charset="-122"/>
-                <a:ea typeface="微软雅黑" pitchFamily="34" charset="-122"/>
-              </a:rPr>
-              <a:t>到</a:t>
-            </a:r>
-            <a:r>
-              <a:rPr lang="zh-CN" altLang="en-US" sz="2400" b="1" dirty="0" smtClean="0">
-                <a:solidFill>
-                  <a:schemeClr val="tx1">
-                    <a:lumMod val="75000"/>
-                    <a:lumOff val="25000"/>
-                  </a:schemeClr>
-                </a:solidFill>
-                <a:latin typeface="微软雅黑" pitchFamily="34" charset="-122"/>
-                <a:ea typeface="微软雅黑" pitchFamily="34" charset="-122"/>
-              </a:rPr>
-              <a:t>描边覆盖整个路径</a:t>
-            </a:r>
-            <a:r>
-              <a:rPr lang="zh-CN" altLang="en-US" sz="2400" dirty="0" smtClean="0">
-                <a:solidFill>
-                  <a:schemeClr val="tx1">
-                    <a:lumMod val="75000"/>
-                    <a:lumOff val="25000"/>
-                  </a:schemeClr>
-                </a:solidFill>
-                <a:latin typeface="微软雅黑" pitchFamily="34" charset="-122"/>
-                <a:ea typeface="微软雅黑" pitchFamily="34" charset="-122"/>
-              </a:rPr>
-              <a:t>，看上去，就像是从无到有的描边动画。</a:t>
-            </a:r>
-            <a:endParaRPr lang="en-US" altLang="zh-CN" sz="2400" dirty="0" smtClean="0">
-              <a:solidFill>
-                <a:schemeClr val="tx1">
-                  <a:lumMod val="75000"/>
-                  <a:lumOff val="25000"/>
-                </a:schemeClr>
-              </a:solidFill>
-              <a:latin typeface="微软雅黑" pitchFamily="34" charset="-122"/>
-              <a:ea typeface="微软雅黑" pitchFamily="34" charset="-122"/>
-            </a:endParaRPr>
-          </a:p>
-        </p:txBody>
-      </p:sp>
-      <p:sp>
-        <p:nvSpPr>
-          <p:cNvPr id="9" name="圆角矩形标注 8"/>
-          <p:cNvSpPr/>
-          <p:nvPr/>
-        </p:nvSpPr>
-        <p:spPr>
-          <a:xfrm>
-            <a:off x="2123728" y="4754675"/>
-            <a:ext cx="1656184" cy="576064"/>
-          </a:xfrm>
-          <a:prstGeom prst="wedgeRoundRectCallout">
-            <a:avLst>
-              <a:gd name="adj1" fmla="val -30907"/>
-              <a:gd name="adj2" fmla="val -96066"/>
-              <a:gd name="adj3" fmla="val 16667"/>
-            </a:avLst>
-          </a:prstGeom>
-        </p:spPr>
-        <p:style>
-          <a:lnRef idx="2">
-            <a:schemeClr val="accent5"/>
-          </a:lnRef>
-          <a:fillRef idx="1">
-            <a:schemeClr val="lt1"/>
-          </a:fillRef>
-          <a:effectRef idx="0">
-            <a:schemeClr val="accent5"/>
-          </a:effectRef>
-          <a:fontRef idx="minor">
-            <a:schemeClr val="dk1"/>
-          </a:fontRef>
-        </p:style>
-        <p:txBody>
-          <a:bodyPr rtlCol="0" anchor="ctr"/>
-          <a:lstStyle/>
-          <a:p>
-            <a:pPr>
-              <a:lnSpc>
-                <a:spcPct val="150000"/>
-              </a:lnSpc>
-            </a:pPr>
-            <a:r>
-              <a:rPr lang="en-US" altLang="zh-CN" sz="2000" dirty="0">
-                <a:solidFill>
-                  <a:schemeClr val="tx1">
-                    <a:lumMod val="75000"/>
-                    <a:lumOff val="25000"/>
-                  </a:schemeClr>
-                </a:solidFill>
-                <a:latin typeface="微软雅黑" pitchFamily="34" charset="-122"/>
-                <a:ea typeface="微软雅黑" pitchFamily="34" charset="-122"/>
-              </a:rPr>
-              <a:t> </a:t>
-            </a:r>
-            <a:r>
-              <a:rPr lang="zh-CN" altLang="en-US" sz="2000" dirty="0" smtClean="0">
-                <a:solidFill>
-                  <a:schemeClr val="tx1">
-                    <a:lumMod val="75000"/>
-                    <a:lumOff val="25000"/>
-                  </a:schemeClr>
-                </a:solidFill>
-                <a:latin typeface="微软雅黑" pitchFamily="34" charset="-122"/>
-                <a:ea typeface="微软雅黑" pitchFamily="34" charset="-122"/>
-              </a:rPr>
-              <a:t>完全是描边</a:t>
-            </a:r>
-            <a:endParaRPr lang="en-US" altLang="zh-CN" sz="2000" dirty="0">
-              <a:solidFill>
-                <a:schemeClr val="tx1">
-                  <a:lumMod val="75000"/>
-                  <a:lumOff val="25000"/>
-                </a:schemeClr>
-              </a:solidFill>
-              <a:latin typeface="微软雅黑" pitchFamily="34" charset="-122"/>
-              <a:ea typeface="微软雅黑" pitchFamily="34" charset="-122"/>
-            </a:endParaRPr>
-          </a:p>
-        </p:txBody>
-      </p:sp>
-    </p:spTree>
-    <p:extLst>
-      <p:ext uri="{BB962C8B-B14F-4D97-AF65-F5344CB8AC3E}">
-        <p14:creationId xmlns:p14="http://schemas.microsoft.com/office/powerpoint/2010/main" val="3859724802"/>
       </p:ext>
     </p:extLst>
   </p:cSld>
@@ -7705,6 +8855,368 @@
           <a:chExt cx="0" cy="0"/>
         </a:xfrm>
       </p:grpSpPr>
+      <p:pic>
+        <p:nvPicPr>
+          <p:cNvPr id="2" name="图片 1" descr="屏幕剪辑"/>
+          <p:cNvPicPr>
+            <a:picLocks noChangeAspect="1"/>
+          </p:cNvPicPr>
+          <p:nvPr/>
+        </p:nvPicPr>
+        <p:blipFill>
+          <a:blip r:embed="rId2">
+            <a:extLst>
+              <a:ext uri="{28A0092B-C50C-407E-A947-70E740481C1C}">
+                <a14:useLocalDpi xmlns:a14="http://schemas.microsoft.com/office/drawing/2010/main" val="0"/>
+              </a:ext>
+            </a:extLst>
+          </a:blip>
+          <a:stretch>
+            <a:fillRect/>
+          </a:stretch>
+        </p:blipFill>
+        <p:spPr>
+          <a:xfrm>
+            <a:off x="845454" y="2053312"/>
+            <a:ext cx="5477639" cy="3153215"/>
+          </a:xfrm>
+          <a:prstGeom prst="rect">
+            <a:avLst/>
+          </a:prstGeom>
+          <a:ln>
+            <a:noFill/>
+          </a:ln>
+          <a:effectLst>
+            <a:outerShdw blurRad="292100" dist="139700" dir="2700000" algn="tl" rotWithShape="0">
+              <a:srgbClr val="333333">
+                <a:alpha val="65000"/>
+              </a:srgbClr>
+            </a:outerShdw>
+          </a:effectLst>
+        </p:spPr>
+      </p:pic>
+      <p:sp>
+        <p:nvSpPr>
+          <p:cNvPr id="6" name="圆角矩形标注 5"/>
+          <p:cNvSpPr/>
+          <p:nvPr/>
+        </p:nvSpPr>
+        <p:spPr>
+          <a:xfrm>
+            <a:off x="4283968" y="2276872"/>
+            <a:ext cx="1728192" cy="479958"/>
+          </a:xfrm>
+          <a:prstGeom prst="wedgeRoundRectCallout">
+            <a:avLst>
+              <a:gd name="adj1" fmla="val -58561"/>
+              <a:gd name="adj2" fmla="val 20080"/>
+              <a:gd name="adj3" fmla="val 16667"/>
+            </a:avLst>
+          </a:prstGeom>
+        </p:spPr>
+        <p:style>
+          <a:lnRef idx="2">
+            <a:schemeClr val="accent5"/>
+          </a:lnRef>
+          <a:fillRef idx="1">
+            <a:schemeClr val="lt1"/>
+          </a:fillRef>
+          <a:effectRef idx="0">
+            <a:schemeClr val="accent5"/>
+          </a:effectRef>
+          <a:fontRef idx="minor">
+            <a:schemeClr val="dk1"/>
+          </a:fontRef>
+        </p:style>
+        <p:txBody>
+          <a:bodyPr rtlCol="0" anchor="ctr"/>
+          <a:lstStyle/>
+          <a:p>
+            <a:pPr>
+              <a:lnSpc>
+                <a:spcPct val="150000"/>
+              </a:lnSpc>
+            </a:pPr>
+            <a:r>
+              <a:rPr lang="en-US" altLang="zh-CN" sz="2000" dirty="0">
+                <a:solidFill>
+                  <a:schemeClr val="tx1">
+                    <a:lumMod val="75000"/>
+                    <a:lumOff val="25000"/>
+                  </a:schemeClr>
+                </a:solidFill>
+                <a:latin typeface="微软雅黑" pitchFamily="34" charset="-122"/>
+                <a:ea typeface="微软雅黑" pitchFamily="34" charset="-122"/>
+              </a:rPr>
+              <a:t> </a:t>
+            </a:r>
+            <a:r>
+              <a:rPr lang="zh-CN" altLang="en-US" sz="2000" dirty="0" smtClean="0">
+                <a:solidFill>
+                  <a:schemeClr val="tx1">
+                    <a:lumMod val="75000"/>
+                    <a:lumOff val="25000"/>
+                  </a:schemeClr>
+                </a:solidFill>
+                <a:latin typeface="微软雅黑" pitchFamily="34" charset="-122"/>
+                <a:ea typeface="微软雅黑" pitchFamily="34" charset="-122"/>
+              </a:rPr>
+              <a:t>完全是空隙</a:t>
+            </a:r>
+            <a:endParaRPr lang="en-US" altLang="zh-CN" sz="2000" dirty="0">
+              <a:solidFill>
+                <a:schemeClr val="tx1">
+                  <a:lumMod val="75000"/>
+                  <a:lumOff val="25000"/>
+                </a:schemeClr>
+              </a:solidFill>
+              <a:latin typeface="微软雅黑" pitchFamily="34" charset="-122"/>
+              <a:ea typeface="微软雅黑" pitchFamily="34" charset="-122"/>
+            </a:endParaRPr>
+          </a:p>
+        </p:txBody>
+      </p:sp>
+      <p:sp>
+        <p:nvSpPr>
+          <p:cNvPr id="4" name="矩形 3"/>
+          <p:cNvSpPr/>
+          <p:nvPr/>
+        </p:nvSpPr>
+        <p:spPr>
+          <a:xfrm>
+            <a:off x="755576" y="198860"/>
+            <a:ext cx="7776864" cy="1754326"/>
+          </a:xfrm>
+          <a:prstGeom prst="rect">
+            <a:avLst/>
+          </a:prstGeom>
+        </p:spPr>
+        <p:txBody>
+          <a:bodyPr wrap="square">
+            <a:spAutoFit/>
+          </a:bodyPr>
+          <a:lstStyle/>
+          <a:p>
+            <a:pPr>
+              <a:lnSpc>
+                <a:spcPct val="150000"/>
+              </a:lnSpc>
+            </a:pPr>
+            <a:r>
+              <a:rPr lang="zh-CN" altLang="en-US" sz="2400" dirty="0" smtClean="0">
+                <a:solidFill>
+                  <a:schemeClr val="tx1">
+                    <a:lumMod val="75000"/>
+                    <a:lumOff val="25000"/>
+                  </a:schemeClr>
+                </a:solidFill>
+                <a:latin typeface="微软雅黑" pitchFamily="34" charset="-122"/>
+                <a:ea typeface="微软雅黑" pitchFamily="34" charset="-122"/>
+              </a:rPr>
+              <a:t>当虚线的线长足够长，</a:t>
+            </a:r>
+            <a:r>
+              <a:rPr lang="zh-CN" altLang="en-US" sz="2400" b="1" dirty="0" smtClean="0">
+                <a:solidFill>
+                  <a:schemeClr val="tx1">
+                    <a:lumMod val="75000"/>
+                    <a:lumOff val="25000"/>
+                  </a:schemeClr>
+                </a:solidFill>
+                <a:latin typeface="微软雅黑" pitchFamily="34" charset="-122"/>
+                <a:ea typeface="微软雅黑" pitchFamily="34" charset="-122"/>
+              </a:rPr>
+              <a:t>和路径一样长时</a:t>
+            </a:r>
+            <a:r>
+              <a:rPr lang="zh-CN" altLang="en-US" sz="2400" dirty="0" smtClean="0">
+                <a:solidFill>
+                  <a:schemeClr val="tx1">
+                    <a:lumMod val="75000"/>
+                    <a:lumOff val="25000"/>
+                  </a:schemeClr>
+                </a:solidFill>
+                <a:latin typeface="微软雅黑" pitchFamily="34" charset="-122"/>
+                <a:ea typeface="微软雅黑" pitchFamily="34" charset="-122"/>
+              </a:rPr>
+              <a:t>，它就可以覆盖整个路径，同时如果空隙也很长，那么从</a:t>
+            </a:r>
+            <a:r>
+              <a:rPr lang="zh-CN" altLang="en-US" sz="2400" b="1" dirty="0" smtClean="0">
+                <a:solidFill>
+                  <a:schemeClr val="tx1">
+                    <a:lumMod val="75000"/>
+                    <a:lumOff val="25000"/>
+                  </a:schemeClr>
+                </a:solidFill>
+                <a:latin typeface="微软雅黑" pitchFamily="34" charset="-122"/>
+                <a:ea typeface="微软雅黑" pitchFamily="34" charset="-122"/>
+              </a:rPr>
+              <a:t>完全空隙</a:t>
+            </a:r>
+            <a:r>
+              <a:rPr lang="zh-CN" altLang="en-US" sz="2400" dirty="0" smtClean="0">
+                <a:solidFill>
+                  <a:schemeClr val="tx1">
+                    <a:lumMod val="75000"/>
+                    <a:lumOff val="25000"/>
+                  </a:schemeClr>
+                </a:solidFill>
+                <a:latin typeface="微软雅黑" pitchFamily="34" charset="-122"/>
+                <a:ea typeface="微软雅黑" pitchFamily="34" charset="-122"/>
+              </a:rPr>
+              <a:t>到</a:t>
+            </a:r>
+            <a:r>
+              <a:rPr lang="zh-CN" altLang="en-US" sz="2400" b="1" dirty="0" smtClean="0">
+                <a:solidFill>
+                  <a:schemeClr val="tx1">
+                    <a:lumMod val="75000"/>
+                    <a:lumOff val="25000"/>
+                  </a:schemeClr>
+                </a:solidFill>
+                <a:latin typeface="微软雅黑" pitchFamily="34" charset="-122"/>
+                <a:ea typeface="微软雅黑" pitchFamily="34" charset="-122"/>
+              </a:rPr>
+              <a:t>描边覆盖整个路径</a:t>
+            </a:r>
+            <a:r>
+              <a:rPr lang="zh-CN" altLang="en-US" sz="2400" dirty="0" smtClean="0">
+                <a:solidFill>
+                  <a:schemeClr val="tx1">
+                    <a:lumMod val="75000"/>
+                    <a:lumOff val="25000"/>
+                  </a:schemeClr>
+                </a:solidFill>
+                <a:latin typeface="微软雅黑" pitchFamily="34" charset="-122"/>
+                <a:ea typeface="微软雅黑" pitchFamily="34" charset="-122"/>
+              </a:rPr>
+              <a:t>，看上去，就像是从无到有的描边动画。</a:t>
+            </a:r>
+            <a:endParaRPr lang="en-US" altLang="zh-CN" sz="2400" dirty="0" smtClean="0">
+              <a:solidFill>
+                <a:schemeClr val="tx1">
+                  <a:lumMod val="75000"/>
+                  <a:lumOff val="25000"/>
+                </a:schemeClr>
+              </a:solidFill>
+              <a:latin typeface="微软雅黑" pitchFamily="34" charset="-122"/>
+              <a:ea typeface="微软雅黑" pitchFamily="34" charset="-122"/>
+            </a:endParaRPr>
+          </a:p>
+        </p:txBody>
+      </p:sp>
+      <p:sp>
+        <p:nvSpPr>
+          <p:cNvPr id="9" name="圆角矩形标注 8"/>
+          <p:cNvSpPr/>
+          <p:nvPr/>
+        </p:nvSpPr>
+        <p:spPr>
+          <a:xfrm>
+            <a:off x="2123728" y="4754675"/>
+            <a:ext cx="1656184" cy="576064"/>
+          </a:xfrm>
+          <a:prstGeom prst="wedgeRoundRectCallout">
+            <a:avLst>
+              <a:gd name="adj1" fmla="val -30907"/>
+              <a:gd name="adj2" fmla="val -96066"/>
+              <a:gd name="adj3" fmla="val 16667"/>
+            </a:avLst>
+          </a:prstGeom>
+        </p:spPr>
+        <p:style>
+          <a:lnRef idx="2">
+            <a:schemeClr val="accent5"/>
+          </a:lnRef>
+          <a:fillRef idx="1">
+            <a:schemeClr val="lt1"/>
+          </a:fillRef>
+          <a:effectRef idx="0">
+            <a:schemeClr val="accent5"/>
+          </a:effectRef>
+          <a:fontRef idx="minor">
+            <a:schemeClr val="dk1"/>
+          </a:fontRef>
+        </p:style>
+        <p:txBody>
+          <a:bodyPr rtlCol="0" anchor="ctr"/>
+          <a:lstStyle/>
+          <a:p>
+            <a:pPr>
+              <a:lnSpc>
+                <a:spcPct val="150000"/>
+              </a:lnSpc>
+            </a:pPr>
+            <a:r>
+              <a:rPr lang="en-US" altLang="zh-CN" sz="2000" dirty="0">
+                <a:solidFill>
+                  <a:schemeClr val="tx1">
+                    <a:lumMod val="75000"/>
+                    <a:lumOff val="25000"/>
+                  </a:schemeClr>
+                </a:solidFill>
+                <a:latin typeface="微软雅黑" pitchFamily="34" charset="-122"/>
+                <a:ea typeface="微软雅黑" pitchFamily="34" charset="-122"/>
+              </a:rPr>
+              <a:t> </a:t>
+            </a:r>
+            <a:r>
+              <a:rPr lang="zh-CN" altLang="en-US" sz="2000" dirty="0" smtClean="0">
+                <a:solidFill>
+                  <a:schemeClr val="tx1">
+                    <a:lumMod val="75000"/>
+                    <a:lumOff val="25000"/>
+                  </a:schemeClr>
+                </a:solidFill>
+                <a:latin typeface="微软雅黑" pitchFamily="34" charset="-122"/>
+                <a:ea typeface="微软雅黑" pitchFamily="34" charset="-122"/>
+              </a:rPr>
+              <a:t>完全是描边</a:t>
+            </a:r>
+            <a:endParaRPr lang="en-US" altLang="zh-CN" sz="2000" dirty="0">
+              <a:solidFill>
+                <a:schemeClr val="tx1">
+                  <a:lumMod val="75000"/>
+                  <a:lumOff val="25000"/>
+                </a:schemeClr>
+              </a:solidFill>
+              <a:latin typeface="微软雅黑" pitchFamily="34" charset="-122"/>
+              <a:ea typeface="微软雅黑" pitchFamily="34" charset="-122"/>
+            </a:endParaRPr>
+          </a:p>
+        </p:txBody>
+      </p:sp>
+    </p:spTree>
+    <p:extLst>
+      <p:ext uri="{BB962C8B-B14F-4D97-AF65-F5344CB8AC3E}">
+        <p14:creationId xmlns:p14="http://schemas.microsoft.com/office/powerpoint/2010/main" val="3859724802"/>
+      </p:ext>
+    </p:extLst>
+  </p:cSld>
+  <p:clrMapOvr>
+    <a:masterClrMapping/>
+  </p:clrMapOvr>
+</p:sld>
+</file>
+
+<file path=ppt/slides/slide21.xml><?xml version="1.0" encoding="utf-8"?>
+<p:sld xmlns:a="http://schemas.openxmlformats.org/drawingml/2006/main" xmlns:r="http://schemas.openxmlformats.org/officeDocument/2006/relationships" xmlns:p="http://schemas.openxmlformats.org/presentationml/2006/main">
+  <p:cSld>
+    <p:spTree>
+      <p:nvGrpSpPr>
+        <p:cNvPr id="1" name=""/>
+        <p:cNvGrpSpPr/>
+        <p:nvPr/>
+      </p:nvGrpSpPr>
+      <p:grpSpPr>
+        <a:xfrm>
+          <a:off x="0" y="0"/>
+          <a:ext cx="0" cy="0"/>
+          <a:chOff x="0" y="0"/>
+          <a:chExt cx="0" cy="0"/>
+        </a:xfrm>
+      </p:grpSpPr>
       <p:sp>
         <p:nvSpPr>
           <p:cNvPr id="2" name="矩形 1"/>
@@ -7787,6 +9299,19 @@
               </a:rPr>
               <a:t>5-a </a:t>
             </a:r>
+            <a:r>
+              <a:rPr lang="zh-CN" altLang="en-US" sz="2400" dirty="0" smtClean="0">
+                <a:solidFill>
+                  <a:schemeClr val="tx1">
+                    <a:lumMod val="75000"/>
+                    <a:lumOff val="25000"/>
+                  </a:schemeClr>
+                </a:solidFill>
+                <a:latin typeface="微软雅黑" pitchFamily="34" charset="-122"/>
+                <a:ea typeface="微软雅黑" pitchFamily="34" charset="-122"/>
+              </a:rPr>
+              <a:t>描边的样式</a:t>
+            </a:r>
             <a:endParaRPr lang="en-US" altLang="zh-CN" sz="2400" dirty="0">
               <a:solidFill>
                 <a:schemeClr val="tx1">
@@ -7800,15 +9325,162 @@
           </a:p>
         </p:txBody>
       </p:sp>
+      <p:sp>
+        <p:nvSpPr>
+          <p:cNvPr id="4" name="矩形 3"/>
+          <p:cNvSpPr/>
+          <p:nvPr/>
+        </p:nvSpPr>
+        <p:spPr>
+          <a:xfrm>
+            <a:off x="827584" y="1772816"/>
+            <a:ext cx="7776864" cy="1754326"/>
+          </a:xfrm>
+          <a:prstGeom prst="rect">
+            <a:avLst/>
+          </a:prstGeom>
+        </p:spPr>
+        <p:txBody>
+          <a:bodyPr wrap="square">
+            <a:spAutoFit/>
+          </a:bodyPr>
+          <a:lstStyle/>
+          <a:p>
+            <a:pPr>
+              <a:lnSpc>
+                <a:spcPct val="150000"/>
+              </a:lnSpc>
+            </a:pPr>
+            <a:r>
+              <a:rPr lang="zh-CN" altLang="en-US" sz="2400" dirty="0" smtClean="0">
+                <a:solidFill>
+                  <a:schemeClr val="tx1">
+                    <a:lumMod val="75000"/>
+                    <a:lumOff val="25000"/>
+                  </a:schemeClr>
+                </a:solidFill>
+                <a:latin typeface="微软雅黑" pitchFamily="34" charset="-122"/>
+                <a:ea typeface="微软雅黑" pitchFamily="34" charset="-122"/>
+              </a:rPr>
+              <a:t>描边的时候，我们需要设置一些描边的样式，使得文本看来更加美观，这里主要介绍两个相关的样式：</a:t>
+            </a:r>
+            <a:endParaRPr lang="en-US" altLang="zh-CN" sz="2400" dirty="0" smtClean="0">
+              <a:solidFill>
+                <a:schemeClr val="tx1">
+                  <a:lumMod val="75000"/>
+                  <a:lumOff val="25000"/>
+                </a:schemeClr>
+              </a:solidFill>
+              <a:latin typeface="微软雅黑" pitchFamily="34" charset="-122"/>
+              <a:ea typeface="微软雅黑" pitchFamily="34" charset="-122"/>
+            </a:endParaRPr>
+          </a:p>
+          <a:p>
+            <a:pPr>
+              <a:lnSpc>
+                <a:spcPct val="150000"/>
+              </a:lnSpc>
+            </a:pPr>
+            <a:r>
+              <a:rPr lang="en-US" altLang="zh-CN" sz="2400" dirty="0" smtClean="0">
+                <a:solidFill>
+                  <a:schemeClr val="tx1">
+                    <a:lumMod val="75000"/>
+                    <a:lumOff val="25000"/>
+                  </a:schemeClr>
+                </a:solidFill>
+                <a:latin typeface="微软雅黑" pitchFamily="34" charset="-122"/>
+                <a:ea typeface="微软雅黑" pitchFamily="34" charset="-122"/>
+              </a:rPr>
+              <a:t>stroke-</a:t>
+            </a:r>
+            <a:r>
+              <a:rPr lang="en-US" altLang="zh-CN" sz="2400" dirty="0" err="1" smtClean="0">
+                <a:solidFill>
+                  <a:schemeClr val="tx1">
+                    <a:lumMod val="75000"/>
+                    <a:lumOff val="25000"/>
+                  </a:schemeClr>
+                </a:solidFill>
+                <a:latin typeface="微软雅黑" pitchFamily="34" charset="-122"/>
+                <a:ea typeface="微软雅黑" pitchFamily="34" charset="-122"/>
+              </a:rPr>
+              <a:t>linecap</a:t>
+            </a:r>
+            <a:r>
+              <a:rPr lang="zh-CN" altLang="en-US" sz="2400" dirty="0" smtClean="0">
+                <a:solidFill>
+                  <a:schemeClr val="tx1">
+                    <a:lumMod val="75000"/>
+                    <a:lumOff val="25000"/>
+                  </a:schemeClr>
+                </a:solidFill>
+                <a:latin typeface="微软雅黑" pitchFamily="34" charset="-122"/>
+                <a:ea typeface="微软雅黑" pitchFamily="34" charset="-122"/>
+              </a:rPr>
+              <a:t>和</a:t>
+            </a:r>
+            <a:r>
+              <a:rPr lang="en-US" altLang="zh-CN" sz="2400" dirty="0" smtClean="0">
+                <a:solidFill>
+                  <a:schemeClr val="tx1">
+                    <a:lumMod val="75000"/>
+                    <a:lumOff val="25000"/>
+                  </a:schemeClr>
+                </a:solidFill>
+                <a:latin typeface="微软雅黑" pitchFamily="34" charset="-122"/>
+                <a:ea typeface="微软雅黑" pitchFamily="34" charset="-122"/>
+              </a:rPr>
+              <a:t>stroke-</a:t>
+            </a:r>
+            <a:r>
+              <a:rPr lang="en-US" altLang="zh-CN" sz="2400" dirty="0" err="1" smtClean="0">
+                <a:solidFill>
+                  <a:schemeClr val="tx1">
+                    <a:lumMod val="75000"/>
+                    <a:lumOff val="25000"/>
+                  </a:schemeClr>
+                </a:solidFill>
+                <a:latin typeface="微软雅黑" pitchFamily="34" charset="-122"/>
+                <a:ea typeface="微软雅黑" pitchFamily="34" charset="-122"/>
+              </a:rPr>
+              <a:t>linejoin</a:t>
+            </a:r>
+            <a:r>
+              <a:rPr lang="zh-CN" altLang="en-US" sz="2400" dirty="0" smtClean="0">
+                <a:solidFill>
+                  <a:schemeClr val="tx1">
+                    <a:lumMod val="75000"/>
+                    <a:lumOff val="25000"/>
+                  </a:schemeClr>
+                </a:solidFill>
+                <a:latin typeface="微软雅黑" pitchFamily="34" charset="-122"/>
+                <a:ea typeface="微软雅黑" pitchFamily="34" charset="-122"/>
+              </a:rPr>
+              <a:t>。</a:t>
+            </a:r>
+            <a:endParaRPr lang="en-US" altLang="zh-CN" sz="2400" dirty="0">
+              <a:solidFill>
+                <a:schemeClr val="tx1">
+                  <a:lumMod val="75000"/>
+                  <a:lumOff val="25000"/>
+                </a:schemeClr>
+              </a:solidFill>
+              <a:latin typeface="微软雅黑" pitchFamily="34" charset="-122"/>
+              <a:ea typeface="微软雅黑" pitchFamily="34" charset="-122"/>
+            </a:endParaRPr>
+          </a:p>
+        </p:txBody>
+      </p:sp>
       <p:pic>
         <p:nvPicPr>
-          <p:cNvPr id="3" name="图片 2" descr="屏幕剪辑"/>
+          <p:cNvPr id="6" name="图片 5" descr="屏幕剪辑"/>
           <p:cNvPicPr>
             <a:picLocks noChangeAspect="1"/>
           </p:cNvPicPr>
           <p:nvPr/>
         </p:nvPicPr>
-        <p:blipFill rotWithShape="1">
+        <p:blipFill>
           <a:blip r:embed="rId2">
             <a:extLst>
               <a:ext uri="{28A0092B-C50C-407E-A947-70E740481C1C}">
@@ -7816,13 +9488,561 @@
               </a:ext>
             </a:extLst>
           </a:blip>
-          <a:srcRect l="7849" r="5720"/>
-          <a:stretch/>
+          <a:stretch>
+            <a:fillRect/>
+          </a:stretch>
         </p:blipFill>
         <p:spPr>
           <a:xfrm>
-            <a:off x="2843808" y="5517072"/>
-            <a:ext cx="1193883" cy="1228896"/>
+            <a:off x="2087312" y="4461165"/>
+            <a:ext cx="3924848" cy="1190791"/>
+          </a:xfrm>
+          <a:prstGeom prst="rect">
+            <a:avLst/>
+          </a:prstGeom>
+        </p:spPr>
+      </p:pic>
+      <p:sp>
+        <p:nvSpPr>
+          <p:cNvPr id="7" name="文本框 6"/>
+          <p:cNvSpPr txBox="1"/>
+          <p:nvPr/>
+        </p:nvSpPr>
+        <p:spPr>
+          <a:xfrm>
+            <a:off x="2303336" y="5445224"/>
+            <a:ext cx="972520" cy="461665"/>
+          </a:xfrm>
+          <a:prstGeom prst="rect">
+            <a:avLst/>
+          </a:prstGeom>
+          <a:noFill/>
+        </p:spPr>
+        <p:txBody>
+          <a:bodyPr wrap="square" rtlCol="0">
+            <a:spAutoFit/>
+          </a:bodyPr>
+          <a:lstStyle/>
+          <a:p>
+            <a:r>
+              <a:rPr lang="en-US" altLang="zh-CN" sz="2400" dirty="0" smtClean="0"/>
+              <a:t>miter</a:t>
+            </a:r>
+            <a:endParaRPr lang="zh-CN" altLang="en-US" sz="2400" dirty="0"/>
+          </a:p>
+        </p:txBody>
+      </p:sp>
+      <p:sp>
+        <p:nvSpPr>
+          <p:cNvPr id="8" name="文本框 7"/>
+          <p:cNvSpPr txBox="1"/>
+          <p:nvPr/>
+        </p:nvSpPr>
+        <p:spPr>
+          <a:xfrm>
+            <a:off x="3581684" y="5454755"/>
+            <a:ext cx="972520" cy="461665"/>
+          </a:xfrm>
+          <a:prstGeom prst="rect">
+            <a:avLst/>
+          </a:prstGeom>
+          <a:noFill/>
+        </p:spPr>
+        <p:txBody>
+          <a:bodyPr wrap="square" rtlCol="0">
+            <a:spAutoFit/>
+          </a:bodyPr>
+          <a:lstStyle/>
+          <a:p>
+            <a:r>
+              <a:rPr lang="en-US" altLang="zh-CN" sz="2400" dirty="0" smtClean="0"/>
+              <a:t>round</a:t>
+            </a:r>
+            <a:endParaRPr lang="zh-CN" altLang="en-US" sz="2400" dirty="0"/>
+          </a:p>
+        </p:txBody>
+      </p:sp>
+      <p:sp>
+        <p:nvSpPr>
+          <p:cNvPr id="9" name="文本框 8"/>
+          <p:cNvSpPr txBox="1"/>
+          <p:nvPr/>
+        </p:nvSpPr>
+        <p:spPr>
+          <a:xfrm>
+            <a:off x="4895624" y="5454755"/>
+            <a:ext cx="972520" cy="461665"/>
+          </a:xfrm>
+          <a:prstGeom prst="rect">
+            <a:avLst/>
+          </a:prstGeom>
+          <a:noFill/>
+        </p:spPr>
+        <p:txBody>
+          <a:bodyPr wrap="square" rtlCol="0">
+            <a:spAutoFit/>
+          </a:bodyPr>
+          <a:lstStyle/>
+          <a:p>
+            <a:r>
+              <a:rPr lang="en-US" altLang="zh-CN" sz="2400" dirty="0" smtClean="0"/>
+              <a:t>bevel</a:t>
+            </a:r>
+            <a:endParaRPr lang="zh-CN" altLang="en-US" sz="2400" dirty="0"/>
+          </a:p>
+        </p:txBody>
+      </p:sp>
+      <p:sp>
+        <p:nvSpPr>
+          <p:cNvPr id="10" name="矩形 9"/>
+          <p:cNvSpPr/>
+          <p:nvPr/>
+        </p:nvSpPr>
+        <p:spPr>
+          <a:xfrm>
+            <a:off x="2901697" y="3861000"/>
+            <a:ext cx="2296078" cy="461665"/>
+          </a:xfrm>
+          <a:prstGeom prst="rect">
+            <a:avLst/>
+          </a:prstGeom>
+        </p:spPr>
+        <p:txBody>
+          <a:bodyPr wrap="none">
+            <a:spAutoFit/>
+          </a:bodyPr>
+          <a:lstStyle/>
+          <a:p>
+            <a:r>
+              <a:rPr lang="en-US" altLang="zh-CN" sz="2400" dirty="0">
+                <a:solidFill>
+                  <a:schemeClr val="tx1">
+                    <a:lumMod val="75000"/>
+                    <a:lumOff val="25000"/>
+                  </a:schemeClr>
+                </a:solidFill>
+                <a:latin typeface="微软雅黑" pitchFamily="34" charset="-122"/>
+                <a:ea typeface="微软雅黑" pitchFamily="34" charset="-122"/>
+              </a:rPr>
+              <a:t>stroke-</a:t>
+            </a:r>
+            <a:r>
+              <a:rPr lang="en-US" altLang="zh-CN" sz="2400" dirty="0" err="1">
+                <a:solidFill>
+                  <a:schemeClr val="tx1">
+                    <a:lumMod val="75000"/>
+                    <a:lumOff val="25000"/>
+                  </a:schemeClr>
+                </a:solidFill>
+                <a:latin typeface="微软雅黑" pitchFamily="34" charset="-122"/>
+                <a:ea typeface="微软雅黑" pitchFamily="34" charset="-122"/>
+              </a:rPr>
+              <a:t>linejoin</a:t>
+            </a:r>
+            <a:endParaRPr lang="zh-CN" altLang="en-US" sz="2400" dirty="0"/>
+          </a:p>
+        </p:txBody>
+      </p:sp>
+    </p:spTree>
+    <p:extLst>
+      <p:ext uri="{BB962C8B-B14F-4D97-AF65-F5344CB8AC3E}">
+        <p14:creationId xmlns:p14="http://schemas.microsoft.com/office/powerpoint/2010/main" val="4190199133"/>
+      </p:ext>
+    </p:extLst>
+  </p:cSld>
+  <p:clrMapOvr>
+    <a:masterClrMapping/>
+  </p:clrMapOvr>
+</p:sld>
+</file>
+
+<file path=ppt/slides/slide22.xml><?xml version="1.0" encoding="utf-8"?>
+<p:sld xmlns:a="http://schemas.openxmlformats.org/drawingml/2006/main" xmlns:r="http://schemas.openxmlformats.org/officeDocument/2006/relationships" xmlns:p="http://schemas.openxmlformats.org/presentationml/2006/main">
+  <p:cSld>
+    <p:spTree>
+      <p:nvGrpSpPr>
+        <p:cNvPr id="1" name=""/>
+        <p:cNvGrpSpPr/>
+        <p:nvPr/>
+      </p:nvGrpSpPr>
+      <p:grpSpPr>
+        <a:xfrm>
+          <a:off x="0" y="0"/>
+          <a:ext cx="0" cy="0"/>
+          <a:chOff x="0" y="0"/>
+          <a:chExt cx="0" cy="0"/>
+        </a:xfrm>
+      </p:grpSpPr>
+      <p:pic>
+        <p:nvPicPr>
+          <p:cNvPr id="2" name="图片 1" descr="屏幕剪辑"/>
+          <p:cNvPicPr>
+            <a:picLocks noChangeAspect="1"/>
+          </p:cNvPicPr>
+          <p:nvPr/>
+        </p:nvPicPr>
+        <p:blipFill>
+          <a:blip r:embed="rId2">
+            <a:extLst>
+              <a:ext uri="{28A0092B-C50C-407E-A947-70E740481C1C}">
+                <a14:useLocalDpi xmlns:a14="http://schemas.microsoft.com/office/drawing/2010/main" val="0"/>
+              </a:ext>
+            </a:extLst>
+          </a:blip>
+          <a:stretch>
+            <a:fillRect/>
+          </a:stretch>
+        </p:blipFill>
+        <p:spPr>
+          <a:xfrm>
+            <a:off x="1907704" y="1086644"/>
+            <a:ext cx="1876687" cy="2486372"/>
+          </a:xfrm>
+          <a:prstGeom prst="rect">
+            <a:avLst/>
+          </a:prstGeom>
+        </p:spPr>
+      </p:pic>
+      <p:sp>
+        <p:nvSpPr>
+          <p:cNvPr id="3" name="文本框 2"/>
+          <p:cNvSpPr txBox="1"/>
+          <p:nvPr/>
+        </p:nvSpPr>
+        <p:spPr>
+          <a:xfrm>
+            <a:off x="3635896" y="1097719"/>
+            <a:ext cx="972520" cy="461665"/>
+          </a:xfrm>
+          <a:prstGeom prst="rect">
+            <a:avLst/>
+          </a:prstGeom>
+          <a:noFill/>
+        </p:spPr>
+        <p:txBody>
+          <a:bodyPr wrap="square" rtlCol="0">
+            <a:spAutoFit/>
+          </a:bodyPr>
+          <a:lstStyle/>
+          <a:p>
+            <a:r>
+              <a:rPr lang="en-US" altLang="zh-CN" sz="2400" dirty="0" smtClean="0"/>
+              <a:t>butt</a:t>
+            </a:r>
+            <a:endParaRPr lang="zh-CN" altLang="en-US" sz="2400" dirty="0"/>
+          </a:p>
+        </p:txBody>
+      </p:sp>
+      <p:sp>
+        <p:nvSpPr>
+          <p:cNvPr id="4" name="文本框 3"/>
+          <p:cNvSpPr txBox="1"/>
+          <p:nvPr/>
+        </p:nvSpPr>
+        <p:spPr>
+          <a:xfrm>
+            <a:off x="3635896" y="2098997"/>
+            <a:ext cx="972520" cy="461665"/>
+          </a:xfrm>
+          <a:prstGeom prst="rect">
+            <a:avLst/>
+          </a:prstGeom>
+          <a:noFill/>
+        </p:spPr>
+        <p:txBody>
+          <a:bodyPr wrap="square" rtlCol="0">
+            <a:spAutoFit/>
+          </a:bodyPr>
+          <a:lstStyle/>
+          <a:p>
+            <a:r>
+              <a:rPr lang="en-US" altLang="zh-CN" sz="2400" dirty="0" smtClean="0"/>
+              <a:t>round</a:t>
+            </a:r>
+            <a:endParaRPr lang="zh-CN" altLang="en-US" sz="2400" dirty="0"/>
+          </a:p>
+        </p:txBody>
+      </p:sp>
+      <p:sp>
+        <p:nvSpPr>
+          <p:cNvPr id="5" name="文本框 4"/>
+          <p:cNvSpPr txBox="1"/>
+          <p:nvPr/>
+        </p:nvSpPr>
+        <p:spPr>
+          <a:xfrm>
+            <a:off x="3635896" y="2929235"/>
+            <a:ext cx="1368152" cy="461665"/>
+          </a:xfrm>
+          <a:prstGeom prst="rect">
+            <a:avLst/>
+          </a:prstGeom>
+          <a:noFill/>
+        </p:spPr>
+        <p:txBody>
+          <a:bodyPr wrap="square" rtlCol="0">
+            <a:spAutoFit/>
+          </a:bodyPr>
+          <a:lstStyle/>
+          <a:p>
+            <a:r>
+              <a:rPr lang="en-US" altLang="zh-CN" sz="2400" dirty="0"/>
+              <a:t>square</a:t>
+            </a:r>
+            <a:endParaRPr lang="zh-CN" altLang="en-US" sz="2400" dirty="0"/>
+          </a:p>
+        </p:txBody>
+      </p:sp>
+      <p:sp>
+        <p:nvSpPr>
+          <p:cNvPr id="7" name="矩形 6"/>
+          <p:cNvSpPr/>
+          <p:nvPr/>
+        </p:nvSpPr>
+        <p:spPr>
+          <a:xfrm>
+            <a:off x="2555776" y="399684"/>
+            <a:ext cx="2296078" cy="461665"/>
+          </a:xfrm>
+          <a:prstGeom prst="rect">
+            <a:avLst/>
+          </a:prstGeom>
+        </p:spPr>
+        <p:txBody>
+          <a:bodyPr wrap="none">
+            <a:spAutoFit/>
+          </a:bodyPr>
+          <a:lstStyle/>
+          <a:p>
+            <a:r>
+              <a:rPr lang="en-US" altLang="zh-CN" sz="2400" dirty="0">
+                <a:solidFill>
+                  <a:schemeClr val="tx1">
+                    <a:lumMod val="75000"/>
+                    <a:lumOff val="25000"/>
+                  </a:schemeClr>
+                </a:solidFill>
+                <a:latin typeface="微软雅黑" pitchFamily="34" charset="-122"/>
+                <a:ea typeface="微软雅黑" pitchFamily="34" charset="-122"/>
+              </a:rPr>
+              <a:t>stroke-</a:t>
+            </a:r>
+            <a:r>
+              <a:rPr lang="en-US" altLang="zh-CN" sz="2400" dirty="0" err="1">
+                <a:solidFill>
+                  <a:schemeClr val="tx1">
+                    <a:lumMod val="75000"/>
+                    <a:lumOff val="25000"/>
+                  </a:schemeClr>
+                </a:solidFill>
+                <a:latin typeface="微软雅黑" pitchFamily="34" charset="-122"/>
+                <a:ea typeface="微软雅黑" pitchFamily="34" charset="-122"/>
+              </a:rPr>
+              <a:t>linecap</a:t>
+            </a:r>
+            <a:endParaRPr lang="zh-CN" altLang="en-US" sz="2400" dirty="0"/>
+          </a:p>
+        </p:txBody>
+      </p:sp>
+      <p:sp>
+        <p:nvSpPr>
+          <p:cNvPr id="8" name="矩形 7"/>
+          <p:cNvSpPr/>
+          <p:nvPr/>
+        </p:nvSpPr>
+        <p:spPr>
+          <a:xfrm>
+            <a:off x="963422" y="3584091"/>
+            <a:ext cx="7776864" cy="2308324"/>
+          </a:xfrm>
+          <a:prstGeom prst="rect">
+            <a:avLst/>
+          </a:prstGeom>
+        </p:spPr>
+        <p:txBody>
+          <a:bodyPr wrap="square">
+            <a:spAutoFit/>
+          </a:bodyPr>
+          <a:lstStyle/>
+          <a:p>
+            <a:pPr>
+              <a:lnSpc>
+                <a:spcPct val="150000"/>
+              </a:lnSpc>
+            </a:pPr>
+            <a:r>
+              <a:rPr lang="en-US" altLang="zh-CN" sz="2400" dirty="0" smtClean="0">
+                <a:solidFill>
+                  <a:schemeClr val="tx1">
+                    <a:lumMod val="75000"/>
+                    <a:lumOff val="25000"/>
+                  </a:schemeClr>
+                </a:solidFill>
+                <a:latin typeface="微软雅黑" pitchFamily="34" charset="-122"/>
+                <a:ea typeface="微软雅黑" pitchFamily="34" charset="-122"/>
+              </a:rPr>
+              <a:t>stroke-</a:t>
+            </a:r>
+            <a:r>
+              <a:rPr lang="en-US" altLang="zh-CN" sz="2400" dirty="0" err="1" smtClean="0">
+                <a:solidFill>
+                  <a:schemeClr val="tx1">
+                    <a:lumMod val="75000"/>
+                    <a:lumOff val="25000"/>
+                  </a:schemeClr>
+                </a:solidFill>
+                <a:latin typeface="微软雅黑" pitchFamily="34" charset="-122"/>
+                <a:ea typeface="微软雅黑" pitchFamily="34" charset="-122"/>
+              </a:rPr>
+              <a:t>linejoin</a:t>
+            </a:r>
+            <a:r>
+              <a:rPr lang="zh-CN" altLang="en-US" sz="2400" dirty="0" smtClean="0">
+                <a:solidFill>
+                  <a:schemeClr val="tx1">
+                    <a:lumMod val="75000"/>
+                    <a:lumOff val="25000"/>
+                  </a:schemeClr>
+                </a:solidFill>
+                <a:latin typeface="微软雅黑" pitchFamily="34" charset="-122"/>
+                <a:ea typeface="微软雅黑" pitchFamily="34" charset="-122"/>
+              </a:rPr>
+              <a:t>设置描边连接处的样式</a:t>
+            </a:r>
+            <a:r>
+              <a:rPr lang="en-US" altLang="zh-CN" sz="2400" dirty="0" smtClean="0">
+                <a:solidFill>
+                  <a:schemeClr val="tx1">
+                    <a:lumMod val="75000"/>
+                    <a:lumOff val="25000"/>
+                  </a:schemeClr>
+                </a:solidFill>
+                <a:latin typeface="微软雅黑" pitchFamily="34" charset="-122"/>
+                <a:ea typeface="微软雅黑" pitchFamily="34" charset="-122"/>
+              </a:rPr>
+              <a:t> </a:t>
+            </a:r>
+          </a:p>
+          <a:p>
+            <a:pPr>
+              <a:lnSpc>
+                <a:spcPct val="150000"/>
+              </a:lnSpc>
+            </a:pPr>
+            <a:r>
+              <a:rPr lang="en-US" altLang="zh-CN" sz="2400" dirty="0" smtClean="0">
+                <a:solidFill>
+                  <a:schemeClr val="tx1">
+                    <a:lumMod val="75000"/>
+                    <a:lumOff val="25000"/>
+                  </a:schemeClr>
+                </a:solidFill>
+                <a:latin typeface="微软雅黑" pitchFamily="34" charset="-122"/>
+                <a:ea typeface="微软雅黑" pitchFamily="34" charset="-122"/>
+              </a:rPr>
+              <a:t>stroke-</a:t>
+            </a:r>
+            <a:r>
+              <a:rPr lang="en-US" altLang="zh-CN" sz="2400" dirty="0" err="1" smtClean="0">
+                <a:solidFill>
+                  <a:schemeClr val="tx1">
+                    <a:lumMod val="75000"/>
+                    <a:lumOff val="25000"/>
+                  </a:schemeClr>
+                </a:solidFill>
+                <a:latin typeface="微软雅黑" pitchFamily="34" charset="-122"/>
+                <a:ea typeface="微软雅黑" pitchFamily="34" charset="-122"/>
+              </a:rPr>
+              <a:t>linecap</a:t>
+            </a:r>
+            <a:r>
+              <a:rPr lang="zh-CN" altLang="en-US" sz="2400" dirty="0" smtClean="0">
+                <a:solidFill>
+                  <a:schemeClr val="tx1">
+                    <a:lumMod val="75000"/>
+                    <a:lumOff val="25000"/>
+                  </a:schemeClr>
+                </a:solidFill>
+                <a:latin typeface="微软雅黑" pitchFamily="34" charset="-122"/>
+                <a:ea typeface="微软雅黑" pitchFamily="34" charset="-122"/>
+              </a:rPr>
+              <a:t>设置描边端点处的样式。</a:t>
+            </a:r>
+            <a:endParaRPr lang="en-US" altLang="zh-CN" sz="2400" dirty="0" smtClean="0">
+              <a:solidFill>
+                <a:schemeClr val="tx1">
+                  <a:lumMod val="75000"/>
+                  <a:lumOff val="25000"/>
+                </a:schemeClr>
+              </a:solidFill>
+              <a:latin typeface="微软雅黑" pitchFamily="34" charset="-122"/>
+              <a:ea typeface="微软雅黑" pitchFamily="34" charset="-122"/>
+            </a:endParaRPr>
+          </a:p>
+          <a:p>
+            <a:pPr>
+              <a:lnSpc>
+                <a:spcPct val="150000"/>
+              </a:lnSpc>
+            </a:pPr>
+            <a:r>
+              <a:rPr lang="zh-CN" altLang="en-US" sz="2400" dirty="0" smtClean="0">
+                <a:solidFill>
+                  <a:schemeClr val="tx1">
+                    <a:lumMod val="75000"/>
+                    <a:lumOff val="25000"/>
+                  </a:schemeClr>
+                </a:solidFill>
+                <a:latin typeface="微软雅黑" pitchFamily="34" charset="-122"/>
+                <a:ea typeface="微软雅黑" pitchFamily="34" charset="-122"/>
+              </a:rPr>
+              <a:t>我们的字母书写动画，使用如下所示设置：</a:t>
+            </a:r>
+            <a:endParaRPr lang="zh-CN" altLang="en-US" sz="2400" dirty="0"/>
+          </a:p>
+          <a:p>
+            <a:pPr>
+              <a:lnSpc>
+                <a:spcPct val="150000"/>
+              </a:lnSpc>
+            </a:pPr>
+            <a:endParaRPr lang="en-US" altLang="zh-CN" sz="2400" dirty="0">
+              <a:solidFill>
+                <a:schemeClr val="tx1">
+                  <a:lumMod val="75000"/>
+                  <a:lumOff val="25000"/>
+                </a:schemeClr>
+              </a:solidFill>
+              <a:latin typeface="微软雅黑" pitchFamily="34" charset="-122"/>
+              <a:ea typeface="微软雅黑" pitchFamily="34" charset="-122"/>
+            </a:endParaRPr>
+          </a:p>
+        </p:txBody>
+      </p:sp>
+      <p:pic>
+        <p:nvPicPr>
+          <p:cNvPr id="10" name="图片 9" descr="屏幕剪辑"/>
+          <p:cNvPicPr>
+            <a:picLocks noChangeAspect="1"/>
+          </p:cNvPicPr>
+          <p:nvPr/>
+        </p:nvPicPr>
+        <p:blipFill>
+          <a:blip r:embed="rId3">
+            <a:extLst>
+              <a:ext uri="{28A0092B-C50C-407E-A947-70E740481C1C}">
+                <a14:useLocalDpi xmlns:a14="http://schemas.microsoft.com/office/drawing/2010/main" val="0"/>
+              </a:ext>
+            </a:extLst>
+          </a:blip>
+          <a:stretch>
+            <a:fillRect/>
+          </a:stretch>
+        </p:blipFill>
+        <p:spPr>
+          <a:xfrm>
+            <a:off x="2189662" y="5578046"/>
+            <a:ext cx="2800741" cy="628738"/>
           </a:xfrm>
           <a:prstGeom prst="rect">
             <a:avLst/>
@@ -7842,7 +10062,7 @@
     </p:spTree>
     <p:extLst>
       <p:ext uri="{BB962C8B-B14F-4D97-AF65-F5344CB8AC3E}">
-        <p14:creationId xmlns:p14="http://schemas.microsoft.com/office/powerpoint/2010/main" val="4190199133"/>
+        <p14:creationId xmlns:p14="http://schemas.microsoft.com/office/powerpoint/2010/main" val="2673061676"/>
       </p:ext>
     </p:extLst>
   </p:cSld>
@@ -7852,7 +10072,1199 @@
 </p:sld>
 </file>
 
-<file path=ppt/slides/slide21.xml><?xml version="1.0" encoding="utf-8"?>
+<file path=ppt/slides/slide23.xml><?xml version="1.0" encoding="utf-8"?>
+<p:sld xmlns:a="http://schemas.openxmlformats.org/drawingml/2006/main" xmlns:r="http://schemas.openxmlformats.org/officeDocument/2006/relationships" xmlns:p="http://schemas.openxmlformats.org/presentationml/2006/main">
+  <p:cSld>
+    <p:spTree>
+      <p:nvGrpSpPr>
+        <p:cNvPr id="1" name=""/>
+        <p:cNvGrpSpPr/>
+        <p:nvPr/>
+      </p:nvGrpSpPr>
+      <p:grpSpPr>
+        <a:xfrm>
+          <a:off x="0" y="0"/>
+          <a:ext cx="0" cy="0"/>
+          <a:chOff x="0" y="0"/>
+          <a:chExt cx="0" cy="0"/>
+        </a:xfrm>
+      </p:grpSpPr>
+      <p:sp>
+        <p:nvSpPr>
+          <p:cNvPr id="2" name="矩形 1"/>
+          <p:cNvSpPr/>
+          <p:nvPr/>
+        </p:nvSpPr>
+        <p:spPr>
+          <a:xfrm>
+            <a:off x="899592" y="188640"/>
+            <a:ext cx="7776864" cy="5632311"/>
+          </a:xfrm>
+          <a:prstGeom prst="rect">
+            <a:avLst/>
+          </a:prstGeom>
+        </p:spPr>
+        <p:txBody>
+          <a:bodyPr wrap="square">
+            <a:spAutoFit/>
+          </a:bodyPr>
+          <a:lstStyle/>
+          <a:p>
+            <a:pPr>
+              <a:lnSpc>
+                <a:spcPct val="150000"/>
+              </a:lnSpc>
+            </a:pPr>
+            <a:r>
+              <a:rPr lang="en-US" altLang="zh-CN" sz="2400" b="1" dirty="0" smtClean="0">
+                <a:solidFill>
+                  <a:schemeClr val="tx1">
+                    <a:lumMod val="75000"/>
+                    <a:lumOff val="25000"/>
+                  </a:schemeClr>
+                </a:solidFill>
+                <a:latin typeface="微软雅黑" pitchFamily="34" charset="-122"/>
+                <a:ea typeface="微软雅黑" pitchFamily="34" charset="-122"/>
+              </a:rPr>
+              <a:t>5-b </a:t>
+            </a:r>
+            <a:r>
+              <a:rPr lang="zh-CN" altLang="en-US" sz="2400" b="1" dirty="0" smtClean="0">
+                <a:solidFill>
+                  <a:schemeClr val="tx1">
+                    <a:lumMod val="75000"/>
+                    <a:lumOff val="25000"/>
+                  </a:schemeClr>
+                </a:solidFill>
+                <a:latin typeface="微软雅黑" pitchFamily="34" charset="-122"/>
+                <a:ea typeface="微软雅黑" pitchFamily="34" charset="-122"/>
+              </a:rPr>
+              <a:t>路径的长度</a:t>
+            </a:r>
+            <a:endParaRPr lang="en-US" altLang="zh-CN" sz="2400" b="1" dirty="0" smtClean="0">
+              <a:solidFill>
+                <a:schemeClr val="tx1">
+                  <a:lumMod val="75000"/>
+                  <a:lumOff val="25000"/>
+                </a:schemeClr>
+              </a:solidFill>
+              <a:latin typeface="微软雅黑" pitchFamily="34" charset="-122"/>
+              <a:ea typeface="微软雅黑" pitchFamily="34" charset="-122"/>
+            </a:endParaRPr>
+          </a:p>
+          <a:p>
+            <a:pPr>
+              <a:lnSpc>
+                <a:spcPct val="150000"/>
+              </a:lnSpc>
+            </a:pPr>
+            <a:r>
+              <a:rPr lang="en-US" altLang="zh-CN" sz="2400" dirty="0" smtClean="0">
+                <a:solidFill>
+                  <a:schemeClr val="tx1">
+                    <a:lumMod val="75000"/>
+                    <a:lumOff val="25000"/>
+                  </a:schemeClr>
+                </a:solidFill>
+                <a:latin typeface="微软雅黑" pitchFamily="34" charset="-122"/>
+                <a:ea typeface="微软雅黑" pitchFamily="34" charset="-122"/>
+              </a:rPr>
+              <a:t>stroke-</a:t>
+            </a:r>
+            <a:r>
+              <a:rPr lang="en-US" altLang="zh-CN" sz="2400" dirty="0" err="1" smtClean="0">
+                <a:solidFill>
+                  <a:schemeClr val="tx1">
+                    <a:lumMod val="75000"/>
+                    <a:lumOff val="25000"/>
+                  </a:schemeClr>
+                </a:solidFill>
+                <a:latin typeface="微软雅黑" pitchFamily="34" charset="-122"/>
+                <a:ea typeface="微软雅黑" pitchFamily="34" charset="-122"/>
+              </a:rPr>
+              <a:t>dasharray</a:t>
+            </a:r>
+            <a:r>
+              <a:rPr lang="zh-CN" altLang="en-US" sz="2400" dirty="0" smtClean="0">
+                <a:solidFill>
+                  <a:schemeClr val="tx1">
+                    <a:lumMod val="75000"/>
+                    <a:lumOff val="25000"/>
+                  </a:schemeClr>
+                </a:solidFill>
+                <a:latin typeface="微软雅黑" pitchFamily="34" charset="-122"/>
+                <a:ea typeface="微软雅黑" pitchFamily="34" charset="-122"/>
+              </a:rPr>
+              <a:t>属性需要设置为：大于等于路径长度才能实现类似书写的效果，那么这么多不规则的路径如何获取路径长度呢？我们可以通过</a:t>
+            </a:r>
+            <a:r>
+              <a:rPr lang="en-US" altLang="zh-CN" sz="2400" dirty="0" smtClean="0">
+                <a:solidFill>
+                  <a:schemeClr val="tx1">
+                    <a:lumMod val="75000"/>
+                    <a:lumOff val="25000"/>
+                  </a:schemeClr>
+                </a:solidFill>
+                <a:latin typeface="微软雅黑" pitchFamily="34" charset="-122"/>
+                <a:ea typeface="微软雅黑" pitchFamily="34" charset="-122"/>
+              </a:rPr>
+              <a:t>JS</a:t>
+            </a:r>
+            <a:r>
+              <a:rPr lang="zh-CN" altLang="en-US" sz="2400" dirty="0" smtClean="0">
+                <a:solidFill>
+                  <a:schemeClr val="tx1">
+                    <a:lumMod val="75000"/>
+                    <a:lumOff val="25000"/>
+                  </a:schemeClr>
+                </a:solidFill>
+                <a:latin typeface="微软雅黑" pitchFamily="34" charset="-122"/>
+                <a:ea typeface="微软雅黑" pitchFamily="34" charset="-122"/>
+              </a:rPr>
+              <a:t>的函数来获取。</a:t>
+            </a:r>
+            <a:r>
+              <a:rPr lang="en-US" altLang="zh-CN" sz="2400" dirty="0" smtClean="0">
+                <a:solidFill>
+                  <a:schemeClr val="tx1">
+                    <a:lumMod val="75000"/>
+                    <a:lumOff val="25000"/>
+                  </a:schemeClr>
+                </a:solidFill>
+                <a:latin typeface="微软雅黑" pitchFamily="34" charset="-122"/>
+                <a:ea typeface="微软雅黑" pitchFamily="34" charset="-122"/>
+              </a:rPr>
+              <a:t>SVG1.1</a:t>
+            </a:r>
+            <a:r>
+              <a:rPr lang="zh-CN" altLang="en-US" sz="2400" dirty="0" smtClean="0">
+                <a:solidFill>
+                  <a:schemeClr val="tx1">
+                    <a:lumMod val="75000"/>
+                    <a:lumOff val="25000"/>
+                  </a:schemeClr>
+                </a:solidFill>
+                <a:latin typeface="微软雅黑" pitchFamily="34" charset="-122"/>
+                <a:ea typeface="微软雅黑" pitchFamily="34" charset="-122"/>
+              </a:rPr>
+              <a:t>是被</a:t>
+            </a:r>
+            <a:r>
+              <a:rPr lang="en-US" altLang="zh-CN" sz="2400" dirty="0" smtClean="0">
+                <a:solidFill>
+                  <a:schemeClr val="tx1">
+                    <a:lumMod val="75000"/>
+                    <a:lumOff val="25000"/>
+                  </a:schemeClr>
+                </a:solidFill>
+                <a:latin typeface="微软雅黑" pitchFamily="34" charset="-122"/>
+                <a:ea typeface="微软雅黑" pitchFamily="34" charset="-122"/>
+              </a:rPr>
+              <a:t>html</a:t>
+            </a:r>
+            <a:r>
+              <a:rPr lang="zh-CN" altLang="en-US" sz="2400" dirty="0" smtClean="0">
+                <a:solidFill>
+                  <a:schemeClr val="tx1">
+                    <a:lumMod val="75000"/>
+                    <a:lumOff val="25000"/>
+                  </a:schemeClr>
+                </a:solidFill>
+                <a:latin typeface="微软雅黑" pitchFamily="34" charset="-122"/>
+                <a:ea typeface="微软雅黑" pitchFamily="34" charset="-122"/>
+              </a:rPr>
+              <a:t>的标准所支持的，当然提供了相应的函数接口来操作它。获取路径长度函数为</a:t>
+            </a:r>
+            <a:r>
+              <a:rPr lang="en-US" altLang="zh-CN" sz="2400" dirty="0" err="1" smtClean="0"/>
+              <a:t>getTotalLength</a:t>
+            </a:r>
+            <a:r>
+              <a:rPr lang="en-US" altLang="zh-CN" sz="2400" dirty="0" smtClean="0"/>
+              <a:t>()</a:t>
+            </a:r>
+            <a:r>
+              <a:rPr lang="zh-CN" altLang="en-US" sz="2400" dirty="0" smtClean="0"/>
+              <a:t>。</a:t>
+            </a:r>
+            <a:endParaRPr lang="en-US" altLang="zh-CN" sz="2400" dirty="0" smtClean="0"/>
+          </a:p>
+          <a:p>
+            <a:pPr>
+              <a:lnSpc>
+                <a:spcPct val="150000"/>
+              </a:lnSpc>
+            </a:pPr>
+            <a:r>
+              <a:rPr lang="zh-CN" altLang="en-US" sz="2400" dirty="0" smtClean="0">
+                <a:solidFill>
+                  <a:schemeClr val="tx1">
+                    <a:lumMod val="75000"/>
+                    <a:lumOff val="25000"/>
+                  </a:schemeClr>
+                </a:solidFill>
+                <a:latin typeface="微软雅黑" pitchFamily="34" charset="-122"/>
+                <a:ea typeface="微软雅黑" pitchFamily="34" charset="-122"/>
+              </a:rPr>
+              <a:t>我们可以在</a:t>
+            </a:r>
+            <a:r>
+              <a:rPr lang="en-US" altLang="zh-CN" sz="2400" dirty="0" smtClean="0">
+                <a:solidFill>
+                  <a:schemeClr val="tx1">
+                    <a:lumMod val="75000"/>
+                    <a:lumOff val="25000"/>
+                  </a:schemeClr>
+                </a:solidFill>
+                <a:latin typeface="微软雅黑" pitchFamily="34" charset="-122"/>
+                <a:ea typeface="微软雅黑" pitchFamily="34" charset="-122"/>
+              </a:rPr>
+              <a:t>chrome</a:t>
+            </a:r>
+            <a:r>
+              <a:rPr lang="zh-CN" altLang="en-US" sz="2400" dirty="0" smtClean="0">
+                <a:solidFill>
+                  <a:schemeClr val="tx1">
+                    <a:lumMod val="75000"/>
+                    <a:lumOff val="25000"/>
+                  </a:schemeClr>
+                </a:solidFill>
+                <a:latin typeface="微软雅黑" pitchFamily="34" charset="-122"/>
+                <a:ea typeface="微软雅黑" pitchFamily="34" charset="-122"/>
+              </a:rPr>
+              <a:t>浏览器调试工具中选中相应路径，然后使用</a:t>
+            </a:r>
+            <a:r>
+              <a:rPr lang="en-US" altLang="zh-CN" sz="2400" dirty="0" smtClean="0">
+                <a:solidFill>
+                  <a:schemeClr val="tx1">
+                    <a:lumMod val="75000"/>
+                    <a:lumOff val="25000"/>
+                  </a:schemeClr>
+                </a:solidFill>
+                <a:latin typeface="微软雅黑" pitchFamily="34" charset="-122"/>
+                <a:ea typeface="微软雅黑" pitchFamily="34" charset="-122"/>
+              </a:rPr>
+              <a:t>$0.getTotalLength()</a:t>
+            </a:r>
+            <a:r>
+              <a:rPr lang="zh-CN" altLang="en-US" sz="2400" dirty="0" smtClean="0">
+                <a:solidFill>
+                  <a:schemeClr val="tx1">
+                    <a:lumMod val="75000"/>
+                    <a:lumOff val="25000"/>
+                  </a:schemeClr>
+                </a:solidFill>
+                <a:latin typeface="微软雅黑" pitchFamily="34" charset="-122"/>
+                <a:ea typeface="微软雅黑" pitchFamily="34" charset="-122"/>
+              </a:rPr>
+              <a:t>来打印出相应路径长度，选出最长的。最后我们发现，最长的路径是字母“</a:t>
+            </a:r>
+            <a:r>
+              <a:rPr lang="en-US" altLang="zh-CN" sz="2400" dirty="0" smtClean="0">
+                <a:solidFill>
+                  <a:schemeClr val="tx1">
+                    <a:lumMod val="75000"/>
+                    <a:lumOff val="25000"/>
+                  </a:schemeClr>
+                </a:solidFill>
+                <a:latin typeface="微软雅黑" pitchFamily="34" charset="-122"/>
+                <a:ea typeface="微软雅黑" pitchFamily="34" charset="-122"/>
+              </a:rPr>
+              <a:t>g</a:t>
+            </a:r>
+            <a:r>
+              <a:rPr lang="zh-CN" altLang="en-US" sz="2400" dirty="0" smtClean="0">
+                <a:solidFill>
+                  <a:schemeClr val="tx1">
+                    <a:lumMod val="75000"/>
+                    <a:lumOff val="25000"/>
+                  </a:schemeClr>
+                </a:solidFill>
+                <a:latin typeface="微软雅黑" pitchFamily="34" charset="-122"/>
+                <a:ea typeface="微软雅黑" pitchFamily="34" charset="-122"/>
+              </a:rPr>
+              <a:t>”的路径，大约</a:t>
+            </a:r>
+            <a:r>
+              <a:rPr lang="en-US" altLang="zh-CN" sz="2400" dirty="0" smtClean="0">
+                <a:solidFill>
+                  <a:schemeClr val="tx1">
+                    <a:lumMod val="75000"/>
+                    <a:lumOff val="25000"/>
+                  </a:schemeClr>
+                </a:solidFill>
+                <a:latin typeface="微软雅黑" pitchFamily="34" charset="-122"/>
+                <a:ea typeface="微软雅黑" pitchFamily="34" charset="-122"/>
+              </a:rPr>
+              <a:t>560</a:t>
+            </a:r>
+            <a:r>
+              <a:rPr lang="zh-CN" altLang="en-US" sz="2400" dirty="0" smtClean="0">
+                <a:solidFill>
+                  <a:schemeClr val="tx1">
+                    <a:lumMod val="75000"/>
+                    <a:lumOff val="25000"/>
+                  </a:schemeClr>
+                </a:solidFill>
+                <a:latin typeface="微软雅黑" pitchFamily="34" charset="-122"/>
+                <a:ea typeface="微软雅黑" pitchFamily="34" charset="-122"/>
+              </a:rPr>
+              <a:t>，所以我么所有的路径可以以此为标准设置。</a:t>
+            </a:r>
+            <a:endParaRPr lang="en-US" altLang="zh-CN" sz="2400" dirty="0" smtClean="0">
+              <a:solidFill>
+                <a:schemeClr val="tx1">
+                  <a:lumMod val="75000"/>
+                  <a:lumOff val="25000"/>
+                </a:schemeClr>
+              </a:solidFill>
+              <a:latin typeface="微软雅黑" pitchFamily="34" charset="-122"/>
+              <a:ea typeface="微软雅黑" pitchFamily="34" charset="-122"/>
+            </a:endParaRPr>
+          </a:p>
+        </p:txBody>
+      </p:sp>
+      <p:pic>
+        <p:nvPicPr>
+          <p:cNvPr id="4" name="图片 3" descr="屏幕剪辑"/>
+          <p:cNvPicPr>
+            <a:picLocks noChangeAspect="1"/>
+          </p:cNvPicPr>
+          <p:nvPr/>
+        </p:nvPicPr>
+        <p:blipFill>
+          <a:blip r:embed="rId2">
+            <a:extLst>
+              <a:ext uri="{28A0092B-C50C-407E-A947-70E740481C1C}">
+                <a14:useLocalDpi xmlns:a14="http://schemas.microsoft.com/office/drawing/2010/main" val="0"/>
+              </a:ext>
+            </a:extLst>
+          </a:blip>
+          <a:stretch>
+            <a:fillRect/>
+          </a:stretch>
+        </p:blipFill>
+        <p:spPr>
+          <a:xfrm>
+            <a:off x="2627784" y="5820951"/>
+            <a:ext cx="2695951" cy="695422"/>
+          </a:xfrm>
+          <a:prstGeom prst="rect">
+            <a:avLst/>
+          </a:prstGeom>
+          <a:ln>
+            <a:noFill/>
+          </a:ln>
+          <a:effectLst>
+            <a:outerShdw blurRad="292100" dist="139700" dir="2700000" algn="tl" rotWithShape="0">
+              <a:srgbClr val="333333">
+                <a:alpha val="65000"/>
+              </a:srgbClr>
+            </a:outerShdw>
+          </a:effectLst>
+        </p:spPr>
+      </p:pic>
+    </p:spTree>
+    <p:extLst>
+      <p:ext uri="{BB962C8B-B14F-4D97-AF65-F5344CB8AC3E}">
+        <p14:creationId xmlns:p14="http://schemas.microsoft.com/office/powerpoint/2010/main" val="830682692"/>
+      </p:ext>
+    </p:extLst>
+  </p:cSld>
+  <p:clrMapOvr>
+    <a:masterClrMapping/>
+  </p:clrMapOvr>
+</p:sld>
+</file>
+
+<file path=ppt/slides/slide24.xml><?xml version="1.0" encoding="utf-8"?>
+<p:sld xmlns:a="http://schemas.openxmlformats.org/drawingml/2006/main" xmlns:r="http://schemas.openxmlformats.org/officeDocument/2006/relationships" xmlns:p="http://schemas.openxmlformats.org/presentationml/2006/main">
+  <p:cSld>
+    <p:spTree>
+      <p:nvGrpSpPr>
+        <p:cNvPr id="1" name=""/>
+        <p:cNvGrpSpPr/>
+        <p:nvPr/>
+      </p:nvGrpSpPr>
+      <p:grpSpPr>
+        <a:xfrm>
+          <a:off x="0" y="0"/>
+          <a:ext cx="0" cy="0"/>
+          <a:chOff x="0" y="0"/>
+          <a:chExt cx="0" cy="0"/>
+        </a:xfrm>
+      </p:grpSpPr>
+      <p:pic>
+        <p:nvPicPr>
+          <p:cNvPr id="2" name="图片 1" descr="屏幕剪辑"/>
+          <p:cNvPicPr>
+            <a:picLocks noChangeAspect="1"/>
+          </p:cNvPicPr>
+          <p:nvPr/>
+        </p:nvPicPr>
+        <p:blipFill>
+          <a:blip r:embed="rId2">
+            <a:extLst>
+              <a:ext uri="{28A0092B-C50C-407E-A947-70E740481C1C}">
+                <a14:useLocalDpi xmlns:a14="http://schemas.microsoft.com/office/drawing/2010/main" val="0"/>
+              </a:ext>
+            </a:extLst>
+          </a:blip>
+          <a:stretch>
+            <a:fillRect/>
+          </a:stretch>
+        </p:blipFill>
+        <p:spPr>
+          <a:xfrm>
+            <a:off x="1187624" y="332656"/>
+            <a:ext cx="7125694" cy="3801005"/>
+          </a:xfrm>
+          <a:prstGeom prst="rect">
+            <a:avLst/>
+          </a:prstGeom>
+          <a:ln>
+            <a:noFill/>
+          </a:ln>
+          <a:effectLst>
+            <a:outerShdw blurRad="292100" dist="139700" dir="2700000" algn="tl" rotWithShape="0">
+              <a:srgbClr val="333333">
+                <a:alpha val="65000"/>
+              </a:srgbClr>
+            </a:outerShdw>
+          </a:effectLst>
+        </p:spPr>
+      </p:pic>
+      <p:sp>
+        <p:nvSpPr>
+          <p:cNvPr id="3" name="矩形 2"/>
+          <p:cNvSpPr/>
+          <p:nvPr/>
+        </p:nvSpPr>
+        <p:spPr>
+          <a:xfrm>
+            <a:off x="6156176" y="3773621"/>
+            <a:ext cx="1152128" cy="360040"/>
+          </a:xfrm>
+          <a:prstGeom prst="rect">
+            <a:avLst/>
+          </a:prstGeom>
+          <a:noFill/>
+          <a:ln w="57150">
+            <a:solidFill>
+              <a:srgbClr val="FF0000"/>
+            </a:solidFill>
+          </a:ln>
+        </p:spPr>
+        <p:style>
+          <a:lnRef idx="2">
+            <a:schemeClr val="accent1">
+              <a:shade val="50000"/>
+            </a:schemeClr>
+          </a:lnRef>
+          <a:fillRef idx="1">
+            <a:schemeClr val="accent1"/>
+          </a:fillRef>
+          <a:effectRef idx="0">
+            <a:schemeClr val="accent1"/>
+          </a:effectRef>
+          <a:fontRef idx="minor">
+            <a:schemeClr val="lt1"/>
+          </a:fontRef>
+        </p:style>
+        <p:txBody>
+          <a:bodyPr rtlCol="0" anchor="ctr"/>
+          <a:lstStyle/>
+          <a:p>
+            <a:pPr algn="ctr"/>
+            <a:endParaRPr lang="zh-CN" altLang="en-US"/>
+          </a:p>
+        </p:txBody>
+      </p:sp>
+      <p:pic>
+        <p:nvPicPr>
+          <p:cNvPr id="6" name="图片 5" descr="屏幕剪辑"/>
+          <p:cNvPicPr>
+            <a:picLocks noChangeAspect="1"/>
+          </p:cNvPicPr>
+          <p:nvPr/>
+        </p:nvPicPr>
+        <p:blipFill>
+          <a:blip r:embed="rId3">
+            <a:extLst>
+              <a:ext uri="{28A0092B-C50C-407E-A947-70E740481C1C}">
+                <a14:useLocalDpi xmlns:a14="http://schemas.microsoft.com/office/drawing/2010/main" val="0"/>
+              </a:ext>
+            </a:extLst>
+          </a:blip>
+          <a:stretch>
+            <a:fillRect/>
+          </a:stretch>
+        </p:blipFill>
+        <p:spPr>
+          <a:xfrm>
+            <a:off x="1763688" y="4365104"/>
+            <a:ext cx="5391902" cy="2267266"/>
+          </a:xfrm>
+          <a:prstGeom prst="rect">
+            <a:avLst/>
+          </a:prstGeom>
+          <a:ln>
+            <a:noFill/>
+          </a:ln>
+          <a:effectLst>
+            <a:outerShdw blurRad="292100" dist="139700" dir="2700000" algn="tl" rotWithShape="0">
+              <a:srgbClr val="333333">
+                <a:alpha val="65000"/>
+              </a:srgbClr>
+            </a:outerShdw>
+          </a:effectLst>
+        </p:spPr>
+      </p:pic>
+      <p:sp>
+        <p:nvSpPr>
+          <p:cNvPr id="7" name="矩形 6"/>
+          <p:cNvSpPr/>
+          <p:nvPr/>
+        </p:nvSpPr>
+        <p:spPr>
+          <a:xfrm>
+            <a:off x="2123728" y="5373216"/>
+            <a:ext cx="2592288" cy="720080"/>
+          </a:xfrm>
+          <a:prstGeom prst="rect">
+            <a:avLst/>
+          </a:prstGeom>
+          <a:noFill/>
+          <a:ln w="57150">
+            <a:solidFill>
+              <a:srgbClr val="FF0000"/>
+            </a:solidFill>
+          </a:ln>
+        </p:spPr>
+        <p:style>
+          <a:lnRef idx="2">
+            <a:schemeClr val="accent1">
+              <a:shade val="50000"/>
+            </a:schemeClr>
+          </a:lnRef>
+          <a:fillRef idx="1">
+            <a:schemeClr val="accent1"/>
+          </a:fillRef>
+          <a:effectRef idx="0">
+            <a:schemeClr val="accent1"/>
+          </a:effectRef>
+          <a:fontRef idx="minor">
+            <a:schemeClr val="lt1"/>
+          </a:fontRef>
+        </p:style>
+        <p:txBody>
+          <a:bodyPr rtlCol="0" anchor="ctr"/>
+          <a:lstStyle/>
+          <a:p>
+            <a:pPr algn="ctr"/>
+            <a:endParaRPr lang="zh-CN" altLang="en-US"/>
+          </a:p>
+        </p:txBody>
+      </p:sp>
+      <p:sp>
+        <p:nvSpPr>
+          <p:cNvPr id="8" name="圆角矩形标注 7"/>
+          <p:cNvSpPr/>
+          <p:nvPr/>
+        </p:nvSpPr>
+        <p:spPr>
+          <a:xfrm>
+            <a:off x="4750471" y="5589240"/>
+            <a:ext cx="1477713" cy="576064"/>
+          </a:xfrm>
+          <a:prstGeom prst="wedgeRoundRectCallout">
+            <a:avLst>
+              <a:gd name="adj1" fmla="val -58561"/>
+              <a:gd name="adj2" fmla="val 20080"/>
+              <a:gd name="adj3" fmla="val 16667"/>
+            </a:avLst>
+          </a:prstGeom>
+        </p:spPr>
+        <p:style>
+          <a:lnRef idx="2">
+            <a:schemeClr val="accent5"/>
+          </a:lnRef>
+          <a:fillRef idx="1">
+            <a:schemeClr val="lt1"/>
+          </a:fillRef>
+          <a:effectRef idx="0">
+            <a:schemeClr val="accent5"/>
+          </a:effectRef>
+          <a:fontRef idx="minor">
+            <a:schemeClr val="dk1"/>
+          </a:fontRef>
+        </p:style>
+        <p:txBody>
+          <a:bodyPr rtlCol="0" anchor="ctr"/>
+          <a:lstStyle/>
+          <a:p>
+            <a:pPr>
+              <a:lnSpc>
+                <a:spcPct val="150000"/>
+              </a:lnSpc>
+            </a:pPr>
+            <a:r>
+              <a:rPr lang="en-US" altLang="zh-CN" sz="2000" dirty="0">
+                <a:solidFill>
+                  <a:schemeClr val="tx1">
+                    <a:lumMod val="75000"/>
+                    <a:lumOff val="25000"/>
+                  </a:schemeClr>
+                </a:solidFill>
+                <a:latin typeface="微软雅黑" pitchFamily="34" charset="-122"/>
+                <a:ea typeface="微软雅黑" pitchFamily="34" charset="-122"/>
+              </a:rPr>
+              <a:t> </a:t>
+            </a:r>
+            <a:r>
+              <a:rPr lang="zh-CN" altLang="en-US" sz="2000" dirty="0" smtClean="0">
+                <a:solidFill>
+                  <a:schemeClr val="tx1">
+                    <a:lumMod val="75000"/>
+                    <a:lumOff val="25000"/>
+                  </a:schemeClr>
+                </a:solidFill>
+                <a:latin typeface="微软雅黑" pitchFamily="34" charset="-122"/>
+                <a:ea typeface="微软雅黑" pitchFamily="34" charset="-122"/>
+              </a:rPr>
+              <a:t>路径长度</a:t>
+            </a:r>
+            <a:endParaRPr lang="en-US" altLang="zh-CN" sz="2000" dirty="0">
+              <a:solidFill>
+                <a:schemeClr val="tx1">
+                  <a:lumMod val="75000"/>
+                  <a:lumOff val="25000"/>
+                </a:schemeClr>
+              </a:solidFill>
+              <a:latin typeface="微软雅黑" pitchFamily="34" charset="-122"/>
+              <a:ea typeface="微软雅黑" pitchFamily="34" charset="-122"/>
+            </a:endParaRPr>
+          </a:p>
+        </p:txBody>
+      </p:sp>
+    </p:spTree>
+    <p:extLst>
+      <p:ext uri="{BB962C8B-B14F-4D97-AF65-F5344CB8AC3E}">
+        <p14:creationId xmlns:p14="http://schemas.microsoft.com/office/powerpoint/2010/main" val="202187408"/>
+      </p:ext>
+    </p:extLst>
+  </p:cSld>
+  <p:clrMapOvr>
+    <a:masterClrMapping/>
+  </p:clrMapOvr>
+</p:sld>
+</file>
+
+<file path=ppt/slides/slide25.xml><?xml version="1.0" encoding="utf-8"?>
+<p:sld xmlns:a="http://schemas.openxmlformats.org/drawingml/2006/main" xmlns:r="http://schemas.openxmlformats.org/officeDocument/2006/relationships" xmlns:p="http://schemas.openxmlformats.org/presentationml/2006/main">
+  <p:cSld>
+    <p:spTree>
+      <p:nvGrpSpPr>
+        <p:cNvPr id="1" name=""/>
+        <p:cNvGrpSpPr/>
+        <p:nvPr/>
+      </p:nvGrpSpPr>
+      <p:grpSpPr>
+        <a:xfrm>
+          <a:off x="0" y="0"/>
+          <a:ext cx="0" cy="0"/>
+          <a:chOff x="0" y="0"/>
+          <a:chExt cx="0" cy="0"/>
+        </a:xfrm>
+      </p:grpSpPr>
+      <p:sp>
+        <p:nvSpPr>
+          <p:cNvPr id="3" name="矩形 2"/>
+          <p:cNvSpPr/>
+          <p:nvPr/>
+        </p:nvSpPr>
+        <p:spPr>
+          <a:xfrm>
+            <a:off x="899592" y="188640"/>
+            <a:ext cx="7776864" cy="3416320"/>
+          </a:xfrm>
+          <a:prstGeom prst="rect">
+            <a:avLst/>
+          </a:prstGeom>
+        </p:spPr>
+        <p:txBody>
+          <a:bodyPr wrap="square">
+            <a:spAutoFit/>
+          </a:bodyPr>
+          <a:lstStyle/>
+          <a:p>
+            <a:pPr>
+              <a:lnSpc>
+                <a:spcPct val="150000"/>
+              </a:lnSpc>
+            </a:pPr>
+            <a:r>
+              <a:rPr lang="en-US" altLang="zh-CN" sz="2400" b="1" dirty="0" smtClean="0">
+                <a:solidFill>
+                  <a:schemeClr val="tx1">
+                    <a:lumMod val="75000"/>
+                    <a:lumOff val="25000"/>
+                  </a:schemeClr>
+                </a:solidFill>
+                <a:latin typeface="微软雅黑" pitchFamily="34" charset="-122"/>
+                <a:ea typeface="微软雅黑" pitchFamily="34" charset="-122"/>
+              </a:rPr>
+              <a:t>5-c 3</a:t>
+            </a:r>
+            <a:r>
+              <a:rPr lang="zh-CN" altLang="en-US" sz="2400" b="1" dirty="0" smtClean="0">
+                <a:solidFill>
+                  <a:schemeClr val="tx1">
+                    <a:lumMod val="75000"/>
+                    <a:lumOff val="25000"/>
+                  </a:schemeClr>
+                </a:solidFill>
+                <a:latin typeface="微软雅黑" pitchFamily="34" charset="-122"/>
+                <a:ea typeface="微软雅黑" pitchFamily="34" charset="-122"/>
+              </a:rPr>
+              <a:t>层路径动画</a:t>
+            </a:r>
+            <a:endParaRPr lang="en-US" altLang="zh-CN" sz="2400" b="1" dirty="0" smtClean="0">
+              <a:solidFill>
+                <a:schemeClr val="tx1">
+                  <a:lumMod val="75000"/>
+                  <a:lumOff val="25000"/>
+                </a:schemeClr>
+              </a:solidFill>
+              <a:latin typeface="微软雅黑" pitchFamily="34" charset="-122"/>
+              <a:ea typeface="微软雅黑" pitchFamily="34" charset="-122"/>
+            </a:endParaRPr>
+          </a:p>
+          <a:p>
+            <a:pPr>
+              <a:lnSpc>
+                <a:spcPct val="150000"/>
+              </a:lnSpc>
+            </a:pPr>
+            <a:r>
+              <a:rPr lang="en-US" altLang="zh-CN" sz="2400" dirty="0" smtClean="0">
+                <a:solidFill>
+                  <a:schemeClr val="tx1">
+                    <a:lumMod val="75000"/>
+                    <a:lumOff val="25000"/>
+                  </a:schemeClr>
+                </a:solidFill>
+                <a:latin typeface="微软雅黑" pitchFamily="34" charset="-122"/>
+                <a:ea typeface="微软雅黑" pitchFamily="34" charset="-122"/>
+              </a:rPr>
+              <a:t>3</a:t>
+            </a:r>
+            <a:r>
+              <a:rPr lang="zh-CN" altLang="en-US" sz="2400" dirty="0" smtClean="0">
+                <a:solidFill>
+                  <a:schemeClr val="tx1">
+                    <a:lumMod val="75000"/>
+                    <a:lumOff val="25000"/>
+                  </a:schemeClr>
+                </a:solidFill>
+                <a:latin typeface="微软雅黑" pitchFamily="34" charset="-122"/>
+                <a:ea typeface="微软雅黑" pitchFamily="34" charset="-122"/>
+              </a:rPr>
+              <a:t>层动画，我们依次让他们开始和结束，体现出有次序绘制的效果。但是我们并不通过设置动画时间和延迟来体现，这样不方便进行无限循环，延迟仅仅在第一次动画时有效果。所以我们采用相同动画时间，但是在不同的</a:t>
+            </a:r>
+            <a:r>
+              <a:rPr lang="en-US" altLang="zh-CN" sz="2400" dirty="0" err="1" smtClean="0">
+                <a:solidFill>
+                  <a:schemeClr val="tx1">
+                    <a:lumMod val="75000"/>
+                    <a:lumOff val="25000"/>
+                  </a:schemeClr>
+                </a:solidFill>
+                <a:latin typeface="微软雅黑" pitchFamily="34" charset="-122"/>
+                <a:ea typeface="微软雅黑" pitchFamily="34" charset="-122"/>
+              </a:rPr>
+              <a:t>keyframe</a:t>
+            </a:r>
+            <a:r>
+              <a:rPr lang="zh-CN" altLang="en-US" sz="2400" dirty="0" smtClean="0">
+                <a:solidFill>
+                  <a:schemeClr val="tx1">
+                    <a:lumMod val="75000"/>
+                    <a:lumOff val="25000"/>
+                  </a:schemeClr>
+                </a:solidFill>
+                <a:latin typeface="微软雅黑" pitchFamily="34" charset="-122"/>
+                <a:ea typeface="微软雅黑" pitchFamily="34" charset="-122"/>
+              </a:rPr>
+              <a:t>中设置不同的开始结束百分比来实现。</a:t>
+            </a:r>
+            <a:endParaRPr lang="en-US" altLang="zh-CN" sz="2400" dirty="0" smtClean="0">
+              <a:solidFill>
+                <a:schemeClr val="tx1">
+                  <a:lumMod val="75000"/>
+                  <a:lumOff val="25000"/>
+                </a:schemeClr>
+              </a:solidFill>
+              <a:latin typeface="微软雅黑" pitchFamily="34" charset="-122"/>
+              <a:ea typeface="微软雅黑" pitchFamily="34" charset="-122"/>
+            </a:endParaRPr>
+          </a:p>
+        </p:txBody>
+      </p:sp>
+    </p:spTree>
+    <p:extLst>
+      <p:ext uri="{BB962C8B-B14F-4D97-AF65-F5344CB8AC3E}">
+        <p14:creationId xmlns:p14="http://schemas.microsoft.com/office/powerpoint/2010/main" val="3892618494"/>
+      </p:ext>
+    </p:extLst>
+  </p:cSld>
+  <p:clrMapOvr>
+    <a:masterClrMapping/>
+  </p:clrMapOvr>
+</p:sld>
+</file>
+
+<file path=ppt/slides/slide26.xml><?xml version="1.0" encoding="utf-8"?>
+<p:sld xmlns:a="http://schemas.openxmlformats.org/drawingml/2006/main" xmlns:r="http://schemas.openxmlformats.org/officeDocument/2006/relationships" xmlns:p="http://schemas.openxmlformats.org/presentationml/2006/main">
+  <p:cSld>
+    <p:spTree>
+      <p:nvGrpSpPr>
+        <p:cNvPr id="1" name=""/>
+        <p:cNvGrpSpPr/>
+        <p:nvPr/>
+      </p:nvGrpSpPr>
+      <p:grpSpPr>
+        <a:xfrm>
+          <a:off x="0" y="0"/>
+          <a:ext cx="0" cy="0"/>
+          <a:chOff x="0" y="0"/>
+          <a:chExt cx="0" cy="0"/>
+        </a:xfrm>
+      </p:grpSpPr>
+      <p:pic>
+        <p:nvPicPr>
+          <p:cNvPr id="2" name="图片 1" descr="屏幕剪辑"/>
+          <p:cNvPicPr>
+            <a:picLocks noChangeAspect="1"/>
+          </p:cNvPicPr>
+          <p:nvPr/>
+        </p:nvPicPr>
+        <p:blipFill>
+          <a:blip r:embed="rId2">
+            <a:extLst>
+              <a:ext uri="{28A0092B-C50C-407E-A947-70E740481C1C}">
+                <a14:useLocalDpi xmlns:a14="http://schemas.microsoft.com/office/drawing/2010/main" val="0"/>
+              </a:ext>
+            </a:extLst>
+          </a:blip>
+          <a:stretch>
+            <a:fillRect/>
+          </a:stretch>
+        </p:blipFill>
+        <p:spPr>
+          <a:xfrm>
+            <a:off x="1547664" y="44624"/>
+            <a:ext cx="2999448" cy="6669360"/>
+          </a:xfrm>
+          <a:prstGeom prst="rect">
+            <a:avLst/>
+          </a:prstGeom>
+          <a:ln>
+            <a:noFill/>
+          </a:ln>
+          <a:effectLst>
+            <a:outerShdw blurRad="292100" dist="139700" dir="2700000" algn="tl" rotWithShape="0">
+              <a:srgbClr val="333333">
+                <a:alpha val="65000"/>
+              </a:srgbClr>
+            </a:outerShdw>
+          </a:effectLst>
+        </p:spPr>
+      </p:pic>
+      <p:sp>
+        <p:nvSpPr>
+          <p:cNvPr id="3" name="圆角矩形标注 2"/>
+          <p:cNvSpPr/>
+          <p:nvPr/>
+        </p:nvSpPr>
+        <p:spPr>
+          <a:xfrm>
+            <a:off x="4644008" y="358822"/>
+            <a:ext cx="2664296" cy="576064"/>
+          </a:xfrm>
+          <a:prstGeom prst="wedgeRoundRectCallout">
+            <a:avLst>
+              <a:gd name="adj1" fmla="val -58561"/>
+              <a:gd name="adj2" fmla="val 20080"/>
+              <a:gd name="adj3" fmla="val 16667"/>
+            </a:avLst>
+          </a:prstGeom>
+        </p:spPr>
+        <p:style>
+          <a:lnRef idx="2">
+            <a:schemeClr val="accent5"/>
+          </a:lnRef>
+          <a:fillRef idx="1">
+            <a:schemeClr val="lt1"/>
+          </a:fillRef>
+          <a:effectRef idx="0">
+            <a:schemeClr val="accent5"/>
+          </a:effectRef>
+          <a:fontRef idx="minor">
+            <a:schemeClr val="dk1"/>
+          </a:fontRef>
+        </p:style>
+        <p:txBody>
+          <a:bodyPr rtlCol="0" anchor="ctr"/>
+          <a:lstStyle/>
+          <a:p>
+            <a:pPr>
+              <a:lnSpc>
+                <a:spcPct val="150000"/>
+              </a:lnSpc>
+            </a:pPr>
+            <a:r>
+              <a:rPr lang="zh-CN" altLang="en-US" sz="2000" dirty="0">
+                <a:solidFill>
+                  <a:schemeClr val="tx1">
+                    <a:lumMod val="75000"/>
+                    <a:lumOff val="25000"/>
+                  </a:schemeClr>
+                </a:solidFill>
+                <a:latin typeface="微软雅黑" pitchFamily="34" charset="-122"/>
+                <a:ea typeface="微软雅黑" pitchFamily="34" charset="-122"/>
+              </a:rPr>
+              <a:t>最快</a:t>
+            </a:r>
+            <a:r>
+              <a:rPr lang="zh-CN" altLang="en-US" sz="2000" dirty="0" smtClean="0">
+                <a:solidFill>
+                  <a:schemeClr val="tx1">
+                    <a:lumMod val="75000"/>
+                    <a:lumOff val="25000"/>
+                  </a:schemeClr>
+                </a:solidFill>
+                <a:latin typeface="微软雅黑" pitchFamily="34" charset="-122"/>
+                <a:ea typeface="微软雅黑" pitchFamily="34" charset="-122"/>
+              </a:rPr>
+              <a:t>开始，</a:t>
+            </a:r>
+            <a:r>
+              <a:rPr lang="zh-CN" altLang="en-US" sz="2000" dirty="0">
+                <a:solidFill>
+                  <a:schemeClr val="tx1">
+                    <a:lumMod val="75000"/>
+                    <a:lumOff val="25000"/>
+                  </a:schemeClr>
+                </a:solidFill>
+                <a:latin typeface="微软雅黑" pitchFamily="34" charset="-122"/>
+                <a:ea typeface="微软雅黑" pitchFamily="34" charset="-122"/>
+              </a:rPr>
+              <a:t>最快</a:t>
+            </a:r>
+            <a:r>
+              <a:rPr lang="zh-CN" altLang="en-US" sz="2000" dirty="0" smtClean="0">
+                <a:solidFill>
+                  <a:schemeClr val="tx1">
+                    <a:lumMod val="75000"/>
+                    <a:lumOff val="25000"/>
+                  </a:schemeClr>
+                </a:solidFill>
+                <a:latin typeface="微软雅黑" pitchFamily="34" charset="-122"/>
+                <a:ea typeface="微软雅黑" pitchFamily="34" charset="-122"/>
+              </a:rPr>
+              <a:t>结束</a:t>
+            </a:r>
+            <a:endParaRPr lang="en-US" altLang="zh-CN" sz="2000" dirty="0">
+              <a:solidFill>
+                <a:schemeClr val="tx1">
+                  <a:lumMod val="75000"/>
+                  <a:lumOff val="25000"/>
+                </a:schemeClr>
+              </a:solidFill>
+              <a:latin typeface="微软雅黑" pitchFamily="34" charset="-122"/>
+              <a:ea typeface="微软雅黑" pitchFamily="34" charset="-122"/>
+            </a:endParaRPr>
+          </a:p>
+        </p:txBody>
+      </p:sp>
+      <p:sp>
+        <p:nvSpPr>
+          <p:cNvPr id="4" name="圆角矩形标注 3"/>
+          <p:cNvSpPr/>
+          <p:nvPr/>
+        </p:nvSpPr>
+        <p:spPr>
+          <a:xfrm>
+            <a:off x="4547112" y="2348880"/>
+            <a:ext cx="2761192" cy="576064"/>
+          </a:xfrm>
+          <a:prstGeom prst="wedgeRoundRectCallout">
+            <a:avLst>
+              <a:gd name="adj1" fmla="val -58561"/>
+              <a:gd name="adj2" fmla="val 20080"/>
+              <a:gd name="adj3" fmla="val 16667"/>
+            </a:avLst>
+          </a:prstGeom>
+        </p:spPr>
+        <p:style>
+          <a:lnRef idx="2">
+            <a:schemeClr val="accent5"/>
+          </a:lnRef>
+          <a:fillRef idx="1">
+            <a:schemeClr val="lt1"/>
+          </a:fillRef>
+          <a:effectRef idx="0">
+            <a:schemeClr val="accent5"/>
+          </a:effectRef>
+          <a:fontRef idx="minor">
+            <a:schemeClr val="dk1"/>
+          </a:fontRef>
+        </p:style>
+        <p:txBody>
+          <a:bodyPr rtlCol="0" anchor="ctr"/>
+          <a:lstStyle/>
+          <a:p>
+            <a:pPr>
+              <a:lnSpc>
+                <a:spcPct val="150000"/>
+              </a:lnSpc>
+            </a:pPr>
+            <a:r>
+              <a:rPr lang="en-US" altLang="zh-CN" sz="2000" dirty="0">
+                <a:solidFill>
+                  <a:schemeClr val="tx1">
+                    <a:lumMod val="75000"/>
+                    <a:lumOff val="25000"/>
+                  </a:schemeClr>
+                </a:solidFill>
+                <a:latin typeface="微软雅黑" pitchFamily="34" charset="-122"/>
+                <a:ea typeface="微软雅黑" pitchFamily="34" charset="-122"/>
+              </a:rPr>
+              <a:t> </a:t>
+            </a:r>
+            <a:r>
+              <a:rPr lang="zh-CN" altLang="en-US" sz="2000" dirty="0" smtClean="0">
+                <a:solidFill>
+                  <a:schemeClr val="tx1">
+                    <a:lumMod val="75000"/>
+                    <a:lumOff val="25000"/>
+                  </a:schemeClr>
+                </a:solidFill>
+                <a:latin typeface="微软雅黑" pitchFamily="34" charset="-122"/>
+                <a:ea typeface="微软雅黑" pitchFamily="34" charset="-122"/>
+              </a:rPr>
+              <a:t>第二开始，第二结束</a:t>
+            </a:r>
+            <a:endParaRPr lang="en-US" altLang="zh-CN" sz="2000" dirty="0">
+              <a:solidFill>
+                <a:schemeClr val="tx1">
+                  <a:lumMod val="75000"/>
+                  <a:lumOff val="25000"/>
+                </a:schemeClr>
+              </a:solidFill>
+              <a:latin typeface="微软雅黑" pitchFamily="34" charset="-122"/>
+              <a:ea typeface="微软雅黑" pitchFamily="34" charset="-122"/>
+            </a:endParaRPr>
+          </a:p>
+        </p:txBody>
+      </p:sp>
+      <p:sp>
+        <p:nvSpPr>
+          <p:cNvPr id="5" name="圆角矩形标注 4"/>
+          <p:cNvSpPr/>
+          <p:nvPr/>
+        </p:nvSpPr>
+        <p:spPr>
+          <a:xfrm>
+            <a:off x="4595560" y="4531432"/>
+            <a:ext cx="2712744" cy="576064"/>
+          </a:xfrm>
+          <a:prstGeom prst="wedgeRoundRectCallout">
+            <a:avLst>
+              <a:gd name="adj1" fmla="val -58561"/>
+              <a:gd name="adj2" fmla="val 20080"/>
+              <a:gd name="adj3" fmla="val 16667"/>
+            </a:avLst>
+          </a:prstGeom>
+        </p:spPr>
+        <p:style>
+          <a:lnRef idx="2">
+            <a:schemeClr val="accent5"/>
+          </a:lnRef>
+          <a:fillRef idx="1">
+            <a:schemeClr val="lt1"/>
+          </a:fillRef>
+          <a:effectRef idx="0">
+            <a:schemeClr val="accent5"/>
+          </a:effectRef>
+          <a:fontRef idx="minor">
+            <a:schemeClr val="dk1"/>
+          </a:fontRef>
+        </p:style>
+        <p:txBody>
+          <a:bodyPr rtlCol="0" anchor="ctr"/>
+          <a:lstStyle/>
+          <a:p>
+            <a:pPr>
+              <a:lnSpc>
+                <a:spcPct val="150000"/>
+              </a:lnSpc>
+            </a:pPr>
+            <a:r>
+              <a:rPr lang="en-US" altLang="zh-CN" sz="2000" dirty="0">
+                <a:solidFill>
+                  <a:schemeClr val="tx1">
+                    <a:lumMod val="75000"/>
+                    <a:lumOff val="25000"/>
+                  </a:schemeClr>
+                </a:solidFill>
+                <a:latin typeface="微软雅黑" pitchFamily="34" charset="-122"/>
+                <a:ea typeface="微软雅黑" pitchFamily="34" charset="-122"/>
+              </a:rPr>
+              <a:t> </a:t>
+            </a:r>
+            <a:r>
+              <a:rPr lang="zh-CN" altLang="en-US" sz="2000" dirty="0" smtClean="0">
+                <a:solidFill>
+                  <a:schemeClr val="tx1">
+                    <a:lumMod val="75000"/>
+                    <a:lumOff val="25000"/>
+                  </a:schemeClr>
+                </a:solidFill>
+                <a:latin typeface="微软雅黑" pitchFamily="34" charset="-122"/>
+                <a:ea typeface="微软雅黑" pitchFamily="34" charset="-122"/>
+              </a:rPr>
+              <a:t>最后开始，最后结束</a:t>
+            </a:r>
+            <a:endParaRPr lang="en-US" altLang="zh-CN" sz="2000" dirty="0">
+              <a:solidFill>
+                <a:schemeClr val="tx1">
+                  <a:lumMod val="75000"/>
+                  <a:lumOff val="25000"/>
+                </a:schemeClr>
+              </a:solidFill>
+              <a:latin typeface="微软雅黑" pitchFamily="34" charset="-122"/>
+              <a:ea typeface="微软雅黑" pitchFamily="34" charset="-122"/>
+            </a:endParaRPr>
+          </a:p>
+        </p:txBody>
+      </p:sp>
+    </p:spTree>
+    <p:extLst>
+      <p:ext uri="{BB962C8B-B14F-4D97-AF65-F5344CB8AC3E}">
+        <p14:creationId xmlns:p14="http://schemas.microsoft.com/office/powerpoint/2010/main" val="1194366286"/>
+      </p:ext>
+    </p:extLst>
+  </p:cSld>
+  <p:clrMapOvr>
+    <a:masterClrMapping/>
+  </p:clrMapOvr>
+</p:sld>
+</file>
+
+<file path=ppt/slides/slide27.xml><?xml version="1.0" encoding="utf-8"?>
 <p:sld xmlns:a="http://schemas.openxmlformats.org/drawingml/2006/main" xmlns:r="http://schemas.openxmlformats.org/officeDocument/2006/relationships" xmlns:p="http://schemas.openxmlformats.org/presentationml/2006/main">
   <p:cSld>
     <p:spTree>
@@ -8063,7 +11475,7 @@
         <p:spPr>
           <a:xfrm>
             <a:off x="467544" y="1268760"/>
-            <a:ext cx="7632848" cy="2862322"/>
+            <a:ext cx="7632848" cy="1754326"/>
           </a:xfrm>
           <a:prstGeom prst="rect">
             <a:avLst/>
@@ -8094,7 +11506,7 @@
                 <a:latin typeface="微软雅黑" pitchFamily="34" charset="-122"/>
                 <a:ea typeface="微软雅黑" pitchFamily="34" charset="-122"/>
               </a:rPr>
-              <a:t>使用</a:t>
+              <a:t>如果使用</a:t>
             </a:r>
             <a:r>
               <a:rPr lang="en-US" altLang="zh-CN" sz="2400" dirty="0" err="1" smtClean="0">
@@ -8107,7 +11519,7 @@
                 <a:latin typeface="微软雅黑" pitchFamily="34" charset="-122"/>
                 <a:ea typeface="微软雅黑" pitchFamily="34" charset="-122"/>
               </a:rPr>
-              <a:t>css</a:t>
+              <a:t>svg</a:t>
             </a:r>
             <a:r>
               <a:rPr lang="zh-CN" altLang="en-US" sz="2400" dirty="0" smtClean="0">
@@ -8120,7 +11532,7 @@
                 <a:latin typeface="微软雅黑" pitchFamily="34" charset="-122"/>
                 <a:ea typeface="微软雅黑" pitchFamily="34" charset="-122"/>
               </a:rPr>
-              <a:t>的属性</a:t>
+              <a:t>的</a:t>
             </a:r>
             <a:r>
               <a:rPr lang="en-US" altLang="zh-CN" sz="2400" dirty="0" smtClean="0">
@@ -8133,33 +11545,7 @@
                 <a:latin typeface="微软雅黑" pitchFamily="34" charset="-122"/>
                 <a:ea typeface="微软雅黑" pitchFamily="34" charset="-122"/>
               </a:rPr>
-              <a:t>-</a:t>
-            </a:r>
-            <a:r>
-              <a:rPr lang="en-US" altLang="zh-CN" sz="2400" dirty="0" err="1" smtClean="0">
-                <a:solidFill>
-                  <a:schemeClr val="tx1">
-                    <a:lumMod val="75000"/>
-                    <a:lumOff val="25000"/>
-                  </a:schemeClr>
-                </a:solidFill>
-                <a:latin typeface="微软雅黑" pitchFamily="34" charset="-122"/>
-                <a:ea typeface="微软雅黑" pitchFamily="34" charset="-122"/>
-              </a:rPr>
-              <a:t>webkit</a:t>
-            </a:r>
-            <a:r>
-              <a:rPr lang="en-US" altLang="zh-CN" sz="2400" dirty="0" smtClean="0">
-                <a:solidFill>
-                  <a:schemeClr val="tx1">
-                    <a:lumMod val="75000"/>
-                    <a:lumOff val="25000"/>
-                  </a:schemeClr>
-                </a:solidFill>
-                <a:latin typeface="微软雅黑" pitchFamily="34" charset="-122"/>
-                <a:ea typeface="微软雅黑" pitchFamily="34" charset="-122"/>
-              </a:rPr>
-              <a:t>-background-clip</a:t>
+              <a:t>&lt;text&gt;</a:t>
             </a:r>
             <a:r>
               <a:rPr lang="zh-CN" altLang="en-US" sz="2400" dirty="0" smtClean="0">
@@ -8172,7 +11558,7 @@
                 <a:latin typeface="微软雅黑" pitchFamily="34" charset="-122"/>
                 <a:ea typeface="微软雅黑" pitchFamily="34" charset="-122"/>
               </a:rPr>
-              <a:t>，可以否实现同样的效果？</a:t>
+              <a:t>标签，能有描边效果吗？</a:t>
             </a:r>
             <a:endParaRPr lang="en-US" altLang="zh-CN" sz="2400" dirty="0" smtClean="0">
               <a:solidFill>
@@ -8204,20 +11590,20 @@
                 <a:latin typeface="微软雅黑" pitchFamily="34" charset="-122"/>
                 <a:ea typeface="微软雅黑" pitchFamily="34" charset="-122"/>
               </a:rPr>
-              <a:t>使用</a:t>
-            </a:r>
-            <a:r>
-              <a:rPr lang="en-US" altLang="zh-CN" sz="2400" dirty="0" err="1" smtClean="0">
-                <a:solidFill>
-                  <a:schemeClr val="tx1">
-                    <a:lumMod val="75000"/>
-                    <a:lumOff val="25000"/>
-                  </a:schemeClr>
-                </a:solidFill>
-                <a:latin typeface="微软雅黑" pitchFamily="34" charset="-122"/>
-                <a:ea typeface="微软雅黑" pitchFamily="34" charset="-122"/>
-              </a:rPr>
-              <a:t>svg</a:t>
+              <a:t>如果我们有一幅</a:t>
+            </a:r>
+            <a:r>
+              <a:rPr lang="en-US" altLang="zh-CN" sz="2400" dirty="0" smtClean="0">
+                <a:solidFill>
+                  <a:schemeClr val="tx1">
+                    <a:lumMod val="75000"/>
+                    <a:lumOff val="25000"/>
+                  </a:schemeClr>
+                </a:solidFill>
+                <a:latin typeface="微软雅黑" pitchFamily="34" charset="-122"/>
+                <a:ea typeface="微软雅黑" pitchFamily="34" charset="-122"/>
+              </a:rPr>
+              <a:t>path</a:t>
             </a:r>
             <a:r>
               <a:rPr lang="zh-CN" altLang="en-US" sz="2400" dirty="0" smtClean="0">
@@ -8230,117 +11616,7 @@
                 <a:latin typeface="微软雅黑" pitchFamily="34" charset="-122"/>
                 <a:ea typeface="微软雅黑" pitchFamily="34" charset="-122"/>
               </a:rPr>
-              <a:t>的</a:t>
-            </a:r>
-            <a:r>
-              <a:rPr lang="en-US" altLang="zh-CN" sz="2400" dirty="0" smtClean="0">
-                <a:solidFill>
-                  <a:schemeClr val="tx1">
-                    <a:lumMod val="75000"/>
-                    <a:lumOff val="25000"/>
-                  </a:schemeClr>
-                </a:solidFill>
-                <a:latin typeface="微软雅黑" pitchFamily="34" charset="-122"/>
-                <a:ea typeface="微软雅黑" pitchFamily="34" charset="-122"/>
-              </a:rPr>
-              <a:t>clip-path,</a:t>
-            </a:r>
-            <a:r>
-              <a:rPr lang="zh-CN" altLang="en-US" sz="2400" dirty="0" smtClean="0">
-                <a:solidFill>
-                  <a:schemeClr val="tx1">
-                    <a:lumMod val="75000"/>
-                    <a:lumOff val="25000"/>
-                  </a:schemeClr>
-                </a:solidFill>
-                <a:latin typeface="微软雅黑" pitchFamily="34" charset="-122"/>
-                <a:ea typeface="微软雅黑" pitchFamily="34" charset="-122"/>
-              </a:rPr>
-              <a:t>方式，能否实现同样的效果？</a:t>
-            </a:r>
-            <a:endParaRPr lang="en-US" altLang="zh-CN" sz="2400" dirty="0" smtClean="0">
-              <a:solidFill>
-                <a:schemeClr val="tx1">
-                  <a:lumMod val="75000"/>
-                  <a:lumOff val="25000"/>
-                </a:schemeClr>
-              </a:solidFill>
-              <a:latin typeface="微软雅黑" pitchFamily="34" charset="-122"/>
-              <a:ea typeface="微软雅黑" pitchFamily="34" charset="-122"/>
-            </a:endParaRPr>
-          </a:p>
-          <a:p>
-            <a:pPr marL="342900" indent="-342900">
-              <a:lnSpc>
-                <a:spcPct val="150000"/>
-              </a:lnSpc>
-              <a:buFont typeface="Arial" pitchFamily="34" charset="0"/>
-              <a:buChar char="•"/>
-            </a:pPr>
-            <a:r>
-              <a:rPr lang="zh-CN" altLang="en-US" sz="2400" dirty="0" smtClean="0">
-                <a:solidFill>
-                  <a:schemeClr val="tx1">
-                    <a:lumMod val="75000"/>
-                    <a:lumOff val="25000"/>
-                  </a:schemeClr>
-                </a:solidFill>
-                <a:latin typeface="微软雅黑" pitchFamily="34" charset="-122"/>
-                <a:ea typeface="微软雅黑" pitchFamily="34" charset="-122"/>
-              </a:rPr>
-              <a:t>使用</a:t>
-            </a:r>
-            <a:r>
-              <a:rPr lang="en-US" altLang="zh-CN" sz="2400" dirty="0" err="1" smtClean="0">
-                <a:solidFill>
-                  <a:schemeClr val="tx1">
-                    <a:lumMod val="75000"/>
-                    <a:lumOff val="25000"/>
-                  </a:schemeClr>
-                </a:solidFill>
-                <a:latin typeface="微软雅黑" pitchFamily="34" charset="-122"/>
-                <a:ea typeface="微软雅黑" pitchFamily="34" charset="-122"/>
-              </a:rPr>
-              <a:t>css</a:t>
-            </a:r>
-            <a:r>
-              <a:rPr lang="zh-CN" altLang="en-US" sz="2400" dirty="0" smtClean="0">
-                <a:solidFill>
-                  <a:schemeClr val="tx1">
-                    <a:lumMod val="75000"/>
-                    <a:lumOff val="25000"/>
-                  </a:schemeClr>
-                </a:solidFill>
-                <a:latin typeface="微软雅黑" pitchFamily="34" charset="-122"/>
-                <a:ea typeface="微软雅黑" pitchFamily="34" charset="-122"/>
-              </a:rPr>
-              <a:t>的属性</a:t>
-            </a:r>
-            <a:r>
-              <a:rPr lang="en-US" altLang="zh-CN" sz="2400" dirty="0" smtClean="0">
-                <a:solidFill>
-                  <a:schemeClr val="tx1">
-                    <a:lumMod val="75000"/>
-                    <a:lumOff val="25000"/>
-                  </a:schemeClr>
-                </a:solidFill>
-                <a:latin typeface="微软雅黑" pitchFamily="34" charset="-122"/>
-                <a:ea typeface="微软雅黑" pitchFamily="34" charset="-122"/>
-              </a:rPr>
-              <a:t>mix-blend-mode</a:t>
-            </a:r>
-            <a:r>
-              <a:rPr lang="zh-CN" altLang="en-US" sz="2400" dirty="0" smtClean="0">
-                <a:solidFill>
-                  <a:schemeClr val="tx1">
-                    <a:lumMod val="75000"/>
-                    <a:lumOff val="25000"/>
-                  </a:schemeClr>
-                </a:solidFill>
-                <a:latin typeface="微软雅黑" pitchFamily="34" charset="-122"/>
-                <a:ea typeface="微软雅黑" pitchFamily="34" charset="-122"/>
-              </a:rPr>
-              <a:t>，能否实现同样的效果？</a:t>
+              <a:t>路径构成的画，是否也能有描边的动画效果？</a:t>
             </a:r>
             <a:endParaRPr lang="en-US" altLang="zh-CN" sz="2400" dirty="0" smtClean="0">
               <a:solidFill>
@@ -8589,7 +11865,33 @@
                 <a:latin typeface="微软雅黑" pitchFamily="34" charset="-122"/>
                 <a:ea typeface="微软雅黑" pitchFamily="34" charset="-122"/>
               </a:rPr>
-              <a:t>或者其他美术工具，直接使用</a:t>
+              <a:t>或者其他美术工具</a:t>
+            </a:r>
+            <a:r>
+              <a:rPr lang="zh-CN" altLang="en-US" sz="2400" dirty="0">
+                <a:solidFill>
+                  <a:schemeClr val="tx1">
+                    <a:lumMod val="75000"/>
+                    <a:lumOff val="25000"/>
+                  </a:schemeClr>
+                </a:solidFill>
+                <a:latin typeface="微软雅黑" pitchFamily="34" charset="-122"/>
+                <a:ea typeface="微软雅黑" pitchFamily="34" charset="-122"/>
+              </a:rPr>
+              <a:t>。</a:t>
+            </a:r>
+            <a:r>
+              <a:rPr lang="zh-CN" altLang="en-US" sz="2400" dirty="0" smtClean="0">
+                <a:solidFill>
+                  <a:schemeClr val="tx1">
+                    <a:lumMod val="75000"/>
+                    <a:lumOff val="25000"/>
+                  </a:schemeClr>
+                </a:solidFill>
+                <a:latin typeface="微软雅黑" pitchFamily="34" charset="-122"/>
+                <a:ea typeface="微软雅黑" pitchFamily="34" charset="-122"/>
+              </a:rPr>
+              <a:t>用</a:t>
             </a:r>
             <a:r>
               <a:rPr lang="en-US" altLang="zh-CN" sz="2400" dirty="0" err="1" smtClean="0">
@@ -8641,7 +11943,7 @@
                 <a:latin typeface="微软雅黑" pitchFamily="34" charset="-122"/>
                 <a:ea typeface="微软雅黑" pitchFamily="34" charset="-122"/>
               </a:rPr>
-              <a:t>标签也可以，但是不能随心所欲的实现想要的效果。</a:t>
+              <a:t>标签也可以描边，但是不能随心所欲地实现想要的效果。</a:t>
             </a:r>
             <a:endParaRPr lang="en-US" altLang="zh-CN" sz="2400" dirty="0" smtClean="0">
               <a:solidFill>
@@ -8701,7 +12003,7 @@
               <a:t>属性</a:t>
             </a:r>
             <a:r>
-              <a:rPr lang="en-US" altLang="zh-CN" sz="2400" dirty="0" smtClean="0">
+              <a:rPr lang="en-US" altLang="zh-CN" sz="2400" b="1" dirty="0" smtClean="0">
                 <a:solidFill>
                   <a:schemeClr val="tx1">
                     <a:lumMod val="75000"/>
@@ -8714,7 +12016,7 @@
               <a:t>stroke-</a:t>
             </a:r>
             <a:r>
-              <a:rPr lang="en-US" altLang="zh-CN" sz="2400" dirty="0" err="1" smtClean="0">
+              <a:rPr lang="en-US" altLang="zh-CN" sz="2400" b="1" dirty="0" err="1" smtClean="0">
                 <a:solidFill>
                   <a:schemeClr val="tx1">
                     <a:lumMod val="75000"/>
@@ -8740,7 +12042,7 @@
               <a:t>和</a:t>
             </a:r>
             <a:r>
-              <a:rPr lang="en-US" altLang="zh-CN" sz="2400" dirty="0" smtClean="0">
+              <a:rPr lang="en-US" altLang="zh-CN" sz="2400" b="1" dirty="0" smtClean="0">
                 <a:solidFill>
                   <a:schemeClr val="tx1">
                     <a:lumMod val="75000"/>
@@ -8753,7 +12055,7 @@
               <a:t>stroke-</a:t>
             </a:r>
             <a:r>
-              <a:rPr lang="en-US" altLang="zh-CN" sz="2400" dirty="0" err="1" smtClean="0">
+              <a:rPr lang="en-US" altLang="zh-CN" sz="2400" b="1" dirty="0" err="1" smtClean="0">
                 <a:solidFill>
                   <a:schemeClr val="tx1">
                     <a:lumMod val="75000"/>
@@ -9608,7 +12910,7 @@
                 <a:latin typeface="微软雅黑" pitchFamily="34" charset="-122"/>
                 <a:ea typeface="微软雅黑" pitchFamily="34" charset="-122"/>
               </a:rPr>
-              <a:t>中，路径的概念，以及相关标签。</a:t>
+              <a:t>中，路径的概念，以及相关标签功能。</a:t>
             </a:r>
             <a:endParaRPr lang="en-US" altLang="zh-CN" sz="2400" dirty="0" smtClean="0">
               <a:solidFill>
@@ -9723,7 +13025,7 @@
                 <a:latin typeface="微软雅黑" pitchFamily="34" charset="-122"/>
                 <a:ea typeface="微软雅黑" pitchFamily="34" charset="-122"/>
               </a:rPr>
-              <a:t>元素通过指定一些列相互连接的线，圆弧，曲线绘制任意形状的轮廓。</a:t>
+              <a:t>元素通过指定一系列相互连接的线，圆弧，曲线绘制任意形状的轮廓。</a:t>
             </a:r>
             <a:endParaRPr lang="en-US" altLang="zh-CN" sz="2400" dirty="0" smtClean="0">
               <a:solidFill>
@@ -9848,7 +13150,33 @@
                 <a:latin typeface="微软雅黑" pitchFamily="34" charset="-122"/>
                 <a:ea typeface="微软雅黑" pitchFamily="34" charset="-122"/>
               </a:rPr>
-              <a:t>属性中，数据中斗士单个字符的命令，比如</a:t>
+              <a:t>属性中，数据中</a:t>
+            </a:r>
+            <a:r>
+              <a:rPr lang="zh-CN" altLang="en-US" sz="2400" dirty="0">
+                <a:solidFill>
+                  <a:schemeClr val="tx1">
+                    <a:lumMod val="75000"/>
+                    <a:lumOff val="25000"/>
+                  </a:schemeClr>
+                </a:solidFill>
+                <a:latin typeface="微软雅黑" pitchFamily="34" charset="-122"/>
+                <a:ea typeface="微软雅黑" pitchFamily="34" charset="-122"/>
+              </a:rPr>
+              <a:t>都是</a:t>
+            </a:r>
+            <a:r>
+              <a:rPr lang="zh-CN" altLang="en-US" sz="2400" dirty="0" smtClean="0">
+                <a:solidFill>
+                  <a:schemeClr val="tx1">
+                    <a:lumMod val="75000"/>
+                    <a:lumOff val="25000"/>
+                  </a:schemeClr>
+                </a:solidFill>
+                <a:latin typeface="微软雅黑" pitchFamily="34" charset="-122"/>
+                <a:ea typeface="微软雅黑" pitchFamily="34" charset="-122"/>
+              </a:rPr>
+              <a:t>单个字符的命令，比如</a:t>
             </a:r>
             <a:r>
               <a:rPr lang="en-US" altLang="zh-CN" sz="2400" dirty="0" smtClean="0">
@@ -10012,7 +13340,7 @@
                 <a:latin typeface="微软雅黑" pitchFamily="34" charset="-122"/>
                 <a:ea typeface="微软雅黑" pitchFamily="34" charset="-122"/>
               </a:rPr>
-              <a:t>，表示路径从何处开始，比如</a:t>
+              <a:t>，表示路径从何处开始，如</a:t>
             </a:r>
             <a:r>
               <a:rPr lang="en-US" altLang="zh-CN" sz="2400" dirty="0" smtClean="0">
@@ -11063,6 +14391,364 @@
               <a:latin typeface="微软雅黑" pitchFamily="34" charset="-122"/>
               <a:ea typeface="微软雅黑" pitchFamily="34" charset="-122"/>
             </a:endParaRPr>
+          </a:p>
+        </p:txBody>
+      </p:sp>
+      <p:sp>
+        <p:nvSpPr>
+          <p:cNvPr id="9" name="五边形 8"/>
+          <p:cNvSpPr/>
+          <p:nvPr/>
+        </p:nvSpPr>
+        <p:spPr>
+          <a:xfrm>
+            <a:off x="3534963" y="1669777"/>
+            <a:ext cx="1368152" cy="384119"/>
+          </a:xfrm>
+          <a:prstGeom prst="homePlate">
+            <a:avLst/>
+          </a:prstGeom>
+          <a:noFill/>
+          <a:ln>
+            <a:solidFill>
+              <a:schemeClr val="tx1"/>
+            </a:solidFill>
+          </a:ln>
+        </p:spPr>
+        <p:style>
+          <a:lnRef idx="2">
+            <a:schemeClr val="accent1">
+              <a:shade val="50000"/>
+            </a:schemeClr>
+          </a:lnRef>
+          <a:fillRef idx="1">
+            <a:schemeClr val="accent1"/>
+          </a:fillRef>
+          <a:effectRef idx="0">
+            <a:schemeClr val="accent1"/>
+          </a:effectRef>
+          <a:fontRef idx="minor">
+            <a:schemeClr val="lt1"/>
+          </a:fontRef>
+        </p:style>
+        <p:txBody>
+          <a:bodyPr rtlCol="0" anchor="ctr"/>
+          <a:lstStyle/>
+          <a:p>
+            <a:pPr algn="ctr"/>
+            <a:r>
+              <a:rPr lang="en-US" altLang="zh-CN" dirty="0" smtClean="0"/>
+              <a:t> </a:t>
+            </a:r>
+            <a:r>
+              <a:rPr lang="en-US" altLang="zh-CN" b="1" dirty="0">
+                <a:solidFill>
+                  <a:srgbClr val="C00000"/>
+                </a:solidFill>
+                <a:latin typeface="微软雅黑" pitchFamily="34" charset="-122"/>
+                <a:ea typeface="微软雅黑" pitchFamily="34" charset="-122"/>
+              </a:rPr>
+              <a:t>L</a:t>
+            </a:r>
+            <a:r>
+              <a:rPr lang="en-US" altLang="zh-CN" dirty="0">
+                <a:solidFill>
+                  <a:schemeClr val="tx1">
+                    <a:lumMod val="75000"/>
+                    <a:lumOff val="25000"/>
+                  </a:schemeClr>
+                </a:solidFill>
+                <a:latin typeface="微软雅黑" pitchFamily="34" charset="-122"/>
+                <a:ea typeface="微软雅黑" pitchFamily="34" charset="-122"/>
+              </a:rPr>
+              <a:t> 90 10</a:t>
+            </a:r>
+            <a:endParaRPr lang="zh-CN" altLang="en-US" dirty="0"/>
+          </a:p>
+        </p:txBody>
+      </p:sp>
+      <p:sp>
+        <p:nvSpPr>
+          <p:cNvPr id="10" name="五边形 9"/>
+          <p:cNvSpPr/>
+          <p:nvPr/>
+        </p:nvSpPr>
+        <p:spPr>
+          <a:xfrm rot="5400000">
+            <a:off x="5612846" y="3007249"/>
+            <a:ext cx="1413494" cy="384119"/>
+          </a:xfrm>
+          <a:prstGeom prst="homePlate">
+            <a:avLst>
+              <a:gd name="adj" fmla="val 56680"/>
+            </a:avLst>
+          </a:prstGeom>
+          <a:noFill/>
+          <a:ln>
+            <a:solidFill>
+              <a:schemeClr val="tx1"/>
+            </a:solidFill>
+          </a:ln>
+        </p:spPr>
+        <p:style>
+          <a:lnRef idx="2">
+            <a:schemeClr val="accent1">
+              <a:shade val="50000"/>
+            </a:schemeClr>
+          </a:lnRef>
+          <a:fillRef idx="1">
+            <a:schemeClr val="accent1"/>
+          </a:fillRef>
+          <a:effectRef idx="0">
+            <a:schemeClr val="accent1"/>
+          </a:effectRef>
+          <a:fontRef idx="minor">
+            <a:schemeClr val="lt1"/>
+          </a:fontRef>
+        </p:style>
+        <p:txBody>
+          <a:bodyPr rtlCol="0" anchor="ctr"/>
+          <a:lstStyle/>
+          <a:p>
+            <a:pPr algn="ctr"/>
+            <a:r>
+              <a:rPr lang="en-US" altLang="zh-CN" dirty="0" smtClean="0"/>
+              <a:t> </a:t>
+            </a:r>
+            <a:r>
+              <a:rPr lang="en-US" altLang="zh-CN" b="1" dirty="0">
+                <a:solidFill>
+                  <a:srgbClr val="C00000"/>
+                </a:solidFill>
+                <a:latin typeface="微软雅黑" pitchFamily="34" charset="-122"/>
+                <a:ea typeface="微软雅黑" pitchFamily="34" charset="-122"/>
+              </a:rPr>
+              <a:t>L</a:t>
+            </a:r>
+            <a:r>
+              <a:rPr lang="en-US" altLang="zh-CN" dirty="0">
+                <a:solidFill>
+                  <a:schemeClr val="tx1">
+                    <a:lumMod val="75000"/>
+                    <a:lumOff val="25000"/>
+                  </a:schemeClr>
+                </a:solidFill>
+                <a:latin typeface="微软雅黑" pitchFamily="34" charset="-122"/>
+                <a:ea typeface="微软雅黑" pitchFamily="34" charset="-122"/>
+              </a:rPr>
+              <a:t> 90 30</a:t>
+            </a:r>
+            <a:endParaRPr lang="zh-CN" altLang="en-US" dirty="0"/>
+          </a:p>
+        </p:txBody>
+      </p:sp>
+      <p:sp>
+        <p:nvSpPr>
+          <p:cNvPr id="11" name="五边形 10"/>
+          <p:cNvSpPr/>
+          <p:nvPr/>
+        </p:nvSpPr>
+        <p:spPr>
+          <a:xfrm flipH="1">
+            <a:off x="3338970" y="4502131"/>
+            <a:ext cx="1440160" cy="384119"/>
+          </a:xfrm>
+          <a:prstGeom prst="homePlate">
+            <a:avLst>
+              <a:gd name="adj" fmla="val 56680"/>
+            </a:avLst>
+          </a:prstGeom>
+          <a:noFill/>
+          <a:ln>
+            <a:solidFill>
+              <a:schemeClr val="tx1"/>
+            </a:solidFill>
+          </a:ln>
+        </p:spPr>
+        <p:style>
+          <a:lnRef idx="2">
+            <a:schemeClr val="accent1">
+              <a:shade val="50000"/>
+            </a:schemeClr>
+          </a:lnRef>
+          <a:fillRef idx="1">
+            <a:schemeClr val="accent1"/>
+          </a:fillRef>
+          <a:effectRef idx="0">
+            <a:schemeClr val="accent1"/>
+          </a:effectRef>
+          <a:fontRef idx="minor">
+            <a:schemeClr val="lt1"/>
+          </a:fontRef>
+        </p:style>
+        <p:txBody>
+          <a:bodyPr rtlCol="0" anchor="ctr"/>
+          <a:lstStyle/>
+          <a:p>
+            <a:pPr algn="ctr"/>
+            <a:r>
+              <a:rPr lang="en-US" altLang="zh-CN" dirty="0" smtClean="0"/>
+              <a:t> </a:t>
+            </a:r>
+            <a:r>
+              <a:rPr lang="en-US" altLang="zh-CN" b="1" dirty="0">
+                <a:solidFill>
+                  <a:srgbClr val="C00000"/>
+                </a:solidFill>
+                <a:latin typeface="微软雅黑" pitchFamily="34" charset="-122"/>
+                <a:ea typeface="微软雅黑" pitchFamily="34" charset="-122"/>
+              </a:rPr>
+              <a:t>L</a:t>
+            </a:r>
+            <a:r>
+              <a:rPr lang="en-US" altLang="zh-CN" dirty="0">
+                <a:solidFill>
+                  <a:schemeClr val="tx1">
+                    <a:lumMod val="75000"/>
+                    <a:lumOff val="25000"/>
+                  </a:schemeClr>
+                </a:solidFill>
+                <a:latin typeface="微软雅黑" pitchFamily="34" charset="-122"/>
+                <a:ea typeface="微软雅黑" pitchFamily="34" charset="-122"/>
+              </a:rPr>
+              <a:t> 60 30</a:t>
+            </a:r>
+            <a:endParaRPr lang="zh-CN" altLang="en-US" dirty="0"/>
+          </a:p>
+        </p:txBody>
+      </p:sp>
+      <p:sp>
+        <p:nvSpPr>
+          <p:cNvPr id="12" name="五边形 11"/>
+          <p:cNvSpPr/>
+          <p:nvPr/>
+        </p:nvSpPr>
+        <p:spPr>
+          <a:xfrm rot="5400000" flipH="1">
+            <a:off x="1636389" y="2967569"/>
+            <a:ext cx="998757" cy="384119"/>
+          </a:xfrm>
+          <a:prstGeom prst="homePlate">
+            <a:avLst>
+              <a:gd name="adj" fmla="val 56680"/>
+            </a:avLst>
+          </a:prstGeom>
+          <a:noFill/>
+          <a:ln>
+            <a:solidFill>
+              <a:schemeClr val="tx1"/>
+            </a:solidFill>
+          </a:ln>
+        </p:spPr>
+        <p:style>
+          <a:lnRef idx="2">
+            <a:schemeClr val="accent1">
+              <a:shade val="50000"/>
+            </a:schemeClr>
+          </a:lnRef>
+          <a:fillRef idx="1">
+            <a:schemeClr val="accent1"/>
+          </a:fillRef>
+          <a:effectRef idx="0">
+            <a:schemeClr val="accent1"/>
+          </a:effectRef>
+          <a:fontRef idx="minor">
+            <a:schemeClr val="lt1"/>
+          </a:fontRef>
+        </p:style>
+        <p:txBody>
+          <a:bodyPr rtlCol="0" anchor="ctr"/>
+          <a:lstStyle/>
+          <a:p>
+            <a:pPr algn="ctr"/>
+            <a:r>
+              <a:rPr lang="en-US" altLang="zh-CN" dirty="0" smtClean="0"/>
+              <a:t> </a:t>
+            </a:r>
+            <a:r>
+              <a:rPr lang="en-US" altLang="zh-CN" b="1" dirty="0">
+                <a:solidFill>
+                  <a:srgbClr val="C00000"/>
+                </a:solidFill>
+                <a:latin typeface="微软雅黑" pitchFamily="34" charset="-122"/>
+                <a:ea typeface="微软雅黑" pitchFamily="34" charset="-122"/>
+              </a:rPr>
+              <a:t>Z</a:t>
+            </a:r>
+            <a:endParaRPr lang="zh-CN" altLang="en-US" dirty="0"/>
+          </a:p>
+        </p:txBody>
+      </p:sp>
+      <p:sp>
+        <p:nvSpPr>
+          <p:cNvPr id="13" name="五边形 12"/>
+          <p:cNvSpPr/>
+          <p:nvPr/>
+        </p:nvSpPr>
+        <p:spPr>
+          <a:xfrm>
+            <a:off x="489029" y="1818476"/>
+            <a:ext cx="1368152" cy="384119"/>
+          </a:xfrm>
+          <a:prstGeom prst="homePlate">
+            <a:avLst/>
+          </a:prstGeom>
+          <a:noFill/>
+          <a:ln>
+            <a:solidFill>
+              <a:schemeClr val="tx1"/>
+            </a:solidFill>
+          </a:ln>
+        </p:spPr>
+        <p:style>
+          <a:lnRef idx="2">
+            <a:schemeClr val="accent1">
+              <a:shade val="50000"/>
+            </a:schemeClr>
+          </a:lnRef>
+          <a:fillRef idx="1">
+            <a:schemeClr val="accent1"/>
+          </a:fillRef>
+          <a:effectRef idx="0">
+            <a:schemeClr val="accent1"/>
+          </a:effectRef>
+          <a:fontRef idx="minor">
+            <a:schemeClr val="lt1"/>
+          </a:fontRef>
+        </p:style>
+        <p:txBody>
+          <a:bodyPr rtlCol="0" anchor="ctr"/>
+          <a:lstStyle/>
+          <a:p>
+            <a:pPr algn="ctr"/>
+            <a:r>
+              <a:rPr lang="en-US" altLang="zh-CN" dirty="0" smtClean="0"/>
+              <a:t> </a:t>
+            </a:r>
+            <a:r>
+              <a:rPr lang="en-US" altLang="zh-CN" dirty="0">
+                <a:solidFill>
+                  <a:srgbClr val="C00000"/>
+                </a:solidFill>
+                <a:latin typeface="微软雅黑" pitchFamily="34" charset="-122"/>
+                <a:ea typeface="微软雅黑" pitchFamily="34" charset="-122"/>
+              </a:rPr>
+              <a:t>M</a:t>
+            </a:r>
+            <a:r>
+              <a:rPr lang="en-US" altLang="zh-CN" dirty="0">
+                <a:solidFill>
+                  <a:schemeClr val="tx1">
+                    <a:lumMod val="75000"/>
+                    <a:lumOff val="25000"/>
+                  </a:schemeClr>
+                </a:solidFill>
+                <a:latin typeface="微软雅黑" pitchFamily="34" charset="-122"/>
+                <a:ea typeface="微软雅黑" pitchFamily="34" charset="-122"/>
+              </a:rPr>
+              <a:t> 60 10</a:t>
+            </a:r>
+            <a:endParaRPr lang="zh-CN" altLang="en-US" dirty="0"/>
           </a:p>
         </p:txBody>
       </p:sp>
